--- a/세미콜론 게임부분 강의자료.pptx
+++ b/세미콜론 게임부분 강의자료.pptx
@@ -6,13 +6,16 @@
   </p:sldMasterIdLst>
   <p:sldIdLst>
     <p:sldId id="256" r:id="rId2"/>
-    <p:sldId id="257" r:id="rId3"/>
+    <p:sldId id="264" r:id="rId3"/>
     <p:sldId id="258" r:id="rId4"/>
     <p:sldId id="259" r:id="rId5"/>
     <p:sldId id="260" r:id="rId6"/>
-    <p:sldId id="261" r:id="rId7"/>
-    <p:sldId id="262" r:id="rId8"/>
-    <p:sldId id="263" r:id="rId9"/>
+    <p:sldId id="265" r:id="rId7"/>
+    <p:sldId id="266" r:id="rId8"/>
+    <p:sldId id="267" r:id="rId9"/>
+    <p:sldId id="261" r:id="rId10"/>
+    <p:sldId id="262" r:id="rId11"/>
+    <p:sldId id="263" r:id="rId12"/>
   </p:sldIdLst>
   <p:sldSz cx="12192000" cy="6858000"/>
   <p:notesSz cx="6858000" cy="9144000"/>
@@ -111,6 +114,11 @@
       </a:defRPr>
     </a:lvl9pPr>
   </p:defaultTextStyle>
+  <p:extLst>
+    <p:ext uri="{EFAFB233-063F-42B5-8137-9DF3F51BA10A}">
+      <p15:sldGuideLst xmlns:p15="http://schemas.microsoft.com/office/powerpoint/2012/main"/>
+    </p:ext>
+  </p:extLst>
 </p:presentation>
 </file>
 
@@ -264,7 +272,7 @@
           <a:p>
             <a:fld id="{029A58AB-925F-4F07-8A78-3DEBCB3D0F8D}" type="datetimeFigureOut">
               <a:rPr lang="ko-KR" altLang="en-US" smtClean="0"/>
-              <a:t>2021-05-11</a:t>
+              <a:t>2021-05-13</a:t>
             </a:fld>
             <a:endParaRPr lang="ko-KR" altLang="en-US"/>
           </a:p>
@@ -470,7 +478,7 @@
           <a:p>
             <a:fld id="{029A58AB-925F-4F07-8A78-3DEBCB3D0F8D}" type="datetimeFigureOut">
               <a:rPr lang="ko-KR" altLang="en-US" smtClean="0"/>
-              <a:t>2021-05-11</a:t>
+              <a:t>2021-05-13</a:t>
             </a:fld>
             <a:endParaRPr lang="ko-KR" altLang="en-US"/>
           </a:p>
@@ -681,7 +689,7 @@
           <a:p>
             <a:fld id="{029A58AB-925F-4F07-8A78-3DEBCB3D0F8D}" type="datetimeFigureOut">
               <a:rPr lang="ko-KR" altLang="en-US" smtClean="0"/>
-              <a:t>2021-05-11</a:t>
+              <a:t>2021-05-13</a:t>
             </a:fld>
             <a:endParaRPr lang="ko-KR" altLang="en-US"/>
           </a:p>
@@ -773,34 +781,6 @@
       </p:grpSpPr>
       <p:sp>
         <p:nvSpPr>
-          <p:cNvPr id="2" name="제목 1">
-            <a:extLst>
-              <a:ext uri="{FF2B5EF4-FFF2-40B4-BE49-F238E27FC236}">
-                <a16:creationId xmlns:a16="http://schemas.microsoft.com/office/drawing/2014/main" id="{AA10BA99-84A4-4C7E-9963-AAE51B7BEDC1}"/>
-              </a:ext>
-            </a:extLst>
-          </p:cNvPr>
-          <p:cNvSpPr>
-            <a:spLocks noGrp="1"/>
-          </p:cNvSpPr>
-          <p:nvPr>
-            <p:ph type="title"/>
-          </p:nvPr>
-        </p:nvSpPr>
-        <p:spPr/>
-        <p:txBody>
-          <a:bodyPr/>
-          <a:lstStyle/>
-          <a:p>
-            <a:r>
-              <a:rPr lang="ko-KR" altLang="en-US" dirty="0"/>
-              <a:t>마스터 제목 스타일 편집</a:t>
-            </a:r>
-          </a:p>
-        </p:txBody>
-      </p:sp>
-      <p:sp>
-        <p:nvSpPr>
           <p:cNvPr id="3" name="내용 개체 틀 2">
             <a:extLst>
               <a:ext uri="{FF2B5EF4-FFF2-40B4-BE49-F238E27FC236}">
@@ -887,7 +867,7 @@
           <a:p>
             <a:fld id="{029A58AB-925F-4F07-8A78-3DEBCB3D0F8D}" type="datetimeFigureOut">
               <a:rPr lang="ko-KR" altLang="en-US" smtClean="0"/>
-              <a:t>2021-05-11</a:t>
+              <a:t>2021-05-13</a:t>
             </a:fld>
             <a:endParaRPr lang="ko-KR" altLang="en-US"/>
           </a:p>
@@ -944,6 +924,155 @@
               <a:t>‹#›</a:t>
             </a:fld>
             <a:endParaRPr lang="ko-KR" altLang="en-US"/>
+          </a:p>
+        </p:txBody>
+      </p:sp>
+      <p:pic>
+        <p:nvPicPr>
+          <p:cNvPr id="7" name="그림 6" descr="별, 옥외설치물, 밤하늘이(가) 표시된 사진&#10;&#10;자동 생성된 설명">
+            <a:extLst>
+              <a:ext uri="{FF2B5EF4-FFF2-40B4-BE49-F238E27FC236}">
+                <a16:creationId xmlns:a16="http://schemas.microsoft.com/office/drawing/2014/main" id="{F767B3F3-FAC6-4783-8C20-179195E033C3}"/>
+              </a:ext>
+            </a:extLst>
+          </p:cNvPr>
+          <p:cNvPicPr>
+            <a:picLocks noChangeAspect="1"/>
+          </p:cNvPicPr>
+          <p:nvPr userDrawn="1"/>
+        </p:nvPicPr>
+        <p:blipFill>
+          <a:blip r:embed="rId2">
+            <a:clrChange>
+              <a:clrFrom>
+                <a:srgbClr val="000000">
+                  <a:alpha val="0"/>
+                </a:srgbClr>
+              </a:clrFrom>
+              <a:clrTo>
+                <a:srgbClr val="000000">
+                  <a:alpha val="0"/>
+                </a:srgbClr>
+              </a:clrTo>
+            </a:clrChange>
+            <a:duotone>
+              <a:prstClr val="black"/>
+              <a:schemeClr val="accent1">
+                <a:tint val="45000"/>
+                <a:satMod val="400000"/>
+              </a:schemeClr>
+            </a:duotone>
+            <a:extLst>
+              <a:ext uri="{28A0092B-C50C-407E-A947-70E740481C1C}">
+                <a14:useLocalDpi xmlns:a14="http://schemas.microsoft.com/office/drawing/2010/main" val="0"/>
+              </a:ext>
+            </a:extLst>
+          </a:blip>
+          <a:stretch>
+            <a:fillRect/>
+          </a:stretch>
+        </p:blipFill>
+        <p:spPr>
+          <a:xfrm flipV="1">
+            <a:off x="0" y="0"/>
+            <a:ext cx="12192000" cy="777240"/>
+          </a:xfrm>
+          <a:prstGeom prst="rect">
+            <a:avLst/>
+          </a:prstGeom>
+        </p:spPr>
+      </p:pic>
+      <p:pic>
+        <p:nvPicPr>
+          <p:cNvPr id="8" name="그림 7" descr="별, 옥외설치물, 밤하늘이(가) 표시된 사진&#10;&#10;자동 생성된 설명">
+            <a:extLst>
+              <a:ext uri="{FF2B5EF4-FFF2-40B4-BE49-F238E27FC236}">
+                <a16:creationId xmlns:a16="http://schemas.microsoft.com/office/drawing/2014/main" id="{FD23840D-812E-4FA0-990E-A04DECB13E27}"/>
+              </a:ext>
+            </a:extLst>
+          </p:cNvPr>
+          <p:cNvPicPr>
+            <a:picLocks noChangeAspect="1"/>
+          </p:cNvPicPr>
+          <p:nvPr userDrawn="1"/>
+        </p:nvPicPr>
+        <p:blipFill>
+          <a:blip r:embed="rId2">
+            <a:clrChange>
+              <a:clrFrom>
+                <a:srgbClr val="000000">
+                  <a:alpha val="0"/>
+                </a:srgbClr>
+              </a:clrFrom>
+              <a:clrTo>
+                <a:srgbClr val="000000">
+                  <a:alpha val="0"/>
+                </a:srgbClr>
+              </a:clrTo>
+            </a:clrChange>
+            <a:duotone>
+              <a:prstClr val="black"/>
+              <a:schemeClr val="accent1">
+                <a:tint val="45000"/>
+                <a:satMod val="400000"/>
+              </a:schemeClr>
+            </a:duotone>
+            <a:extLst>
+              <a:ext uri="{28A0092B-C50C-407E-A947-70E740481C1C}">
+                <a14:useLocalDpi xmlns:a14="http://schemas.microsoft.com/office/drawing/2010/main" val="0"/>
+              </a:ext>
+            </a:extLst>
+          </a:blip>
+          <a:stretch>
+            <a:fillRect/>
+          </a:stretch>
+        </p:blipFill>
+        <p:spPr>
+          <a:xfrm>
+            <a:off x="0" y="6080760"/>
+            <a:ext cx="12192000" cy="777240"/>
+          </a:xfrm>
+          <a:prstGeom prst="rect">
+            <a:avLst/>
+          </a:prstGeom>
+        </p:spPr>
+      </p:pic>
+      <p:sp>
+        <p:nvSpPr>
+          <p:cNvPr id="2" name="제목 1">
+            <a:extLst>
+              <a:ext uri="{FF2B5EF4-FFF2-40B4-BE49-F238E27FC236}">
+                <a16:creationId xmlns:a16="http://schemas.microsoft.com/office/drawing/2014/main" id="{AA10BA99-84A4-4C7E-9963-AAE51B7BEDC1}"/>
+              </a:ext>
+            </a:extLst>
+          </p:cNvPr>
+          <p:cNvSpPr>
+            <a:spLocks noGrp="1"/>
+          </p:cNvSpPr>
+          <p:nvPr>
+            <p:ph type="title"/>
+          </p:nvPr>
+        </p:nvSpPr>
+        <p:spPr>
+          <a:xfrm>
+            <a:off x="105508" y="96519"/>
+            <a:ext cx="11638280" cy="680721"/>
+          </a:xfrm>
+        </p:spPr>
+        <p:txBody>
+          <a:bodyPr>
+            <a:normAutofit/>
+          </a:bodyPr>
+          <a:lstStyle>
+            <a:lvl1pPr>
+              <a:defRPr sz="3200"/>
+            </a:lvl1pPr>
+          </a:lstStyle>
+          <a:p>
+            <a:r>
+              <a:rPr lang="ko-KR" altLang="en-US" dirty="0"/>
+              <a:t>마스터 제목 스타일 편집</a:t>
+            </a:r>
           </a:p>
         </p:txBody>
       </p:sp>
@@ -1165,7 +1294,7 @@
           <a:p>
             <a:fld id="{029A58AB-925F-4F07-8A78-3DEBCB3D0F8D}" type="datetimeFigureOut">
               <a:rPr lang="ko-KR" altLang="en-US" smtClean="0"/>
-              <a:t>2021-05-11</a:t>
+              <a:t>2021-05-13</a:t>
             </a:fld>
             <a:endParaRPr lang="ko-KR" altLang="en-US"/>
           </a:p>
@@ -1436,7 +1565,7 @@
           <a:p>
             <a:fld id="{029A58AB-925F-4F07-8A78-3DEBCB3D0F8D}" type="datetimeFigureOut">
               <a:rPr lang="ko-KR" altLang="en-US" smtClean="0"/>
-              <a:t>2021-05-11</a:t>
+              <a:t>2021-05-13</a:t>
             </a:fld>
             <a:endParaRPr lang="ko-KR" altLang="en-US"/>
           </a:p>
@@ -1860,7 +1989,7 @@
           <a:p>
             <a:fld id="{029A58AB-925F-4F07-8A78-3DEBCB3D0F8D}" type="datetimeFigureOut">
               <a:rPr lang="ko-KR" altLang="en-US" smtClean="0"/>
-              <a:t>2021-05-11</a:t>
+              <a:t>2021-05-13</a:t>
             </a:fld>
             <a:endParaRPr lang="ko-KR" altLang="en-US"/>
           </a:p>
@@ -2001,7 +2130,7 @@
           <a:p>
             <a:fld id="{029A58AB-925F-4F07-8A78-3DEBCB3D0F8D}" type="datetimeFigureOut">
               <a:rPr lang="ko-KR" altLang="en-US" smtClean="0"/>
-              <a:t>2021-05-11</a:t>
+              <a:t>2021-05-13</a:t>
             </a:fld>
             <a:endParaRPr lang="ko-KR" altLang="en-US"/>
           </a:p>
@@ -2114,7 +2243,7 @@
           <a:p>
             <a:fld id="{029A58AB-925F-4F07-8A78-3DEBCB3D0F8D}" type="datetimeFigureOut">
               <a:rPr lang="ko-KR" altLang="en-US" smtClean="0"/>
-              <a:t>2021-05-11</a:t>
+              <a:t>2021-05-13</a:t>
             </a:fld>
             <a:endParaRPr lang="ko-KR" altLang="en-US"/>
           </a:p>
@@ -2431,7 +2560,7 @@
           <a:p>
             <a:fld id="{029A58AB-925F-4F07-8A78-3DEBCB3D0F8D}" type="datetimeFigureOut">
               <a:rPr lang="ko-KR" altLang="en-US" smtClean="0"/>
-              <a:t>2021-05-11</a:t>
+              <a:t>2021-05-13</a:t>
             </a:fld>
             <a:endParaRPr lang="ko-KR" altLang="en-US"/>
           </a:p>
@@ -2725,7 +2854,7 @@
           <a:p>
             <a:fld id="{029A58AB-925F-4F07-8A78-3DEBCB3D0F8D}" type="datetimeFigureOut">
               <a:rPr lang="ko-KR" altLang="en-US" smtClean="0"/>
-              <a:t>2021-05-11</a:t>
+              <a:t>2021-05-13</a:t>
             </a:fld>
             <a:endParaRPr lang="ko-KR" altLang="en-US"/>
           </a:p>
@@ -2828,44 +2957,6 @@
       </p:grpSpPr>
       <p:sp>
         <p:nvSpPr>
-          <p:cNvPr id="2" name="제목 개체 틀 1">
-            <a:extLst>
-              <a:ext uri="{FF2B5EF4-FFF2-40B4-BE49-F238E27FC236}">
-                <a16:creationId xmlns:a16="http://schemas.microsoft.com/office/drawing/2014/main" id="{5B938D3E-B3E9-498E-ACEB-3DFC74E0DC26}"/>
-              </a:ext>
-            </a:extLst>
-          </p:cNvPr>
-          <p:cNvSpPr>
-            <a:spLocks noGrp="1"/>
-          </p:cNvSpPr>
-          <p:nvPr>
-            <p:ph type="title"/>
-          </p:nvPr>
-        </p:nvSpPr>
-        <p:spPr>
-          <a:xfrm>
-            <a:off x="228600" y="212725"/>
-            <a:ext cx="11638280" cy="1169035"/>
-          </a:xfrm>
-          <a:prstGeom prst="rect">
-            <a:avLst/>
-          </a:prstGeom>
-        </p:spPr>
-        <p:txBody>
-          <a:bodyPr vert="horz" lIns="91440" tIns="45720" rIns="91440" bIns="45720" rtlCol="0" anchor="ctr">
-            <a:normAutofit/>
-          </a:bodyPr>
-          <a:lstStyle/>
-          <a:p>
-            <a:r>
-              <a:rPr lang="ko-KR" altLang="en-US" dirty="0"/>
-              <a:t>마스터 제목 스타일 편집</a:t>
-            </a:r>
-          </a:p>
-        </p:txBody>
-      </p:sp>
-      <p:sp>
-        <p:nvSpPr>
           <p:cNvPr id="4" name="날짜 개체 틀 3">
             <a:extLst>
               <a:ext uri="{FF2B5EF4-FFF2-40B4-BE49-F238E27FC236}">
@@ -2905,7 +2996,7 @@
           <a:p>
             <a:fld id="{029A58AB-925F-4F07-8A78-3DEBCB3D0F8D}" type="datetimeFigureOut">
               <a:rPr lang="ko-KR" altLang="en-US" smtClean="0"/>
-              <a:t>2021-05-11</a:t>
+              <a:t>2021-05-13</a:t>
             </a:fld>
             <a:endParaRPr lang="ko-KR" altLang="en-US"/>
           </a:p>
@@ -2998,6 +3089,44 @@
               <a:t>‹#›</a:t>
             </a:fld>
             <a:endParaRPr lang="ko-KR" altLang="en-US"/>
+          </a:p>
+        </p:txBody>
+      </p:sp>
+      <p:sp>
+        <p:nvSpPr>
+          <p:cNvPr id="2" name="제목 개체 틀 1">
+            <a:extLst>
+              <a:ext uri="{FF2B5EF4-FFF2-40B4-BE49-F238E27FC236}">
+                <a16:creationId xmlns:a16="http://schemas.microsoft.com/office/drawing/2014/main" id="{5B938D3E-B3E9-498E-ACEB-3DFC74E0DC26}"/>
+              </a:ext>
+            </a:extLst>
+          </p:cNvPr>
+          <p:cNvSpPr>
+            <a:spLocks noGrp="1"/>
+          </p:cNvSpPr>
+          <p:nvPr>
+            <p:ph type="title"/>
+          </p:nvPr>
+        </p:nvSpPr>
+        <p:spPr>
+          <a:xfrm>
+            <a:off x="140677" y="136525"/>
+            <a:ext cx="11638280" cy="1169035"/>
+          </a:xfrm>
+          <a:prstGeom prst="rect">
+            <a:avLst/>
+          </a:prstGeom>
+        </p:spPr>
+        <p:txBody>
+          <a:bodyPr vert="horz" lIns="91440" tIns="45720" rIns="91440" bIns="45720" rtlCol="0" anchor="ctr">
+            <a:normAutofit/>
+          </a:bodyPr>
+          <a:lstStyle/>
+          <a:p>
+            <a:r>
+              <a:rPr lang="ko-KR" altLang="en-US" dirty="0"/>
+              <a:t>마스터 제목 스타일 편집</a:t>
+            </a:r>
           </a:p>
         </p:txBody>
       </p:sp>
@@ -3656,8 +3785,37 @@
                   <a:schemeClr val="bg1"/>
                 </a:solidFill>
               </a:rPr>
-              <a:t>)24</a:t>
-            </a:r>
+              <a:t>)24  </a:t>
+            </a:r>
+            <a:r>
+              <a:rPr lang="en-US" altLang="ko-KR" b="1" dirty="0">
+                <a:solidFill>
+                  <a:srgbClr val="FF0000"/>
+                </a:solidFill>
+              </a:rPr>
+              <a:t>&lt;- </a:t>
+            </a:r>
+            <a:r>
+              <a:rPr lang="ko-KR" altLang="en-US" b="1" dirty="0">
+                <a:solidFill>
+                  <a:srgbClr val="FF0000"/>
+                </a:solidFill>
+              </a:rPr>
+              <a:t>시간 할당 </a:t>
+            </a:r>
+            <a:r>
+              <a:rPr lang="ko-KR" altLang="en-US" b="1" dirty="0" err="1">
+                <a:solidFill>
+                  <a:srgbClr val="FF0000"/>
+                </a:solidFill>
+              </a:rPr>
+              <a:t>클듯</a:t>
+            </a:r>
+            <a:endParaRPr lang="en-US" altLang="ko-KR" b="1" dirty="0">
+              <a:solidFill>
+                <a:srgbClr val="FF0000"/>
+              </a:solidFill>
+            </a:endParaRPr>
           </a:p>
           <a:p>
             <a:r>
@@ -4084,6 +4242,172 @@
     <p:extLst>
       <p:ext uri="{BB962C8B-B14F-4D97-AF65-F5344CB8AC3E}">
         <p14:creationId xmlns:p14="http://schemas.microsoft.com/office/powerpoint/2010/main" val="1023087105"/>
+      </p:ext>
+    </p:extLst>
+  </p:cSld>
+  <p:clrMapOvr>
+    <a:masterClrMapping/>
+  </p:clrMapOvr>
+</p:sld>
+</file>
+
+<file path=ppt/slides/slide10.xml><?xml version="1.0" encoding="utf-8"?>
+<p:sld xmlns:a="http://schemas.openxmlformats.org/drawingml/2006/main" xmlns:r="http://schemas.openxmlformats.org/officeDocument/2006/relationships" xmlns:p="http://schemas.openxmlformats.org/presentationml/2006/main">
+  <p:cSld>
+    <p:spTree>
+      <p:nvGrpSpPr>
+        <p:cNvPr id="1" name=""/>
+        <p:cNvGrpSpPr/>
+        <p:nvPr/>
+      </p:nvGrpSpPr>
+      <p:grpSpPr>
+        <a:xfrm>
+          <a:off x="0" y="0"/>
+          <a:ext cx="0" cy="0"/>
+          <a:chOff x="0" y="0"/>
+          <a:chExt cx="0" cy="0"/>
+        </a:xfrm>
+      </p:grpSpPr>
+      <p:sp>
+        <p:nvSpPr>
+          <p:cNvPr id="2" name="제목 1">
+            <a:extLst>
+              <a:ext uri="{FF2B5EF4-FFF2-40B4-BE49-F238E27FC236}">
+                <a16:creationId xmlns:a16="http://schemas.microsoft.com/office/drawing/2014/main" id="{A49AFCED-7438-466A-8901-5564C8D31D60}"/>
+              </a:ext>
+            </a:extLst>
+          </p:cNvPr>
+          <p:cNvSpPr>
+            <a:spLocks noGrp="1"/>
+          </p:cNvSpPr>
+          <p:nvPr>
+            <p:ph type="title"/>
+          </p:nvPr>
+        </p:nvSpPr>
+        <p:spPr/>
+        <p:txBody>
+          <a:bodyPr/>
+          <a:lstStyle/>
+          <a:p>
+            <a:r>
+              <a:rPr lang="ko-KR" altLang="en-US" dirty="0"/>
+              <a:t>게임을 만들어 봅시다</a:t>
+            </a:r>
+          </a:p>
+        </p:txBody>
+      </p:sp>
+      <p:sp>
+        <p:nvSpPr>
+          <p:cNvPr id="3" name="내용 개체 틀 2">
+            <a:extLst>
+              <a:ext uri="{FF2B5EF4-FFF2-40B4-BE49-F238E27FC236}">
+                <a16:creationId xmlns:a16="http://schemas.microsoft.com/office/drawing/2014/main" id="{D9BF2358-64DE-4523-871A-C1F53678661D}"/>
+              </a:ext>
+            </a:extLst>
+          </p:cNvPr>
+          <p:cNvSpPr>
+            <a:spLocks noGrp="1"/>
+          </p:cNvSpPr>
+          <p:nvPr>
+            <p:ph idx="1"/>
+          </p:nvPr>
+        </p:nvSpPr>
+        <p:spPr/>
+        <p:txBody>
+          <a:bodyPr/>
+          <a:lstStyle/>
+          <a:p>
+            <a:endParaRPr lang="ko-KR" altLang="en-US"/>
+          </a:p>
+        </p:txBody>
+      </p:sp>
+    </p:spTree>
+    <p:extLst>
+      <p:ext uri="{BB962C8B-B14F-4D97-AF65-F5344CB8AC3E}">
+        <p14:creationId xmlns:p14="http://schemas.microsoft.com/office/powerpoint/2010/main" val="3090126108"/>
+      </p:ext>
+    </p:extLst>
+  </p:cSld>
+  <p:clrMapOvr>
+    <a:masterClrMapping/>
+  </p:clrMapOvr>
+</p:sld>
+</file>
+
+<file path=ppt/slides/slide11.xml><?xml version="1.0" encoding="utf-8"?>
+<p:sld xmlns:a="http://schemas.openxmlformats.org/drawingml/2006/main" xmlns:r="http://schemas.openxmlformats.org/officeDocument/2006/relationships" xmlns:p="http://schemas.openxmlformats.org/presentationml/2006/main">
+  <p:cSld>
+    <p:spTree>
+      <p:nvGrpSpPr>
+        <p:cNvPr id="1" name=""/>
+        <p:cNvGrpSpPr/>
+        <p:nvPr/>
+      </p:nvGrpSpPr>
+      <p:grpSpPr>
+        <a:xfrm>
+          <a:off x="0" y="0"/>
+          <a:ext cx="0" cy="0"/>
+          <a:chOff x="0" y="0"/>
+          <a:chExt cx="0" cy="0"/>
+        </a:xfrm>
+      </p:grpSpPr>
+      <p:sp>
+        <p:nvSpPr>
+          <p:cNvPr id="2" name="제목 1">
+            <a:extLst>
+              <a:ext uri="{FF2B5EF4-FFF2-40B4-BE49-F238E27FC236}">
+                <a16:creationId xmlns:a16="http://schemas.microsoft.com/office/drawing/2014/main" id="{AFE670DF-D70C-46B2-A214-638DC962DF9B}"/>
+              </a:ext>
+            </a:extLst>
+          </p:cNvPr>
+          <p:cNvSpPr>
+            <a:spLocks noGrp="1"/>
+          </p:cNvSpPr>
+          <p:nvPr>
+            <p:ph type="title"/>
+          </p:nvPr>
+        </p:nvSpPr>
+        <p:spPr/>
+        <p:txBody>
+          <a:bodyPr/>
+          <a:lstStyle/>
+          <a:p>
+            <a:r>
+              <a:rPr lang="ko-KR" altLang="en-US" dirty="0"/>
+              <a:t>마무리화면</a:t>
+            </a:r>
+          </a:p>
+        </p:txBody>
+      </p:sp>
+      <p:sp>
+        <p:nvSpPr>
+          <p:cNvPr id="3" name="내용 개체 틀 2">
+            <a:extLst>
+              <a:ext uri="{FF2B5EF4-FFF2-40B4-BE49-F238E27FC236}">
+                <a16:creationId xmlns:a16="http://schemas.microsoft.com/office/drawing/2014/main" id="{AA1ED9E9-EB6B-4D2B-B1AD-483B66FBE686}"/>
+              </a:ext>
+            </a:extLst>
+          </p:cNvPr>
+          <p:cNvSpPr>
+            <a:spLocks noGrp="1"/>
+          </p:cNvSpPr>
+          <p:nvPr>
+            <p:ph idx="1"/>
+          </p:nvPr>
+        </p:nvSpPr>
+        <p:spPr/>
+        <p:txBody>
+          <a:bodyPr/>
+          <a:lstStyle/>
+          <a:p>
+            <a:endParaRPr lang="ko-KR" altLang="en-US"/>
+          </a:p>
+        </p:txBody>
+      </p:sp>
+    </p:spTree>
+    <p:extLst>
+      <p:ext uri="{BB962C8B-B14F-4D97-AF65-F5344CB8AC3E}">
+        <p14:creationId xmlns:p14="http://schemas.microsoft.com/office/powerpoint/2010/main" val="1114121923"/>
       </p:ext>
     </p:extLst>
   </p:cSld>
@@ -4110,65 +4434,45 @@
           <a:chExt cx="0" cy="0"/>
         </a:xfrm>
       </p:grpSpPr>
-      <p:sp>
-        <p:nvSpPr>
-          <p:cNvPr id="2" name="제목 1">
-            <a:extLst>
-              <a:ext uri="{FF2B5EF4-FFF2-40B4-BE49-F238E27FC236}">
-                <a16:creationId xmlns:a16="http://schemas.microsoft.com/office/drawing/2014/main" id="{EDC64F7C-4A2E-4AE0-AE63-B86ACD84FE74}"/>
-              </a:ext>
-            </a:extLst>
-          </p:cNvPr>
-          <p:cNvSpPr>
-            <a:spLocks noGrp="1"/>
-          </p:cNvSpPr>
-          <p:nvPr>
-            <p:ph type="title"/>
-          </p:nvPr>
-        </p:nvSpPr>
-        <p:spPr/>
-        <p:txBody>
-          <a:bodyPr>
-            <a:normAutofit/>
-          </a:bodyPr>
-          <a:lstStyle/>
-          <a:p>
-            <a:r>
-              <a:rPr lang="ko-KR" altLang="en-US" dirty="0"/>
-              <a:t>표지</a:t>
-            </a:r>
-          </a:p>
-        </p:txBody>
-      </p:sp>
-      <p:sp>
-        <p:nvSpPr>
-          <p:cNvPr id="3" name="내용 개체 틀 2">
-            <a:extLst>
-              <a:ext uri="{FF2B5EF4-FFF2-40B4-BE49-F238E27FC236}">
-                <a16:creationId xmlns:a16="http://schemas.microsoft.com/office/drawing/2014/main" id="{060BBEF4-D0B5-4CC4-8818-1E031E7F39A3}"/>
-              </a:ext>
-            </a:extLst>
-          </p:cNvPr>
-          <p:cNvSpPr>
-            <a:spLocks noGrp="1"/>
-          </p:cNvSpPr>
-          <p:nvPr>
-            <p:ph idx="1"/>
-          </p:nvPr>
-        </p:nvSpPr>
-        <p:spPr/>
-        <p:txBody>
-          <a:bodyPr/>
-          <a:lstStyle/>
-          <a:p>
-            <a:endParaRPr lang="ko-KR" altLang="en-US"/>
-          </a:p>
-        </p:txBody>
-      </p:sp>
+      <p:pic>
+        <p:nvPicPr>
+          <p:cNvPr id="2" name="내용 개체 틀 4">
+            <a:extLst>
+              <a:ext uri="{FF2B5EF4-FFF2-40B4-BE49-F238E27FC236}">
+                <a16:creationId xmlns:a16="http://schemas.microsoft.com/office/drawing/2014/main" id="{DB8B8DA8-9CD4-47D3-A891-FB315DAB7077}"/>
+              </a:ext>
+            </a:extLst>
+          </p:cNvPr>
+          <p:cNvPicPr>
+            <a:picLocks noChangeAspect="1"/>
+          </p:cNvPicPr>
+          <p:nvPr/>
+        </p:nvPicPr>
+        <p:blipFill rotWithShape="1">
+          <a:blip r:embed="rId2">
+            <a:extLst>
+              <a:ext uri="{28A0092B-C50C-407E-A947-70E740481C1C}">
+                <a14:useLocalDpi xmlns:a14="http://schemas.microsoft.com/office/drawing/2010/main" val="0"/>
+              </a:ext>
+            </a:extLst>
+          </a:blip>
+          <a:srcRect l="289" t="469" r="424" b="927"/>
+          <a:stretch/>
+        </p:blipFill>
+        <p:spPr>
+          <a:xfrm>
+            <a:off x="1515209" y="1119601"/>
+            <a:ext cx="4580791" cy="2564373"/>
+          </a:xfrm>
+          <a:prstGeom prst="rect">
+            <a:avLst/>
+          </a:prstGeom>
+        </p:spPr>
+      </p:pic>
     </p:spTree>
     <p:extLst>
       <p:ext uri="{BB962C8B-B14F-4D97-AF65-F5344CB8AC3E}">
-        <p14:creationId xmlns:p14="http://schemas.microsoft.com/office/powerpoint/2010/main" val="1975560039"/>
+        <p14:creationId xmlns:p14="http://schemas.microsoft.com/office/powerpoint/2010/main" val="3454264432"/>
       </p:ext>
     </p:extLst>
   </p:cSld>
@@ -4245,7 +4549,18 @@
           <a:bodyPr/>
           <a:lstStyle/>
           <a:p>
-            <a:endParaRPr lang="ko-KR" altLang="en-US"/>
+            <a:r>
+              <a:rPr lang="ko-KR" altLang="en-US" dirty="0"/>
+              <a:t>게임 영상 </a:t>
+            </a:r>
+            <a:r>
+              <a:rPr lang="en-US" altLang="ko-KR" dirty="0"/>
+              <a:t>GIF </a:t>
+            </a:r>
+            <a:r>
+              <a:rPr lang="ko-KR" altLang="en-US" dirty="0"/>
+              <a:t>로 삽입</a:t>
+            </a:r>
           </a:p>
         </p:txBody>
       </p:sp>
@@ -4307,31 +4622,6 @@
           </a:p>
         </p:txBody>
       </p:sp>
-      <p:sp>
-        <p:nvSpPr>
-          <p:cNvPr id="3" name="내용 개체 틀 2">
-            <a:extLst>
-              <a:ext uri="{FF2B5EF4-FFF2-40B4-BE49-F238E27FC236}">
-                <a16:creationId xmlns:a16="http://schemas.microsoft.com/office/drawing/2014/main" id="{2044A631-99CA-4CBD-86DF-2C7144EB1F5F}"/>
-              </a:ext>
-            </a:extLst>
-          </p:cNvPr>
-          <p:cNvSpPr>
-            <a:spLocks noGrp="1"/>
-          </p:cNvSpPr>
-          <p:nvPr>
-            <p:ph idx="1"/>
-          </p:nvPr>
-        </p:nvSpPr>
-        <p:spPr/>
-        <p:txBody>
-          <a:bodyPr/>
-          <a:lstStyle/>
-          <a:p>
-            <a:endParaRPr lang="ko-KR" altLang="en-US"/>
-          </a:p>
-        </p:txBody>
-      </p:sp>
     </p:spTree>
     <p:extLst>
       <p:ext uri="{BB962C8B-B14F-4D97-AF65-F5344CB8AC3E}">
@@ -4385,36 +4675,46 @@
           <a:p>
             <a:r>
               <a:rPr lang="ko-KR" altLang="en-US" dirty="0"/>
-              <a:t>레이아웃</a:t>
-            </a:r>
-          </a:p>
-        </p:txBody>
-      </p:sp>
-      <p:sp>
-        <p:nvSpPr>
-          <p:cNvPr id="3" name="내용 개체 틀 2">
-            <a:extLst>
-              <a:ext uri="{FF2B5EF4-FFF2-40B4-BE49-F238E27FC236}">
-                <a16:creationId xmlns:a16="http://schemas.microsoft.com/office/drawing/2014/main" id="{C82CD7A4-27A1-4187-B47D-0342142DDCF9}"/>
-              </a:ext>
-            </a:extLst>
-          </p:cNvPr>
-          <p:cNvSpPr>
-            <a:spLocks noGrp="1"/>
-          </p:cNvSpPr>
+              <a:t>에디터 레이아웃</a:t>
+            </a:r>
+          </a:p>
+        </p:txBody>
+      </p:sp>
+      <p:pic>
+        <p:nvPicPr>
+          <p:cNvPr id="5" name="내용 개체 틀 4" descr="텍스트, 모니터, 스크린샷, 실내이(가) 표시된 사진&#10;&#10;자동 생성된 설명">
+            <a:extLst>
+              <a:ext uri="{FF2B5EF4-FFF2-40B4-BE49-F238E27FC236}">
+                <a16:creationId xmlns:a16="http://schemas.microsoft.com/office/drawing/2014/main" id="{45B45D26-66BF-418C-8AFD-ADC22D14D542}"/>
+              </a:ext>
+            </a:extLst>
+          </p:cNvPr>
+          <p:cNvPicPr>
+            <a:picLocks noGrp="1" noChangeAspect="1"/>
+          </p:cNvPicPr>
           <p:nvPr>
             <p:ph idx="1"/>
           </p:nvPr>
-        </p:nvSpPr>
-        <p:spPr/>
-        <p:txBody>
-          <a:bodyPr/>
-          <a:lstStyle/>
-          <a:p>
-            <a:endParaRPr lang="ko-KR" altLang="en-US"/>
-          </a:p>
-        </p:txBody>
-      </p:sp>
+        </p:nvPicPr>
+        <p:blipFill>
+          <a:blip r:embed="rId2">
+            <a:extLst>
+              <a:ext uri="{28A0092B-C50C-407E-A947-70E740481C1C}">
+                <a14:useLocalDpi xmlns:a14="http://schemas.microsoft.com/office/drawing/2010/main" val="0"/>
+              </a:ext>
+            </a:extLst>
+          </a:blip>
+          <a:stretch>
+            <a:fillRect/>
+          </a:stretch>
+        </p:blipFill>
+        <p:spPr>
+          <a:xfrm>
+            <a:off x="1021481" y="922653"/>
+            <a:ext cx="9986488" cy="5435354"/>
+          </a:xfrm>
+        </p:spPr>
+      </p:pic>
     </p:spTree>
     <p:extLst>
       <p:ext uri="{BB962C8B-B14F-4D97-AF65-F5344CB8AC3E}">
@@ -4450,7 +4750,7 @@
           <p:cNvPr id="2" name="제목 1">
             <a:extLst>
               <a:ext uri="{FF2B5EF4-FFF2-40B4-BE49-F238E27FC236}">
-                <a16:creationId xmlns:a16="http://schemas.microsoft.com/office/drawing/2014/main" id="{CF6BE579-EB83-4693-A492-B88DB1B2E53D}"/>
+                <a16:creationId xmlns:a16="http://schemas.microsoft.com/office/drawing/2014/main" id="{708E2E3D-3176-4BA6-BFB6-18C1D5F61275}"/>
               </a:ext>
             </a:extLst>
           </p:cNvPr>
@@ -4468,40 +4768,248 @@
           <a:p>
             <a:r>
               <a:rPr lang="ko-KR" altLang="en-US" dirty="0"/>
-              <a:t>스크립트</a:t>
-            </a:r>
-          </a:p>
-        </p:txBody>
-      </p:sp>
-      <p:sp>
-        <p:nvSpPr>
-          <p:cNvPr id="3" name="내용 개체 틀 2">
-            <a:extLst>
-              <a:ext uri="{FF2B5EF4-FFF2-40B4-BE49-F238E27FC236}">
-                <a16:creationId xmlns:a16="http://schemas.microsoft.com/office/drawing/2014/main" id="{7743F251-7B80-43A2-A166-FF4FBDB46E97}"/>
-              </a:ext>
-            </a:extLst>
-          </p:cNvPr>
-          <p:cNvSpPr>
-            <a:spLocks noGrp="1"/>
-          </p:cNvSpPr>
+              <a:t>에디터 레이아웃 </a:t>
+            </a:r>
+            <a:r>
+              <a:rPr lang="en-US" altLang="ko-KR" dirty="0"/>
+              <a:t>– Scene(</a:t>
+            </a:r>
+            <a:r>
+              <a:rPr lang="ko-KR" altLang="en-US" dirty="0"/>
+              <a:t>씬</a:t>
+            </a:r>
+            <a:r>
+              <a:rPr lang="en-US" altLang="ko-KR" dirty="0"/>
+              <a:t>)</a:t>
+            </a:r>
+            <a:endParaRPr lang="ko-KR" altLang="en-US" dirty="0"/>
+          </a:p>
+        </p:txBody>
+      </p:sp>
+      <p:pic>
+        <p:nvPicPr>
+          <p:cNvPr id="5" name="내용 개체 틀 4" descr="텍스트, 모니터, 스크린샷, 실내이(가) 표시된 사진&#10;&#10;자동 생성된 설명">
+            <a:extLst>
+              <a:ext uri="{FF2B5EF4-FFF2-40B4-BE49-F238E27FC236}">
+                <a16:creationId xmlns:a16="http://schemas.microsoft.com/office/drawing/2014/main" id="{45B45D26-66BF-418C-8AFD-ADC22D14D542}"/>
+              </a:ext>
+            </a:extLst>
+          </p:cNvPr>
+          <p:cNvPicPr>
+            <a:picLocks noGrp="1" noChangeAspect="1"/>
+          </p:cNvPicPr>
           <p:nvPr>
             <p:ph idx="1"/>
           </p:nvPr>
-        </p:nvSpPr>
-        <p:spPr/>
-        <p:txBody>
-          <a:bodyPr/>
-          <a:lstStyle/>
-          <a:p>
+        </p:nvPicPr>
+        <p:blipFill>
+          <a:blip r:embed="rId2">
+            <a:extLst>
+              <a:ext uri="{28A0092B-C50C-407E-A947-70E740481C1C}">
+                <a14:useLocalDpi xmlns:a14="http://schemas.microsoft.com/office/drawing/2010/main" val="0"/>
+              </a:ext>
+            </a:extLst>
+          </a:blip>
+          <a:stretch>
+            <a:fillRect/>
+          </a:stretch>
+        </p:blipFill>
+        <p:spPr>
+          <a:xfrm>
+            <a:off x="1723565" y="883920"/>
+            <a:ext cx="8744868" cy="4759577"/>
+          </a:xfrm>
+        </p:spPr>
+      </p:pic>
+      <p:pic>
+        <p:nvPicPr>
+          <p:cNvPr id="4" name="그림 3">
+            <a:extLst>
+              <a:ext uri="{FF2B5EF4-FFF2-40B4-BE49-F238E27FC236}">
+                <a16:creationId xmlns:a16="http://schemas.microsoft.com/office/drawing/2014/main" id="{915ED26B-3DC1-443C-914F-4C9462945CC0}"/>
+              </a:ext>
+            </a:extLst>
+          </p:cNvPr>
+          <p:cNvPicPr>
+            <a:picLocks noChangeAspect="1"/>
+          </p:cNvPicPr>
+          <p:nvPr/>
+        </p:nvPicPr>
+        <p:blipFill>
+          <a:blip r:embed="rId3">
+            <a:extLst>
+              <a:ext uri="{28A0092B-C50C-407E-A947-70E740481C1C}">
+                <a14:useLocalDpi xmlns:a14="http://schemas.microsoft.com/office/drawing/2010/main" val="0"/>
+              </a:ext>
+            </a:extLst>
+          </a:blip>
+          <a:stretch>
+            <a:fillRect/>
+          </a:stretch>
+        </p:blipFill>
+        <p:spPr>
+          <a:xfrm>
+            <a:off x="299665" y="4365316"/>
+            <a:ext cx="1182727" cy="1194920"/>
+          </a:xfrm>
+          <a:prstGeom prst="rect">
+            <a:avLst/>
+          </a:prstGeom>
+        </p:spPr>
+      </p:pic>
+      <p:sp>
+        <p:nvSpPr>
+          <p:cNvPr id="6" name="직사각형 5">
+            <a:extLst>
+              <a:ext uri="{FF2B5EF4-FFF2-40B4-BE49-F238E27FC236}">
+                <a16:creationId xmlns:a16="http://schemas.microsoft.com/office/drawing/2014/main" id="{AA2FF834-26BD-4339-B102-6953D91D2DEE}"/>
+              </a:ext>
+            </a:extLst>
+          </p:cNvPr>
+          <p:cNvSpPr/>
+          <p:nvPr/>
+        </p:nvSpPr>
+        <p:spPr>
+          <a:xfrm>
+            <a:off x="3380443" y="1295783"/>
+            <a:ext cx="5011717" cy="2504057"/>
+          </a:xfrm>
+          <a:prstGeom prst="rect">
+            <a:avLst/>
+          </a:prstGeom>
+          <a:noFill/>
+          <a:ln w="28575">
+            <a:solidFill>
+              <a:srgbClr val="FF0000"/>
+            </a:solidFill>
+          </a:ln>
+        </p:spPr>
+        <p:style>
+          <a:lnRef idx="2">
+            <a:schemeClr val="accent1">
+              <a:shade val="50000"/>
+            </a:schemeClr>
+          </a:lnRef>
+          <a:fillRef idx="1">
+            <a:schemeClr val="accent1"/>
+          </a:fillRef>
+          <a:effectRef idx="0">
+            <a:schemeClr val="accent1"/>
+          </a:effectRef>
+          <a:fontRef idx="minor">
+            <a:schemeClr val="lt1"/>
+          </a:fontRef>
+        </p:style>
+        <p:txBody>
+          <a:bodyPr rtlCol="0" anchor="ctr"/>
+          <a:lstStyle/>
+          <a:p>
+            <a:pPr algn="ctr"/>
             <a:endParaRPr lang="ko-KR" altLang="en-US"/>
           </a:p>
         </p:txBody>
       </p:sp>
+      <p:sp>
+        <p:nvSpPr>
+          <p:cNvPr id="7" name="TextBox 6">
+            <a:extLst>
+              <a:ext uri="{FF2B5EF4-FFF2-40B4-BE49-F238E27FC236}">
+                <a16:creationId xmlns:a16="http://schemas.microsoft.com/office/drawing/2014/main" id="{6AC6A53F-2EBD-46A2-8CB1-6E482069D62D}"/>
+              </a:ext>
+            </a:extLst>
+          </p:cNvPr>
+          <p:cNvSpPr txBox="1"/>
+          <p:nvPr/>
+        </p:nvSpPr>
+        <p:spPr>
+          <a:xfrm>
+            <a:off x="2005144" y="5750177"/>
+            <a:ext cx="8181711" cy="400110"/>
+          </a:xfrm>
+          <a:prstGeom prst="rect">
+            <a:avLst/>
+          </a:prstGeom>
+          <a:noFill/>
+        </p:spPr>
+        <p:txBody>
+          <a:bodyPr wrap="square" rtlCol="0">
+            <a:spAutoFit/>
+          </a:bodyPr>
+          <a:lstStyle/>
+          <a:p>
+            <a:pPr algn="ctr"/>
+            <a:r>
+              <a:rPr lang="ko-KR" altLang="en-US" sz="2000" b="0" i="0" dirty="0">
+                <a:solidFill>
+                  <a:schemeClr val="bg1"/>
+                </a:solidFill>
+                <a:effectLst/>
+                <a:latin typeface="나눔스퀘어_ac Bold" panose="020B0600000101010101" pitchFamily="50" charset="-127"/>
+                <a:ea typeface="나눔스퀘어_ac Bold" panose="020B0600000101010101" pitchFamily="50" charset="-127"/>
+              </a:rPr>
+              <a:t>게임을 꾸미기 위해 소품이나 배경 건물 등을 배치하는데 사용된다</a:t>
+            </a:r>
+            <a:r>
+              <a:rPr lang="en-US" altLang="ko-KR" sz="2000" b="0" i="0" dirty="0">
+                <a:solidFill>
+                  <a:schemeClr val="bg1"/>
+                </a:solidFill>
+                <a:effectLst/>
+                <a:latin typeface="나눔스퀘어_ac Bold" panose="020B0600000101010101" pitchFamily="50" charset="-127"/>
+                <a:ea typeface="나눔스퀘어_ac Bold" panose="020B0600000101010101" pitchFamily="50" charset="-127"/>
+              </a:rPr>
+              <a:t>.</a:t>
+            </a:r>
+            <a:endParaRPr lang="ko-KR" altLang="en-US" sz="2000" dirty="0">
+              <a:solidFill>
+                <a:schemeClr val="bg1"/>
+              </a:solidFill>
+              <a:latin typeface="나눔스퀘어_ac Bold" panose="020B0600000101010101" pitchFamily="50" charset="-127"/>
+              <a:ea typeface="나눔스퀘어_ac Bold" panose="020B0600000101010101" pitchFamily="50" charset="-127"/>
+            </a:endParaRPr>
+          </a:p>
+        </p:txBody>
+      </p:sp>
+      <p:pic>
+        <p:nvPicPr>
+          <p:cNvPr id="11" name="그림 10">
+            <a:extLst>
+              <a:ext uri="{FF2B5EF4-FFF2-40B4-BE49-F238E27FC236}">
+                <a16:creationId xmlns:a16="http://schemas.microsoft.com/office/drawing/2014/main" id="{034EF8A0-E5CF-4BF6-9C7C-BD472548CB14}"/>
+              </a:ext>
+            </a:extLst>
+          </p:cNvPr>
+          <p:cNvPicPr>
+            <a:picLocks noChangeAspect="1"/>
+          </p:cNvPicPr>
+          <p:nvPr/>
+        </p:nvPicPr>
+        <p:blipFill>
+          <a:blip r:embed="rId4">
+            <a:extLst>
+              <a:ext uri="{28A0092B-C50C-407E-A947-70E740481C1C}">
+                <a14:useLocalDpi xmlns:a14="http://schemas.microsoft.com/office/drawing/2010/main" val="0"/>
+              </a:ext>
+            </a:extLst>
+          </a:blip>
+          <a:stretch>
+            <a:fillRect/>
+          </a:stretch>
+        </p:blipFill>
+        <p:spPr>
+          <a:xfrm flipH="1">
+            <a:off x="10709606" y="4365316"/>
+            <a:ext cx="1176630" cy="1194920"/>
+          </a:xfrm>
+          <a:prstGeom prst="rect">
+            <a:avLst/>
+          </a:prstGeom>
+        </p:spPr>
+      </p:pic>
     </p:spTree>
     <p:extLst>
       <p:ext uri="{BB962C8B-B14F-4D97-AF65-F5344CB8AC3E}">
-        <p14:creationId xmlns:p14="http://schemas.microsoft.com/office/powerpoint/2010/main" val="1572570640"/>
+        <p14:creationId xmlns:p14="http://schemas.microsoft.com/office/powerpoint/2010/main" val="1144854062"/>
       </p:ext>
     </p:extLst>
   </p:cSld>
@@ -4533,7 +5041,7 @@
           <p:cNvPr id="2" name="제목 1">
             <a:extLst>
               <a:ext uri="{FF2B5EF4-FFF2-40B4-BE49-F238E27FC236}">
-                <a16:creationId xmlns:a16="http://schemas.microsoft.com/office/drawing/2014/main" id="{A49AFCED-7438-466A-8901-5564C8D31D60}"/>
+                <a16:creationId xmlns:a16="http://schemas.microsoft.com/office/drawing/2014/main" id="{708E2E3D-3176-4BA6-BFB6-18C1D5F61275}"/>
               </a:ext>
             </a:extLst>
           </p:cNvPr>
@@ -4551,40 +5059,254 @@
           <a:p>
             <a:r>
               <a:rPr lang="ko-KR" altLang="en-US" dirty="0"/>
-              <a:t>게임을 만들어 봅시다</a:t>
-            </a:r>
-          </a:p>
-        </p:txBody>
-      </p:sp>
-      <p:sp>
-        <p:nvSpPr>
-          <p:cNvPr id="3" name="내용 개체 틀 2">
-            <a:extLst>
-              <a:ext uri="{FF2B5EF4-FFF2-40B4-BE49-F238E27FC236}">
-                <a16:creationId xmlns:a16="http://schemas.microsoft.com/office/drawing/2014/main" id="{D9BF2358-64DE-4523-871A-C1F53678661D}"/>
-              </a:ext>
-            </a:extLst>
-          </p:cNvPr>
-          <p:cNvSpPr>
-            <a:spLocks noGrp="1"/>
-          </p:cNvSpPr>
+              <a:t>에디터 레이아웃 </a:t>
+            </a:r>
+            <a:r>
+              <a:rPr lang="en-US" altLang="ko-KR" dirty="0"/>
+              <a:t>– </a:t>
+            </a:r>
+            <a:r>
+              <a:rPr lang="en-US" altLang="ko-KR" dirty="0" err="1"/>
+              <a:t>Hierachy</a:t>
+            </a:r>
+            <a:r>
+              <a:rPr lang="en-US" altLang="ko-KR" dirty="0"/>
+              <a:t>(</a:t>
+            </a:r>
+            <a:r>
+              <a:rPr lang="ko-KR" altLang="en-US" dirty="0" err="1"/>
+              <a:t>하이어라키</a:t>
+            </a:r>
+            <a:r>
+              <a:rPr lang="en-US" altLang="ko-KR" dirty="0"/>
+              <a:t>)</a:t>
+            </a:r>
+            <a:endParaRPr lang="ko-KR" altLang="en-US" dirty="0"/>
+          </a:p>
+        </p:txBody>
+      </p:sp>
+      <p:pic>
+        <p:nvPicPr>
+          <p:cNvPr id="5" name="내용 개체 틀 4" descr="텍스트, 모니터, 스크린샷, 실내이(가) 표시된 사진&#10;&#10;자동 생성된 설명">
+            <a:extLst>
+              <a:ext uri="{FF2B5EF4-FFF2-40B4-BE49-F238E27FC236}">
+                <a16:creationId xmlns:a16="http://schemas.microsoft.com/office/drawing/2014/main" id="{45B45D26-66BF-418C-8AFD-ADC22D14D542}"/>
+              </a:ext>
+            </a:extLst>
+          </p:cNvPr>
+          <p:cNvPicPr>
+            <a:picLocks noGrp="1" noChangeAspect="1"/>
+          </p:cNvPicPr>
           <p:nvPr>
             <p:ph idx="1"/>
           </p:nvPr>
-        </p:nvSpPr>
-        <p:spPr/>
-        <p:txBody>
-          <a:bodyPr/>
-          <a:lstStyle/>
-          <a:p>
+        </p:nvPicPr>
+        <p:blipFill>
+          <a:blip r:embed="rId2">
+            <a:extLst>
+              <a:ext uri="{28A0092B-C50C-407E-A947-70E740481C1C}">
+                <a14:useLocalDpi xmlns:a14="http://schemas.microsoft.com/office/drawing/2010/main" val="0"/>
+              </a:ext>
+            </a:extLst>
+          </a:blip>
+          <a:stretch>
+            <a:fillRect/>
+          </a:stretch>
+        </p:blipFill>
+        <p:spPr>
+          <a:xfrm>
+            <a:off x="1723565" y="883920"/>
+            <a:ext cx="8744868" cy="4759577"/>
+          </a:xfrm>
+        </p:spPr>
+      </p:pic>
+      <p:pic>
+        <p:nvPicPr>
+          <p:cNvPr id="4" name="그림 3">
+            <a:extLst>
+              <a:ext uri="{FF2B5EF4-FFF2-40B4-BE49-F238E27FC236}">
+                <a16:creationId xmlns:a16="http://schemas.microsoft.com/office/drawing/2014/main" id="{915ED26B-3DC1-443C-914F-4C9462945CC0}"/>
+              </a:ext>
+            </a:extLst>
+          </p:cNvPr>
+          <p:cNvPicPr>
+            <a:picLocks noChangeAspect="1"/>
+          </p:cNvPicPr>
+          <p:nvPr/>
+        </p:nvPicPr>
+        <p:blipFill>
+          <a:blip r:embed="rId3">
+            <a:extLst>
+              <a:ext uri="{28A0092B-C50C-407E-A947-70E740481C1C}">
+                <a14:useLocalDpi xmlns:a14="http://schemas.microsoft.com/office/drawing/2010/main" val="0"/>
+              </a:ext>
+            </a:extLst>
+          </a:blip>
+          <a:stretch>
+            <a:fillRect/>
+          </a:stretch>
+        </p:blipFill>
+        <p:spPr>
+          <a:xfrm>
+            <a:off x="299665" y="4365316"/>
+            <a:ext cx="1182727" cy="1194920"/>
+          </a:xfrm>
+          <a:prstGeom prst="rect">
+            <a:avLst/>
+          </a:prstGeom>
+        </p:spPr>
+      </p:pic>
+      <p:sp>
+        <p:nvSpPr>
+          <p:cNvPr id="6" name="직사각형 5">
+            <a:extLst>
+              <a:ext uri="{FF2B5EF4-FFF2-40B4-BE49-F238E27FC236}">
+                <a16:creationId xmlns:a16="http://schemas.microsoft.com/office/drawing/2014/main" id="{AA2FF834-26BD-4339-B102-6953D91D2DEE}"/>
+              </a:ext>
+            </a:extLst>
+          </p:cNvPr>
+          <p:cNvSpPr/>
+          <p:nvPr/>
+        </p:nvSpPr>
+        <p:spPr>
+          <a:xfrm>
+            <a:off x="1723565" y="1303021"/>
+            <a:ext cx="1652095" cy="2491739"/>
+          </a:xfrm>
+          <a:prstGeom prst="rect">
+            <a:avLst/>
+          </a:prstGeom>
+          <a:noFill/>
+          <a:ln w="28575">
+            <a:solidFill>
+              <a:srgbClr val="FF0000"/>
+            </a:solidFill>
+          </a:ln>
+        </p:spPr>
+        <p:style>
+          <a:lnRef idx="2">
+            <a:schemeClr val="accent1">
+              <a:shade val="50000"/>
+            </a:schemeClr>
+          </a:lnRef>
+          <a:fillRef idx="1">
+            <a:schemeClr val="accent1"/>
+          </a:fillRef>
+          <a:effectRef idx="0">
+            <a:schemeClr val="accent1"/>
+          </a:effectRef>
+          <a:fontRef idx="minor">
+            <a:schemeClr val="lt1"/>
+          </a:fontRef>
+        </p:style>
+        <p:txBody>
+          <a:bodyPr rtlCol="0" anchor="ctr"/>
+          <a:lstStyle/>
+          <a:p>
+            <a:pPr algn="ctr"/>
             <a:endParaRPr lang="ko-KR" altLang="en-US"/>
           </a:p>
         </p:txBody>
       </p:sp>
+      <p:sp>
+        <p:nvSpPr>
+          <p:cNvPr id="7" name="TextBox 6">
+            <a:extLst>
+              <a:ext uri="{FF2B5EF4-FFF2-40B4-BE49-F238E27FC236}">
+                <a16:creationId xmlns:a16="http://schemas.microsoft.com/office/drawing/2014/main" id="{6AC6A53F-2EBD-46A2-8CB1-6E482069D62D}"/>
+              </a:ext>
+            </a:extLst>
+          </p:cNvPr>
+          <p:cNvSpPr txBox="1"/>
+          <p:nvPr/>
+        </p:nvSpPr>
+        <p:spPr>
+          <a:xfrm>
+            <a:off x="2005144" y="5750177"/>
+            <a:ext cx="8181711" cy="400110"/>
+          </a:xfrm>
+          <a:prstGeom prst="rect">
+            <a:avLst/>
+          </a:prstGeom>
+          <a:noFill/>
+        </p:spPr>
+        <p:txBody>
+          <a:bodyPr wrap="square" rtlCol="0">
+            <a:spAutoFit/>
+          </a:bodyPr>
+          <a:lstStyle/>
+          <a:p>
+            <a:pPr algn="ctr"/>
+            <a:r>
+              <a:rPr lang="ko-KR" altLang="en-US" sz="2000" dirty="0">
+                <a:solidFill>
+                  <a:schemeClr val="bg1"/>
+                </a:solidFill>
+                <a:latin typeface="나눔스퀘어_ac Bold" panose="020B0600000101010101" pitchFamily="50" charset="-127"/>
+                <a:ea typeface="나눔스퀘어_ac Bold" panose="020B0600000101010101" pitchFamily="50" charset="-127"/>
+              </a:rPr>
+              <a:t>씬 에 배치되어 있는 오브젝트들을 보여준다</a:t>
+            </a:r>
+            <a:r>
+              <a:rPr lang="en-US" altLang="ko-KR" sz="2000" dirty="0">
+                <a:solidFill>
+                  <a:schemeClr val="bg1"/>
+                </a:solidFill>
+                <a:latin typeface="나눔스퀘어_ac Bold" panose="020B0600000101010101" pitchFamily="50" charset="-127"/>
+                <a:ea typeface="나눔스퀘어_ac Bold" panose="020B0600000101010101" pitchFamily="50" charset="-127"/>
+              </a:rPr>
+              <a:t>.</a:t>
+            </a:r>
+            <a:endParaRPr lang="ko-KR" altLang="en-US" sz="2000" dirty="0">
+              <a:solidFill>
+                <a:schemeClr val="bg1"/>
+              </a:solidFill>
+              <a:latin typeface="나눔스퀘어_ac Bold" panose="020B0600000101010101" pitchFamily="50" charset="-127"/>
+              <a:ea typeface="나눔스퀘어_ac Bold" panose="020B0600000101010101" pitchFamily="50" charset="-127"/>
+            </a:endParaRPr>
+          </a:p>
+        </p:txBody>
+      </p:sp>
+      <p:pic>
+        <p:nvPicPr>
+          <p:cNvPr id="11" name="그림 10">
+            <a:extLst>
+              <a:ext uri="{FF2B5EF4-FFF2-40B4-BE49-F238E27FC236}">
+                <a16:creationId xmlns:a16="http://schemas.microsoft.com/office/drawing/2014/main" id="{034EF8A0-E5CF-4BF6-9C7C-BD472548CB14}"/>
+              </a:ext>
+            </a:extLst>
+          </p:cNvPr>
+          <p:cNvPicPr>
+            <a:picLocks noChangeAspect="1"/>
+          </p:cNvPicPr>
+          <p:nvPr/>
+        </p:nvPicPr>
+        <p:blipFill>
+          <a:blip r:embed="rId4">
+            <a:extLst>
+              <a:ext uri="{28A0092B-C50C-407E-A947-70E740481C1C}">
+                <a14:useLocalDpi xmlns:a14="http://schemas.microsoft.com/office/drawing/2010/main" val="0"/>
+              </a:ext>
+            </a:extLst>
+          </a:blip>
+          <a:stretch>
+            <a:fillRect/>
+          </a:stretch>
+        </p:blipFill>
+        <p:spPr>
+          <a:xfrm flipH="1">
+            <a:off x="10709606" y="4365316"/>
+            <a:ext cx="1176630" cy="1194920"/>
+          </a:xfrm>
+          <a:prstGeom prst="rect">
+            <a:avLst/>
+          </a:prstGeom>
+        </p:spPr>
+      </p:pic>
     </p:spTree>
     <p:extLst>
       <p:ext uri="{BB962C8B-B14F-4D97-AF65-F5344CB8AC3E}">
-        <p14:creationId xmlns:p14="http://schemas.microsoft.com/office/powerpoint/2010/main" val="3090126108"/>
+        <p14:creationId xmlns:p14="http://schemas.microsoft.com/office/powerpoint/2010/main" val="1939418998"/>
       </p:ext>
     </p:extLst>
   </p:cSld>
@@ -4616,7 +5338,7 @@
           <p:cNvPr id="2" name="제목 1">
             <a:extLst>
               <a:ext uri="{FF2B5EF4-FFF2-40B4-BE49-F238E27FC236}">
-                <a16:creationId xmlns:a16="http://schemas.microsoft.com/office/drawing/2014/main" id="{AFE670DF-D70C-46B2-A214-638DC962DF9B}"/>
+                <a16:creationId xmlns:a16="http://schemas.microsoft.com/office/drawing/2014/main" id="{708E2E3D-3176-4BA6-BFB6-18C1D5F61275}"/>
               </a:ext>
             </a:extLst>
           </p:cNvPr>
@@ -4634,40 +5356,605 @@
           <a:p>
             <a:r>
               <a:rPr lang="ko-KR" altLang="en-US" dirty="0"/>
-              <a:t>마무리화면</a:t>
-            </a:r>
-          </a:p>
-        </p:txBody>
-      </p:sp>
-      <p:sp>
-        <p:nvSpPr>
-          <p:cNvPr id="3" name="내용 개체 틀 2">
-            <a:extLst>
-              <a:ext uri="{FF2B5EF4-FFF2-40B4-BE49-F238E27FC236}">
-                <a16:creationId xmlns:a16="http://schemas.microsoft.com/office/drawing/2014/main" id="{AA1ED9E9-EB6B-4D2B-B1AD-483B66FBE686}"/>
-              </a:ext>
-            </a:extLst>
-          </p:cNvPr>
-          <p:cNvSpPr>
-            <a:spLocks noGrp="1"/>
-          </p:cNvSpPr>
+              <a:t>에디터 레이아웃 </a:t>
+            </a:r>
+            <a:r>
+              <a:rPr lang="en-US" altLang="ko-KR" dirty="0"/>
+              <a:t>– Project(</a:t>
+            </a:r>
+            <a:r>
+              <a:rPr lang="ko-KR" altLang="en-US" dirty="0"/>
+              <a:t>프로젝트</a:t>
+            </a:r>
+            <a:r>
+              <a:rPr lang="en-US" altLang="ko-KR" dirty="0"/>
+              <a:t>)</a:t>
+            </a:r>
+            <a:endParaRPr lang="ko-KR" altLang="en-US" dirty="0"/>
+          </a:p>
+        </p:txBody>
+      </p:sp>
+      <p:pic>
+        <p:nvPicPr>
+          <p:cNvPr id="5" name="내용 개체 틀 4" descr="텍스트, 모니터, 스크린샷, 실내이(가) 표시된 사진&#10;&#10;자동 생성된 설명">
+            <a:extLst>
+              <a:ext uri="{FF2B5EF4-FFF2-40B4-BE49-F238E27FC236}">
+                <a16:creationId xmlns:a16="http://schemas.microsoft.com/office/drawing/2014/main" id="{45B45D26-66BF-418C-8AFD-ADC22D14D542}"/>
+              </a:ext>
+            </a:extLst>
+          </p:cNvPr>
+          <p:cNvPicPr>
+            <a:picLocks noGrp="1" noChangeAspect="1"/>
+          </p:cNvPicPr>
           <p:nvPr>
             <p:ph idx="1"/>
           </p:nvPr>
-        </p:nvSpPr>
-        <p:spPr/>
-        <p:txBody>
-          <a:bodyPr/>
-          <a:lstStyle/>
-          <a:p>
+        </p:nvPicPr>
+        <p:blipFill>
+          <a:blip r:embed="rId2">
+            <a:extLst>
+              <a:ext uri="{28A0092B-C50C-407E-A947-70E740481C1C}">
+                <a14:useLocalDpi xmlns:a14="http://schemas.microsoft.com/office/drawing/2010/main" val="0"/>
+              </a:ext>
+            </a:extLst>
+          </a:blip>
+          <a:stretch>
+            <a:fillRect/>
+          </a:stretch>
+        </p:blipFill>
+        <p:spPr>
+          <a:xfrm>
+            <a:off x="1723565" y="883920"/>
+            <a:ext cx="8744868" cy="4759577"/>
+          </a:xfrm>
+        </p:spPr>
+      </p:pic>
+      <p:pic>
+        <p:nvPicPr>
+          <p:cNvPr id="4" name="그림 3">
+            <a:extLst>
+              <a:ext uri="{FF2B5EF4-FFF2-40B4-BE49-F238E27FC236}">
+                <a16:creationId xmlns:a16="http://schemas.microsoft.com/office/drawing/2014/main" id="{915ED26B-3DC1-443C-914F-4C9462945CC0}"/>
+              </a:ext>
+            </a:extLst>
+          </p:cNvPr>
+          <p:cNvPicPr>
+            <a:picLocks noChangeAspect="1"/>
+          </p:cNvPicPr>
+          <p:nvPr/>
+        </p:nvPicPr>
+        <p:blipFill>
+          <a:blip r:embed="rId3">
+            <a:extLst>
+              <a:ext uri="{28A0092B-C50C-407E-A947-70E740481C1C}">
+                <a14:useLocalDpi xmlns:a14="http://schemas.microsoft.com/office/drawing/2010/main" val="0"/>
+              </a:ext>
+            </a:extLst>
+          </a:blip>
+          <a:stretch>
+            <a:fillRect/>
+          </a:stretch>
+        </p:blipFill>
+        <p:spPr>
+          <a:xfrm>
+            <a:off x="299665" y="4365316"/>
+            <a:ext cx="1182727" cy="1194920"/>
+          </a:xfrm>
+          <a:prstGeom prst="rect">
+            <a:avLst/>
+          </a:prstGeom>
+        </p:spPr>
+      </p:pic>
+      <p:sp>
+        <p:nvSpPr>
+          <p:cNvPr id="6" name="직사각형 5">
+            <a:extLst>
+              <a:ext uri="{FF2B5EF4-FFF2-40B4-BE49-F238E27FC236}">
+                <a16:creationId xmlns:a16="http://schemas.microsoft.com/office/drawing/2014/main" id="{AA2FF834-26BD-4339-B102-6953D91D2DEE}"/>
+              </a:ext>
+            </a:extLst>
+          </p:cNvPr>
+          <p:cNvSpPr/>
+          <p:nvPr/>
+        </p:nvSpPr>
+        <p:spPr>
+          <a:xfrm>
+            <a:off x="1723565" y="3784600"/>
+            <a:ext cx="6681295" cy="1736090"/>
+          </a:xfrm>
+          <a:prstGeom prst="rect">
+            <a:avLst/>
+          </a:prstGeom>
+          <a:noFill/>
+          <a:ln w="28575">
+            <a:solidFill>
+              <a:srgbClr val="FF0000"/>
+            </a:solidFill>
+          </a:ln>
+        </p:spPr>
+        <p:style>
+          <a:lnRef idx="2">
+            <a:schemeClr val="accent1">
+              <a:shade val="50000"/>
+            </a:schemeClr>
+          </a:lnRef>
+          <a:fillRef idx="1">
+            <a:schemeClr val="accent1"/>
+          </a:fillRef>
+          <a:effectRef idx="0">
+            <a:schemeClr val="accent1"/>
+          </a:effectRef>
+          <a:fontRef idx="minor">
+            <a:schemeClr val="lt1"/>
+          </a:fontRef>
+        </p:style>
+        <p:txBody>
+          <a:bodyPr rtlCol="0" anchor="ctr"/>
+          <a:lstStyle/>
+          <a:p>
+            <a:pPr algn="ctr"/>
             <a:endParaRPr lang="ko-KR" altLang="en-US"/>
           </a:p>
         </p:txBody>
       </p:sp>
+      <p:sp>
+        <p:nvSpPr>
+          <p:cNvPr id="7" name="TextBox 6">
+            <a:extLst>
+              <a:ext uri="{FF2B5EF4-FFF2-40B4-BE49-F238E27FC236}">
+                <a16:creationId xmlns:a16="http://schemas.microsoft.com/office/drawing/2014/main" id="{6AC6A53F-2EBD-46A2-8CB1-6E482069D62D}"/>
+              </a:ext>
+            </a:extLst>
+          </p:cNvPr>
+          <p:cNvSpPr txBox="1"/>
+          <p:nvPr/>
+        </p:nvSpPr>
+        <p:spPr>
+          <a:xfrm>
+            <a:off x="1261750" y="5774025"/>
+            <a:ext cx="9325796" cy="400110"/>
+          </a:xfrm>
+          <a:prstGeom prst="rect">
+            <a:avLst/>
+          </a:prstGeom>
+          <a:noFill/>
+        </p:spPr>
+        <p:txBody>
+          <a:bodyPr wrap="square" rtlCol="0">
+            <a:spAutoFit/>
+          </a:bodyPr>
+          <a:lstStyle/>
+          <a:p>
+            <a:pPr algn="ctr"/>
+            <a:r>
+              <a:rPr lang="ko-KR" altLang="en-US" sz="2000" b="0" i="0" dirty="0">
+                <a:solidFill>
+                  <a:schemeClr val="bg1"/>
+                </a:solidFill>
+                <a:effectLst/>
+                <a:latin typeface="나눔스퀘어_ac Bold" panose="020B0600000101010101" pitchFamily="50" charset="-127"/>
+                <a:ea typeface="나눔스퀘어_ac Bold" panose="020B0600000101010101" pitchFamily="50" charset="-127"/>
+              </a:rPr>
+              <a:t>현재 프로젝트에 포함된 </a:t>
+            </a:r>
+            <a:r>
+              <a:rPr lang="ko-KR" altLang="en-US" sz="2000" b="0" i="0" dirty="0" err="1">
+                <a:solidFill>
+                  <a:schemeClr val="bg1"/>
+                </a:solidFill>
+                <a:effectLst/>
+                <a:latin typeface="나눔스퀘어_ac Bold" panose="020B0600000101010101" pitchFamily="50" charset="-127"/>
+                <a:ea typeface="나눔스퀘어_ac Bold" panose="020B0600000101010101" pitchFamily="50" charset="-127"/>
+              </a:rPr>
+              <a:t>에셋</a:t>
+            </a:r>
+            <a:r>
+              <a:rPr lang="en-US" altLang="ko-KR" sz="2000" b="0" i="0" dirty="0">
+                <a:solidFill>
+                  <a:schemeClr val="bg1"/>
+                </a:solidFill>
+                <a:effectLst/>
+                <a:latin typeface="나눔스퀘어_ac Bold" panose="020B0600000101010101" pitchFamily="50" charset="-127"/>
+                <a:ea typeface="나눔스퀘어_ac Bold" panose="020B0600000101010101" pitchFamily="50" charset="-127"/>
+              </a:rPr>
+              <a:t>(Asset) </a:t>
+            </a:r>
+            <a:r>
+              <a:rPr lang="ko-KR" altLang="en-US" sz="2000" b="0" i="0" dirty="0">
+                <a:solidFill>
+                  <a:schemeClr val="bg1"/>
+                </a:solidFill>
+                <a:effectLst/>
+                <a:latin typeface="나눔스퀘어_ac Bold" panose="020B0600000101010101" pitchFamily="50" charset="-127"/>
+                <a:ea typeface="나눔스퀘어_ac Bold" panose="020B0600000101010101" pitchFamily="50" charset="-127"/>
+              </a:rPr>
+              <a:t>을 보여주는 창</a:t>
+            </a:r>
+            <a:endParaRPr lang="ko-KR" altLang="en-US" sz="2000" dirty="0">
+              <a:solidFill>
+                <a:schemeClr val="bg1"/>
+              </a:solidFill>
+              <a:latin typeface="나눔스퀘어_ac Bold" panose="020B0600000101010101" pitchFamily="50" charset="-127"/>
+              <a:ea typeface="나눔스퀘어_ac Bold" panose="020B0600000101010101" pitchFamily="50" charset="-127"/>
+            </a:endParaRPr>
+          </a:p>
+        </p:txBody>
+      </p:sp>
+      <p:pic>
+        <p:nvPicPr>
+          <p:cNvPr id="11" name="그림 10">
+            <a:extLst>
+              <a:ext uri="{FF2B5EF4-FFF2-40B4-BE49-F238E27FC236}">
+                <a16:creationId xmlns:a16="http://schemas.microsoft.com/office/drawing/2014/main" id="{034EF8A0-E5CF-4BF6-9C7C-BD472548CB14}"/>
+              </a:ext>
+            </a:extLst>
+          </p:cNvPr>
+          <p:cNvPicPr>
+            <a:picLocks noChangeAspect="1"/>
+          </p:cNvPicPr>
+          <p:nvPr/>
+        </p:nvPicPr>
+        <p:blipFill>
+          <a:blip r:embed="rId4">
+            <a:extLst>
+              <a:ext uri="{28A0092B-C50C-407E-A947-70E740481C1C}">
+                <a14:useLocalDpi xmlns:a14="http://schemas.microsoft.com/office/drawing/2010/main" val="0"/>
+              </a:ext>
+            </a:extLst>
+          </a:blip>
+          <a:stretch>
+            <a:fillRect/>
+          </a:stretch>
+        </p:blipFill>
+        <p:spPr>
+          <a:xfrm flipH="1">
+            <a:off x="10709606" y="4365316"/>
+            <a:ext cx="1176630" cy="1194920"/>
+          </a:xfrm>
+          <a:prstGeom prst="rect">
+            <a:avLst/>
+          </a:prstGeom>
+        </p:spPr>
+      </p:pic>
     </p:spTree>
     <p:extLst>
       <p:ext uri="{BB962C8B-B14F-4D97-AF65-F5344CB8AC3E}">
-        <p14:creationId xmlns:p14="http://schemas.microsoft.com/office/powerpoint/2010/main" val="1114121923"/>
+        <p14:creationId xmlns:p14="http://schemas.microsoft.com/office/powerpoint/2010/main" val="272231666"/>
+      </p:ext>
+    </p:extLst>
+  </p:cSld>
+  <p:clrMapOvr>
+    <a:masterClrMapping/>
+  </p:clrMapOvr>
+</p:sld>
+</file>
+
+<file path=ppt/slides/slide9.xml><?xml version="1.0" encoding="utf-8"?>
+<p:sld xmlns:a="http://schemas.openxmlformats.org/drawingml/2006/main" xmlns:r="http://schemas.openxmlformats.org/officeDocument/2006/relationships" xmlns:p="http://schemas.openxmlformats.org/presentationml/2006/main">
+  <p:cSld>
+    <p:spTree>
+      <p:nvGrpSpPr>
+        <p:cNvPr id="1" name=""/>
+        <p:cNvGrpSpPr/>
+        <p:nvPr/>
+      </p:nvGrpSpPr>
+      <p:grpSpPr>
+        <a:xfrm>
+          <a:off x="0" y="0"/>
+          <a:ext cx="0" cy="0"/>
+          <a:chOff x="0" y="0"/>
+          <a:chExt cx="0" cy="0"/>
+        </a:xfrm>
+      </p:grpSpPr>
+      <p:sp>
+        <p:nvSpPr>
+          <p:cNvPr id="2" name="제목 1">
+            <a:extLst>
+              <a:ext uri="{FF2B5EF4-FFF2-40B4-BE49-F238E27FC236}">
+                <a16:creationId xmlns:a16="http://schemas.microsoft.com/office/drawing/2014/main" id="{CF6BE579-EB83-4693-A492-B88DB1B2E53D}"/>
+              </a:ext>
+            </a:extLst>
+          </p:cNvPr>
+          <p:cNvSpPr>
+            <a:spLocks noGrp="1"/>
+          </p:cNvSpPr>
+          <p:nvPr>
+            <p:ph type="title"/>
+          </p:nvPr>
+        </p:nvSpPr>
+        <p:spPr/>
+        <p:txBody>
+          <a:bodyPr/>
+          <a:lstStyle/>
+          <a:p>
+            <a:r>
+              <a:rPr lang="ko-KR" altLang="en-US" dirty="0"/>
+              <a:t>스크립트</a:t>
+            </a:r>
+          </a:p>
+        </p:txBody>
+      </p:sp>
+      <p:grpSp>
+        <p:nvGrpSpPr>
+          <p:cNvPr id="9" name="그룹 8">
+            <a:extLst>
+              <a:ext uri="{FF2B5EF4-FFF2-40B4-BE49-F238E27FC236}">
+                <a16:creationId xmlns:a16="http://schemas.microsoft.com/office/drawing/2014/main" id="{22BC6EB0-9EBB-4F0E-ADCE-7708CA7B40F0}"/>
+              </a:ext>
+            </a:extLst>
+          </p:cNvPr>
+          <p:cNvGrpSpPr/>
+          <p:nvPr/>
+        </p:nvGrpSpPr>
+        <p:grpSpPr>
+          <a:xfrm>
+            <a:off x="759069" y="2036884"/>
+            <a:ext cx="2379785" cy="2379785"/>
+            <a:chOff x="723899" y="1951891"/>
+            <a:chExt cx="2379785" cy="2379785"/>
+          </a:xfrm>
+        </p:grpSpPr>
+        <p:pic>
+          <p:nvPicPr>
+            <p:cNvPr id="7" name="그래픽 6" descr="용지 윤곽선">
+              <a:extLst>
+                <a:ext uri="{FF2B5EF4-FFF2-40B4-BE49-F238E27FC236}">
+                  <a16:creationId xmlns:a16="http://schemas.microsoft.com/office/drawing/2014/main" id="{FDFEF5AC-45FD-4699-9B40-6A7EB369D5D5}"/>
+                </a:ext>
+              </a:extLst>
+            </p:cNvPr>
+            <p:cNvPicPr>
+              <a:picLocks noChangeAspect="1"/>
+            </p:cNvPicPr>
+            <p:nvPr/>
+          </p:nvPicPr>
+          <p:blipFill>
+            <a:blip r:embed="rId2">
+              <a:extLst>
+                <a:ext uri="{28A0092B-C50C-407E-A947-70E740481C1C}">
+                  <a14:useLocalDpi xmlns:a14="http://schemas.microsoft.com/office/drawing/2010/main" val="0"/>
+                </a:ext>
+                <a:ext uri="{96DAC541-7B7A-43D3-8B79-37D633B846F1}">
+                  <asvg:svgBlip xmlns:asvg="http://schemas.microsoft.com/office/drawing/2016/SVG/main" r:embed="rId3"/>
+                </a:ext>
+              </a:extLst>
+            </a:blip>
+            <a:stretch>
+              <a:fillRect/>
+            </a:stretch>
+          </p:blipFill>
+          <p:spPr>
+            <a:xfrm>
+              <a:off x="723899" y="1951891"/>
+              <a:ext cx="2379785" cy="2379785"/>
+            </a:xfrm>
+            <a:prstGeom prst="rect">
+              <a:avLst/>
+            </a:prstGeom>
+          </p:spPr>
+        </p:pic>
+        <p:sp>
+          <p:nvSpPr>
+            <p:cNvPr id="8" name="TextBox 7">
+              <a:extLst>
+                <a:ext uri="{FF2B5EF4-FFF2-40B4-BE49-F238E27FC236}">
+                  <a16:creationId xmlns:a16="http://schemas.microsoft.com/office/drawing/2014/main" id="{49DFE1CD-A029-46AF-B387-28B2AA07227D}"/>
+                </a:ext>
+              </a:extLst>
+            </p:cNvPr>
+            <p:cNvSpPr txBox="1"/>
+            <p:nvPr/>
+          </p:nvSpPr>
+          <p:spPr>
+            <a:xfrm>
+              <a:off x="1296474" y="2708031"/>
+              <a:ext cx="1285929" cy="1107996"/>
+            </a:xfrm>
+            <a:prstGeom prst="rect">
+              <a:avLst/>
+            </a:prstGeom>
+            <a:noFill/>
+          </p:spPr>
+          <p:txBody>
+            <a:bodyPr wrap="none" rtlCol="0">
+              <a:spAutoFit/>
+            </a:bodyPr>
+            <a:lstStyle/>
+            <a:p>
+              <a:r>
+                <a:rPr lang="en-US" altLang="ko-KR" sz="6600" dirty="0">
+                  <a:solidFill>
+                    <a:srgbClr val="00B050"/>
+                  </a:solidFill>
+                  <a:latin typeface="나눔스퀘어라운드 ExtraBold" panose="020B0600000101010101" pitchFamily="50" charset="-127"/>
+                  <a:ea typeface="나눔스퀘어라운드 ExtraBold" panose="020B0600000101010101" pitchFamily="50" charset="-127"/>
+                </a:rPr>
+                <a:t>C#</a:t>
+              </a:r>
+              <a:endParaRPr lang="ko-KR" altLang="en-US" sz="6600" dirty="0">
+                <a:solidFill>
+                  <a:srgbClr val="00B050"/>
+                </a:solidFill>
+                <a:latin typeface="나눔스퀘어라운드 ExtraBold" panose="020B0600000101010101" pitchFamily="50" charset="-127"/>
+                <a:ea typeface="나눔스퀘어라운드 ExtraBold" panose="020B0600000101010101" pitchFamily="50" charset="-127"/>
+              </a:endParaRPr>
+            </a:p>
+          </p:txBody>
+        </p:sp>
+      </p:grpSp>
+      <p:sp>
+        <p:nvSpPr>
+          <p:cNvPr id="10" name="TextBox 9">
+            <a:extLst>
+              <a:ext uri="{FF2B5EF4-FFF2-40B4-BE49-F238E27FC236}">
+                <a16:creationId xmlns:a16="http://schemas.microsoft.com/office/drawing/2014/main" id="{C072C478-C589-4438-B96A-ECC5A1C01C95}"/>
+              </a:ext>
+            </a:extLst>
+          </p:cNvPr>
+          <p:cNvSpPr txBox="1"/>
+          <p:nvPr/>
+        </p:nvSpPr>
+        <p:spPr>
+          <a:xfrm>
+            <a:off x="5280170" y="1571904"/>
+            <a:ext cx="6463618" cy="3046988"/>
+          </a:xfrm>
+          <a:prstGeom prst="rect">
+            <a:avLst/>
+          </a:prstGeom>
+          <a:noFill/>
+        </p:spPr>
+        <p:txBody>
+          <a:bodyPr wrap="square" rtlCol="0">
+            <a:spAutoFit/>
+          </a:bodyPr>
+          <a:lstStyle/>
+          <a:p>
+            <a:r>
+              <a:rPr lang="ko-KR" altLang="en-US" sz="3200" dirty="0">
+                <a:solidFill>
+                  <a:schemeClr val="bg1"/>
+                </a:solidFill>
+                <a:latin typeface="나눔스퀘어_ac Bold" panose="020B0600000101010101" pitchFamily="50" charset="-127"/>
+                <a:ea typeface="나눔스퀘어_ac Bold" panose="020B0600000101010101" pitchFamily="50" charset="-127"/>
+              </a:rPr>
+              <a:t>완벽한 객체지향언어</a:t>
+            </a:r>
+            <a:endParaRPr lang="en-US" altLang="ko-KR" sz="3200" dirty="0">
+              <a:solidFill>
+                <a:schemeClr val="bg1"/>
+              </a:solidFill>
+              <a:latin typeface="나눔스퀘어_ac Bold" panose="020B0600000101010101" pitchFamily="50" charset="-127"/>
+              <a:ea typeface="나눔스퀘어_ac Bold" panose="020B0600000101010101" pitchFamily="50" charset="-127"/>
+            </a:endParaRPr>
+          </a:p>
+          <a:p>
+            <a:endParaRPr lang="en-US" altLang="ko-KR" sz="3200" dirty="0">
+              <a:solidFill>
+                <a:schemeClr val="bg1"/>
+              </a:solidFill>
+              <a:latin typeface="나눔스퀘어_ac Bold" panose="020B0600000101010101" pitchFamily="50" charset="-127"/>
+              <a:ea typeface="나눔스퀘어_ac Bold" panose="020B0600000101010101" pitchFamily="50" charset="-127"/>
+            </a:endParaRPr>
+          </a:p>
+          <a:p>
+            <a:r>
+              <a:rPr lang="en-US" altLang="ko-KR" sz="3200" dirty="0">
+                <a:solidFill>
+                  <a:schemeClr val="bg1"/>
+                </a:solidFill>
+                <a:latin typeface="나눔스퀘어_ac Bold" panose="020B0600000101010101" pitchFamily="50" charset="-127"/>
+                <a:ea typeface="나눔스퀘어_ac Bold" panose="020B0600000101010101" pitchFamily="50" charset="-127"/>
+              </a:rPr>
+              <a:t>.NET </a:t>
+            </a:r>
+            <a:r>
+              <a:rPr lang="ko-KR" altLang="en-US" sz="3200" dirty="0">
+                <a:solidFill>
+                  <a:schemeClr val="bg1"/>
+                </a:solidFill>
+                <a:latin typeface="나눔스퀘어_ac Bold" panose="020B0600000101010101" pitchFamily="50" charset="-127"/>
+                <a:ea typeface="나눔스퀘어_ac Bold" panose="020B0600000101010101" pitchFamily="50" charset="-127"/>
+              </a:rPr>
+              <a:t>개발프로그램의 대표적 언어</a:t>
+            </a:r>
+          </a:p>
+          <a:p>
+            <a:endParaRPr lang="en-US" altLang="ko-KR" sz="3200" dirty="0">
+              <a:solidFill>
+                <a:schemeClr val="bg1"/>
+              </a:solidFill>
+              <a:latin typeface="나눔스퀘어_ac Bold" panose="020B0600000101010101" pitchFamily="50" charset="-127"/>
+              <a:ea typeface="나눔스퀘어_ac Bold" panose="020B0600000101010101" pitchFamily="50" charset="-127"/>
+            </a:endParaRPr>
+          </a:p>
+          <a:p>
+            <a:r>
+              <a:rPr lang="ko-KR" altLang="en-US" sz="3200" dirty="0">
+                <a:solidFill>
+                  <a:schemeClr val="bg1"/>
+                </a:solidFill>
+                <a:latin typeface="나눔스퀘어_ac Bold" panose="020B0600000101010101" pitchFamily="50" charset="-127"/>
+                <a:ea typeface="나눔스퀘어_ac Bold" panose="020B0600000101010101" pitchFamily="50" charset="-127"/>
+              </a:rPr>
+              <a:t>메모리에 대한 사용자의 부담이 없다</a:t>
+            </a:r>
+            <a:endParaRPr lang="en-US" altLang="ko-KR" sz="3200" dirty="0">
+              <a:solidFill>
+                <a:schemeClr val="bg1"/>
+              </a:solidFill>
+              <a:latin typeface="나눔스퀘어_ac Bold" panose="020B0600000101010101" pitchFamily="50" charset="-127"/>
+              <a:ea typeface="나눔스퀘어_ac Bold" panose="020B0600000101010101" pitchFamily="50" charset="-127"/>
+            </a:endParaRPr>
+          </a:p>
+          <a:p>
+            <a:r>
+              <a:rPr lang="en-US" altLang="ko-KR" sz="3200" dirty="0">
+                <a:solidFill>
+                  <a:schemeClr val="bg1"/>
+                </a:solidFill>
+                <a:latin typeface="나눔스퀘어_ac Bold" panose="020B0600000101010101" pitchFamily="50" charset="-127"/>
+                <a:ea typeface="나눔스퀘어_ac Bold" panose="020B0600000101010101" pitchFamily="50" charset="-127"/>
+              </a:rPr>
+              <a:t>(</a:t>
+            </a:r>
+            <a:r>
+              <a:rPr lang="ko-KR" altLang="en-US" sz="3200" dirty="0">
+                <a:solidFill>
+                  <a:schemeClr val="bg1"/>
+                </a:solidFill>
+                <a:latin typeface="나눔스퀘어_ac Bold" panose="020B0600000101010101" pitchFamily="50" charset="-127"/>
+                <a:ea typeface="나눔스퀘어_ac Bold" panose="020B0600000101010101" pitchFamily="50" charset="-127"/>
+              </a:rPr>
+              <a:t>자동 </a:t>
+            </a:r>
+            <a:r>
+              <a:rPr lang="ko-KR" altLang="en-US" sz="3200" dirty="0" err="1">
+                <a:solidFill>
+                  <a:schemeClr val="bg1"/>
+                </a:solidFill>
+                <a:latin typeface="나눔스퀘어_ac Bold" panose="020B0600000101010101" pitchFamily="50" charset="-127"/>
+                <a:ea typeface="나눔스퀘어_ac Bold" panose="020B0600000101010101" pitchFamily="50" charset="-127"/>
+              </a:rPr>
+              <a:t>가비지</a:t>
+            </a:r>
+            <a:r>
+              <a:rPr lang="ko-KR" altLang="en-US" sz="3200" dirty="0">
+                <a:solidFill>
+                  <a:schemeClr val="bg1"/>
+                </a:solidFill>
+                <a:latin typeface="나눔스퀘어_ac Bold" panose="020B0600000101010101" pitchFamily="50" charset="-127"/>
+                <a:ea typeface="나눔스퀘어_ac Bold" panose="020B0600000101010101" pitchFamily="50" charset="-127"/>
+              </a:rPr>
+              <a:t> </a:t>
+            </a:r>
+            <a:r>
+              <a:rPr lang="ko-KR" altLang="en-US" sz="3200" dirty="0" err="1">
+                <a:solidFill>
+                  <a:schemeClr val="bg1"/>
+                </a:solidFill>
+                <a:latin typeface="나눔스퀘어_ac Bold" panose="020B0600000101010101" pitchFamily="50" charset="-127"/>
+                <a:ea typeface="나눔스퀘어_ac Bold" panose="020B0600000101010101" pitchFamily="50" charset="-127"/>
+              </a:rPr>
+              <a:t>콜렉트</a:t>
+            </a:r>
+            <a:r>
+              <a:rPr lang="en-US" altLang="ko-KR" sz="3200" dirty="0">
+                <a:solidFill>
+                  <a:schemeClr val="bg1"/>
+                </a:solidFill>
+                <a:latin typeface="나눔스퀘어_ac Bold" panose="020B0600000101010101" pitchFamily="50" charset="-127"/>
+                <a:ea typeface="나눔스퀘어_ac Bold" panose="020B0600000101010101" pitchFamily="50" charset="-127"/>
+              </a:rPr>
+              <a:t>)</a:t>
+            </a:r>
+          </a:p>
+        </p:txBody>
+      </p:sp>
+    </p:spTree>
+    <p:extLst>
+      <p:ext uri="{BB962C8B-B14F-4D97-AF65-F5344CB8AC3E}">
+        <p14:creationId xmlns:p14="http://schemas.microsoft.com/office/powerpoint/2010/main" val="1572570640"/>
       </p:ext>
     </p:extLst>
   </p:cSld>

--- a/세미콜론 게임부분 강의자료.pptx
+++ b/세미콜론 게임부분 강의자료.pptx
@@ -1,9 +1,12 @@
 
 <file path=ppt/presentation.xml><?xml version="1.0" encoding="utf-8"?>
-<p:presentation xmlns:a="http://schemas.openxmlformats.org/drawingml/2006/main" xmlns:r="http://schemas.openxmlformats.org/officeDocument/2006/relationships" xmlns:p="http://schemas.openxmlformats.org/presentationml/2006/main" saveSubsetFonts="1">
+<p:presentation xmlns:a="http://schemas.openxmlformats.org/drawingml/2006/main" xmlns:r="http://schemas.openxmlformats.org/officeDocument/2006/relationships" xmlns:p="http://schemas.openxmlformats.org/presentationml/2006/main" embedTrueTypeFonts="1" saveSubsetFonts="1">
   <p:sldMasterIdLst>
     <p:sldMasterId id="2147483648" r:id="rId1"/>
   </p:sldMasterIdLst>
+  <p:notesMasterIdLst>
+    <p:notesMasterId r:id="rId18"/>
+  </p:notesMasterIdLst>
   <p:sldIdLst>
     <p:sldId id="264" r:id="rId2"/>
     <p:sldId id="258" r:id="rId3"/>
@@ -24,6 +27,25 @@
   </p:sldIdLst>
   <p:sldSz cx="12192000" cy="6858000"/>
   <p:notesSz cx="6858000" cy="9144000"/>
+  <p:embeddedFontLst>
+    <p:embeddedFont>
+      <p:font typeface="나눔스퀘어_ac Bold" panose="020B0600000101010101" pitchFamily="50" charset="-127"/>
+      <p:bold r:id="rId19"/>
+    </p:embeddedFont>
+    <p:embeddedFont>
+      <p:font typeface="나눔스퀘어라운드 Bold" panose="020B0600000101010101" pitchFamily="50" charset="-127"/>
+      <p:bold r:id="rId20"/>
+    </p:embeddedFont>
+    <p:embeddedFont>
+      <p:font typeface="나눔스퀘어라운드 ExtraBold" panose="020B0600000101010101" pitchFamily="50" charset="-127"/>
+      <p:bold r:id="rId21"/>
+    </p:embeddedFont>
+    <p:embeddedFont>
+      <p:font typeface="맑은 고딕" panose="020B0503020000020004" pitchFamily="50" charset="-127"/>
+      <p:regular r:id="rId22"/>
+      <p:bold r:id="rId23"/>
+    </p:embeddedFont>
+  </p:embeddedFontLst>
   <p:defaultTextStyle>
     <a:defPPr>
       <a:defRPr lang="ko-KR"/>
@@ -127,6 +149,355 @@
 </p:presentation>
 </file>
 
+<file path=ppt/notesMasters/notesMaster1.xml><?xml version="1.0" encoding="utf-8"?>
+<p:notesMaster xmlns:a="http://schemas.openxmlformats.org/drawingml/2006/main" xmlns:r="http://schemas.openxmlformats.org/officeDocument/2006/relationships" xmlns:p="http://schemas.openxmlformats.org/presentationml/2006/main">
+  <p:cSld>
+    <p:bg>
+      <p:bgRef idx="1001">
+        <a:schemeClr val="bg1"/>
+      </p:bgRef>
+    </p:bg>
+    <p:spTree>
+      <p:nvGrpSpPr>
+        <p:cNvPr id="1" name=""/>
+        <p:cNvGrpSpPr/>
+        <p:nvPr/>
+      </p:nvGrpSpPr>
+      <p:grpSpPr>
+        <a:xfrm>
+          <a:off x="0" y="0"/>
+          <a:ext cx="0" cy="0"/>
+          <a:chOff x="0" y="0"/>
+          <a:chExt cx="0" cy="0"/>
+        </a:xfrm>
+      </p:grpSpPr>
+      <p:sp>
+        <p:nvSpPr>
+          <p:cNvPr id="2" name="머리글 개체 틀 1"/>
+          <p:cNvSpPr>
+            <a:spLocks noGrp="1"/>
+          </p:cNvSpPr>
+          <p:nvPr>
+            <p:ph type="hdr" sz="quarter"/>
+          </p:nvPr>
+        </p:nvSpPr>
+        <p:spPr>
+          <a:xfrm>
+            <a:off x="0" y="0"/>
+            <a:ext cx="2971800" cy="458788"/>
+          </a:xfrm>
+          <a:prstGeom prst="rect">
+            <a:avLst/>
+          </a:prstGeom>
+        </p:spPr>
+        <p:txBody>
+          <a:bodyPr vert="horz" lIns="91440" tIns="45720" rIns="91440" bIns="45720" rtlCol="0"/>
+          <a:lstStyle>
+            <a:lvl1pPr algn="l">
+              <a:defRPr sz="1200"/>
+            </a:lvl1pPr>
+          </a:lstStyle>
+          <a:p>
+            <a:endParaRPr lang="ko-KR" altLang="en-US"/>
+          </a:p>
+        </p:txBody>
+      </p:sp>
+      <p:sp>
+        <p:nvSpPr>
+          <p:cNvPr id="3" name="날짜 개체 틀 2"/>
+          <p:cNvSpPr>
+            <a:spLocks noGrp="1"/>
+          </p:cNvSpPr>
+          <p:nvPr>
+            <p:ph type="dt" idx="1"/>
+          </p:nvPr>
+        </p:nvSpPr>
+        <p:spPr>
+          <a:xfrm>
+            <a:off x="3884613" y="0"/>
+            <a:ext cx="2971800" cy="458788"/>
+          </a:xfrm>
+          <a:prstGeom prst="rect">
+            <a:avLst/>
+          </a:prstGeom>
+        </p:spPr>
+        <p:txBody>
+          <a:bodyPr vert="horz" lIns="91440" tIns="45720" rIns="91440" bIns="45720" rtlCol="0"/>
+          <a:lstStyle>
+            <a:lvl1pPr algn="r">
+              <a:defRPr sz="1200"/>
+            </a:lvl1pPr>
+          </a:lstStyle>
+          <a:p>
+            <a:fld id="{6B2AD9BE-2C0C-4BC4-A94A-97BFCB703406}" type="datetimeFigureOut">
+              <a:rPr lang="ko-KR" altLang="en-US" smtClean="0"/>
+              <a:t>2021-05-14</a:t>
+            </a:fld>
+            <a:endParaRPr lang="ko-KR" altLang="en-US"/>
+          </a:p>
+        </p:txBody>
+      </p:sp>
+      <p:sp>
+        <p:nvSpPr>
+          <p:cNvPr id="4" name="슬라이드 이미지 개체 틀 3"/>
+          <p:cNvSpPr>
+            <a:spLocks noGrp="1" noRot="1" noChangeAspect="1"/>
+          </p:cNvSpPr>
+          <p:nvPr>
+            <p:ph type="sldImg" idx="2"/>
+          </p:nvPr>
+        </p:nvSpPr>
+        <p:spPr>
+          <a:xfrm>
+            <a:off x="685800" y="1143000"/>
+            <a:ext cx="5486400" cy="3086100"/>
+          </a:xfrm>
+          <a:prstGeom prst="rect">
+            <a:avLst/>
+          </a:prstGeom>
+          <a:noFill/>
+          <a:ln w="12700">
+            <a:solidFill>
+              <a:prstClr val="black"/>
+            </a:solidFill>
+          </a:ln>
+        </p:spPr>
+        <p:txBody>
+          <a:bodyPr vert="horz" lIns="91440" tIns="45720" rIns="91440" bIns="45720" rtlCol="0" anchor="ctr"/>
+          <a:lstStyle/>
+          <a:p>
+            <a:endParaRPr lang="ko-KR" altLang="en-US"/>
+          </a:p>
+        </p:txBody>
+      </p:sp>
+      <p:sp>
+        <p:nvSpPr>
+          <p:cNvPr id="5" name="슬라이드 노트 개체 틀 4"/>
+          <p:cNvSpPr>
+            <a:spLocks noGrp="1"/>
+          </p:cNvSpPr>
+          <p:nvPr>
+            <p:ph type="body" sz="quarter" idx="3"/>
+          </p:nvPr>
+        </p:nvSpPr>
+        <p:spPr>
+          <a:xfrm>
+            <a:off x="685800" y="4400550"/>
+            <a:ext cx="5486400" cy="3600450"/>
+          </a:xfrm>
+          <a:prstGeom prst="rect">
+            <a:avLst/>
+          </a:prstGeom>
+        </p:spPr>
+        <p:txBody>
+          <a:bodyPr vert="horz" lIns="91440" tIns="45720" rIns="91440" bIns="45720" rtlCol="0"/>
+          <a:lstStyle/>
+          <a:p>
+            <a:pPr lvl="0"/>
+            <a:r>
+              <a:rPr lang="ko-KR" altLang="en-US"/>
+              <a:t>마스터 텍스트 스타일을 편집하려면 클릭</a:t>
+            </a:r>
+          </a:p>
+          <a:p>
+            <a:pPr lvl="1"/>
+            <a:r>
+              <a:rPr lang="ko-KR" altLang="en-US"/>
+              <a:t>두 번째 수준</a:t>
+            </a:r>
+          </a:p>
+          <a:p>
+            <a:pPr lvl="2"/>
+            <a:r>
+              <a:rPr lang="ko-KR" altLang="en-US"/>
+              <a:t>세 번째 수준</a:t>
+            </a:r>
+          </a:p>
+          <a:p>
+            <a:pPr lvl="3"/>
+            <a:r>
+              <a:rPr lang="ko-KR" altLang="en-US"/>
+              <a:t>네 번째 수준</a:t>
+            </a:r>
+          </a:p>
+          <a:p>
+            <a:pPr lvl="4"/>
+            <a:r>
+              <a:rPr lang="ko-KR" altLang="en-US"/>
+              <a:t>다섯 번째 수준</a:t>
+            </a:r>
+          </a:p>
+        </p:txBody>
+      </p:sp>
+      <p:sp>
+        <p:nvSpPr>
+          <p:cNvPr id="6" name="바닥글 개체 틀 5"/>
+          <p:cNvSpPr>
+            <a:spLocks noGrp="1"/>
+          </p:cNvSpPr>
+          <p:nvPr>
+            <p:ph type="ftr" sz="quarter" idx="4"/>
+          </p:nvPr>
+        </p:nvSpPr>
+        <p:spPr>
+          <a:xfrm>
+            <a:off x="0" y="8685213"/>
+            <a:ext cx="2971800" cy="458787"/>
+          </a:xfrm>
+          <a:prstGeom prst="rect">
+            <a:avLst/>
+          </a:prstGeom>
+        </p:spPr>
+        <p:txBody>
+          <a:bodyPr vert="horz" lIns="91440" tIns="45720" rIns="91440" bIns="45720" rtlCol="0" anchor="b"/>
+          <a:lstStyle>
+            <a:lvl1pPr algn="l">
+              <a:defRPr sz="1200"/>
+            </a:lvl1pPr>
+          </a:lstStyle>
+          <a:p>
+            <a:endParaRPr lang="ko-KR" altLang="en-US"/>
+          </a:p>
+        </p:txBody>
+      </p:sp>
+      <p:sp>
+        <p:nvSpPr>
+          <p:cNvPr id="7" name="슬라이드 번호 개체 틀 6"/>
+          <p:cNvSpPr>
+            <a:spLocks noGrp="1"/>
+          </p:cNvSpPr>
+          <p:nvPr>
+            <p:ph type="sldNum" sz="quarter" idx="5"/>
+          </p:nvPr>
+        </p:nvSpPr>
+        <p:spPr>
+          <a:xfrm>
+            <a:off x="3884613" y="8685213"/>
+            <a:ext cx="2971800" cy="458787"/>
+          </a:xfrm>
+          <a:prstGeom prst="rect">
+            <a:avLst/>
+          </a:prstGeom>
+        </p:spPr>
+        <p:txBody>
+          <a:bodyPr vert="horz" lIns="91440" tIns="45720" rIns="91440" bIns="45720" rtlCol="0" anchor="b"/>
+          <a:lstStyle>
+            <a:lvl1pPr algn="r">
+              <a:defRPr sz="1200"/>
+            </a:lvl1pPr>
+          </a:lstStyle>
+          <a:p>
+            <a:fld id="{75CDDFDB-2ED4-4B17-8F9F-55D020B6C5D8}" type="slidenum">
+              <a:rPr lang="ko-KR" altLang="en-US" smtClean="0"/>
+              <a:t>‹#›</a:t>
+            </a:fld>
+            <a:endParaRPr lang="ko-KR" altLang="en-US"/>
+          </a:p>
+        </p:txBody>
+      </p:sp>
+    </p:spTree>
+    <p:extLst>
+      <p:ext uri="{BB962C8B-B14F-4D97-AF65-F5344CB8AC3E}">
+        <p14:creationId xmlns:p14="http://schemas.microsoft.com/office/powerpoint/2010/main" val="4064074661"/>
+      </p:ext>
+    </p:extLst>
+  </p:cSld>
+  <p:clrMap bg1="lt1" tx1="dk1" bg2="lt2" tx2="dk2" accent1="accent1" accent2="accent2" accent3="accent3" accent4="accent4" accent5="accent5" accent6="accent6" hlink="hlink" folHlink="folHlink"/>
+  <p:notesStyle>
+    <a:lvl1pPr marL="0" algn="l" defTabSz="914400" rtl="0" eaLnBrk="1" latinLnBrk="1" hangingPunct="1">
+      <a:defRPr sz="1200" kern="1200">
+        <a:solidFill>
+          <a:schemeClr val="tx1"/>
+        </a:solidFill>
+        <a:latin typeface="+mn-lt"/>
+        <a:ea typeface="+mn-ea"/>
+        <a:cs typeface="+mn-cs"/>
+      </a:defRPr>
+    </a:lvl1pPr>
+    <a:lvl2pPr marL="457200" algn="l" defTabSz="914400" rtl="0" eaLnBrk="1" latinLnBrk="1" hangingPunct="1">
+      <a:defRPr sz="1200" kern="1200">
+        <a:solidFill>
+          <a:schemeClr val="tx1"/>
+        </a:solidFill>
+        <a:latin typeface="+mn-lt"/>
+        <a:ea typeface="+mn-ea"/>
+        <a:cs typeface="+mn-cs"/>
+      </a:defRPr>
+    </a:lvl2pPr>
+    <a:lvl3pPr marL="914400" algn="l" defTabSz="914400" rtl="0" eaLnBrk="1" latinLnBrk="1" hangingPunct="1">
+      <a:defRPr sz="1200" kern="1200">
+        <a:solidFill>
+          <a:schemeClr val="tx1"/>
+        </a:solidFill>
+        <a:latin typeface="+mn-lt"/>
+        <a:ea typeface="+mn-ea"/>
+        <a:cs typeface="+mn-cs"/>
+      </a:defRPr>
+    </a:lvl3pPr>
+    <a:lvl4pPr marL="1371600" algn="l" defTabSz="914400" rtl="0" eaLnBrk="1" latinLnBrk="1" hangingPunct="1">
+      <a:defRPr sz="1200" kern="1200">
+        <a:solidFill>
+          <a:schemeClr val="tx1"/>
+        </a:solidFill>
+        <a:latin typeface="+mn-lt"/>
+        <a:ea typeface="+mn-ea"/>
+        <a:cs typeface="+mn-cs"/>
+      </a:defRPr>
+    </a:lvl4pPr>
+    <a:lvl5pPr marL="1828800" algn="l" defTabSz="914400" rtl="0" eaLnBrk="1" latinLnBrk="1" hangingPunct="1">
+      <a:defRPr sz="1200" kern="1200">
+        <a:solidFill>
+          <a:schemeClr val="tx1"/>
+        </a:solidFill>
+        <a:latin typeface="+mn-lt"/>
+        <a:ea typeface="+mn-ea"/>
+        <a:cs typeface="+mn-cs"/>
+      </a:defRPr>
+    </a:lvl5pPr>
+    <a:lvl6pPr marL="2286000" algn="l" defTabSz="914400" rtl="0" eaLnBrk="1" latinLnBrk="1" hangingPunct="1">
+      <a:defRPr sz="1200" kern="1200">
+        <a:solidFill>
+          <a:schemeClr val="tx1"/>
+        </a:solidFill>
+        <a:latin typeface="+mn-lt"/>
+        <a:ea typeface="+mn-ea"/>
+        <a:cs typeface="+mn-cs"/>
+      </a:defRPr>
+    </a:lvl6pPr>
+    <a:lvl7pPr marL="2743200" algn="l" defTabSz="914400" rtl="0" eaLnBrk="1" latinLnBrk="1" hangingPunct="1">
+      <a:defRPr sz="1200" kern="1200">
+        <a:solidFill>
+          <a:schemeClr val="tx1"/>
+        </a:solidFill>
+        <a:latin typeface="+mn-lt"/>
+        <a:ea typeface="+mn-ea"/>
+        <a:cs typeface="+mn-cs"/>
+      </a:defRPr>
+    </a:lvl7pPr>
+    <a:lvl8pPr marL="3200400" algn="l" defTabSz="914400" rtl="0" eaLnBrk="1" latinLnBrk="1" hangingPunct="1">
+      <a:defRPr sz="1200" kern="1200">
+        <a:solidFill>
+          <a:schemeClr val="tx1"/>
+        </a:solidFill>
+        <a:latin typeface="+mn-lt"/>
+        <a:ea typeface="+mn-ea"/>
+        <a:cs typeface="+mn-cs"/>
+      </a:defRPr>
+    </a:lvl8pPr>
+    <a:lvl9pPr marL="3657600" algn="l" defTabSz="914400" rtl="0" eaLnBrk="1" latinLnBrk="1" hangingPunct="1">
+      <a:defRPr sz="1200" kern="1200">
+        <a:solidFill>
+          <a:schemeClr val="tx1"/>
+        </a:solidFill>
+        <a:latin typeface="+mn-lt"/>
+        <a:ea typeface="+mn-ea"/>
+        <a:cs typeface="+mn-cs"/>
+      </a:defRPr>
+    </a:lvl9pPr>
+  </p:notesStyle>
+</p:notesMaster>
+</file>
+
 <file path=ppt/slideLayouts/slideLayout1.xml><?xml version="1.0" encoding="utf-8"?>
 <p:sldLayout xmlns:a="http://schemas.openxmlformats.org/drawingml/2006/main" xmlns:r="http://schemas.openxmlformats.org/officeDocument/2006/relationships" xmlns:p="http://schemas.openxmlformats.org/presentationml/2006/main" type="title" preserve="1">
   <p:cSld name="제목 슬라이드">
@@ -1081,6 +1452,54 @@
           </a:p>
         </p:txBody>
       </p:sp>
+      <p:pic>
+        <p:nvPicPr>
+          <p:cNvPr id="9" name="그림 8">
+            <a:extLst>
+              <a:ext uri="{FF2B5EF4-FFF2-40B4-BE49-F238E27FC236}">
+                <a16:creationId xmlns:a16="http://schemas.microsoft.com/office/drawing/2014/main" id="{F5644C43-2A16-4C3A-9363-594339B134F8}"/>
+              </a:ext>
+            </a:extLst>
+          </p:cNvPr>
+          <p:cNvPicPr>
+            <a:picLocks noChangeAspect="1"/>
+          </p:cNvPicPr>
+          <p:nvPr userDrawn="1"/>
+        </p:nvPicPr>
+        <p:blipFill rotWithShape="1">
+          <a:blip r:embed="rId3">
+            <a:extLst>
+              <a:ext uri="{BEBA8EAE-BF5A-486C-A8C5-ECC9F3942E4B}">
+                <a14:imgProps xmlns:a14="http://schemas.microsoft.com/office/drawing/2010/main">
+                  <a14:imgLayer r:embed="rId4">
+                    <a14:imgEffect>
+                      <a14:backgroundRemoval t="10000" b="90000" l="10000" r="90000">
+                        <a14:foregroundMark x1="38477" y1="13117" x2="47396" y2="14660"/>
+                        <a14:foregroundMark x1="47396" y1="14660" x2="46354" y2="25772"/>
+                        <a14:foregroundMark x1="46354" y1="25772" x2="44271" y2="29784"/>
+                      </a14:backgroundRemoval>
+                    </a14:imgEffect>
+                  </a14:imgLayer>
+                </a14:imgProps>
+              </a:ext>
+              <a:ext uri="{28A0092B-C50C-407E-A947-70E740481C1C}">
+                <a14:useLocalDpi xmlns:a14="http://schemas.microsoft.com/office/drawing/2010/main" val="0"/>
+              </a:ext>
+            </a:extLst>
+          </a:blip>
+          <a:srcRect l="25190" r="33747"/>
+          <a:stretch/>
+        </p:blipFill>
+        <p:spPr>
+          <a:xfrm>
+            <a:off x="11113476" y="5945688"/>
+            <a:ext cx="888024" cy="912312"/>
+          </a:xfrm>
+          <a:prstGeom prst="rect">
+            <a:avLst/>
+          </a:prstGeom>
+        </p:spPr>
+      </p:pic>
     </p:spTree>
     <p:extLst>
       <p:ext uri="{BB962C8B-B14F-4D97-AF65-F5344CB8AC3E}">
@@ -3135,6 +3554,54 @@
           </a:p>
         </p:txBody>
       </p:sp>
+      <p:pic>
+        <p:nvPicPr>
+          <p:cNvPr id="8" name="그림 7">
+            <a:extLst>
+              <a:ext uri="{FF2B5EF4-FFF2-40B4-BE49-F238E27FC236}">
+                <a16:creationId xmlns:a16="http://schemas.microsoft.com/office/drawing/2014/main" id="{5FEDB8D6-4F00-47C7-ADC3-3472BD199565}"/>
+              </a:ext>
+            </a:extLst>
+          </p:cNvPr>
+          <p:cNvPicPr>
+            <a:picLocks noChangeAspect="1"/>
+          </p:cNvPicPr>
+          <p:nvPr userDrawn="1"/>
+        </p:nvPicPr>
+        <p:blipFill rotWithShape="1">
+          <a:blip r:embed="rId13">
+            <a:extLst>
+              <a:ext uri="{BEBA8EAE-BF5A-486C-A8C5-ECC9F3942E4B}">
+                <a14:imgProps xmlns:a14="http://schemas.microsoft.com/office/drawing/2010/main">
+                  <a14:imgLayer r:embed="rId14">
+                    <a14:imgEffect>
+                      <a14:backgroundRemoval t="10000" b="90000" l="10000" r="90000">
+                        <a14:foregroundMark x1="38477" y1="13117" x2="47396" y2="14660"/>
+                        <a14:foregroundMark x1="47396" y1="14660" x2="46354" y2="25772"/>
+                        <a14:foregroundMark x1="46354" y1="25772" x2="44271" y2="29784"/>
+                      </a14:backgroundRemoval>
+                    </a14:imgEffect>
+                  </a14:imgLayer>
+                </a14:imgProps>
+              </a:ext>
+              <a:ext uri="{28A0092B-C50C-407E-A947-70E740481C1C}">
+                <a14:useLocalDpi xmlns:a14="http://schemas.microsoft.com/office/drawing/2010/main" val="0"/>
+              </a:ext>
+            </a:extLst>
+          </a:blip>
+          <a:srcRect l="25190" r="33747"/>
+          <a:stretch/>
+        </p:blipFill>
+        <p:spPr>
+          <a:xfrm>
+            <a:off x="11113476" y="5945688"/>
+            <a:ext cx="888024" cy="912312"/>
+          </a:xfrm>
+          <a:prstGeom prst="rect">
+            <a:avLst/>
+          </a:prstGeom>
+        </p:spPr>
+      </p:pic>
     </p:spTree>
     <p:extLst>
       <p:ext uri="{BB962C8B-B14F-4D97-AF65-F5344CB8AC3E}">
@@ -3456,6 +3923,377 @@
           <a:chExt cx="0" cy="0"/>
         </a:xfrm>
       </p:grpSpPr>
+      <p:pic>
+        <p:nvPicPr>
+          <p:cNvPr id="6" name="그림 5" descr="별, 옥외설치물, 밤하늘이(가) 표시된 사진&#10;&#10;자동 생성된 설명">
+            <a:extLst>
+              <a:ext uri="{FF2B5EF4-FFF2-40B4-BE49-F238E27FC236}">
+                <a16:creationId xmlns:a16="http://schemas.microsoft.com/office/drawing/2014/main" id="{D1CBE9BE-3D92-42B7-981C-A2B63E28CD5F}"/>
+              </a:ext>
+            </a:extLst>
+          </p:cNvPr>
+          <p:cNvPicPr>
+            <a:picLocks noChangeAspect="1"/>
+          </p:cNvPicPr>
+          <p:nvPr/>
+        </p:nvPicPr>
+        <p:blipFill>
+          <a:blip r:embed="rId2">
+            <a:clrChange>
+              <a:clrFrom>
+                <a:srgbClr val="000000">
+                  <a:alpha val="0"/>
+                </a:srgbClr>
+              </a:clrFrom>
+              <a:clrTo>
+                <a:srgbClr val="000000">
+                  <a:alpha val="0"/>
+                </a:srgbClr>
+              </a:clrTo>
+            </a:clrChange>
+            <a:duotone>
+              <a:prstClr val="black"/>
+              <a:schemeClr val="accent1">
+                <a:tint val="45000"/>
+                <a:satMod val="400000"/>
+              </a:schemeClr>
+            </a:duotone>
+            <a:extLst>
+              <a:ext uri="{28A0092B-C50C-407E-A947-70E740481C1C}">
+                <a14:useLocalDpi xmlns:a14="http://schemas.microsoft.com/office/drawing/2010/main" val="0"/>
+              </a:ext>
+            </a:extLst>
+          </a:blip>
+          <a:stretch>
+            <a:fillRect/>
+          </a:stretch>
+        </p:blipFill>
+        <p:spPr>
+          <a:xfrm>
+            <a:off x="0" y="6080760"/>
+            <a:ext cx="12192000" cy="777240"/>
+          </a:xfrm>
+          <a:prstGeom prst="rect">
+            <a:avLst/>
+          </a:prstGeom>
+        </p:spPr>
+      </p:pic>
+      <p:sp>
+        <p:nvSpPr>
+          <p:cNvPr id="12" name="직사각형 11">
+            <a:extLst>
+              <a:ext uri="{FF2B5EF4-FFF2-40B4-BE49-F238E27FC236}">
+                <a16:creationId xmlns:a16="http://schemas.microsoft.com/office/drawing/2014/main" id="{8A4952F0-66F0-4B8D-9474-90DDAAC9F04B}"/>
+              </a:ext>
+            </a:extLst>
+          </p:cNvPr>
+          <p:cNvSpPr/>
+          <p:nvPr/>
+        </p:nvSpPr>
+        <p:spPr>
+          <a:xfrm>
+            <a:off x="2369209" y="3757282"/>
+            <a:ext cx="7453582" cy="45719"/>
+          </a:xfrm>
+          <a:prstGeom prst="rect">
+            <a:avLst/>
+          </a:prstGeom>
+          <a:solidFill>
+            <a:schemeClr val="bg1"/>
+          </a:solidFill>
+          <a:ln>
+            <a:noFill/>
+          </a:ln>
+        </p:spPr>
+        <p:style>
+          <a:lnRef idx="2">
+            <a:schemeClr val="accent1">
+              <a:shade val="50000"/>
+            </a:schemeClr>
+          </a:lnRef>
+          <a:fillRef idx="1">
+            <a:schemeClr val="accent1"/>
+          </a:fillRef>
+          <a:effectRef idx="0">
+            <a:schemeClr val="accent1"/>
+          </a:effectRef>
+          <a:fontRef idx="minor">
+            <a:schemeClr val="lt1"/>
+          </a:fontRef>
+        </p:style>
+        <p:txBody>
+          <a:bodyPr rtlCol="0" anchor="ctr"/>
+          <a:lstStyle/>
+          <a:p>
+            <a:pPr algn="ctr"/>
+            <a:endParaRPr lang="ko-KR" altLang="en-US"/>
+          </a:p>
+        </p:txBody>
+      </p:sp>
+      <p:sp>
+        <p:nvSpPr>
+          <p:cNvPr id="13" name="TextBox 12">
+            <a:extLst>
+              <a:ext uri="{FF2B5EF4-FFF2-40B4-BE49-F238E27FC236}">
+                <a16:creationId xmlns:a16="http://schemas.microsoft.com/office/drawing/2014/main" id="{1478A988-1716-419F-9905-457B1BB3A816}"/>
+              </a:ext>
+            </a:extLst>
+          </p:cNvPr>
+          <p:cNvSpPr txBox="1"/>
+          <p:nvPr/>
+        </p:nvSpPr>
+        <p:spPr>
+          <a:xfrm>
+            <a:off x="2003425" y="2559045"/>
+            <a:ext cx="8185150" cy="1107996"/>
+          </a:xfrm>
+          <a:prstGeom prst="rect">
+            <a:avLst/>
+          </a:prstGeom>
+          <a:noFill/>
+        </p:spPr>
+        <p:txBody>
+          <a:bodyPr wrap="square" rtlCol="0">
+            <a:spAutoFit/>
+          </a:bodyPr>
+          <a:lstStyle/>
+          <a:p>
+            <a:pPr algn="ctr"/>
+            <a:r>
+              <a:rPr lang="en-US" altLang="ko-KR" sz="6600" dirty="0">
+                <a:solidFill>
+                  <a:schemeClr val="bg1"/>
+                </a:solidFill>
+                <a:latin typeface="나눔스퀘어라운드 Bold" panose="020B0600000101010101" pitchFamily="50" charset="-127"/>
+                <a:ea typeface="나눔스퀘어라운드 Bold" panose="020B0600000101010101" pitchFamily="50" charset="-127"/>
+              </a:rPr>
+              <a:t>SEMICOLON - GAME</a:t>
+            </a:r>
+            <a:endParaRPr lang="ko-KR" altLang="en-US" sz="6600" dirty="0">
+              <a:solidFill>
+                <a:schemeClr val="bg1"/>
+              </a:solidFill>
+              <a:latin typeface="나눔스퀘어라운드 Bold" panose="020B0600000101010101" pitchFamily="50" charset="-127"/>
+              <a:ea typeface="나눔스퀘어라운드 Bold" panose="020B0600000101010101" pitchFamily="50" charset="-127"/>
+            </a:endParaRPr>
+          </a:p>
+        </p:txBody>
+      </p:sp>
+      <p:sp>
+        <p:nvSpPr>
+          <p:cNvPr id="18" name="TextBox 17">
+            <a:extLst>
+              <a:ext uri="{FF2B5EF4-FFF2-40B4-BE49-F238E27FC236}">
+                <a16:creationId xmlns:a16="http://schemas.microsoft.com/office/drawing/2014/main" id="{82549EDB-7C95-48A5-B588-057021F90F45}"/>
+              </a:ext>
+            </a:extLst>
+          </p:cNvPr>
+          <p:cNvSpPr txBox="1"/>
+          <p:nvPr/>
+        </p:nvSpPr>
+        <p:spPr>
+          <a:xfrm>
+            <a:off x="3816985" y="3962282"/>
+            <a:ext cx="4558030" cy="523220"/>
+          </a:xfrm>
+          <a:prstGeom prst="rect">
+            <a:avLst/>
+          </a:prstGeom>
+          <a:noFill/>
+        </p:spPr>
+        <p:txBody>
+          <a:bodyPr wrap="square" rtlCol="0">
+            <a:spAutoFit/>
+          </a:bodyPr>
+          <a:lstStyle/>
+          <a:p>
+            <a:pPr algn="ctr"/>
+            <a:r>
+              <a:rPr lang="ko-KR" altLang="en-US" sz="2800" dirty="0">
+                <a:solidFill>
+                  <a:schemeClr val="bg1"/>
+                </a:solidFill>
+                <a:latin typeface="나눔스퀘어라운드 Bold" panose="020B0600000101010101" pitchFamily="50" charset="-127"/>
+                <a:ea typeface="나눔스퀘어라운드 Bold" panose="020B0600000101010101" pitchFamily="50" charset="-127"/>
+              </a:rPr>
+              <a:t>강의 </a:t>
+            </a:r>
+            <a:r>
+              <a:rPr lang="en-US" altLang="ko-KR" sz="2800" dirty="0">
+                <a:solidFill>
+                  <a:schemeClr val="bg1"/>
+                </a:solidFill>
+                <a:latin typeface="나눔스퀘어라운드 Bold" panose="020B0600000101010101" pitchFamily="50" charset="-127"/>
+                <a:ea typeface="나눔스퀘어라운드 Bold" panose="020B0600000101010101" pitchFamily="50" charset="-127"/>
+              </a:rPr>
+              <a:t>: </a:t>
+            </a:r>
+            <a:r>
+              <a:rPr lang="ko-KR" altLang="en-US" sz="2800" dirty="0" err="1">
+                <a:solidFill>
+                  <a:schemeClr val="bg1"/>
+                </a:solidFill>
+                <a:latin typeface="나눔스퀘어라운드 Bold" panose="020B0600000101010101" pitchFamily="50" charset="-127"/>
+                <a:ea typeface="나눔스퀘어라운드 Bold" panose="020B0600000101010101" pitchFamily="50" charset="-127"/>
+              </a:rPr>
+              <a:t>김정찬</a:t>
+            </a:r>
+            <a:r>
+              <a:rPr lang="ko-KR" altLang="en-US" sz="2800" dirty="0">
+                <a:solidFill>
+                  <a:schemeClr val="bg1"/>
+                </a:solidFill>
+                <a:latin typeface="나눔스퀘어라운드 Bold" panose="020B0600000101010101" pitchFamily="50" charset="-127"/>
+                <a:ea typeface="나눔스퀘어라운드 Bold" panose="020B0600000101010101" pitchFamily="50" charset="-127"/>
+              </a:rPr>
+              <a:t>  </a:t>
+            </a:r>
+            <a:r>
+              <a:rPr lang="en-US" altLang="ko-KR" sz="2800" dirty="0">
+                <a:solidFill>
+                  <a:schemeClr val="bg1"/>
+                </a:solidFill>
+                <a:latin typeface="나눔스퀘어라운드 Bold" panose="020B0600000101010101" pitchFamily="50" charset="-127"/>
+                <a:ea typeface="나눔스퀘어라운드 Bold" panose="020B0600000101010101" pitchFamily="50" charset="-127"/>
+              </a:rPr>
+              <a:t>|  </a:t>
+            </a:r>
+            <a:r>
+              <a:rPr lang="ko-KR" altLang="en-US" sz="2800" dirty="0">
+                <a:solidFill>
+                  <a:schemeClr val="bg1"/>
+                </a:solidFill>
+                <a:latin typeface="나눔스퀘어라운드 Bold" panose="020B0600000101010101" pitchFamily="50" charset="-127"/>
+                <a:ea typeface="나눔스퀘어라운드 Bold" panose="020B0600000101010101" pitchFamily="50" charset="-127"/>
+              </a:rPr>
+              <a:t>제작 </a:t>
+            </a:r>
+            <a:r>
+              <a:rPr lang="en-US" altLang="ko-KR" sz="2800" dirty="0">
+                <a:solidFill>
+                  <a:schemeClr val="bg1"/>
+                </a:solidFill>
+                <a:latin typeface="나눔스퀘어라운드 Bold" panose="020B0600000101010101" pitchFamily="50" charset="-127"/>
+                <a:ea typeface="나눔스퀘어라운드 Bold" panose="020B0600000101010101" pitchFamily="50" charset="-127"/>
+              </a:rPr>
+              <a:t>: </a:t>
+            </a:r>
+            <a:r>
+              <a:rPr lang="ko-KR" altLang="en-US" sz="2800" dirty="0">
+                <a:solidFill>
+                  <a:schemeClr val="bg1"/>
+                </a:solidFill>
+                <a:latin typeface="나눔스퀘어라운드 Bold" panose="020B0600000101010101" pitchFamily="50" charset="-127"/>
+                <a:ea typeface="나눔스퀘어라운드 Bold" panose="020B0600000101010101" pitchFamily="50" charset="-127"/>
+              </a:rPr>
+              <a:t>함승호</a:t>
+            </a:r>
+          </a:p>
+        </p:txBody>
+      </p:sp>
+      <p:pic>
+        <p:nvPicPr>
+          <p:cNvPr id="5" name="그림 4" descr="별, 옥외설치물, 밤하늘이(가) 표시된 사진&#10;&#10;자동 생성된 설명">
+            <a:extLst>
+              <a:ext uri="{FF2B5EF4-FFF2-40B4-BE49-F238E27FC236}">
+                <a16:creationId xmlns:a16="http://schemas.microsoft.com/office/drawing/2014/main" id="{B4F69016-E96D-4AAB-BF46-D03C6F524D3E}"/>
+              </a:ext>
+            </a:extLst>
+          </p:cNvPr>
+          <p:cNvPicPr>
+            <a:picLocks noChangeAspect="1"/>
+          </p:cNvPicPr>
+          <p:nvPr/>
+        </p:nvPicPr>
+        <p:blipFill>
+          <a:blip r:embed="rId2">
+            <a:clrChange>
+              <a:clrFrom>
+                <a:srgbClr val="000000">
+                  <a:alpha val="0"/>
+                </a:srgbClr>
+              </a:clrFrom>
+              <a:clrTo>
+                <a:srgbClr val="000000">
+                  <a:alpha val="0"/>
+                </a:srgbClr>
+              </a:clrTo>
+            </a:clrChange>
+            <a:duotone>
+              <a:prstClr val="black"/>
+              <a:schemeClr val="accent1">
+                <a:tint val="45000"/>
+                <a:satMod val="400000"/>
+              </a:schemeClr>
+            </a:duotone>
+            <a:extLst>
+              <a:ext uri="{28A0092B-C50C-407E-A947-70E740481C1C}">
+                <a14:useLocalDpi xmlns:a14="http://schemas.microsoft.com/office/drawing/2010/main" val="0"/>
+              </a:ext>
+            </a:extLst>
+          </a:blip>
+          <a:stretch>
+            <a:fillRect/>
+          </a:stretch>
+        </p:blipFill>
+        <p:spPr>
+          <a:xfrm flipV="1">
+            <a:off x="0" y="0"/>
+            <a:ext cx="12192000" cy="777240"/>
+          </a:xfrm>
+          <a:prstGeom prst="rect">
+            <a:avLst/>
+          </a:prstGeom>
+        </p:spPr>
+      </p:pic>
+      <p:pic>
+        <p:nvPicPr>
+          <p:cNvPr id="7" name="그림 6">
+            <a:extLst>
+              <a:ext uri="{FF2B5EF4-FFF2-40B4-BE49-F238E27FC236}">
+                <a16:creationId xmlns:a16="http://schemas.microsoft.com/office/drawing/2014/main" id="{365201BE-7A00-47FD-BD49-55DDC9114399}"/>
+              </a:ext>
+            </a:extLst>
+          </p:cNvPr>
+          <p:cNvPicPr>
+            <a:picLocks noChangeAspect="1"/>
+          </p:cNvPicPr>
+          <p:nvPr/>
+        </p:nvPicPr>
+        <p:blipFill rotWithShape="1">
+          <a:blip r:embed="rId3">
+            <a:extLst>
+              <a:ext uri="{BEBA8EAE-BF5A-486C-A8C5-ECC9F3942E4B}">
+                <a14:imgProps xmlns:a14="http://schemas.microsoft.com/office/drawing/2010/main">
+                  <a14:imgLayer r:embed="rId4">
+                    <a14:imgEffect>
+                      <a14:backgroundRemoval t="10000" b="90000" l="10000" r="90000">
+                        <a14:foregroundMark x1="38477" y1="13117" x2="47396" y2="14660"/>
+                        <a14:foregroundMark x1="47396" y1="14660" x2="46354" y2="25772"/>
+                        <a14:foregroundMark x1="46354" y1="25772" x2="44271" y2="29784"/>
+                      </a14:backgroundRemoval>
+                    </a14:imgEffect>
+                  </a14:imgLayer>
+                </a14:imgProps>
+              </a:ext>
+              <a:ext uri="{28A0092B-C50C-407E-A947-70E740481C1C}">
+                <a14:useLocalDpi xmlns:a14="http://schemas.microsoft.com/office/drawing/2010/main" val="0"/>
+              </a:ext>
+            </a:extLst>
+          </a:blip>
+          <a:srcRect l="25190" r="33747"/>
+          <a:stretch/>
+        </p:blipFill>
+        <p:spPr>
+          <a:xfrm>
+            <a:off x="11113476" y="5945688"/>
+            <a:ext cx="888024" cy="912312"/>
+          </a:xfrm>
+          <a:prstGeom prst="rect">
+            <a:avLst/>
+          </a:prstGeom>
+        </p:spPr>
+      </p:pic>
     </p:spTree>
     <p:extLst>
       <p:ext uri="{BB962C8B-B14F-4D97-AF65-F5344CB8AC3E}">
@@ -3466,6 +4304,544 @@
   <p:clrMapOvr>
     <a:masterClrMapping/>
   </p:clrMapOvr>
+  <p:timing>
+    <p:tnLst>
+      <p:par>
+        <p:cTn id="1" dur="indefinite" restart="never" nodeType="tmRoot">
+          <p:childTnLst>
+            <p:seq concurrent="1" nextAc="seek">
+              <p:cTn id="2" dur="indefinite" nodeType="mainSeq">
+                <p:childTnLst>
+                  <p:par>
+                    <p:cTn id="3" fill="hold">
+                      <p:stCondLst>
+                        <p:cond delay="indefinite"/>
+                      </p:stCondLst>
+                      <p:childTnLst>
+                        <p:par>
+                          <p:cTn id="4" fill="hold">
+                            <p:stCondLst>
+                              <p:cond delay="0"/>
+                            </p:stCondLst>
+                            <p:childTnLst>
+                              <p:par>
+                                <p:cTn id="5" presetID="42" presetClass="entr" presetSubtype="0" fill="hold" grpId="0" nodeType="clickEffect">
+                                  <p:stCondLst>
+                                    <p:cond delay="0"/>
+                                  </p:stCondLst>
+                                  <p:childTnLst>
+                                    <p:set>
+                                      <p:cBhvr>
+                                        <p:cTn id="6" dur="1" fill="hold">
+                                          <p:stCondLst>
+                                            <p:cond delay="0"/>
+                                          </p:stCondLst>
+                                        </p:cTn>
+                                        <p:tgtEl>
+                                          <p:spTgt spid="13"/>
+                                        </p:tgtEl>
+                                        <p:attrNameLst>
+                                          <p:attrName>style.visibility</p:attrName>
+                                        </p:attrNameLst>
+                                      </p:cBhvr>
+                                      <p:to>
+                                        <p:strVal val="visible"/>
+                                      </p:to>
+                                    </p:set>
+                                    <p:animEffect transition="in" filter="fade">
+                                      <p:cBhvr>
+                                        <p:cTn id="7" dur="500"/>
+                                        <p:tgtEl>
+                                          <p:spTgt spid="13"/>
+                                        </p:tgtEl>
+                                      </p:cBhvr>
+                                    </p:animEffect>
+                                    <p:anim calcmode="lin" valueType="num">
+                                      <p:cBhvr>
+                                        <p:cTn id="8" dur="500" fill="hold"/>
+                                        <p:tgtEl>
+                                          <p:spTgt spid="13"/>
+                                        </p:tgtEl>
+                                        <p:attrNameLst>
+                                          <p:attrName>ppt_x</p:attrName>
+                                        </p:attrNameLst>
+                                      </p:cBhvr>
+                                      <p:tavLst>
+                                        <p:tav tm="0">
+                                          <p:val>
+                                            <p:strVal val="#ppt_x"/>
+                                          </p:val>
+                                        </p:tav>
+                                        <p:tav tm="100000">
+                                          <p:val>
+                                            <p:strVal val="#ppt_x"/>
+                                          </p:val>
+                                        </p:tav>
+                                      </p:tavLst>
+                                    </p:anim>
+                                    <p:anim calcmode="lin" valueType="num">
+                                      <p:cBhvr>
+                                        <p:cTn id="9" dur="500" fill="hold"/>
+                                        <p:tgtEl>
+                                          <p:spTgt spid="13"/>
+                                        </p:tgtEl>
+                                        <p:attrNameLst>
+                                          <p:attrName>ppt_y</p:attrName>
+                                        </p:attrNameLst>
+                                      </p:cBhvr>
+                                      <p:tavLst>
+                                        <p:tav tm="0">
+                                          <p:val>
+                                            <p:strVal val="#ppt_y+.1"/>
+                                          </p:val>
+                                        </p:tav>
+                                        <p:tav tm="100000">
+                                          <p:val>
+                                            <p:strVal val="#ppt_y"/>
+                                          </p:val>
+                                        </p:tav>
+                                      </p:tavLst>
+                                    </p:anim>
+                                  </p:childTnLst>
+                                </p:cTn>
+                              </p:par>
+                              <p:par>
+                                <p:cTn id="10" presetID="22" presetClass="entr" presetSubtype="8" fill="hold" grpId="0" nodeType="withEffect">
+                                  <p:stCondLst>
+                                    <p:cond delay="0"/>
+                                  </p:stCondLst>
+                                  <p:childTnLst>
+                                    <p:set>
+                                      <p:cBhvr>
+                                        <p:cTn id="11" dur="1" fill="hold">
+                                          <p:stCondLst>
+                                            <p:cond delay="0"/>
+                                          </p:stCondLst>
+                                        </p:cTn>
+                                        <p:tgtEl>
+                                          <p:spTgt spid="12"/>
+                                        </p:tgtEl>
+                                        <p:attrNameLst>
+                                          <p:attrName>style.visibility</p:attrName>
+                                        </p:attrNameLst>
+                                      </p:cBhvr>
+                                      <p:to>
+                                        <p:strVal val="visible"/>
+                                      </p:to>
+                                    </p:set>
+                                    <p:animEffect transition="in" filter="wipe(left)">
+                                      <p:cBhvr>
+                                        <p:cTn id="12" dur="500"/>
+                                        <p:tgtEl>
+                                          <p:spTgt spid="12"/>
+                                        </p:tgtEl>
+                                      </p:cBhvr>
+                                    </p:animEffect>
+                                  </p:childTnLst>
+                                </p:cTn>
+                              </p:par>
+                              <p:par>
+                                <p:cTn id="13" presetID="47" presetClass="entr" presetSubtype="0" fill="hold" grpId="0" nodeType="withEffect">
+                                  <p:stCondLst>
+                                    <p:cond delay="150"/>
+                                  </p:stCondLst>
+                                  <p:childTnLst>
+                                    <p:set>
+                                      <p:cBhvr>
+                                        <p:cTn id="14" dur="1" fill="hold">
+                                          <p:stCondLst>
+                                            <p:cond delay="0"/>
+                                          </p:stCondLst>
+                                        </p:cTn>
+                                        <p:tgtEl>
+                                          <p:spTgt spid="18"/>
+                                        </p:tgtEl>
+                                        <p:attrNameLst>
+                                          <p:attrName>style.visibility</p:attrName>
+                                        </p:attrNameLst>
+                                      </p:cBhvr>
+                                      <p:to>
+                                        <p:strVal val="visible"/>
+                                      </p:to>
+                                    </p:set>
+                                    <p:animEffect transition="in" filter="fade">
+                                      <p:cBhvr>
+                                        <p:cTn id="15" dur="500"/>
+                                        <p:tgtEl>
+                                          <p:spTgt spid="18"/>
+                                        </p:tgtEl>
+                                      </p:cBhvr>
+                                    </p:animEffect>
+                                    <p:anim calcmode="lin" valueType="num">
+                                      <p:cBhvr>
+                                        <p:cTn id="16" dur="500" fill="hold"/>
+                                        <p:tgtEl>
+                                          <p:spTgt spid="18"/>
+                                        </p:tgtEl>
+                                        <p:attrNameLst>
+                                          <p:attrName>ppt_x</p:attrName>
+                                        </p:attrNameLst>
+                                      </p:cBhvr>
+                                      <p:tavLst>
+                                        <p:tav tm="0">
+                                          <p:val>
+                                            <p:strVal val="#ppt_x"/>
+                                          </p:val>
+                                        </p:tav>
+                                        <p:tav tm="100000">
+                                          <p:val>
+                                            <p:strVal val="#ppt_x"/>
+                                          </p:val>
+                                        </p:tav>
+                                      </p:tavLst>
+                                    </p:anim>
+                                    <p:anim calcmode="lin" valueType="num">
+                                      <p:cBhvr>
+                                        <p:cTn id="17" dur="500" fill="hold"/>
+                                        <p:tgtEl>
+                                          <p:spTgt spid="18"/>
+                                        </p:tgtEl>
+                                        <p:attrNameLst>
+                                          <p:attrName>ppt_y</p:attrName>
+                                        </p:attrNameLst>
+                                      </p:cBhvr>
+                                      <p:tavLst>
+                                        <p:tav tm="0">
+                                          <p:val>
+                                            <p:strVal val="#ppt_y-.1"/>
+                                          </p:val>
+                                        </p:tav>
+                                        <p:tav tm="100000">
+                                          <p:val>
+                                            <p:strVal val="#ppt_y"/>
+                                          </p:val>
+                                        </p:tav>
+                                      </p:tavLst>
+                                    </p:anim>
+                                  </p:childTnLst>
+                                </p:cTn>
+                              </p:par>
+                            </p:childTnLst>
+                          </p:cTn>
+                        </p:par>
+                      </p:childTnLst>
+                    </p:cTn>
+                  </p:par>
+                  <p:par>
+                    <p:cTn id="18" fill="hold">
+                      <p:stCondLst>
+                        <p:cond delay="indefinite"/>
+                      </p:stCondLst>
+                      <p:childTnLst>
+                        <p:par>
+                          <p:cTn id="19" fill="hold">
+                            <p:stCondLst>
+                              <p:cond delay="0"/>
+                            </p:stCondLst>
+                            <p:childTnLst>
+                              <p:par>
+                                <p:cTn id="20" presetID="10" presetClass="entr" presetSubtype="0" fill="hold" nodeType="clickEffect">
+                                  <p:stCondLst>
+                                    <p:cond delay="0"/>
+                                  </p:stCondLst>
+                                  <p:childTnLst>
+                                    <p:set>
+                                      <p:cBhvr>
+                                        <p:cTn id="21" dur="1" fill="hold">
+                                          <p:stCondLst>
+                                            <p:cond delay="0"/>
+                                          </p:stCondLst>
+                                        </p:cTn>
+                                        <p:tgtEl>
+                                          <p:spTgt spid="6"/>
+                                        </p:tgtEl>
+                                        <p:attrNameLst>
+                                          <p:attrName>style.visibility</p:attrName>
+                                        </p:attrNameLst>
+                                      </p:cBhvr>
+                                      <p:to>
+                                        <p:strVal val="visible"/>
+                                      </p:to>
+                                    </p:set>
+                                    <p:animEffect transition="in" filter="fade">
+                                      <p:cBhvr>
+                                        <p:cTn id="22" dur="750"/>
+                                        <p:tgtEl>
+                                          <p:spTgt spid="6"/>
+                                        </p:tgtEl>
+                                      </p:cBhvr>
+                                    </p:animEffect>
+                                  </p:childTnLst>
+                                </p:cTn>
+                              </p:par>
+                              <p:par>
+                                <p:cTn id="23" presetID="10" presetClass="entr" presetSubtype="0" fill="hold" nodeType="withEffect">
+                                  <p:stCondLst>
+                                    <p:cond delay="0"/>
+                                  </p:stCondLst>
+                                  <p:childTnLst>
+                                    <p:set>
+                                      <p:cBhvr>
+                                        <p:cTn id="24" dur="1" fill="hold">
+                                          <p:stCondLst>
+                                            <p:cond delay="0"/>
+                                          </p:stCondLst>
+                                        </p:cTn>
+                                        <p:tgtEl>
+                                          <p:spTgt spid="5"/>
+                                        </p:tgtEl>
+                                        <p:attrNameLst>
+                                          <p:attrName>style.visibility</p:attrName>
+                                        </p:attrNameLst>
+                                      </p:cBhvr>
+                                      <p:to>
+                                        <p:strVal val="visible"/>
+                                      </p:to>
+                                    </p:set>
+                                    <p:animEffect transition="in" filter="fade">
+                                      <p:cBhvr>
+                                        <p:cTn id="25" dur="750"/>
+                                        <p:tgtEl>
+                                          <p:spTgt spid="5"/>
+                                        </p:tgtEl>
+                                      </p:cBhvr>
+                                    </p:animEffect>
+                                  </p:childTnLst>
+                                </p:cTn>
+                              </p:par>
+                              <p:par>
+                                <p:cTn id="26" presetID="47" presetClass="exit" presetSubtype="0" fill="hold" grpId="1" nodeType="withEffect">
+                                  <p:stCondLst>
+                                    <p:cond delay="0"/>
+                                  </p:stCondLst>
+                                  <p:childTnLst>
+                                    <p:animEffect transition="out" filter="fade">
+                                      <p:cBhvr>
+                                        <p:cTn id="27" dur="500"/>
+                                        <p:tgtEl>
+                                          <p:spTgt spid="18"/>
+                                        </p:tgtEl>
+                                      </p:cBhvr>
+                                    </p:animEffect>
+                                    <p:anim calcmode="lin" valueType="num">
+                                      <p:cBhvr>
+                                        <p:cTn id="28" dur="500"/>
+                                        <p:tgtEl>
+                                          <p:spTgt spid="18"/>
+                                        </p:tgtEl>
+                                        <p:attrNameLst>
+                                          <p:attrName>ppt_x</p:attrName>
+                                        </p:attrNameLst>
+                                      </p:cBhvr>
+                                      <p:tavLst>
+                                        <p:tav tm="0">
+                                          <p:val>
+                                            <p:strVal val="ppt_x"/>
+                                          </p:val>
+                                        </p:tav>
+                                        <p:tav tm="100000">
+                                          <p:val>
+                                            <p:strVal val="ppt_x"/>
+                                          </p:val>
+                                        </p:tav>
+                                      </p:tavLst>
+                                    </p:anim>
+                                    <p:anim calcmode="lin" valueType="num">
+                                      <p:cBhvr>
+                                        <p:cTn id="29" dur="500"/>
+                                        <p:tgtEl>
+                                          <p:spTgt spid="18"/>
+                                        </p:tgtEl>
+                                        <p:attrNameLst>
+                                          <p:attrName>ppt_y</p:attrName>
+                                        </p:attrNameLst>
+                                      </p:cBhvr>
+                                      <p:tavLst>
+                                        <p:tav tm="0">
+                                          <p:val>
+                                            <p:strVal val="ppt_y"/>
+                                          </p:val>
+                                        </p:tav>
+                                        <p:tav tm="100000">
+                                          <p:val>
+                                            <p:strVal val="ppt_y-.1"/>
+                                          </p:val>
+                                        </p:tav>
+                                      </p:tavLst>
+                                    </p:anim>
+                                    <p:set>
+                                      <p:cBhvr>
+                                        <p:cTn id="30" dur="1" fill="hold">
+                                          <p:stCondLst>
+                                            <p:cond delay="499"/>
+                                          </p:stCondLst>
+                                        </p:cTn>
+                                        <p:tgtEl>
+                                          <p:spTgt spid="18"/>
+                                        </p:tgtEl>
+                                        <p:attrNameLst>
+                                          <p:attrName>style.visibility</p:attrName>
+                                        </p:attrNameLst>
+                                      </p:cBhvr>
+                                      <p:to>
+                                        <p:strVal val="hidden"/>
+                                      </p:to>
+                                    </p:set>
+                                  </p:childTnLst>
+                                </p:cTn>
+                              </p:par>
+                              <p:par>
+                                <p:cTn id="31" presetID="22" presetClass="exit" presetSubtype="2" fill="hold" grpId="1" nodeType="withEffect">
+                                  <p:stCondLst>
+                                    <p:cond delay="0"/>
+                                  </p:stCondLst>
+                                  <p:childTnLst>
+                                    <p:animEffect transition="out" filter="wipe(right)">
+                                      <p:cBhvr>
+                                        <p:cTn id="32" dur="500"/>
+                                        <p:tgtEl>
+                                          <p:spTgt spid="12"/>
+                                        </p:tgtEl>
+                                      </p:cBhvr>
+                                    </p:animEffect>
+                                    <p:set>
+                                      <p:cBhvr>
+                                        <p:cTn id="33" dur="1" fill="hold">
+                                          <p:stCondLst>
+                                            <p:cond delay="499"/>
+                                          </p:stCondLst>
+                                        </p:cTn>
+                                        <p:tgtEl>
+                                          <p:spTgt spid="12"/>
+                                        </p:tgtEl>
+                                        <p:attrNameLst>
+                                          <p:attrName>style.visibility</p:attrName>
+                                        </p:attrNameLst>
+                                      </p:cBhvr>
+                                      <p:to>
+                                        <p:strVal val="hidden"/>
+                                      </p:to>
+                                    </p:set>
+                                  </p:childTnLst>
+                                </p:cTn>
+                              </p:par>
+                              <p:par>
+                                <p:cTn id="34" presetID="42" presetClass="exit" presetSubtype="0" fill="hold" grpId="1" nodeType="withEffect">
+                                  <p:stCondLst>
+                                    <p:cond delay="100"/>
+                                  </p:stCondLst>
+                                  <p:childTnLst>
+                                    <p:animEffect transition="out" filter="fade">
+                                      <p:cBhvr>
+                                        <p:cTn id="35" dur="500"/>
+                                        <p:tgtEl>
+                                          <p:spTgt spid="13"/>
+                                        </p:tgtEl>
+                                      </p:cBhvr>
+                                    </p:animEffect>
+                                    <p:anim calcmode="lin" valueType="num">
+                                      <p:cBhvr>
+                                        <p:cTn id="36" dur="500"/>
+                                        <p:tgtEl>
+                                          <p:spTgt spid="13"/>
+                                        </p:tgtEl>
+                                        <p:attrNameLst>
+                                          <p:attrName>ppt_x</p:attrName>
+                                        </p:attrNameLst>
+                                      </p:cBhvr>
+                                      <p:tavLst>
+                                        <p:tav tm="0">
+                                          <p:val>
+                                            <p:strVal val="ppt_x"/>
+                                          </p:val>
+                                        </p:tav>
+                                        <p:tav tm="100000">
+                                          <p:val>
+                                            <p:strVal val="ppt_x"/>
+                                          </p:val>
+                                        </p:tav>
+                                      </p:tavLst>
+                                    </p:anim>
+                                    <p:anim calcmode="lin" valueType="num">
+                                      <p:cBhvr>
+                                        <p:cTn id="37" dur="500"/>
+                                        <p:tgtEl>
+                                          <p:spTgt spid="13"/>
+                                        </p:tgtEl>
+                                        <p:attrNameLst>
+                                          <p:attrName>ppt_y</p:attrName>
+                                        </p:attrNameLst>
+                                      </p:cBhvr>
+                                      <p:tavLst>
+                                        <p:tav tm="0">
+                                          <p:val>
+                                            <p:strVal val="ppt_y"/>
+                                          </p:val>
+                                        </p:tav>
+                                        <p:tav tm="100000">
+                                          <p:val>
+                                            <p:strVal val="ppt_y+.1"/>
+                                          </p:val>
+                                        </p:tav>
+                                      </p:tavLst>
+                                    </p:anim>
+                                    <p:set>
+                                      <p:cBhvr>
+                                        <p:cTn id="38" dur="1" fill="hold">
+                                          <p:stCondLst>
+                                            <p:cond delay="499"/>
+                                          </p:stCondLst>
+                                        </p:cTn>
+                                        <p:tgtEl>
+                                          <p:spTgt spid="13"/>
+                                        </p:tgtEl>
+                                        <p:attrNameLst>
+                                          <p:attrName>style.visibility</p:attrName>
+                                        </p:attrNameLst>
+                                      </p:cBhvr>
+                                      <p:to>
+                                        <p:strVal val="hidden"/>
+                                      </p:to>
+                                    </p:set>
+                                  </p:childTnLst>
+                                </p:cTn>
+                              </p:par>
+                            </p:childTnLst>
+                          </p:cTn>
+                        </p:par>
+                      </p:childTnLst>
+                    </p:cTn>
+                  </p:par>
+                </p:childTnLst>
+              </p:cTn>
+              <p:prevCondLst>
+                <p:cond evt="onPrev" delay="0">
+                  <p:tgtEl>
+                    <p:sldTgt/>
+                  </p:tgtEl>
+                </p:cond>
+              </p:prevCondLst>
+              <p:nextCondLst>
+                <p:cond evt="onNext" delay="0">
+                  <p:tgtEl>
+                    <p:sldTgt/>
+                  </p:tgtEl>
+                </p:cond>
+              </p:nextCondLst>
+            </p:seq>
+          </p:childTnLst>
+        </p:cTn>
+      </p:par>
+    </p:tnLst>
+    <p:bldLst>
+      <p:bldP spid="12" grpId="0" animBg="1"/>
+      <p:bldP spid="12" grpId="1" animBg="1"/>
+      <p:bldP spid="13" grpId="0"/>
+      <p:bldP spid="13" grpId="1"/>
+      <p:bldP spid="18" grpId="0"/>
+      <p:bldP spid="18" grpId="1"/>
+    </p:bldLst>
+  </p:timing>
 </p:sld>
 </file>
 
@@ -7065,7 +8441,7 @@
         </p:blipFill>
         <p:spPr>
           <a:xfrm>
-            <a:off x="2706508" y="4888885"/>
+            <a:off x="2989312" y="4888885"/>
             <a:ext cx="1182727" cy="1194920"/>
           </a:xfrm>
           <a:prstGeom prst="rect">
@@ -7123,7 +8499,7 @@
         </p:nvSpPr>
         <p:spPr>
           <a:xfrm>
-            <a:off x="2301624" y="4427220"/>
+            <a:off x="2584428" y="4427220"/>
             <a:ext cx="1992493" cy="400110"/>
           </a:xfrm>
           <a:prstGeom prst="rect">
@@ -7138,26 +8514,36 @@
           <a:lstStyle/>
           <a:p>
             <a:r>
-              <a:rPr lang="ko-KR" altLang="en-US" sz="2000">
+              <a:rPr lang="ko-KR" altLang="en-US" sz="2000" dirty="0" err="1">
                 <a:solidFill>
                   <a:schemeClr val="bg1"/>
                 </a:solidFill>
                 <a:latin typeface="나눔스퀘어_ac Bold" panose="020B0600000101010101" pitchFamily="50" charset="-127"/>
                 <a:ea typeface="나눔스퀘어_ac Bold" panose="020B0600000101010101" pitchFamily="50" charset="-127"/>
               </a:rPr>
-              <a:t>모르는게 당연해</a:t>
-            </a:r>
-            <a:r>
-              <a:rPr lang="en-US" altLang="ko-KR" sz="2000">
+              <a:t>모르는게</a:t>
+            </a:r>
+            <a:r>
+              <a:rPr lang="ko-KR" altLang="en-US" sz="2000" dirty="0">
                 <a:solidFill>
                   <a:schemeClr val="bg1"/>
                 </a:solidFill>
                 <a:latin typeface="나눔스퀘어_ac Bold" panose="020B0600000101010101" pitchFamily="50" charset="-127"/>
                 <a:ea typeface="나눔스퀘어_ac Bold" panose="020B0600000101010101" pitchFamily="50" charset="-127"/>
               </a:rPr>
+              <a:t> 당연해</a:t>
+            </a:r>
+            <a:r>
+              <a:rPr lang="en-US" altLang="ko-KR" sz="2000" dirty="0">
+                <a:solidFill>
+                  <a:schemeClr val="bg1"/>
+                </a:solidFill>
+                <a:latin typeface="나눔스퀘어_ac Bold" panose="020B0600000101010101" pitchFamily="50" charset="-127"/>
+                <a:ea typeface="나눔스퀘어_ac Bold" panose="020B0600000101010101" pitchFamily="50" charset="-127"/>
+              </a:rPr>
               <a:t>~</a:t>
             </a:r>
-            <a:endParaRPr lang="ko-KR" altLang="en-US" sz="2000">
+            <a:endParaRPr lang="ko-KR" altLang="en-US" sz="2000" dirty="0">
               <a:solidFill>
                 <a:schemeClr val="bg1"/>
               </a:solidFill>
@@ -7257,10 +8643,10 @@
       </p:grpSpPr>
       <p:sp>
         <p:nvSpPr>
-          <p:cNvPr id="2" name="제목 1">
-            <a:extLst>
-              <a:ext uri="{FF2B5EF4-FFF2-40B4-BE49-F238E27FC236}">
-                <a16:creationId xmlns:a16="http://schemas.microsoft.com/office/drawing/2014/main" id="{AFE670DF-D70C-46B2-A214-638DC962DF9B}"/>
+          <p:cNvPr id="5" name="제목 4">
+            <a:extLst>
+              <a:ext uri="{FF2B5EF4-FFF2-40B4-BE49-F238E27FC236}">
+                <a16:creationId xmlns:a16="http://schemas.microsoft.com/office/drawing/2014/main" id="{ED3250D5-30B6-4DD8-B983-2CE962A5D363}"/>
               </a:ext>
             </a:extLst>
           </p:cNvPr>
@@ -7276,10 +8662,177 @@
           <a:bodyPr/>
           <a:lstStyle/>
           <a:p>
-            <a:r>
-              <a:rPr lang="ko-KR" altLang="en-US" dirty="0"/>
-              <a:t>마무리화면</a:t>
-            </a:r>
+            <a:endParaRPr lang="ko-KR" altLang="en-US" dirty="0"/>
+          </a:p>
+        </p:txBody>
+      </p:sp>
+      <p:sp>
+        <p:nvSpPr>
+          <p:cNvPr id="2" name="직사각형 1">
+            <a:extLst>
+              <a:ext uri="{FF2B5EF4-FFF2-40B4-BE49-F238E27FC236}">
+                <a16:creationId xmlns:a16="http://schemas.microsoft.com/office/drawing/2014/main" id="{62BC28D4-F4FC-41E4-99A6-66CBAEB46EDB}"/>
+              </a:ext>
+            </a:extLst>
+          </p:cNvPr>
+          <p:cNvSpPr/>
+          <p:nvPr/>
+        </p:nvSpPr>
+        <p:spPr>
+          <a:xfrm>
+            <a:off x="1349604" y="2434472"/>
+            <a:ext cx="9492792" cy="2121031"/>
+          </a:xfrm>
+          <a:prstGeom prst="rect">
+            <a:avLst/>
+          </a:prstGeom>
+          <a:noFill/>
+          <a:ln w="76200">
+            <a:solidFill>
+              <a:schemeClr val="bg1"/>
+            </a:solidFill>
+          </a:ln>
+        </p:spPr>
+        <p:style>
+          <a:lnRef idx="2">
+            <a:schemeClr val="accent1">
+              <a:shade val="50000"/>
+            </a:schemeClr>
+          </a:lnRef>
+          <a:fillRef idx="1">
+            <a:schemeClr val="accent1"/>
+          </a:fillRef>
+          <a:effectRef idx="0">
+            <a:schemeClr val="accent1"/>
+          </a:effectRef>
+          <a:fontRef idx="minor">
+            <a:schemeClr val="lt1"/>
+          </a:fontRef>
+        </p:style>
+        <p:txBody>
+          <a:bodyPr rtlCol="0" anchor="ctr"/>
+          <a:lstStyle/>
+          <a:p>
+            <a:pPr algn="ctr"/>
+            <a:endParaRPr lang="ko-KR" altLang="en-US"/>
+          </a:p>
+        </p:txBody>
+      </p:sp>
+      <p:sp>
+        <p:nvSpPr>
+          <p:cNvPr id="4" name="TextBox 3">
+            <a:extLst>
+              <a:ext uri="{FF2B5EF4-FFF2-40B4-BE49-F238E27FC236}">
+                <a16:creationId xmlns:a16="http://schemas.microsoft.com/office/drawing/2014/main" id="{460038F2-F50D-4408-A032-44E061FD7587}"/>
+              </a:ext>
+            </a:extLst>
+          </p:cNvPr>
+          <p:cNvSpPr txBox="1"/>
+          <p:nvPr/>
+        </p:nvSpPr>
+        <p:spPr>
+          <a:xfrm>
+            <a:off x="3205629" y="2940989"/>
+            <a:ext cx="5780750" cy="1107996"/>
+          </a:xfrm>
+          <a:prstGeom prst="rect">
+            <a:avLst/>
+          </a:prstGeom>
+          <a:noFill/>
+        </p:spPr>
+        <p:txBody>
+          <a:bodyPr wrap="none" rtlCol="0">
+            <a:spAutoFit/>
+          </a:bodyPr>
+          <a:lstStyle/>
+          <a:p>
+            <a:pPr algn="dist"/>
+            <a:r>
+              <a:rPr lang="ko-KR" altLang="en-US" sz="6600" dirty="0">
+                <a:solidFill>
+                  <a:srgbClr val="3C3838"/>
+                </a:solidFill>
+                <a:latin typeface="나눔스퀘어라운드 Bold" panose="020B0600000101010101" pitchFamily="50" charset="-127"/>
+                <a:ea typeface="나눔스퀘어라운드 Bold" panose="020B0600000101010101" pitchFamily="50" charset="-127"/>
+              </a:rPr>
+              <a:t>수고하셨습니다</a:t>
+            </a:r>
+            <a:r>
+              <a:rPr lang="en-US" altLang="ko-KR" sz="6600" dirty="0">
+                <a:solidFill>
+                  <a:srgbClr val="3C3838"/>
+                </a:solidFill>
+                <a:latin typeface="나눔스퀘어라운드 Bold" panose="020B0600000101010101" pitchFamily="50" charset="-127"/>
+                <a:ea typeface="나눔스퀘어라운드 Bold" panose="020B0600000101010101" pitchFamily="50" charset="-127"/>
+              </a:rPr>
+              <a:t>.</a:t>
+            </a:r>
+            <a:endParaRPr lang="ko-KR" altLang="en-US" sz="6600" dirty="0">
+              <a:solidFill>
+                <a:srgbClr val="3C3838"/>
+              </a:solidFill>
+              <a:latin typeface="나눔스퀘어라운드 Bold" panose="020B0600000101010101" pitchFamily="50" charset="-127"/>
+              <a:ea typeface="나눔스퀘어라운드 Bold" panose="020B0600000101010101" pitchFamily="50" charset="-127"/>
+            </a:endParaRPr>
+          </a:p>
+        </p:txBody>
+      </p:sp>
+      <p:sp>
+        <p:nvSpPr>
+          <p:cNvPr id="6" name="TextBox 5">
+            <a:extLst>
+              <a:ext uri="{FF2B5EF4-FFF2-40B4-BE49-F238E27FC236}">
+                <a16:creationId xmlns:a16="http://schemas.microsoft.com/office/drawing/2014/main" id="{414670F6-BF87-4038-9C29-401731F44577}"/>
+              </a:ext>
+            </a:extLst>
+          </p:cNvPr>
+          <p:cNvSpPr txBox="1"/>
+          <p:nvPr/>
+        </p:nvSpPr>
+        <p:spPr>
+          <a:xfrm>
+            <a:off x="3205629" y="2940989"/>
+            <a:ext cx="5780750" cy="1107996"/>
+          </a:xfrm>
+          <a:prstGeom prst="rect">
+            <a:avLst/>
+          </a:prstGeom>
+          <a:noFill/>
+        </p:spPr>
+        <p:txBody>
+          <a:bodyPr wrap="none" rtlCol="0">
+            <a:spAutoFit/>
+          </a:bodyPr>
+          <a:lstStyle/>
+          <a:p>
+            <a:pPr algn="dist"/>
+            <a:r>
+              <a:rPr lang="ko-KR" altLang="en-US" sz="6600" dirty="0">
+                <a:solidFill>
+                  <a:schemeClr val="bg1"/>
+                </a:solidFill>
+                <a:latin typeface="나눔스퀘어라운드 Bold" panose="020B0600000101010101" pitchFamily="50" charset="-127"/>
+                <a:ea typeface="나눔스퀘어라운드 Bold" panose="020B0600000101010101" pitchFamily="50" charset="-127"/>
+              </a:rPr>
+              <a:t>수고하셨습니다</a:t>
+            </a:r>
+            <a:r>
+              <a:rPr lang="en-US" altLang="ko-KR" sz="6600" dirty="0">
+                <a:solidFill>
+                  <a:schemeClr val="bg1"/>
+                </a:solidFill>
+                <a:latin typeface="나눔스퀘어라운드 Bold" panose="020B0600000101010101" pitchFamily="50" charset="-127"/>
+                <a:ea typeface="나눔스퀘어라운드 Bold" panose="020B0600000101010101" pitchFamily="50" charset="-127"/>
+              </a:rPr>
+              <a:t>.</a:t>
+            </a:r>
+            <a:endParaRPr lang="ko-KR" altLang="en-US" sz="6600" dirty="0">
+              <a:solidFill>
+                <a:schemeClr val="bg1"/>
+              </a:solidFill>
+              <a:latin typeface="나눔스퀘어라운드 Bold" panose="020B0600000101010101" pitchFamily="50" charset="-127"/>
+              <a:ea typeface="나눔스퀘어라운드 Bold" panose="020B0600000101010101" pitchFamily="50" charset="-127"/>
+            </a:endParaRPr>
           </a:p>
         </p:txBody>
       </p:sp>
@@ -7293,6 +8846,213 @@
   <p:clrMapOvr>
     <a:masterClrMapping/>
   </p:clrMapOvr>
+  <p:timing>
+    <p:tnLst>
+      <p:par>
+        <p:cTn id="1" dur="indefinite" restart="never" nodeType="tmRoot">
+          <p:childTnLst>
+            <p:seq concurrent="1" nextAc="seek">
+              <p:cTn id="2" dur="indefinite" nodeType="mainSeq">
+                <p:childTnLst>
+                  <p:par>
+                    <p:cTn id="3" fill="hold">
+                      <p:stCondLst>
+                        <p:cond delay="indefinite"/>
+                      </p:stCondLst>
+                      <p:childTnLst>
+                        <p:par>
+                          <p:cTn id="4" fill="hold">
+                            <p:stCondLst>
+                              <p:cond delay="0"/>
+                            </p:stCondLst>
+                            <p:childTnLst>
+                              <p:par>
+                                <p:cTn id="5" presetID="16" presetClass="entr" presetSubtype="37" fill="hold" grpId="0" nodeType="clickEffect">
+                                  <p:stCondLst>
+                                    <p:cond delay="0"/>
+                                  </p:stCondLst>
+                                  <p:childTnLst>
+                                    <p:set>
+                                      <p:cBhvr>
+                                        <p:cTn id="6" dur="1" fill="hold">
+                                          <p:stCondLst>
+                                            <p:cond delay="0"/>
+                                          </p:stCondLst>
+                                        </p:cTn>
+                                        <p:tgtEl>
+                                          <p:spTgt spid="2"/>
+                                        </p:tgtEl>
+                                        <p:attrNameLst>
+                                          <p:attrName>style.visibility</p:attrName>
+                                        </p:attrNameLst>
+                                      </p:cBhvr>
+                                      <p:to>
+                                        <p:strVal val="visible"/>
+                                      </p:to>
+                                    </p:set>
+                                    <p:animEffect transition="in" filter="barn(outVertical)">
+                                      <p:cBhvr>
+                                        <p:cTn id="7" dur="250"/>
+                                        <p:tgtEl>
+                                          <p:spTgt spid="2"/>
+                                        </p:tgtEl>
+                                      </p:cBhvr>
+                                    </p:animEffect>
+                                  </p:childTnLst>
+                                </p:cTn>
+                              </p:par>
+                              <p:par>
+                                <p:cTn id="8" presetID="10" presetClass="entr" presetSubtype="0" fill="hold" grpId="0" nodeType="withEffect">
+                                  <p:stCondLst>
+                                    <p:cond delay="0"/>
+                                  </p:stCondLst>
+                                  <p:childTnLst>
+                                    <p:set>
+                                      <p:cBhvr>
+                                        <p:cTn id="9" dur="1" fill="hold">
+                                          <p:stCondLst>
+                                            <p:cond delay="0"/>
+                                          </p:stCondLst>
+                                        </p:cTn>
+                                        <p:tgtEl>
+                                          <p:spTgt spid="4"/>
+                                        </p:tgtEl>
+                                        <p:attrNameLst>
+                                          <p:attrName>style.visibility</p:attrName>
+                                        </p:attrNameLst>
+                                      </p:cBhvr>
+                                      <p:to>
+                                        <p:strVal val="visible"/>
+                                      </p:to>
+                                    </p:set>
+                                    <p:animEffect transition="in" filter="fade">
+                                      <p:cBhvr>
+                                        <p:cTn id="10" dur="10"/>
+                                        <p:tgtEl>
+                                          <p:spTgt spid="4"/>
+                                        </p:tgtEl>
+                                      </p:cBhvr>
+                                    </p:animEffect>
+                                  </p:childTnLst>
+                                </p:cTn>
+                              </p:par>
+                              <p:par>
+                                <p:cTn id="11" presetID="42" presetClass="entr" presetSubtype="0" fill="hold" grpId="0" nodeType="withEffect">
+                                  <p:stCondLst>
+                                    <p:cond delay="100"/>
+                                  </p:stCondLst>
+                                  <p:iterate type="lt">
+                                    <p:tmPct val="10000"/>
+                                  </p:iterate>
+                                  <p:childTnLst>
+                                    <p:set>
+                                      <p:cBhvr>
+                                        <p:cTn id="12" dur="1" fill="hold">
+                                          <p:stCondLst>
+                                            <p:cond delay="0"/>
+                                          </p:stCondLst>
+                                        </p:cTn>
+                                        <p:tgtEl>
+                                          <p:spTgt spid="6"/>
+                                        </p:tgtEl>
+                                        <p:attrNameLst>
+                                          <p:attrName>style.visibility</p:attrName>
+                                        </p:attrNameLst>
+                                      </p:cBhvr>
+                                      <p:to>
+                                        <p:strVal val="visible"/>
+                                      </p:to>
+                                    </p:set>
+                                    <p:animEffect transition="in" filter="fade">
+                                      <p:cBhvr>
+                                        <p:cTn id="13" dur="500"/>
+                                        <p:tgtEl>
+                                          <p:spTgt spid="6"/>
+                                        </p:tgtEl>
+                                      </p:cBhvr>
+                                    </p:animEffect>
+                                    <p:anim calcmode="lin" valueType="num">
+                                      <p:cBhvr>
+                                        <p:cTn id="14" dur="500" fill="hold"/>
+                                        <p:tgtEl>
+                                          <p:spTgt spid="6"/>
+                                        </p:tgtEl>
+                                        <p:attrNameLst>
+                                          <p:attrName>ppt_x</p:attrName>
+                                        </p:attrNameLst>
+                                      </p:cBhvr>
+                                      <p:tavLst>
+                                        <p:tav tm="0">
+                                          <p:val>
+                                            <p:strVal val="#ppt_x"/>
+                                          </p:val>
+                                        </p:tav>
+                                        <p:tav tm="100000">
+                                          <p:val>
+                                            <p:strVal val="#ppt_x"/>
+                                          </p:val>
+                                        </p:tav>
+                                      </p:tavLst>
+                                    </p:anim>
+                                    <p:anim calcmode="lin" valueType="num">
+                                      <p:cBhvr>
+                                        <p:cTn id="15" dur="500" fill="hold"/>
+                                        <p:tgtEl>
+                                          <p:spTgt spid="6"/>
+                                        </p:tgtEl>
+                                        <p:attrNameLst>
+                                          <p:attrName>ppt_y</p:attrName>
+                                        </p:attrNameLst>
+                                      </p:cBhvr>
+                                      <p:tavLst>
+                                        <p:tav tm="0">
+                                          <p:val>
+                                            <p:strVal val="#ppt_y+.1"/>
+                                          </p:val>
+                                        </p:tav>
+                                        <p:tav tm="100000">
+                                          <p:val>
+                                            <p:strVal val="#ppt_y"/>
+                                          </p:val>
+                                        </p:tav>
+                                      </p:tavLst>
+                                    </p:anim>
+                                  </p:childTnLst>
+                                </p:cTn>
+                              </p:par>
+                            </p:childTnLst>
+                          </p:cTn>
+                        </p:par>
+                      </p:childTnLst>
+                    </p:cTn>
+                  </p:par>
+                </p:childTnLst>
+              </p:cTn>
+              <p:prevCondLst>
+                <p:cond evt="onPrev" delay="0">
+                  <p:tgtEl>
+                    <p:sldTgt/>
+                  </p:tgtEl>
+                </p:cond>
+              </p:prevCondLst>
+              <p:nextCondLst>
+                <p:cond evt="onNext" delay="0">
+                  <p:tgtEl>
+                    <p:sldTgt/>
+                  </p:tgtEl>
+                </p:cond>
+              </p:nextCondLst>
+            </p:seq>
+          </p:childTnLst>
+        </p:cTn>
+      </p:par>
+    </p:tnLst>
+    <p:bldLst>
+      <p:bldP spid="2" grpId="0" animBg="1"/>
+      <p:bldP spid="4" grpId="0"/>
+      <p:bldP spid="6" grpId="0"/>
+    </p:bldLst>
+  </p:timing>
 </p:sld>
 </file>
 
@@ -7327,7 +9087,7 @@
         </p:nvSpPr>
         <p:spPr>
           <a:xfrm>
-            <a:off x="1747520" y="812800"/>
+            <a:off x="1550052" y="812800"/>
             <a:ext cx="7081520" cy="2862322"/>
           </a:xfrm>
           <a:prstGeom prst="rect">
@@ -7786,8 +9546,8 @@
         </p:nvSpPr>
         <p:spPr>
           <a:xfrm>
-            <a:off x="1747520" y="3675122"/>
-            <a:ext cx="9286240" cy="2031325"/>
+            <a:off x="0" y="3580854"/>
+            <a:ext cx="12547076" cy="2031325"/>
           </a:xfrm>
           <a:prstGeom prst="rect">
             <a:avLst/>
@@ -7914,7 +9674,23 @@
                   <a:schemeClr val="bg1"/>
                 </a:solidFill>
               </a:rPr>
-              <a:t>으로 해서 조절하게 하면 </a:t>
+              <a:t>으로 해서 조절하게 하자</a:t>
+            </a:r>
+            <a:r>
+              <a:rPr lang="en-US" altLang="ko-KR" dirty="0">
+                <a:solidFill>
+                  <a:schemeClr val="bg1"/>
+                </a:solidFill>
+              </a:rPr>
+              <a:t>) – </a:t>
+            </a:r>
+            <a:r>
+              <a:rPr lang="ko-KR" altLang="en-US" dirty="0">
+                <a:solidFill>
+                  <a:schemeClr val="bg1"/>
+                </a:solidFill>
+              </a:rPr>
+              <a:t>배경은 미리 </a:t>
             </a:r>
             <a:r>
               <a:rPr lang="ko-KR" altLang="en-US" dirty="0" err="1">
@@ -7922,16 +9698,21 @@
                   <a:schemeClr val="bg1"/>
                 </a:solidFill>
               </a:rPr>
-              <a:t>좋을듯</a:t>
-            </a:r>
-            <a:r>
-              <a:rPr lang="en-US" altLang="ko-KR" dirty="0">
-                <a:solidFill>
-                  <a:schemeClr val="bg1"/>
-                </a:solidFill>
-              </a:rPr>
-              <a:t>)</a:t>
-            </a:r>
+              <a:t>해놓는게</a:t>
+            </a:r>
+            <a:r>
+              <a:rPr lang="ko-KR" altLang="en-US" dirty="0">
+                <a:solidFill>
+                  <a:schemeClr val="bg1"/>
+                </a:solidFill>
+              </a:rPr>
+              <a:t> 좋을 듯</a:t>
+            </a:r>
+            <a:endParaRPr lang="en-US" altLang="ko-KR" dirty="0">
+              <a:solidFill>
+                <a:schemeClr val="bg1"/>
+              </a:solidFill>
+            </a:endParaRPr>
           </a:p>
           <a:p>
             <a:r>
@@ -8154,7 +9935,7 @@
           <a:lstStyle/>
           <a:p>
             <a:r>
-              <a:rPr lang="en-US" altLang="ko-KR"/>
+              <a:rPr lang="en-US" altLang="ko-KR" dirty="0"/>
               <a:t>Ghost Runner</a:t>
             </a:r>
             <a:endParaRPr lang="ko-KR" altLang="en-US" dirty="0"/>
@@ -8163,10 +9944,10 @@
       </p:sp>
       <p:pic>
         <p:nvPicPr>
-          <p:cNvPr id="6" name="내용 개체 틀 4">
-            <a:extLst>
-              <a:ext uri="{FF2B5EF4-FFF2-40B4-BE49-F238E27FC236}">
-                <a16:creationId xmlns:a16="http://schemas.microsoft.com/office/drawing/2014/main" id="{95A389C6-5678-4943-B252-F0B9905AE701}"/>
+          <p:cNvPr id="4" name="그림 3">
+            <a:extLst>
+              <a:ext uri="{FF2B5EF4-FFF2-40B4-BE49-F238E27FC236}">
+                <a16:creationId xmlns:a16="http://schemas.microsoft.com/office/drawing/2014/main" id="{6D594754-FF0D-4E71-BF7C-FCFEBE7A3CF8}"/>
               </a:ext>
             </a:extLst>
           </p:cNvPr>
@@ -8175,7 +9956,7 @@
           </p:cNvPicPr>
           <p:nvPr/>
         </p:nvPicPr>
-        <p:blipFill rotWithShape="1">
+        <p:blipFill>
           <a:blip r:embed="rId2">
             <a:extLst>
               <a:ext uri="{28A0092B-C50C-407E-A947-70E740481C1C}">
@@ -8183,13 +9964,14 @@
               </a:ext>
             </a:extLst>
           </a:blip>
-          <a:srcRect l="289" t="469" r="424" b="927"/>
-          <a:stretch/>
+          <a:stretch>
+            <a:fillRect/>
+          </a:stretch>
         </p:blipFill>
         <p:spPr>
           <a:xfrm>
-            <a:off x="837224" y="1098259"/>
-            <a:ext cx="7672752" cy="4295284"/>
+            <a:off x="9524712" y="4048994"/>
+            <a:ext cx="1182727" cy="1194920"/>
           </a:xfrm>
           <a:prstGeom prst="rect">
             <a:avLst/>
@@ -8198,10 +9980,10 @@
       </p:pic>
       <p:pic>
         <p:nvPicPr>
-          <p:cNvPr id="4" name="그림 3">
-            <a:extLst>
-              <a:ext uri="{FF2B5EF4-FFF2-40B4-BE49-F238E27FC236}">
-                <a16:creationId xmlns:a16="http://schemas.microsoft.com/office/drawing/2014/main" id="{6D594754-FF0D-4E71-BF7C-FCFEBE7A3CF8}"/>
+          <p:cNvPr id="5" name="그림 4">
+            <a:extLst>
+              <a:ext uri="{FF2B5EF4-FFF2-40B4-BE49-F238E27FC236}">
+                <a16:creationId xmlns:a16="http://schemas.microsoft.com/office/drawing/2014/main" id="{B197D170-E953-4ECA-A360-036AF91B0E7E}"/>
               </a:ext>
             </a:extLst>
           </p:cNvPr>
@@ -8223,42 +10005,6 @@
           </a:stretch>
         </p:blipFill>
         <p:spPr>
-          <a:xfrm>
-            <a:off x="9524712" y="4048994"/>
-            <a:ext cx="1182727" cy="1194920"/>
-          </a:xfrm>
-          <a:prstGeom prst="rect">
-            <a:avLst/>
-          </a:prstGeom>
-        </p:spPr>
-      </p:pic>
-      <p:pic>
-        <p:nvPicPr>
-          <p:cNvPr id="5" name="그림 4">
-            <a:extLst>
-              <a:ext uri="{FF2B5EF4-FFF2-40B4-BE49-F238E27FC236}">
-                <a16:creationId xmlns:a16="http://schemas.microsoft.com/office/drawing/2014/main" id="{B197D170-E953-4ECA-A360-036AF91B0E7E}"/>
-              </a:ext>
-            </a:extLst>
-          </p:cNvPr>
-          <p:cNvPicPr>
-            <a:picLocks noChangeAspect="1"/>
-          </p:cNvPicPr>
-          <p:nvPr/>
-        </p:nvPicPr>
-        <p:blipFill>
-          <a:blip r:embed="rId4">
-            <a:extLst>
-              <a:ext uri="{28A0092B-C50C-407E-A947-70E740481C1C}">
-                <a14:useLocalDpi xmlns:a14="http://schemas.microsoft.com/office/drawing/2010/main" val="0"/>
-              </a:ext>
-            </a:extLst>
-          </a:blip>
-          <a:stretch>
-            <a:fillRect/>
-          </a:stretch>
-        </p:blipFill>
-        <p:spPr>
           <a:xfrm flipH="1">
             <a:off x="10797820" y="4048994"/>
             <a:ext cx="1176630" cy="1194920"/>
@@ -8326,6 +10072,41 @@
           </a:p>
         </p:txBody>
       </p:sp>
+      <p:pic>
+        <p:nvPicPr>
+          <p:cNvPr id="8" name="내용 개체 틀 4">
+            <a:extLst>
+              <a:ext uri="{FF2B5EF4-FFF2-40B4-BE49-F238E27FC236}">
+                <a16:creationId xmlns:a16="http://schemas.microsoft.com/office/drawing/2014/main" id="{E351F6DE-90B2-45F1-8CDA-DFA078ED7DD8}"/>
+              </a:ext>
+            </a:extLst>
+          </p:cNvPr>
+          <p:cNvPicPr>
+            <a:picLocks noChangeAspect="1"/>
+          </p:cNvPicPr>
+          <p:nvPr/>
+        </p:nvPicPr>
+        <p:blipFill rotWithShape="1">
+          <a:blip r:embed="rId4">
+            <a:extLst>
+              <a:ext uri="{28A0092B-C50C-407E-A947-70E740481C1C}">
+                <a14:useLocalDpi xmlns:a14="http://schemas.microsoft.com/office/drawing/2010/main" val="0"/>
+              </a:ext>
+            </a:extLst>
+          </a:blip>
+          <a:srcRect l="289" t="469" r="424" b="927"/>
+          <a:stretch/>
+        </p:blipFill>
+        <p:spPr>
+          <a:xfrm>
+            <a:off x="1006997" y="1281358"/>
+            <a:ext cx="7672752" cy="4295284"/>
+          </a:xfrm>
+          <a:prstGeom prst="rect">
+            <a:avLst/>
+          </a:prstGeom>
+        </p:spPr>
+      </p:pic>
     </p:spTree>
     <p:extLst>
       <p:ext uri="{BB962C8B-B14F-4D97-AF65-F5344CB8AC3E}">
@@ -8336,6 +10117,236 @@
   <p:clrMapOvr>
     <a:masterClrMapping/>
   </p:clrMapOvr>
+  <p:timing>
+    <p:tnLst>
+      <p:par>
+        <p:cTn id="1" dur="indefinite" restart="never" nodeType="tmRoot">
+          <p:childTnLst>
+            <p:seq concurrent="1" nextAc="seek">
+              <p:cTn id="2" dur="indefinite" nodeType="mainSeq">
+                <p:childTnLst>
+                  <p:par>
+                    <p:cTn id="3" fill="hold">
+                      <p:stCondLst>
+                        <p:cond delay="indefinite"/>
+                        <p:cond evt="onBegin" delay="0">
+                          <p:tn val="2"/>
+                        </p:cond>
+                      </p:stCondLst>
+                      <p:childTnLst>
+                        <p:par>
+                          <p:cTn id="4" fill="hold">
+                            <p:stCondLst>
+                              <p:cond delay="0"/>
+                            </p:stCondLst>
+                            <p:childTnLst>
+                              <p:par>
+                                <p:cTn id="5" presetID="10" presetClass="entr" presetSubtype="0" fill="hold" grpId="0" nodeType="withEffect">
+                                  <p:stCondLst>
+                                    <p:cond delay="0"/>
+                                  </p:stCondLst>
+                                  <p:childTnLst>
+                                    <p:set>
+                                      <p:cBhvr>
+                                        <p:cTn id="6" dur="1" fill="hold">
+                                          <p:stCondLst>
+                                            <p:cond delay="0"/>
+                                          </p:stCondLst>
+                                        </p:cTn>
+                                        <p:tgtEl>
+                                          <p:spTgt spid="2"/>
+                                        </p:tgtEl>
+                                        <p:attrNameLst>
+                                          <p:attrName>style.visibility</p:attrName>
+                                        </p:attrNameLst>
+                                      </p:cBhvr>
+                                      <p:to>
+                                        <p:strVal val="visible"/>
+                                      </p:to>
+                                    </p:set>
+                                    <p:animEffect transition="in" filter="fade">
+                                      <p:cBhvr>
+                                        <p:cTn id="7" dur="500"/>
+                                        <p:tgtEl>
+                                          <p:spTgt spid="2"/>
+                                        </p:tgtEl>
+                                      </p:cBhvr>
+                                    </p:animEffect>
+                                  </p:childTnLst>
+                                </p:cTn>
+                              </p:par>
+                              <p:par>
+                                <p:cTn id="8" presetID="10" presetClass="entr" presetSubtype="0" fill="hold" nodeType="withEffect">
+                                  <p:stCondLst>
+                                    <p:cond delay="0"/>
+                                  </p:stCondLst>
+                                  <p:childTnLst>
+                                    <p:set>
+                                      <p:cBhvr>
+                                        <p:cTn id="9" dur="1" fill="hold">
+                                          <p:stCondLst>
+                                            <p:cond delay="0"/>
+                                          </p:stCondLst>
+                                        </p:cTn>
+                                        <p:tgtEl>
+                                          <p:spTgt spid="8"/>
+                                        </p:tgtEl>
+                                        <p:attrNameLst>
+                                          <p:attrName>style.visibility</p:attrName>
+                                        </p:attrNameLst>
+                                      </p:cBhvr>
+                                      <p:to>
+                                        <p:strVal val="visible"/>
+                                      </p:to>
+                                    </p:set>
+                                    <p:animEffect transition="in" filter="fade">
+                                      <p:cBhvr>
+                                        <p:cTn id="10" dur="500"/>
+                                        <p:tgtEl>
+                                          <p:spTgt spid="8"/>
+                                        </p:tgtEl>
+                                      </p:cBhvr>
+                                    </p:animEffect>
+                                  </p:childTnLst>
+                                </p:cTn>
+                              </p:par>
+                              <p:par>
+                                <p:cTn id="11" presetID="10" presetClass="entr" presetSubtype="0" fill="hold" grpId="0" nodeType="withEffect">
+                                  <p:stCondLst>
+                                    <p:cond delay="0"/>
+                                  </p:stCondLst>
+                                  <p:childTnLst>
+                                    <p:set>
+                                      <p:cBhvr>
+                                        <p:cTn id="12" dur="1" fill="hold">
+                                          <p:stCondLst>
+                                            <p:cond delay="0"/>
+                                          </p:stCondLst>
+                                        </p:cTn>
+                                        <p:tgtEl>
+                                          <p:spTgt spid="7"/>
+                                        </p:tgtEl>
+                                        <p:attrNameLst>
+                                          <p:attrName>style.visibility</p:attrName>
+                                        </p:attrNameLst>
+                                      </p:cBhvr>
+                                      <p:to>
+                                        <p:strVal val="visible"/>
+                                      </p:to>
+                                    </p:set>
+                                    <p:animEffect transition="in" filter="fade">
+                                      <p:cBhvr>
+                                        <p:cTn id="13" dur="500"/>
+                                        <p:tgtEl>
+                                          <p:spTgt spid="7"/>
+                                        </p:tgtEl>
+                                      </p:cBhvr>
+                                    </p:animEffect>
+                                  </p:childTnLst>
+                                </p:cTn>
+                              </p:par>
+                              <p:par>
+                                <p:cTn id="14" presetID="10" presetClass="entr" presetSubtype="0" fill="hold" nodeType="withEffect">
+                                  <p:stCondLst>
+                                    <p:cond delay="0"/>
+                                  </p:stCondLst>
+                                  <p:childTnLst>
+                                    <p:set>
+                                      <p:cBhvr>
+                                        <p:cTn id="15" dur="1" fill="hold">
+                                          <p:stCondLst>
+                                            <p:cond delay="0"/>
+                                          </p:stCondLst>
+                                        </p:cTn>
+                                        <p:tgtEl>
+                                          <p:spTgt spid="4"/>
+                                        </p:tgtEl>
+                                        <p:attrNameLst>
+                                          <p:attrName>style.visibility</p:attrName>
+                                        </p:attrNameLst>
+                                      </p:cBhvr>
+                                      <p:to>
+                                        <p:strVal val="visible"/>
+                                      </p:to>
+                                    </p:set>
+                                    <p:animEffect transition="in" filter="fade">
+                                      <p:cBhvr>
+                                        <p:cTn id="16" dur="500"/>
+                                        <p:tgtEl>
+                                          <p:spTgt spid="4"/>
+                                        </p:tgtEl>
+                                      </p:cBhvr>
+                                    </p:animEffect>
+                                  </p:childTnLst>
+                                </p:cTn>
+                              </p:par>
+                              <p:par>
+                                <p:cTn id="17" presetID="10" presetClass="entr" presetSubtype="0" fill="hold" nodeType="withEffect">
+                                  <p:stCondLst>
+                                    <p:cond delay="0"/>
+                                  </p:stCondLst>
+                                  <p:childTnLst>
+                                    <p:set>
+                                      <p:cBhvr>
+                                        <p:cTn id="18" dur="1" fill="hold">
+                                          <p:stCondLst>
+                                            <p:cond delay="0"/>
+                                          </p:stCondLst>
+                                        </p:cTn>
+                                        <p:tgtEl>
+                                          <p:spTgt spid="5"/>
+                                        </p:tgtEl>
+                                        <p:attrNameLst>
+                                          <p:attrName>style.visibility</p:attrName>
+                                        </p:attrNameLst>
+                                      </p:cBhvr>
+                                      <p:to>
+                                        <p:strVal val="visible"/>
+                                      </p:to>
+                                    </p:set>
+                                    <p:animEffect transition="in" filter="fade">
+                                      <p:cBhvr>
+                                        <p:cTn id="19" dur="500"/>
+                                        <p:tgtEl>
+                                          <p:spTgt spid="5"/>
+                                        </p:tgtEl>
+                                      </p:cBhvr>
+                                    </p:animEffect>
+                                  </p:childTnLst>
+                                </p:cTn>
+                              </p:par>
+                            </p:childTnLst>
+                          </p:cTn>
+                        </p:par>
+                      </p:childTnLst>
+                    </p:cTn>
+                  </p:par>
+                </p:childTnLst>
+              </p:cTn>
+              <p:prevCondLst>
+                <p:cond evt="onPrev" delay="0">
+                  <p:tgtEl>
+                    <p:sldTgt/>
+                  </p:tgtEl>
+                </p:cond>
+              </p:prevCondLst>
+              <p:nextCondLst>
+                <p:cond evt="onNext" delay="0">
+                  <p:tgtEl>
+                    <p:sldTgt/>
+                  </p:tgtEl>
+                </p:cond>
+              </p:nextCondLst>
+            </p:seq>
+          </p:childTnLst>
+        </p:cTn>
+      </p:par>
+    </p:tnLst>
+    <p:bldLst>
+      <p:bldP spid="2" grpId="0"/>
+      <p:bldP spid="7" grpId="0"/>
+    </p:bldLst>
+  </p:timing>
 </p:sld>
 </file>
 
@@ -10578,4 +12589,299 @@
     </a:ext>
   </a:extLst>
 </a:theme>
+</file>
+
+<file path=ppt/theme/theme2.xml><?xml version="1.0" encoding="utf-8"?>
+<a:theme xmlns:a="http://schemas.openxmlformats.org/drawingml/2006/main" name="Office 테마">
+  <a:themeElements>
+    <a:clrScheme name="Office">
+      <a:dk1>
+        <a:sysClr val="windowText" lastClr="000000"/>
+      </a:dk1>
+      <a:lt1>
+        <a:sysClr val="window" lastClr="FFFFFF"/>
+      </a:lt1>
+      <a:dk2>
+        <a:srgbClr val="44546A"/>
+      </a:dk2>
+      <a:lt2>
+        <a:srgbClr val="E7E6E6"/>
+      </a:lt2>
+      <a:accent1>
+        <a:srgbClr val="4472C4"/>
+      </a:accent1>
+      <a:accent2>
+        <a:srgbClr val="ED7D31"/>
+      </a:accent2>
+      <a:accent3>
+        <a:srgbClr val="A5A5A5"/>
+      </a:accent3>
+      <a:accent4>
+        <a:srgbClr val="FFC000"/>
+      </a:accent4>
+      <a:accent5>
+        <a:srgbClr val="5B9BD5"/>
+      </a:accent5>
+      <a:accent6>
+        <a:srgbClr val="70AD47"/>
+      </a:accent6>
+      <a:hlink>
+        <a:srgbClr val="0563C1"/>
+      </a:hlink>
+      <a:folHlink>
+        <a:srgbClr val="954F72"/>
+      </a:folHlink>
+    </a:clrScheme>
+    <a:fontScheme name="Office">
+      <a:majorFont>
+        <a:latin typeface="맑은 고딕" panose="020F0302020204030204"/>
+        <a:ea typeface=""/>
+        <a:cs typeface=""/>
+        <a:font script="Jpan" typeface="游ゴシック Light"/>
+        <a:font script="Hang" typeface="맑은 고딕"/>
+        <a:font script="Hans" typeface="等线 Light"/>
+        <a:font script="Hant" typeface="新細明體"/>
+        <a:font script="Arab" typeface="Times New Roman"/>
+        <a:font script="Hebr" typeface="Times New Roman"/>
+        <a:font script="Thai" typeface="Angsana New"/>
+        <a:font script="Ethi" typeface="Nyala"/>
+        <a:font script="Beng" typeface="Vrinda"/>
+        <a:font script="Gujr" typeface="Shruti"/>
+        <a:font script="Khmr" typeface="MoolBoran"/>
+        <a:font script="Knda" typeface="Tunga"/>
+        <a:font script="Guru" typeface="Raavi"/>
+        <a:font script="Cans" typeface="Euphemia"/>
+        <a:font script="Cher" typeface="Plantagenet Cherokee"/>
+        <a:font script="Yiii" typeface="Microsoft Yi Baiti"/>
+        <a:font script="Tibt" typeface="Microsoft Himalaya"/>
+        <a:font script="Thaa" typeface="MV Boli"/>
+        <a:font script="Deva" typeface="Mangal"/>
+        <a:font script="Telu" typeface="Gautami"/>
+        <a:font script="Taml" typeface="Latha"/>
+        <a:font script="Syrc" typeface="Estrangelo Edessa"/>
+        <a:font script="Orya" typeface="Kalinga"/>
+        <a:font script="Mlym" typeface="Kartika"/>
+        <a:font script="Laoo" typeface="DokChampa"/>
+        <a:font script="Sinh" typeface="Iskoola Pota"/>
+        <a:font script="Mong" typeface="Mongolian Baiti"/>
+        <a:font script="Viet" typeface="Times New Roman"/>
+        <a:font script="Uigh" typeface="Microsoft Uighur"/>
+        <a:font script="Geor" typeface="Sylfaen"/>
+        <a:font script="Armn" typeface="Arial"/>
+        <a:font script="Bugi" typeface="Leelawadee UI"/>
+        <a:font script="Bopo" typeface="Microsoft JhengHei"/>
+        <a:font script="Java" typeface="Javanese Text"/>
+        <a:font script="Lisu" typeface="Segoe UI"/>
+        <a:font script="Mymr" typeface="Myanmar Text"/>
+        <a:font script="Nkoo" typeface="Ebrima"/>
+        <a:font script="Olck" typeface="Nirmala UI"/>
+        <a:font script="Osma" typeface="Ebrima"/>
+        <a:font script="Phag" typeface="Phagspa"/>
+        <a:font script="Syrn" typeface="Estrangelo Edessa"/>
+        <a:font script="Syrj" typeface="Estrangelo Edessa"/>
+        <a:font script="Syre" typeface="Estrangelo Edessa"/>
+        <a:font script="Sora" typeface="Nirmala UI"/>
+        <a:font script="Tale" typeface="Microsoft Tai Le"/>
+        <a:font script="Talu" typeface="Microsoft New Tai Lue"/>
+        <a:font script="Tfng" typeface="Ebrima"/>
+      </a:majorFont>
+      <a:minorFont>
+        <a:latin typeface="맑은 고딕" panose="020F0502020204030204"/>
+        <a:ea typeface=""/>
+        <a:cs typeface=""/>
+        <a:font script="Jpan" typeface="游ゴシック"/>
+        <a:font script="Hang" typeface="맑은 고딕"/>
+        <a:font script="Hans" typeface="等线"/>
+        <a:font script="Hant" typeface="新細明體"/>
+        <a:font script="Arab" typeface="Arial"/>
+        <a:font script="Hebr" typeface="Arial"/>
+        <a:font script="Thai" typeface="Cordia New"/>
+        <a:font script="Ethi" typeface="Nyala"/>
+        <a:font script="Beng" typeface="Vrinda"/>
+        <a:font script="Gujr" typeface="Shruti"/>
+        <a:font script="Khmr" typeface="DaunPenh"/>
+        <a:font script="Knda" typeface="Tunga"/>
+        <a:font script="Guru" typeface="Raavi"/>
+        <a:font script="Cans" typeface="Euphemia"/>
+        <a:font script="Cher" typeface="Plantagenet Cherokee"/>
+        <a:font script="Yiii" typeface="Microsoft Yi Baiti"/>
+        <a:font script="Tibt" typeface="Microsoft Himalaya"/>
+        <a:font script="Thaa" typeface="MV Boli"/>
+        <a:font script="Deva" typeface="Mangal"/>
+        <a:font script="Telu" typeface="Gautami"/>
+        <a:font script="Taml" typeface="Latha"/>
+        <a:font script="Syrc" typeface="Estrangelo Edessa"/>
+        <a:font script="Orya" typeface="Kalinga"/>
+        <a:font script="Mlym" typeface="Kartika"/>
+        <a:font script="Laoo" typeface="DokChampa"/>
+        <a:font script="Sinh" typeface="Iskoola Pota"/>
+        <a:font script="Mong" typeface="Mongolian Baiti"/>
+        <a:font script="Viet" typeface="Arial"/>
+        <a:font script="Uigh" typeface="Microsoft Uighur"/>
+        <a:font script="Geor" typeface="Sylfaen"/>
+        <a:font script="Armn" typeface="Arial"/>
+        <a:font script="Bugi" typeface="Leelawadee UI"/>
+        <a:font script="Bopo" typeface="Microsoft JhengHei"/>
+        <a:font script="Java" typeface="Javanese Text"/>
+        <a:font script="Lisu" typeface="Segoe UI"/>
+        <a:font script="Mymr" typeface="Myanmar Text"/>
+        <a:font script="Nkoo" typeface="Ebrima"/>
+        <a:font script="Olck" typeface="Nirmala UI"/>
+        <a:font script="Osma" typeface="Ebrima"/>
+        <a:font script="Phag" typeface="Phagspa"/>
+        <a:font script="Syrn" typeface="Estrangelo Edessa"/>
+        <a:font script="Syrj" typeface="Estrangelo Edessa"/>
+        <a:font script="Syre" typeface="Estrangelo Edessa"/>
+        <a:font script="Sora" typeface="Nirmala UI"/>
+        <a:font script="Tale" typeface="Microsoft Tai Le"/>
+        <a:font script="Talu" typeface="Microsoft New Tai Lue"/>
+        <a:font script="Tfng" typeface="Ebrima"/>
+      </a:minorFont>
+    </a:fontScheme>
+    <a:fmtScheme name="Office">
+      <a:fillStyleLst>
+        <a:solidFill>
+          <a:schemeClr val="phClr"/>
+        </a:solidFill>
+        <a:gradFill rotWithShape="1">
+          <a:gsLst>
+            <a:gs pos="0">
+              <a:schemeClr val="phClr">
+                <a:lumMod val="110000"/>
+                <a:satMod val="105000"/>
+                <a:tint val="67000"/>
+              </a:schemeClr>
+            </a:gs>
+            <a:gs pos="50000">
+              <a:schemeClr val="phClr">
+                <a:lumMod val="105000"/>
+                <a:satMod val="103000"/>
+                <a:tint val="73000"/>
+              </a:schemeClr>
+            </a:gs>
+            <a:gs pos="100000">
+              <a:schemeClr val="phClr">
+                <a:lumMod val="105000"/>
+                <a:satMod val="109000"/>
+                <a:tint val="81000"/>
+              </a:schemeClr>
+            </a:gs>
+          </a:gsLst>
+          <a:lin ang="5400000" scaled="0"/>
+        </a:gradFill>
+        <a:gradFill rotWithShape="1">
+          <a:gsLst>
+            <a:gs pos="0">
+              <a:schemeClr val="phClr">
+                <a:satMod val="103000"/>
+                <a:lumMod val="102000"/>
+                <a:tint val="94000"/>
+              </a:schemeClr>
+            </a:gs>
+            <a:gs pos="50000">
+              <a:schemeClr val="phClr">
+                <a:satMod val="110000"/>
+                <a:lumMod val="100000"/>
+                <a:shade val="100000"/>
+              </a:schemeClr>
+            </a:gs>
+            <a:gs pos="100000">
+              <a:schemeClr val="phClr">
+                <a:lumMod val="99000"/>
+                <a:satMod val="120000"/>
+                <a:shade val="78000"/>
+              </a:schemeClr>
+            </a:gs>
+          </a:gsLst>
+          <a:lin ang="5400000" scaled="0"/>
+        </a:gradFill>
+      </a:fillStyleLst>
+      <a:lnStyleLst>
+        <a:ln w="6350" cap="flat" cmpd="sng" algn="ctr">
+          <a:solidFill>
+            <a:schemeClr val="phClr"/>
+          </a:solidFill>
+          <a:prstDash val="solid"/>
+          <a:miter lim="800000"/>
+        </a:ln>
+        <a:ln w="12700" cap="flat" cmpd="sng" algn="ctr">
+          <a:solidFill>
+            <a:schemeClr val="phClr"/>
+          </a:solidFill>
+          <a:prstDash val="solid"/>
+          <a:miter lim="800000"/>
+        </a:ln>
+        <a:ln w="19050" cap="flat" cmpd="sng" algn="ctr">
+          <a:solidFill>
+            <a:schemeClr val="phClr"/>
+          </a:solidFill>
+          <a:prstDash val="solid"/>
+          <a:miter lim="800000"/>
+        </a:ln>
+      </a:lnStyleLst>
+      <a:effectStyleLst>
+        <a:effectStyle>
+          <a:effectLst/>
+        </a:effectStyle>
+        <a:effectStyle>
+          <a:effectLst/>
+        </a:effectStyle>
+        <a:effectStyle>
+          <a:effectLst>
+            <a:outerShdw blurRad="57150" dist="19050" dir="5400000" algn="ctr" rotWithShape="0">
+              <a:srgbClr val="000000">
+                <a:alpha val="63000"/>
+              </a:srgbClr>
+            </a:outerShdw>
+          </a:effectLst>
+        </a:effectStyle>
+      </a:effectStyleLst>
+      <a:bgFillStyleLst>
+        <a:solidFill>
+          <a:schemeClr val="phClr"/>
+        </a:solidFill>
+        <a:solidFill>
+          <a:schemeClr val="phClr">
+            <a:tint val="95000"/>
+            <a:satMod val="170000"/>
+          </a:schemeClr>
+        </a:solidFill>
+        <a:gradFill rotWithShape="1">
+          <a:gsLst>
+            <a:gs pos="0">
+              <a:schemeClr val="phClr">
+                <a:tint val="93000"/>
+                <a:satMod val="150000"/>
+                <a:shade val="98000"/>
+                <a:lumMod val="102000"/>
+              </a:schemeClr>
+            </a:gs>
+            <a:gs pos="50000">
+              <a:schemeClr val="phClr">
+                <a:tint val="98000"/>
+                <a:satMod val="130000"/>
+                <a:shade val="90000"/>
+                <a:lumMod val="103000"/>
+              </a:schemeClr>
+            </a:gs>
+            <a:gs pos="100000">
+              <a:schemeClr val="phClr">
+                <a:shade val="63000"/>
+                <a:satMod val="120000"/>
+              </a:schemeClr>
+            </a:gs>
+          </a:gsLst>
+          <a:lin ang="5400000" scaled="0"/>
+        </a:gradFill>
+      </a:bgFillStyleLst>
+    </a:fmtScheme>
+  </a:themeElements>
+  <a:objectDefaults/>
+  <a:extraClrSchemeLst/>
+  <a:extLst>
+    <a:ext uri="{05A4C25C-085E-4340-85A3-A5531E510DB2}">
+      <thm15:themeFamily xmlns:thm15="http://schemas.microsoft.com/office/thememl/2012/main" name="Office Theme" id="{62F939B6-93AF-4DB8-9C6B-D6C7DFDC589F}" vid="{4A3C46E8-61CC-4603-A589-7422A47A8E4A}"/>
+    </a:ext>
+  </a:extLst>
+</a:theme>
 </file>
--- a/세미콜론 게임부분 강의자료.pptx
+++ b/세미콜론 게임부분 강의자료.pptx
@@ -5,7 +5,7 @@
     <p:sldMasterId id="2147483648" r:id="rId1"/>
   </p:sldMasterIdLst>
   <p:notesMasterIdLst>
-    <p:notesMasterId r:id="rId18"/>
+    <p:notesMasterId r:id="rId16"/>
   </p:notesMasterIdLst>
   <p:sldIdLst>
     <p:sldId id="264" r:id="rId2"/>
@@ -18,32 +18,30 @@
     <p:sldId id="268" r:id="rId9"/>
     <p:sldId id="270" r:id="rId10"/>
     <p:sldId id="261" r:id="rId11"/>
-    <p:sldId id="271" r:id="rId12"/>
-    <p:sldId id="272" r:id="rId13"/>
-    <p:sldId id="273" r:id="rId14"/>
-    <p:sldId id="262" r:id="rId15"/>
-    <p:sldId id="263" r:id="rId16"/>
-    <p:sldId id="256" r:id="rId17"/>
+    <p:sldId id="274" r:id="rId12"/>
+    <p:sldId id="275" r:id="rId13"/>
+    <p:sldId id="262" r:id="rId14"/>
+    <p:sldId id="263" r:id="rId15"/>
   </p:sldIdLst>
   <p:sldSz cx="12192000" cy="6858000"/>
   <p:notesSz cx="6858000" cy="9144000"/>
   <p:embeddedFontLst>
     <p:embeddedFont>
+      <p:font typeface="나눔스퀘어라운드 Bold" panose="020B0600000101010101" charset="-127"/>
+      <p:bold r:id="rId17"/>
+    </p:embeddedFont>
+    <p:embeddedFont>
       <p:font typeface="나눔스퀘어_ac Bold" panose="020B0600000101010101" pitchFamily="50" charset="-127"/>
+      <p:bold r:id="rId18"/>
+    </p:embeddedFont>
+    <p:embeddedFont>
+      <p:font typeface="나눔스퀘어라운드 ExtraBold" panose="020B0600000101010101" pitchFamily="50" charset="-127"/>
       <p:bold r:id="rId19"/>
     </p:embeddedFont>
     <p:embeddedFont>
-      <p:font typeface="나눔스퀘어라운드 Bold" panose="020B0600000101010101" pitchFamily="50" charset="-127"/>
-      <p:bold r:id="rId20"/>
-    </p:embeddedFont>
-    <p:embeddedFont>
-      <p:font typeface="나눔스퀘어라운드 ExtraBold" panose="020B0600000101010101" pitchFamily="50" charset="-127"/>
+      <p:font typeface="맑은 고딕" panose="020B0503020000020004" pitchFamily="50" charset="-127"/>
+      <p:regular r:id="rId20"/>
       <p:bold r:id="rId21"/>
-    </p:embeddedFont>
-    <p:embeddedFont>
-      <p:font typeface="맑은 고딕" panose="020B0503020000020004" pitchFamily="50" charset="-127"/>
-      <p:regular r:id="rId22"/>
-      <p:bold r:id="rId23"/>
     </p:embeddedFont>
   </p:embeddedFontLst>
   <p:defaultTextStyle>
@@ -144,6 +142,9 @@
   <p:extLst>
     <p:ext uri="{EFAFB233-063F-42B5-8137-9DF3F51BA10A}">
       <p15:sldGuideLst xmlns:p15="http://schemas.microsoft.com/office/powerpoint/2012/main"/>
+    </p:ext>
+    <p:ext uri="{2D200454-40CA-4A62-9FC3-DE9A4176ACB9}">
+      <p15:notesGuideLst xmlns:p15="http://schemas.microsoft.com/office/powerpoint/2012/main"/>
     </p:ext>
   </p:extLst>
 </p:presentation>
@@ -5130,10 +5131,10 @@
       </p:grpSpPr>
       <p:sp>
         <p:nvSpPr>
-          <p:cNvPr id="2" name="제목 1">
-            <a:extLst>
-              <a:ext uri="{FF2B5EF4-FFF2-40B4-BE49-F238E27FC236}">
-                <a16:creationId xmlns:a16="http://schemas.microsoft.com/office/drawing/2014/main" id="{CF6BE579-EB83-4693-A492-B88DB1B2E53D}"/>
+          <p:cNvPr id="3" name="제목 2">
+            <a:extLst>
+              <a:ext uri="{FF2B5EF4-FFF2-40B4-BE49-F238E27FC236}">
+                <a16:creationId xmlns:a16="http://schemas.microsoft.com/office/drawing/2014/main" id="{C495D1C6-C614-4FEC-8C49-BD0E49CD5D5D}"/>
               </a:ext>
             </a:extLst>
           </p:cNvPr>
@@ -5154,504 +5155,63 @@
                 <a:latin typeface="+mj-lt"/>
                 <a:ea typeface="나눔스퀘어라운드 ExtraBold" panose="020B0600000101010101"/>
               </a:rPr>
-              <a:t>각 스크립트가 하는 일</a:t>
-            </a:r>
-            <a:endParaRPr lang="ko-KR" altLang="en-US" dirty="0">
-              <a:latin typeface="+mj-lt"/>
-              <a:ea typeface="나눔스퀘어라운드 ExtraBold" panose="020B0600000101010101"/>
-            </a:endParaRPr>
-          </a:p>
-        </p:txBody>
-      </p:sp>
-      <p:sp>
-        <p:nvSpPr>
-          <p:cNvPr id="3" name="TextBox 2">
-            <a:extLst>
-              <a:ext uri="{FF2B5EF4-FFF2-40B4-BE49-F238E27FC236}">
-                <a16:creationId xmlns:a16="http://schemas.microsoft.com/office/drawing/2014/main" id="{0F82E973-412B-49D5-A86E-682C1A6EFB13}"/>
-              </a:ext>
-            </a:extLst>
-          </p:cNvPr>
-          <p:cNvSpPr txBox="1"/>
+              <a:t>스크립트가 하는 일</a:t>
+            </a:r>
+            <a:endParaRPr lang="ko-KR" altLang="en-US"/>
+          </a:p>
+        </p:txBody>
+      </p:sp>
+      <p:pic>
+        <p:nvPicPr>
+          <p:cNvPr id="6" name="그림 5" descr="하늘, 옅은, 항공기이(가) 표시된 사진&#10;&#10;자동 생성된 설명">
+            <a:extLst>
+              <a:ext uri="{FF2B5EF4-FFF2-40B4-BE49-F238E27FC236}">
+                <a16:creationId xmlns:a16="http://schemas.microsoft.com/office/drawing/2014/main" id="{09488317-E013-4125-91C7-611FF0C2E550}"/>
+              </a:ext>
+            </a:extLst>
+          </p:cNvPr>
+          <p:cNvPicPr>
+            <a:picLocks noChangeAspect="1"/>
+          </p:cNvPicPr>
           <p:nvPr/>
-        </p:nvSpPr>
+        </p:nvPicPr>
+        <p:blipFill rotWithShape="1">
+          <a:blip r:embed="rId2">
+            <a:extLst>
+              <a:ext uri="{28A0092B-C50C-407E-A947-70E740481C1C}">
+                <a14:useLocalDpi xmlns:a14="http://schemas.microsoft.com/office/drawing/2010/main" val="0"/>
+              </a:ext>
+            </a:extLst>
+          </a:blip>
+          <a:srcRect r="486" b="1034"/>
+          <a:stretch/>
+        </p:blipFill>
         <p:spPr>
           <a:xfrm>
-            <a:off x="1" y="5708577"/>
-            <a:ext cx="1321724" cy="323165"/>
+            <a:off x="2789632" y="1071211"/>
+            <a:ext cx="7330025" cy="3539179"/>
           </a:xfrm>
           <a:prstGeom prst="rect">
             <a:avLst/>
           </a:prstGeom>
-          <a:noFill/>
         </p:spPr>
-        <p:txBody>
-          <a:bodyPr wrap="square" rtlCol="0">
-            <a:spAutoFit/>
-          </a:bodyPr>
-          <a:lstStyle/>
-          <a:p>
-            <a:pPr algn="ctr"/>
-            <a:r>
-              <a:rPr lang="en-US" altLang="ko-KR" sz="1500">
-                <a:solidFill>
-                  <a:schemeClr val="bg1"/>
-                </a:solidFill>
-                <a:latin typeface="나눔스퀘어_ac Bold" panose="020B0600000101010101" pitchFamily="50" charset="-127"/>
-                <a:ea typeface="나눔스퀘어_ac Bold" panose="020B0600000101010101" pitchFamily="50" charset="-127"/>
-              </a:rPr>
-              <a:t>Background</a:t>
-            </a:r>
-            <a:endParaRPr lang="ko-KR" altLang="en-US" sz="1500">
-              <a:solidFill>
-                <a:schemeClr val="bg1"/>
-              </a:solidFill>
-              <a:latin typeface="나눔스퀘어_ac Bold" panose="020B0600000101010101" pitchFamily="50" charset="-127"/>
-              <a:ea typeface="나눔스퀘어_ac Bold" panose="020B0600000101010101" pitchFamily="50" charset="-127"/>
-            </a:endParaRPr>
-          </a:p>
-        </p:txBody>
-      </p:sp>
-      <p:sp>
-        <p:nvSpPr>
-          <p:cNvPr id="19" name="TextBox 18">
-            <a:extLst>
-              <a:ext uri="{FF2B5EF4-FFF2-40B4-BE49-F238E27FC236}">
-                <a16:creationId xmlns:a16="http://schemas.microsoft.com/office/drawing/2014/main" id="{A5BA5CEE-2595-4CFF-8CDA-D8944ADF7E3F}"/>
-              </a:ext>
-            </a:extLst>
-          </p:cNvPr>
-          <p:cNvSpPr txBox="1"/>
+      </p:pic>
+      <p:sp>
+        <p:nvSpPr>
+          <p:cNvPr id="7" name="사각형: 잘린 한쪽 모서리 6">
+            <a:extLst>
+              <a:ext uri="{FF2B5EF4-FFF2-40B4-BE49-F238E27FC236}">
+                <a16:creationId xmlns:a16="http://schemas.microsoft.com/office/drawing/2014/main" id="{06AD58D8-EDD7-4EE9-8E0E-8BFB1297799E}"/>
+              </a:ext>
+            </a:extLst>
+          </p:cNvPr>
+          <p:cNvSpPr/>
           <p:nvPr/>
         </p:nvSpPr>
         <p:spPr>
           <a:xfrm>
-            <a:off x="1321725" y="5708577"/>
-            <a:ext cx="1321724" cy="323165"/>
-          </a:xfrm>
-          <a:prstGeom prst="rect">
-            <a:avLst/>
-          </a:prstGeom>
-          <a:noFill/>
-        </p:spPr>
-        <p:txBody>
-          <a:bodyPr wrap="square" rtlCol="0">
-            <a:spAutoFit/>
-          </a:bodyPr>
-          <a:lstStyle/>
-          <a:p>
-            <a:pPr algn="ctr"/>
-            <a:r>
-              <a:rPr lang="en-US" altLang="ko-KR" sz="1500">
-                <a:solidFill>
-                  <a:schemeClr val="bg1"/>
-                </a:solidFill>
-                <a:latin typeface="나눔스퀘어_ac Bold" panose="020B0600000101010101" pitchFamily="50" charset="-127"/>
-                <a:ea typeface="나눔스퀘어_ac Bold" panose="020B0600000101010101" pitchFamily="50" charset="-127"/>
-              </a:rPr>
-              <a:t>Destroyer</a:t>
-            </a:r>
-            <a:endParaRPr lang="ko-KR" altLang="en-US" sz="1500">
-              <a:solidFill>
-                <a:schemeClr val="bg1"/>
-              </a:solidFill>
-              <a:latin typeface="나눔스퀘어_ac Bold" panose="020B0600000101010101" pitchFamily="50" charset="-127"/>
-              <a:ea typeface="나눔스퀘어_ac Bold" panose="020B0600000101010101" pitchFamily="50" charset="-127"/>
-            </a:endParaRPr>
-          </a:p>
-        </p:txBody>
-      </p:sp>
-      <p:sp>
-        <p:nvSpPr>
-          <p:cNvPr id="20" name="TextBox 19">
-            <a:extLst>
-              <a:ext uri="{FF2B5EF4-FFF2-40B4-BE49-F238E27FC236}">
-                <a16:creationId xmlns:a16="http://schemas.microsoft.com/office/drawing/2014/main" id="{C8006016-2AB8-4C7E-9B6A-80BA3727E16D}"/>
-              </a:ext>
-            </a:extLst>
-          </p:cNvPr>
-          <p:cNvSpPr txBox="1"/>
-          <p:nvPr/>
-        </p:nvSpPr>
-        <p:spPr>
-          <a:xfrm>
-            <a:off x="2643449" y="5708577"/>
-            <a:ext cx="1321724" cy="323165"/>
-          </a:xfrm>
-          <a:prstGeom prst="rect">
-            <a:avLst/>
-          </a:prstGeom>
-          <a:noFill/>
-        </p:spPr>
-        <p:txBody>
-          <a:bodyPr wrap="square" rtlCol="0">
-            <a:spAutoFit/>
-          </a:bodyPr>
-          <a:lstStyle/>
-          <a:p>
-            <a:pPr algn="ctr"/>
-            <a:r>
-              <a:rPr lang="en-US" altLang="ko-KR" sz="1500">
-                <a:solidFill>
-                  <a:schemeClr val="bg1"/>
-                </a:solidFill>
-                <a:latin typeface="나눔스퀘어_ac Bold" panose="020B0600000101010101" pitchFamily="50" charset="-127"/>
-                <a:ea typeface="나눔스퀘어_ac Bold" panose="020B0600000101010101" pitchFamily="50" charset="-127"/>
-              </a:rPr>
-              <a:t>Obstacle</a:t>
-            </a:r>
-            <a:endParaRPr lang="ko-KR" altLang="en-US" sz="1500">
-              <a:solidFill>
-                <a:schemeClr val="bg1"/>
-              </a:solidFill>
-              <a:latin typeface="나눔스퀘어_ac Bold" panose="020B0600000101010101" pitchFamily="50" charset="-127"/>
-              <a:ea typeface="나눔스퀘어_ac Bold" panose="020B0600000101010101" pitchFamily="50" charset="-127"/>
-            </a:endParaRPr>
-          </a:p>
-        </p:txBody>
-      </p:sp>
-      <p:sp>
-        <p:nvSpPr>
-          <p:cNvPr id="22" name="TextBox 21">
-            <a:extLst>
-              <a:ext uri="{FF2B5EF4-FFF2-40B4-BE49-F238E27FC236}">
-                <a16:creationId xmlns:a16="http://schemas.microsoft.com/office/drawing/2014/main" id="{1E2CE1AE-5593-4874-A51C-DB62DF8D8D26}"/>
-              </a:ext>
-            </a:extLst>
-          </p:cNvPr>
-          <p:cNvSpPr txBox="1"/>
-          <p:nvPr/>
-        </p:nvSpPr>
-        <p:spPr>
-          <a:xfrm>
-            <a:off x="3965173" y="5592198"/>
-            <a:ext cx="1321724" cy="553998"/>
-          </a:xfrm>
-          <a:prstGeom prst="rect">
-            <a:avLst/>
-          </a:prstGeom>
-          <a:noFill/>
-        </p:spPr>
-        <p:txBody>
-          <a:bodyPr wrap="square" rtlCol="0">
-            <a:spAutoFit/>
-          </a:bodyPr>
-          <a:lstStyle/>
-          <a:p>
-            <a:pPr algn="ctr"/>
-            <a:r>
-              <a:rPr lang="en-US" altLang="ko-KR" sz="1500">
-                <a:solidFill>
-                  <a:schemeClr val="tx1">
-                    <a:lumMod val="50000"/>
-                    <a:lumOff val="50000"/>
-                  </a:schemeClr>
-                </a:solidFill>
-                <a:latin typeface="나눔스퀘어_ac Bold" panose="020B0600000101010101" pitchFamily="50" charset="-127"/>
-                <a:ea typeface="나눔스퀘어_ac Bold" panose="020B0600000101010101" pitchFamily="50" charset="-127"/>
-              </a:rPr>
-              <a:t>Obstacle</a:t>
-            </a:r>
-          </a:p>
-          <a:p>
-            <a:pPr algn="ctr"/>
-            <a:r>
-              <a:rPr lang="en-US" altLang="ko-KR" sz="1500">
-                <a:solidFill>
-                  <a:schemeClr val="tx1">
-                    <a:lumMod val="50000"/>
-                    <a:lumOff val="50000"/>
-                  </a:schemeClr>
-                </a:solidFill>
-                <a:latin typeface="나눔스퀘어_ac Bold" panose="020B0600000101010101" pitchFamily="50" charset="-127"/>
-                <a:ea typeface="나눔스퀘어_ac Bold" panose="020B0600000101010101" pitchFamily="50" charset="-127"/>
-              </a:rPr>
-              <a:t>Spawn</a:t>
-            </a:r>
-          </a:p>
-        </p:txBody>
-      </p:sp>
-      <p:sp>
-        <p:nvSpPr>
-          <p:cNvPr id="23" name="TextBox 22">
-            <a:extLst>
-              <a:ext uri="{FF2B5EF4-FFF2-40B4-BE49-F238E27FC236}">
-                <a16:creationId xmlns:a16="http://schemas.microsoft.com/office/drawing/2014/main" id="{19F289F8-1916-4B70-A69B-601A38A93B9A}"/>
-              </a:ext>
-            </a:extLst>
-          </p:cNvPr>
-          <p:cNvSpPr txBox="1"/>
-          <p:nvPr/>
-        </p:nvSpPr>
-        <p:spPr>
-          <a:xfrm>
-            <a:off x="5286897" y="5708577"/>
-            <a:ext cx="1321724" cy="323165"/>
-          </a:xfrm>
-          <a:prstGeom prst="rect">
-            <a:avLst/>
-          </a:prstGeom>
-          <a:noFill/>
-        </p:spPr>
-        <p:txBody>
-          <a:bodyPr wrap="square" rtlCol="0">
-            <a:spAutoFit/>
-          </a:bodyPr>
-          <a:lstStyle/>
-          <a:p>
-            <a:pPr algn="ctr"/>
-            <a:r>
-              <a:rPr lang="en-US" altLang="ko-KR" sz="1500">
-                <a:solidFill>
-                  <a:schemeClr val="tx1">
-                    <a:lumMod val="50000"/>
-                    <a:lumOff val="50000"/>
-                  </a:schemeClr>
-                </a:solidFill>
-                <a:latin typeface="나눔스퀘어_ac Bold" panose="020B0600000101010101" pitchFamily="50" charset="-127"/>
-                <a:ea typeface="나눔스퀘어_ac Bold" panose="020B0600000101010101" pitchFamily="50" charset="-127"/>
-              </a:rPr>
-              <a:t>Player</a:t>
-            </a:r>
-            <a:endParaRPr lang="ko-KR" altLang="en-US" sz="1500">
-              <a:solidFill>
-                <a:schemeClr val="tx1">
-                  <a:lumMod val="50000"/>
-                  <a:lumOff val="50000"/>
-                </a:schemeClr>
-              </a:solidFill>
-              <a:latin typeface="나눔스퀘어_ac Bold" panose="020B0600000101010101" pitchFamily="50" charset="-127"/>
-              <a:ea typeface="나눔스퀘어_ac Bold" panose="020B0600000101010101" pitchFamily="50" charset="-127"/>
-            </a:endParaRPr>
-          </a:p>
-        </p:txBody>
-      </p:sp>
-      <p:sp>
-        <p:nvSpPr>
-          <p:cNvPr id="24" name="TextBox 23">
-            <a:extLst>
-              <a:ext uri="{FF2B5EF4-FFF2-40B4-BE49-F238E27FC236}">
-                <a16:creationId xmlns:a16="http://schemas.microsoft.com/office/drawing/2014/main" id="{A6CFE8D9-F79A-430B-9CC1-63604C355BD6}"/>
-              </a:ext>
-            </a:extLst>
-          </p:cNvPr>
-          <p:cNvSpPr txBox="1"/>
-          <p:nvPr/>
-        </p:nvSpPr>
-        <p:spPr>
-          <a:xfrm>
-            <a:off x="6608621" y="5708577"/>
-            <a:ext cx="1321724" cy="323165"/>
-          </a:xfrm>
-          <a:prstGeom prst="rect">
-            <a:avLst/>
-          </a:prstGeom>
-          <a:noFill/>
-        </p:spPr>
-        <p:txBody>
-          <a:bodyPr wrap="square" rtlCol="0">
-            <a:spAutoFit/>
-          </a:bodyPr>
-          <a:lstStyle/>
-          <a:p>
-            <a:pPr algn="ctr"/>
-            <a:r>
-              <a:rPr lang="en-US" altLang="ko-KR" sz="1500">
-                <a:solidFill>
-                  <a:schemeClr val="tx1">
-                    <a:lumMod val="50000"/>
-                    <a:lumOff val="50000"/>
-                  </a:schemeClr>
-                </a:solidFill>
-                <a:latin typeface="나눔스퀘어_ac Bold" panose="020B0600000101010101" pitchFamily="50" charset="-127"/>
-                <a:ea typeface="나눔스퀘어_ac Bold" panose="020B0600000101010101" pitchFamily="50" charset="-127"/>
-              </a:rPr>
-              <a:t>Restart</a:t>
-            </a:r>
-          </a:p>
-        </p:txBody>
-      </p:sp>
-      <p:sp>
-        <p:nvSpPr>
-          <p:cNvPr id="25" name="TextBox 24">
-            <a:extLst>
-              <a:ext uri="{FF2B5EF4-FFF2-40B4-BE49-F238E27FC236}">
-                <a16:creationId xmlns:a16="http://schemas.microsoft.com/office/drawing/2014/main" id="{26DE6411-C1E7-49CA-A36D-AC408134BAE2}"/>
-              </a:ext>
-            </a:extLst>
-          </p:cNvPr>
-          <p:cNvSpPr txBox="1"/>
-          <p:nvPr/>
-        </p:nvSpPr>
-        <p:spPr>
-          <a:xfrm>
-            <a:off x="7930345" y="5708577"/>
-            <a:ext cx="1321724" cy="323165"/>
-          </a:xfrm>
-          <a:prstGeom prst="rect">
-            <a:avLst/>
-          </a:prstGeom>
-          <a:noFill/>
-        </p:spPr>
-        <p:txBody>
-          <a:bodyPr wrap="square" rtlCol="0">
-            <a:spAutoFit/>
-          </a:bodyPr>
-          <a:lstStyle/>
-          <a:p>
-            <a:pPr algn="ctr"/>
-            <a:r>
-              <a:rPr lang="en-US" altLang="ko-KR" sz="1500">
-                <a:solidFill>
-                  <a:schemeClr val="tx1">
-                    <a:lumMod val="50000"/>
-                    <a:lumOff val="50000"/>
-                  </a:schemeClr>
-                </a:solidFill>
-                <a:latin typeface="나눔스퀘어_ac Bold" panose="020B0600000101010101" pitchFamily="50" charset="-127"/>
-                <a:ea typeface="나눔스퀘어_ac Bold" panose="020B0600000101010101" pitchFamily="50" charset="-127"/>
-              </a:rPr>
-              <a:t>Score</a:t>
-            </a:r>
-            <a:endParaRPr lang="ko-KR" altLang="en-US" sz="1500">
-              <a:solidFill>
-                <a:schemeClr val="tx1">
-                  <a:lumMod val="50000"/>
-                  <a:lumOff val="50000"/>
-                </a:schemeClr>
-              </a:solidFill>
-              <a:latin typeface="나눔스퀘어_ac Bold" panose="020B0600000101010101" pitchFamily="50" charset="-127"/>
-              <a:ea typeface="나눔스퀘어_ac Bold" panose="020B0600000101010101" pitchFamily="50" charset="-127"/>
-            </a:endParaRPr>
-          </a:p>
-        </p:txBody>
-      </p:sp>
-      <p:sp>
-        <p:nvSpPr>
-          <p:cNvPr id="26" name="TextBox 25">
-            <a:extLst>
-              <a:ext uri="{FF2B5EF4-FFF2-40B4-BE49-F238E27FC236}">
-                <a16:creationId xmlns:a16="http://schemas.microsoft.com/office/drawing/2014/main" id="{8C2FAF1F-394E-41F5-ACF2-67855C794C73}"/>
-              </a:ext>
-            </a:extLst>
-          </p:cNvPr>
-          <p:cNvSpPr txBox="1"/>
-          <p:nvPr/>
-        </p:nvSpPr>
-        <p:spPr>
-          <a:xfrm>
-            <a:off x="9252069" y="5708577"/>
-            <a:ext cx="1321724" cy="323165"/>
-          </a:xfrm>
-          <a:prstGeom prst="rect">
-            <a:avLst/>
-          </a:prstGeom>
-          <a:noFill/>
-        </p:spPr>
-        <p:txBody>
-          <a:bodyPr wrap="square" rtlCol="0">
-            <a:spAutoFit/>
-          </a:bodyPr>
-          <a:lstStyle/>
-          <a:p>
-            <a:pPr algn="ctr"/>
-            <a:r>
-              <a:rPr lang="en-US" altLang="ko-KR" sz="1500">
-                <a:solidFill>
-                  <a:schemeClr val="tx1">
-                    <a:lumMod val="50000"/>
-                    <a:lumOff val="50000"/>
-                  </a:schemeClr>
-                </a:solidFill>
-                <a:latin typeface="나눔스퀘어_ac Bold" panose="020B0600000101010101" pitchFamily="50" charset="-127"/>
-                <a:ea typeface="나눔스퀘어_ac Bold" panose="020B0600000101010101" pitchFamily="50" charset="-127"/>
-              </a:rPr>
-              <a:t>Spawner</a:t>
-            </a:r>
-            <a:endParaRPr lang="ko-KR" altLang="en-US" sz="1500">
-              <a:solidFill>
-                <a:schemeClr val="tx1">
-                  <a:lumMod val="50000"/>
-                  <a:lumOff val="50000"/>
-                </a:schemeClr>
-              </a:solidFill>
-              <a:latin typeface="나눔스퀘어_ac Bold" panose="020B0600000101010101" pitchFamily="50" charset="-127"/>
-              <a:ea typeface="나눔스퀘어_ac Bold" panose="020B0600000101010101" pitchFamily="50" charset="-127"/>
-            </a:endParaRPr>
-          </a:p>
-        </p:txBody>
-      </p:sp>
-      <p:sp>
-        <p:nvSpPr>
-          <p:cNvPr id="27" name="TextBox 26">
-            <a:extLst>
-              <a:ext uri="{FF2B5EF4-FFF2-40B4-BE49-F238E27FC236}">
-                <a16:creationId xmlns:a16="http://schemas.microsoft.com/office/drawing/2014/main" id="{373D7618-DB57-4D67-A909-1FC973B5815A}"/>
-              </a:ext>
-            </a:extLst>
-          </p:cNvPr>
-          <p:cNvSpPr txBox="1"/>
-          <p:nvPr/>
-        </p:nvSpPr>
-        <p:spPr>
-          <a:xfrm>
-            <a:off x="10573793" y="5708577"/>
-            <a:ext cx="1321724" cy="323165"/>
-          </a:xfrm>
-          <a:prstGeom prst="rect">
-            <a:avLst/>
-          </a:prstGeom>
-          <a:noFill/>
-        </p:spPr>
-        <p:txBody>
-          <a:bodyPr wrap="square" rtlCol="0">
-            <a:spAutoFit/>
-          </a:bodyPr>
-          <a:lstStyle/>
-          <a:p>
-            <a:pPr algn="ctr"/>
-            <a:r>
-              <a:rPr lang="en-US" altLang="ko-KR" sz="1500">
-                <a:solidFill>
-                  <a:schemeClr val="tx1">
-                    <a:lumMod val="50000"/>
-                    <a:lumOff val="50000"/>
-                  </a:schemeClr>
-                </a:solidFill>
-                <a:latin typeface="나눔스퀘어_ac Bold" panose="020B0600000101010101" pitchFamily="50" charset="-127"/>
-                <a:ea typeface="나눔스퀘어_ac Bold" panose="020B0600000101010101" pitchFamily="50" charset="-127"/>
-              </a:rPr>
-              <a:t>TitleScene</a:t>
-            </a:r>
-            <a:endParaRPr lang="ko-KR" altLang="en-US" sz="1500">
-              <a:solidFill>
-                <a:schemeClr val="tx1">
-                  <a:lumMod val="50000"/>
-                  <a:lumOff val="50000"/>
-                </a:schemeClr>
-              </a:solidFill>
-              <a:latin typeface="나눔스퀘어_ac Bold" panose="020B0600000101010101" pitchFamily="50" charset="-127"/>
-              <a:ea typeface="나눔스퀘어_ac Bold" panose="020B0600000101010101" pitchFamily="50" charset="-127"/>
-            </a:endParaRPr>
-          </a:p>
-        </p:txBody>
-      </p:sp>
-      <p:sp>
-        <p:nvSpPr>
-          <p:cNvPr id="4" name="사각형: 잘린 한쪽 모서리 3">
-            <a:extLst>
-              <a:ext uri="{FF2B5EF4-FFF2-40B4-BE49-F238E27FC236}">
-                <a16:creationId xmlns:a16="http://schemas.microsoft.com/office/drawing/2014/main" id="{D6DDBFDC-8A41-4205-8C16-2FB00D9642C2}"/>
-              </a:ext>
-            </a:extLst>
-          </p:cNvPr>
-          <p:cNvSpPr/>
-          <p:nvPr/>
-        </p:nvSpPr>
-        <p:spPr>
-          <a:xfrm>
-            <a:off x="1002736" y="972588"/>
-            <a:ext cx="637978" cy="889463"/>
+            <a:off x="1009157" y="2461978"/>
+            <a:ext cx="551744" cy="757646"/>
           </a:xfrm>
           <a:prstGeom prst="snip1Rect">
             <a:avLst>
@@ -5687,7 +5247,7 @@
           <a:p>
             <a:pPr algn="r"/>
             <a:r>
-              <a:rPr lang="en-US" altLang="ko-KR" sz="5400">
+              <a:rPr lang="en-US" altLang="ko-KR" sz="4400">
                 <a:solidFill>
                   <a:srgbClr val="00B050"/>
                 </a:solidFill>
@@ -5696,7 +5256,7 @@
               </a:rPr>
               <a:t>#</a:t>
             </a:r>
-            <a:endParaRPr lang="ko-KR" altLang="en-US" sz="5400">
+            <a:endParaRPr lang="ko-KR" altLang="en-US" sz="4400">
               <a:solidFill>
                 <a:srgbClr val="00B050"/>
               </a:solidFill>
@@ -5708,10 +5268,10 @@
       </p:sp>
       <p:sp>
         <p:nvSpPr>
-          <p:cNvPr id="32" name="TextBox 31">
-            <a:extLst>
-              <a:ext uri="{FF2B5EF4-FFF2-40B4-BE49-F238E27FC236}">
-                <a16:creationId xmlns:a16="http://schemas.microsoft.com/office/drawing/2014/main" id="{3ED7B2B1-0DAD-4126-A60D-960701C69F5D}"/>
+          <p:cNvPr id="8" name="TextBox 7">
+            <a:extLst>
+              <a:ext uri="{FF2B5EF4-FFF2-40B4-BE49-F238E27FC236}">
+                <a16:creationId xmlns:a16="http://schemas.microsoft.com/office/drawing/2014/main" id="{53401F26-9804-4756-9881-63068DB55C3E}"/>
               </a:ext>
             </a:extLst>
           </p:cNvPr>
@@ -5720,8 +5280,8 @@
         </p:nvSpPr>
         <p:spPr>
           <a:xfrm>
-            <a:off x="660863" y="1877097"/>
-            <a:ext cx="1321724" cy="307777"/>
+            <a:off x="590998" y="3275111"/>
+            <a:ext cx="1388062" cy="307777"/>
           </a:xfrm>
           <a:prstGeom prst="rect">
             <a:avLst/>
@@ -5757,10 +5317,10 @@
       </p:sp>
       <p:sp>
         <p:nvSpPr>
-          <p:cNvPr id="37" name="사각형: 잘린 한쪽 모서리 36">
-            <a:extLst>
-              <a:ext uri="{FF2B5EF4-FFF2-40B4-BE49-F238E27FC236}">
-                <a16:creationId xmlns:a16="http://schemas.microsoft.com/office/drawing/2014/main" id="{DC99BD21-04F8-4B56-A178-36588D1E9170}"/>
+          <p:cNvPr id="9" name="직사각형 8">
+            <a:extLst>
+              <a:ext uri="{FF2B5EF4-FFF2-40B4-BE49-F238E27FC236}">
+                <a16:creationId xmlns:a16="http://schemas.microsoft.com/office/drawing/2014/main" id="{A56119C3-8866-4030-A766-5AA7A3491667}"/>
               </a:ext>
             </a:extLst>
           </p:cNvPr>
@@ -5769,8 +5329,499 @@
         </p:nvSpPr>
         <p:spPr>
           <a:xfrm>
-            <a:off x="1002736" y="2517176"/>
-            <a:ext cx="637978" cy="889463"/>
+            <a:off x="2580913" y="1071211"/>
+            <a:ext cx="7747462" cy="1006971"/>
+          </a:xfrm>
+          <a:prstGeom prst="rect">
+            <a:avLst/>
+          </a:prstGeom>
+          <a:noFill/>
+          <a:ln w="28575">
+            <a:solidFill>
+              <a:srgbClr val="FFC000"/>
+            </a:solidFill>
+          </a:ln>
+        </p:spPr>
+        <p:style>
+          <a:lnRef idx="2">
+            <a:schemeClr val="accent1">
+              <a:shade val="50000"/>
+            </a:schemeClr>
+          </a:lnRef>
+          <a:fillRef idx="1">
+            <a:schemeClr val="accent1"/>
+          </a:fillRef>
+          <a:effectRef idx="0">
+            <a:schemeClr val="accent1"/>
+          </a:effectRef>
+          <a:fontRef idx="minor">
+            <a:schemeClr val="lt1"/>
+          </a:fontRef>
+        </p:style>
+        <p:txBody>
+          <a:bodyPr rtlCol="0" anchor="ctr"/>
+          <a:lstStyle/>
+          <a:p>
+            <a:pPr algn="ctr"/>
+            <a:endParaRPr lang="ko-KR" altLang="en-US"/>
+          </a:p>
+        </p:txBody>
+      </p:sp>
+      <p:sp>
+        <p:nvSpPr>
+          <p:cNvPr id="10" name="직사각형 9">
+            <a:extLst>
+              <a:ext uri="{FF2B5EF4-FFF2-40B4-BE49-F238E27FC236}">
+                <a16:creationId xmlns:a16="http://schemas.microsoft.com/office/drawing/2014/main" id="{E87C873D-C7AE-4E03-81C8-12B7F245BE13}"/>
+              </a:ext>
+            </a:extLst>
+          </p:cNvPr>
+          <p:cNvSpPr/>
+          <p:nvPr/>
+        </p:nvSpPr>
+        <p:spPr>
+          <a:xfrm>
+            <a:off x="2580913" y="3603419"/>
+            <a:ext cx="7747462" cy="1006971"/>
+          </a:xfrm>
+          <a:prstGeom prst="rect">
+            <a:avLst/>
+          </a:prstGeom>
+          <a:noFill/>
+          <a:ln w="28575">
+            <a:solidFill>
+              <a:srgbClr val="FFC000"/>
+            </a:solidFill>
+          </a:ln>
+        </p:spPr>
+        <p:style>
+          <a:lnRef idx="2">
+            <a:schemeClr val="accent1">
+              <a:shade val="50000"/>
+            </a:schemeClr>
+          </a:lnRef>
+          <a:fillRef idx="1">
+            <a:schemeClr val="accent1"/>
+          </a:fillRef>
+          <a:effectRef idx="0">
+            <a:schemeClr val="accent1"/>
+          </a:effectRef>
+          <a:fontRef idx="minor">
+            <a:schemeClr val="lt1"/>
+          </a:fontRef>
+        </p:style>
+        <p:txBody>
+          <a:bodyPr rtlCol="0" anchor="ctr"/>
+          <a:lstStyle/>
+          <a:p>
+            <a:pPr algn="ctr"/>
+            <a:endParaRPr lang="ko-KR" altLang="en-US"/>
+          </a:p>
+        </p:txBody>
+      </p:sp>
+      <p:sp>
+        <p:nvSpPr>
+          <p:cNvPr id="12" name="TextBox 11">
+            <a:extLst>
+              <a:ext uri="{FF2B5EF4-FFF2-40B4-BE49-F238E27FC236}">
+                <a16:creationId xmlns:a16="http://schemas.microsoft.com/office/drawing/2014/main" id="{4BD42711-53DB-4328-9D9C-6BE29424CA91}"/>
+              </a:ext>
+            </a:extLst>
+          </p:cNvPr>
+          <p:cNvSpPr txBox="1"/>
+          <p:nvPr/>
+        </p:nvSpPr>
+        <p:spPr>
+          <a:xfrm>
+            <a:off x="3755590" y="5271687"/>
+            <a:ext cx="4338116" cy="369332"/>
+          </a:xfrm>
+          <a:prstGeom prst="rect">
+            <a:avLst/>
+          </a:prstGeom>
+          <a:noFill/>
+        </p:spPr>
+        <p:txBody>
+          <a:bodyPr wrap="square" rtlCol="0">
+            <a:spAutoFit/>
+          </a:bodyPr>
+          <a:lstStyle/>
+          <a:p>
+            <a:pPr algn="ctr"/>
+            <a:r>
+              <a:rPr lang="ko-KR" altLang="en-US">
+                <a:solidFill>
+                  <a:schemeClr val="bg1"/>
+                </a:solidFill>
+                <a:latin typeface="나눔스퀘어_ac Bold" panose="020B0600000101010101" pitchFamily="50" charset="-127"/>
+                <a:ea typeface="나눔스퀘어_ac Bold" panose="020B0600000101010101" pitchFamily="50" charset="-127"/>
+              </a:rPr>
+              <a:t>배경을 이동시키는 역할</a:t>
+            </a:r>
+          </a:p>
+        </p:txBody>
+      </p:sp>
+    </p:spTree>
+    <p:extLst>
+      <p:ext uri="{BB962C8B-B14F-4D97-AF65-F5344CB8AC3E}">
+        <p14:creationId xmlns:p14="http://schemas.microsoft.com/office/powerpoint/2010/main" val="3501474352"/>
+      </p:ext>
+    </p:extLst>
+  </p:cSld>
+  <p:clrMapOvr>
+    <a:masterClrMapping/>
+  </p:clrMapOvr>
+  <p:timing>
+    <p:tnLst>
+      <p:par>
+        <p:cTn id="1" dur="indefinite" restart="never" nodeType="tmRoot">
+          <p:childTnLst>
+            <p:seq concurrent="1" nextAc="seek">
+              <p:cTn id="2" dur="indefinite" nodeType="mainSeq">
+                <p:childTnLst>
+                  <p:par>
+                    <p:cTn id="3" fill="hold">
+                      <p:stCondLst>
+                        <p:cond delay="indefinite"/>
+                      </p:stCondLst>
+                      <p:childTnLst>
+                        <p:par>
+                          <p:cTn id="4" fill="hold">
+                            <p:stCondLst>
+                              <p:cond delay="0"/>
+                            </p:stCondLst>
+                            <p:childTnLst>
+                              <p:par>
+                                <p:cTn id="5" presetID="10" presetClass="entr" presetSubtype="0" fill="hold" grpId="0" nodeType="clickEffect">
+                                  <p:stCondLst>
+                                    <p:cond delay="0"/>
+                                  </p:stCondLst>
+                                  <p:childTnLst>
+                                    <p:set>
+                                      <p:cBhvr>
+                                        <p:cTn id="6" dur="1" fill="hold">
+                                          <p:stCondLst>
+                                            <p:cond delay="0"/>
+                                          </p:stCondLst>
+                                        </p:cTn>
+                                        <p:tgtEl>
+                                          <p:spTgt spid="7"/>
+                                        </p:tgtEl>
+                                        <p:attrNameLst>
+                                          <p:attrName>style.visibility</p:attrName>
+                                        </p:attrNameLst>
+                                      </p:cBhvr>
+                                      <p:to>
+                                        <p:strVal val="visible"/>
+                                      </p:to>
+                                    </p:set>
+                                    <p:animEffect transition="in" filter="fade">
+                                      <p:cBhvr>
+                                        <p:cTn id="7" dur="250"/>
+                                        <p:tgtEl>
+                                          <p:spTgt spid="7"/>
+                                        </p:tgtEl>
+                                      </p:cBhvr>
+                                    </p:animEffect>
+                                  </p:childTnLst>
+                                </p:cTn>
+                              </p:par>
+                              <p:par>
+                                <p:cTn id="8" presetID="10" presetClass="entr" presetSubtype="0" fill="hold" grpId="0" nodeType="withEffect">
+                                  <p:stCondLst>
+                                    <p:cond delay="0"/>
+                                  </p:stCondLst>
+                                  <p:childTnLst>
+                                    <p:set>
+                                      <p:cBhvr>
+                                        <p:cTn id="9" dur="1" fill="hold">
+                                          <p:stCondLst>
+                                            <p:cond delay="0"/>
+                                          </p:stCondLst>
+                                        </p:cTn>
+                                        <p:tgtEl>
+                                          <p:spTgt spid="8"/>
+                                        </p:tgtEl>
+                                        <p:attrNameLst>
+                                          <p:attrName>style.visibility</p:attrName>
+                                        </p:attrNameLst>
+                                      </p:cBhvr>
+                                      <p:to>
+                                        <p:strVal val="visible"/>
+                                      </p:to>
+                                    </p:set>
+                                    <p:animEffect transition="in" filter="fade">
+                                      <p:cBhvr>
+                                        <p:cTn id="10" dur="250"/>
+                                        <p:tgtEl>
+                                          <p:spTgt spid="8"/>
+                                        </p:tgtEl>
+                                      </p:cBhvr>
+                                    </p:animEffect>
+                                  </p:childTnLst>
+                                </p:cTn>
+                              </p:par>
+                            </p:childTnLst>
+                          </p:cTn>
+                        </p:par>
+                      </p:childTnLst>
+                    </p:cTn>
+                  </p:par>
+                  <p:par>
+                    <p:cTn id="11" fill="hold">
+                      <p:stCondLst>
+                        <p:cond delay="indefinite"/>
+                      </p:stCondLst>
+                      <p:childTnLst>
+                        <p:par>
+                          <p:cTn id="12" fill="hold">
+                            <p:stCondLst>
+                              <p:cond delay="0"/>
+                            </p:stCondLst>
+                            <p:childTnLst>
+                              <p:par>
+                                <p:cTn id="13" presetID="10" presetClass="entr" presetSubtype="0" fill="hold" grpId="0" nodeType="clickEffect">
+                                  <p:stCondLst>
+                                    <p:cond delay="0"/>
+                                  </p:stCondLst>
+                                  <p:childTnLst>
+                                    <p:set>
+                                      <p:cBhvr>
+                                        <p:cTn id="14" dur="1" fill="hold">
+                                          <p:stCondLst>
+                                            <p:cond delay="0"/>
+                                          </p:stCondLst>
+                                        </p:cTn>
+                                        <p:tgtEl>
+                                          <p:spTgt spid="9"/>
+                                        </p:tgtEl>
+                                        <p:attrNameLst>
+                                          <p:attrName>style.visibility</p:attrName>
+                                        </p:attrNameLst>
+                                      </p:cBhvr>
+                                      <p:to>
+                                        <p:strVal val="visible"/>
+                                      </p:to>
+                                    </p:set>
+                                    <p:animEffect transition="in" filter="fade">
+                                      <p:cBhvr>
+                                        <p:cTn id="15" dur="250"/>
+                                        <p:tgtEl>
+                                          <p:spTgt spid="9"/>
+                                        </p:tgtEl>
+                                      </p:cBhvr>
+                                    </p:animEffect>
+                                  </p:childTnLst>
+                                </p:cTn>
+                              </p:par>
+                              <p:par>
+                                <p:cTn id="16" presetID="10" presetClass="entr" presetSubtype="0" fill="hold" grpId="0" nodeType="withEffect">
+                                  <p:stCondLst>
+                                    <p:cond delay="0"/>
+                                  </p:stCondLst>
+                                  <p:childTnLst>
+                                    <p:set>
+                                      <p:cBhvr>
+                                        <p:cTn id="17" dur="1" fill="hold">
+                                          <p:stCondLst>
+                                            <p:cond delay="0"/>
+                                          </p:stCondLst>
+                                        </p:cTn>
+                                        <p:tgtEl>
+                                          <p:spTgt spid="10"/>
+                                        </p:tgtEl>
+                                        <p:attrNameLst>
+                                          <p:attrName>style.visibility</p:attrName>
+                                        </p:attrNameLst>
+                                      </p:cBhvr>
+                                      <p:to>
+                                        <p:strVal val="visible"/>
+                                      </p:to>
+                                    </p:set>
+                                    <p:animEffect transition="in" filter="fade">
+                                      <p:cBhvr>
+                                        <p:cTn id="18" dur="250"/>
+                                        <p:tgtEl>
+                                          <p:spTgt spid="10"/>
+                                        </p:tgtEl>
+                                      </p:cBhvr>
+                                    </p:animEffect>
+                                  </p:childTnLst>
+                                </p:cTn>
+                              </p:par>
+                              <p:par>
+                                <p:cTn id="19" presetID="10" presetClass="entr" presetSubtype="0" fill="hold" grpId="0" nodeType="withEffect">
+                                  <p:stCondLst>
+                                    <p:cond delay="0"/>
+                                  </p:stCondLst>
+                                  <p:childTnLst>
+                                    <p:set>
+                                      <p:cBhvr>
+                                        <p:cTn id="20" dur="1" fill="hold">
+                                          <p:stCondLst>
+                                            <p:cond delay="0"/>
+                                          </p:stCondLst>
+                                        </p:cTn>
+                                        <p:tgtEl>
+                                          <p:spTgt spid="12"/>
+                                        </p:tgtEl>
+                                        <p:attrNameLst>
+                                          <p:attrName>style.visibility</p:attrName>
+                                        </p:attrNameLst>
+                                      </p:cBhvr>
+                                      <p:to>
+                                        <p:strVal val="visible"/>
+                                      </p:to>
+                                    </p:set>
+                                    <p:animEffect transition="in" filter="fade">
+                                      <p:cBhvr>
+                                        <p:cTn id="21" dur="250"/>
+                                        <p:tgtEl>
+                                          <p:spTgt spid="12"/>
+                                        </p:tgtEl>
+                                      </p:cBhvr>
+                                    </p:animEffect>
+                                  </p:childTnLst>
+                                </p:cTn>
+                              </p:par>
+                            </p:childTnLst>
+                          </p:cTn>
+                        </p:par>
+                      </p:childTnLst>
+                    </p:cTn>
+                  </p:par>
+                </p:childTnLst>
+              </p:cTn>
+              <p:prevCondLst>
+                <p:cond evt="onPrev" delay="0">
+                  <p:tgtEl>
+                    <p:sldTgt/>
+                  </p:tgtEl>
+                </p:cond>
+              </p:prevCondLst>
+              <p:nextCondLst>
+                <p:cond evt="onNext" delay="0">
+                  <p:tgtEl>
+                    <p:sldTgt/>
+                  </p:tgtEl>
+                </p:cond>
+              </p:nextCondLst>
+            </p:seq>
+          </p:childTnLst>
+        </p:cTn>
+      </p:par>
+    </p:tnLst>
+    <p:bldLst>
+      <p:bldP spid="7" grpId="0" animBg="1"/>
+      <p:bldP spid="8" grpId="0"/>
+      <p:bldP spid="9" grpId="0" animBg="1"/>
+      <p:bldP spid="10" grpId="0" animBg="1"/>
+      <p:bldP spid="12" grpId="0"/>
+    </p:bldLst>
+  </p:timing>
+</p:sld>
+</file>
+
+<file path=ppt/slides/slide12.xml><?xml version="1.0" encoding="utf-8"?>
+<p:sld xmlns:a="http://schemas.openxmlformats.org/drawingml/2006/main" xmlns:r="http://schemas.openxmlformats.org/officeDocument/2006/relationships" xmlns:p="http://schemas.openxmlformats.org/presentationml/2006/main">
+  <p:cSld>
+    <p:spTree>
+      <p:nvGrpSpPr>
+        <p:cNvPr id="1" name=""/>
+        <p:cNvGrpSpPr/>
+        <p:nvPr/>
+      </p:nvGrpSpPr>
+      <p:grpSpPr>
+        <a:xfrm>
+          <a:off x="0" y="0"/>
+          <a:ext cx="0" cy="0"/>
+          <a:chOff x="0" y="0"/>
+          <a:chExt cx="0" cy="0"/>
+        </a:xfrm>
+      </p:grpSpPr>
+      <p:sp>
+        <p:nvSpPr>
+          <p:cNvPr id="3" name="제목 2">
+            <a:extLst>
+              <a:ext uri="{FF2B5EF4-FFF2-40B4-BE49-F238E27FC236}">
+                <a16:creationId xmlns:a16="http://schemas.microsoft.com/office/drawing/2014/main" id="{C495D1C6-C614-4FEC-8C49-BD0E49CD5D5D}"/>
+              </a:ext>
+            </a:extLst>
+          </p:cNvPr>
+          <p:cNvSpPr>
+            <a:spLocks noGrp="1"/>
+          </p:cNvSpPr>
+          <p:nvPr>
+            <p:ph type="title"/>
+          </p:nvPr>
+        </p:nvSpPr>
+        <p:spPr/>
+        <p:txBody>
+          <a:bodyPr/>
+          <a:lstStyle/>
+          <a:p>
+            <a:r>
+              <a:rPr lang="ko-KR" altLang="en-US">
+                <a:latin typeface="+mj-lt"/>
+                <a:ea typeface="나눔스퀘어라운드 ExtraBold" panose="020B0600000101010101"/>
+              </a:rPr>
+              <a:t>스크립트가 하는 일</a:t>
+            </a:r>
+            <a:endParaRPr lang="ko-KR" altLang="en-US"/>
+          </a:p>
+        </p:txBody>
+      </p:sp>
+      <p:pic>
+        <p:nvPicPr>
+          <p:cNvPr id="6" name="그림 5" descr="하늘, 옅은, 항공기이(가) 표시된 사진&#10;&#10;자동 생성된 설명">
+            <a:extLst>
+              <a:ext uri="{FF2B5EF4-FFF2-40B4-BE49-F238E27FC236}">
+                <a16:creationId xmlns:a16="http://schemas.microsoft.com/office/drawing/2014/main" id="{09488317-E013-4125-91C7-611FF0C2E550}"/>
+              </a:ext>
+            </a:extLst>
+          </p:cNvPr>
+          <p:cNvPicPr>
+            <a:picLocks noChangeAspect="1"/>
+          </p:cNvPicPr>
+          <p:nvPr/>
+        </p:nvPicPr>
+        <p:blipFill rotWithShape="1">
+          <a:blip r:embed="rId2">
+            <a:extLst>
+              <a:ext uri="{28A0092B-C50C-407E-A947-70E740481C1C}">
+                <a14:useLocalDpi xmlns:a14="http://schemas.microsoft.com/office/drawing/2010/main" val="0"/>
+              </a:ext>
+            </a:extLst>
+          </a:blip>
+          <a:srcRect r="486" b="1034"/>
+          <a:stretch/>
+        </p:blipFill>
+        <p:spPr>
+          <a:xfrm>
+            <a:off x="2789632" y="1071211"/>
+            <a:ext cx="7330025" cy="3539179"/>
+          </a:xfrm>
+          <a:prstGeom prst="rect">
+            <a:avLst/>
+          </a:prstGeom>
+        </p:spPr>
+      </p:pic>
+      <p:sp>
+        <p:nvSpPr>
+          <p:cNvPr id="7" name="사각형: 잘린 한쪽 모서리 6">
+            <a:extLst>
+              <a:ext uri="{FF2B5EF4-FFF2-40B4-BE49-F238E27FC236}">
+                <a16:creationId xmlns:a16="http://schemas.microsoft.com/office/drawing/2014/main" id="{06AD58D8-EDD7-4EE9-8E0E-8BFB1297799E}"/>
+              </a:ext>
+            </a:extLst>
+          </p:cNvPr>
+          <p:cNvSpPr/>
+          <p:nvPr/>
+        </p:nvSpPr>
+        <p:spPr>
+          <a:xfrm>
+            <a:off x="1009157" y="2461978"/>
+            <a:ext cx="551744" cy="757646"/>
           </a:xfrm>
           <a:prstGeom prst="snip1Rect">
             <a:avLst>
@@ -5806,7 +5857,7 @@
           <a:p>
             <a:pPr algn="r"/>
             <a:r>
-              <a:rPr lang="en-US" altLang="ko-KR" sz="5400">
+              <a:rPr lang="en-US" altLang="ko-KR" sz="4400">
                 <a:solidFill>
                   <a:srgbClr val="00B050"/>
                 </a:solidFill>
@@ -5815,7 +5866,7 @@
               </a:rPr>
               <a:t>#</a:t>
             </a:r>
-            <a:endParaRPr lang="ko-KR" altLang="en-US" sz="5400">
+            <a:endParaRPr lang="ko-KR" altLang="en-US" sz="4400">
               <a:solidFill>
                 <a:srgbClr val="00B050"/>
               </a:solidFill>
@@ -5827,10 +5878,10 @@
       </p:sp>
       <p:sp>
         <p:nvSpPr>
-          <p:cNvPr id="38" name="TextBox 37">
-            <a:extLst>
-              <a:ext uri="{FF2B5EF4-FFF2-40B4-BE49-F238E27FC236}">
-                <a16:creationId xmlns:a16="http://schemas.microsoft.com/office/drawing/2014/main" id="{244C360D-BEFE-4B8F-98DE-D5A0A86ED2A6}"/>
+          <p:cNvPr id="8" name="TextBox 7">
+            <a:extLst>
+              <a:ext uri="{FF2B5EF4-FFF2-40B4-BE49-F238E27FC236}">
+                <a16:creationId xmlns:a16="http://schemas.microsoft.com/office/drawing/2014/main" id="{53401F26-9804-4756-9881-63068DB55C3E}"/>
               </a:ext>
             </a:extLst>
           </p:cNvPr>
@@ -5839,8 +5890,8 @@
         </p:nvSpPr>
         <p:spPr>
           <a:xfrm>
-            <a:off x="660863" y="3421685"/>
-            <a:ext cx="1321724" cy="307777"/>
+            <a:off x="590998" y="3275111"/>
+            <a:ext cx="1388062" cy="307777"/>
           </a:xfrm>
           <a:prstGeom prst="rect">
             <a:avLst/>
@@ -5862,7 +5913,7 @@
                 <a:latin typeface="나눔스퀘어라운드 ExtraBold" panose="020B0600000101010101" pitchFamily="50" charset="-127"/>
                 <a:ea typeface="나눔스퀘어라운드 ExtraBold" panose="020B0600000101010101" pitchFamily="50" charset="-127"/>
               </a:rPr>
-              <a:t>Destroyer</a:t>
+              <a:t>Character</a:t>
             </a:r>
             <a:endParaRPr lang="ko-KR" altLang="en-US" sz="1400">
               <a:solidFill>
@@ -5876,10 +5927,10 @@
       </p:sp>
       <p:sp>
         <p:nvSpPr>
-          <p:cNvPr id="39" name="사각형: 잘린 한쪽 모서리 38">
-            <a:extLst>
-              <a:ext uri="{FF2B5EF4-FFF2-40B4-BE49-F238E27FC236}">
-                <a16:creationId xmlns:a16="http://schemas.microsoft.com/office/drawing/2014/main" id="{497F2E94-5CAA-49DF-B86F-2A5FF1D26295}"/>
+          <p:cNvPr id="9" name="직사각형 8">
+            <a:extLst>
+              <a:ext uri="{FF2B5EF4-FFF2-40B4-BE49-F238E27FC236}">
+                <a16:creationId xmlns:a16="http://schemas.microsoft.com/office/drawing/2014/main" id="{A56119C3-8866-4030-A766-5AA7A3491667}"/>
               </a:ext>
             </a:extLst>
           </p:cNvPr>
@@ -5888,19 +5939,17 @@
         </p:nvSpPr>
         <p:spPr>
           <a:xfrm>
-            <a:off x="1002736" y="4112876"/>
-            <a:ext cx="637978" cy="889463"/>
-          </a:xfrm>
-          <a:prstGeom prst="snip1Rect">
-            <a:avLst>
-              <a:gd name="adj" fmla="val 24405"/>
-            </a:avLst>
+            <a:off x="6035346" y="2461978"/>
+            <a:ext cx="838595" cy="1006971"/>
+          </a:xfrm>
+          <a:prstGeom prst="rect">
+            <a:avLst/>
           </a:prstGeom>
-          <a:solidFill>
-            <a:schemeClr val="bg1"/>
-          </a:solidFill>
-          <a:ln>
-            <a:noFill/>
+          <a:noFill/>
+          <a:ln w="28575">
+            <a:solidFill>
+              <a:srgbClr val="FFC000"/>
+            </a:solidFill>
           </a:ln>
         </p:spPr>
         <p:style>
@@ -5923,33 +5972,17 @@
           <a:bodyPr rtlCol="0" anchor="ctr"/>
           <a:lstStyle/>
           <a:p>
-            <a:pPr algn="r"/>
-            <a:r>
-              <a:rPr lang="en-US" altLang="ko-KR" sz="5400">
-                <a:solidFill>
-                  <a:srgbClr val="00B050"/>
-                </a:solidFill>
-                <a:latin typeface="나눔스퀘어_ac Bold" panose="020B0600000101010101" pitchFamily="50" charset="-127"/>
-                <a:ea typeface="나눔스퀘어_ac Bold" panose="020B0600000101010101" pitchFamily="50" charset="-127"/>
-              </a:rPr>
-              <a:t>#</a:t>
-            </a:r>
-            <a:endParaRPr lang="ko-KR" altLang="en-US" sz="5400">
-              <a:solidFill>
-                <a:srgbClr val="00B050"/>
-              </a:solidFill>
-              <a:latin typeface="나눔스퀘어_ac Bold" panose="020B0600000101010101" pitchFamily="50" charset="-127"/>
-              <a:ea typeface="나눔스퀘어_ac Bold" panose="020B0600000101010101" pitchFamily="50" charset="-127"/>
-            </a:endParaRPr>
-          </a:p>
-        </p:txBody>
-      </p:sp>
-      <p:sp>
-        <p:nvSpPr>
-          <p:cNvPr id="40" name="TextBox 39">
-            <a:extLst>
-              <a:ext uri="{FF2B5EF4-FFF2-40B4-BE49-F238E27FC236}">
-                <a16:creationId xmlns:a16="http://schemas.microsoft.com/office/drawing/2014/main" id="{10A84BBC-469F-4387-983B-816DEA514E4C}"/>
+            <a:pPr algn="ctr"/>
+            <a:endParaRPr lang="ko-KR" altLang="en-US"/>
+          </a:p>
+        </p:txBody>
+      </p:sp>
+      <p:sp>
+        <p:nvSpPr>
+          <p:cNvPr id="12" name="TextBox 11">
+            <a:extLst>
+              <a:ext uri="{FF2B5EF4-FFF2-40B4-BE49-F238E27FC236}">
+                <a16:creationId xmlns:a16="http://schemas.microsoft.com/office/drawing/2014/main" id="{4BD42711-53DB-4328-9D9C-6BE29424CA91}"/>
               </a:ext>
             </a:extLst>
           </p:cNvPr>
@@ -5958,8 +5991,8 @@
         </p:nvSpPr>
         <p:spPr>
           <a:xfrm>
-            <a:off x="660863" y="5017385"/>
-            <a:ext cx="1321724" cy="307777"/>
+            <a:off x="3926942" y="5281519"/>
+            <a:ext cx="4338116" cy="369332"/>
           </a:xfrm>
           <a:prstGeom prst="rect">
             <a:avLst/>
@@ -5973,54 +6006,6 @@
           <a:lstStyle/>
           <a:p>
             <a:pPr algn="ctr"/>
-            <a:r>
-              <a:rPr lang="en-US" altLang="ko-KR" sz="1400">
-                <a:solidFill>
-                  <a:schemeClr val="bg1"/>
-                </a:solidFill>
-                <a:latin typeface="나눔스퀘어라운드 ExtraBold" panose="020B0600000101010101" pitchFamily="50" charset="-127"/>
-                <a:ea typeface="나눔스퀘어라운드 ExtraBold" panose="020B0600000101010101" pitchFamily="50" charset="-127"/>
-              </a:rPr>
-              <a:t>Obstacle</a:t>
-            </a:r>
-            <a:endParaRPr lang="ko-KR" altLang="en-US" sz="1400">
-              <a:solidFill>
-                <a:schemeClr val="bg1"/>
-              </a:solidFill>
-              <a:latin typeface="나눔스퀘어라운드 ExtraBold" panose="020B0600000101010101" pitchFamily="50" charset="-127"/>
-              <a:ea typeface="나눔스퀘어라운드 ExtraBold" panose="020B0600000101010101" pitchFamily="50" charset="-127"/>
-            </a:endParaRPr>
-          </a:p>
-        </p:txBody>
-      </p:sp>
-      <p:sp>
-        <p:nvSpPr>
-          <p:cNvPr id="5" name="TextBox 4">
-            <a:extLst>
-              <a:ext uri="{FF2B5EF4-FFF2-40B4-BE49-F238E27FC236}">
-                <a16:creationId xmlns:a16="http://schemas.microsoft.com/office/drawing/2014/main" id="{FCCE6010-5666-41BC-90D9-8F0537C3D629}"/>
-              </a:ext>
-            </a:extLst>
-          </p:cNvPr>
-          <p:cNvSpPr txBox="1"/>
-          <p:nvPr/>
-        </p:nvSpPr>
-        <p:spPr>
-          <a:xfrm>
-            <a:off x="2176985" y="1327903"/>
-            <a:ext cx="4338116" cy="369332"/>
-          </a:xfrm>
-          <a:prstGeom prst="rect">
-            <a:avLst/>
-          </a:prstGeom>
-          <a:noFill/>
-        </p:spPr>
-        <p:txBody>
-          <a:bodyPr wrap="square" rtlCol="0">
-            <a:spAutoFit/>
-          </a:bodyPr>
-          <a:lstStyle/>
-          <a:p>
             <a:r>
               <a:rPr lang="ko-KR" altLang="en-US">
                 <a:solidFill>
@@ -6029,149 +6014,7 @@
                 <a:latin typeface="나눔스퀘어_ac Bold" panose="020B0600000101010101" pitchFamily="50" charset="-127"/>
                 <a:ea typeface="나눔스퀘어_ac Bold" panose="020B0600000101010101" pitchFamily="50" charset="-127"/>
               </a:rPr>
-              <a:t>배경을 이동시키는 스크립트</a:t>
-            </a:r>
-          </a:p>
-        </p:txBody>
-      </p:sp>
-      <p:sp>
-        <p:nvSpPr>
-          <p:cNvPr id="42" name="TextBox 41">
-            <a:extLst>
-              <a:ext uri="{FF2B5EF4-FFF2-40B4-BE49-F238E27FC236}">
-                <a16:creationId xmlns:a16="http://schemas.microsoft.com/office/drawing/2014/main" id="{62EEF49B-580F-4DC5-B334-9D006AB213A9}"/>
-              </a:ext>
-            </a:extLst>
-          </p:cNvPr>
-          <p:cNvSpPr txBox="1"/>
-          <p:nvPr/>
-        </p:nvSpPr>
-        <p:spPr>
-          <a:xfrm>
-            <a:off x="2176985" y="2777241"/>
-            <a:ext cx="4338116" cy="369332"/>
-          </a:xfrm>
-          <a:prstGeom prst="rect">
-            <a:avLst/>
-          </a:prstGeom>
-          <a:noFill/>
-        </p:spPr>
-        <p:txBody>
-          <a:bodyPr wrap="square" rtlCol="0">
-            <a:spAutoFit/>
-          </a:bodyPr>
-          <a:lstStyle/>
-          <a:p>
-            <a:r>
-              <a:rPr lang="ko-KR" altLang="en-US">
-                <a:solidFill>
-                  <a:schemeClr val="bg1"/>
-                </a:solidFill>
-                <a:latin typeface="나눔스퀘어_ac Bold" panose="020B0600000101010101" pitchFamily="50" charset="-127"/>
-                <a:ea typeface="나눔스퀘어_ac Bold" panose="020B0600000101010101" pitchFamily="50" charset="-127"/>
-              </a:rPr>
-              <a:t>오브젝트를 일정 시간 뒤 삭제시키는 스크립트</a:t>
-            </a:r>
-          </a:p>
-        </p:txBody>
-      </p:sp>
-      <p:sp>
-        <p:nvSpPr>
-          <p:cNvPr id="43" name="TextBox 42">
-            <a:extLst>
-              <a:ext uri="{FF2B5EF4-FFF2-40B4-BE49-F238E27FC236}">
-                <a16:creationId xmlns:a16="http://schemas.microsoft.com/office/drawing/2014/main" id="{96388861-64AA-4127-9CFE-A81F77B18835}"/>
-              </a:ext>
-            </a:extLst>
-          </p:cNvPr>
-          <p:cNvSpPr txBox="1"/>
-          <p:nvPr/>
-        </p:nvSpPr>
-        <p:spPr>
-          <a:xfrm>
-            <a:off x="2176984" y="4372941"/>
-            <a:ext cx="7252765" cy="369332"/>
-          </a:xfrm>
-          <a:prstGeom prst="rect">
-            <a:avLst/>
-          </a:prstGeom>
-          <a:noFill/>
-        </p:spPr>
-        <p:txBody>
-          <a:bodyPr wrap="square" rtlCol="0">
-            <a:spAutoFit/>
-          </a:bodyPr>
-          <a:lstStyle/>
-          <a:p>
-            <a:r>
-              <a:rPr lang="ko-KR" altLang="en-US">
-                <a:solidFill>
-                  <a:schemeClr val="bg1"/>
-                </a:solidFill>
-                <a:latin typeface="나눔스퀘어_ac Bold" panose="020B0600000101010101" pitchFamily="50" charset="-127"/>
-                <a:ea typeface="나눔스퀘어_ac Bold" panose="020B0600000101010101" pitchFamily="50" charset="-127"/>
-              </a:rPr>
-              <a:t>장애물</a:t>
-            </a:r>
-            <a:r>
-              <a:rPr lang="en-US" altLang="ko-KR">
-                <a:solidFill>
-                  <a:schemeClr val="bg1"/>
-                </a:solidFill>
-                <a:latin typeface="나눔스퀘어_ac Bold" panose="020B0600000101010101" pitchFamily="50" charset="-127"/>
-                <a:ea typeface="나눔스퀘어_ac Bold" panose="020B0600000101010101" pitchFamily="50" charset="-127"/>
-              </a:rPr>
-              <a:t>(</a:t>
-            </a:r>
-            <a:r>
-              <a:rPr lang="ko-KR" altLang="en-US">
-                <a:solidFill>
-                  <a:schemeClr val="bg1"/>
-                </a:solidFill>
-                <a:latin typeface="나눔스퀘어_ac Bold" panose="020B0600000101010101" pitchFamily="50" charset="-127"/>
-                <a:ea typeface="나눔스퀘어_ac Bold" panose="020B0600000101010101" pitchFamily="50" charset="-127"/>
-              </a:rPr>
-              <a:t>가시</a:t>
-            </a:r>
-            <a:r>
-              <a:rPr lang="en-US" altLang="ko-KR">
-                <a:solidFill>
-                  <a:schemeClr val="bg1"/>
-                </a:solidFill>
-                <a:latin typeface="나눔스퀘어_ac Bold" panose="020B0600000101010101" pitchFamily="50" charset="-127"/>
-                <a:ea typeface="나눔스퀘어_ac Bold" panose="020B0600000101010101" pitchFamily="50" charset="-127"/>
-              </a:rPr>
-              <a:t>) </a:t>
-            </a:r>
-            <a:r>
-              <a:rPr lang="ko-KR" altLang="en-US">
-                <a:solidFill>
-                  <a:schemeClr val="bg1"/>
-                </a:solidFill>
-                <a:latin typeface="나눔스퀘어_ac Bold" panose="020B0600000101010101" pitchFamily="50" charset="-127"/>
-                <a:ea typeface="나눔스퀘어_ac Bold" panose="020B0600000101010101" pitchFamily="50" charset="-127"/>
-              </a:rPr>
-              <a:t>이동 </a:t>
-            </a:r>
-            <a:r>
-              <a:rPr lang="en-US" altLang="ko-KR">
-                <a:solidFill>
-                  <a:schemeClr val="bg1"/>
-                </a:solidFill>
-                <a:latin typeface="나눔스퀘어_ac Bold" panose="020B0600000101010101" pitchFamily="50" charset="-127"/>
-                <a:ea typeface="나눔스퀘어_ac Bold" panose="020B0600000101010101" pitchFamily="50" charset="-127"/>
-              </a:rPr>
-              <a:t>+ </a:t>
-            </a:r>
-            <a:r>
-              <a:rPr lang="ko-KR" altLang="en-US">
-                <a:solidFill>
-                  <a:schemeClr val="bg1"/>
-                </a:solidFill>
-                <a:latin typeface="나눔스퀘어_ac Bold" panose="020B0600000101010101" pitchFamily="50" charset="-127"/>
-                <a:ea typeface="나눔스퀘어_ac Bold" panose="020B0600000101010101" pitchFamily="50" charset="-127"/>
-              </a:rPr>
-              <a:t>유령과 충돌 시 이펙트를 생성시키는 스크립트</a:t>
+              <a:t>캐릭터의 정보를 가지고 있다</a:t>
             </a:r>
           </a:p>
         </p:txBody>
@@ -6179,1054 +6022,153 @@
     </p:spTree>
     <p:extLst>
       <p:ext uri="{BB962C8B-B14F-4D97-AF65-F5344CB8AC3E}">
-        <p14:creationId xmlns:p14="http://schemas.microsoft.com/office/powerpoint/2010/main" val="1601266796"/>
+        <p14:creationId xmlns:p14="http://schemas.microsoft.com/office/powerpoint/2010/main" val="1342413879"/>
       </p:ext>
     </p:extLst>
   </p:cSld>
   <p:clrMapOvr>
     <a:masterClrMapping/>
   </p:clrMapOvr>
-</p:sld>
-</file>
-
-<file path=ppt/slides/slide12.xml><?xml version="1.0" encoding="utf-8"?>
-<p:sld xmlns:a="http://schemas.openxmlformats.org/drawingml/2006/main" xmlns:r="http://schemas.openxmlformats.org/officeDocument/2006/relationships" xmlns:p="http://schemas.openxmlformats.org/presentationml/2006/main">
-  <p:cSld>
-    <p:spTree>
-      <p:nvGrpSpPr>
-        <p:cNvPr id="1" name=""/>
-        <p:cNvGrpSpPr/>
-        <p:nvPr/>
-      </p:nvGrpSpPr>
-      <p:grpSpPr>
-        <a:xfrm>
-          <a:off x="0" y="0"/>
-          <a:ext cx="0" cy="0"/>
-          <a:chOff x="0" y="0"/>
-          <a:chExt cx="0" cy="0"/>
-        </a:xfrm>
-      </p:grpSpPr>
-      <p:sp>
-        <p:nvSpPr>
-          <p:cNvPr id="2" name="제목 1">
-            <a:extLst>
-              <a:ext uri="{FF2B5EF4-FFF2-40B4-BE49-F238E27FC236}">
-                <a16:creationId xmlns:a16="http://schemas.microsoft.com/office/drawing/2014/main" id="{CF6BE579-EB83-4693-A492-B88DB1B2E53D}"/>
-              </a:ext>
-            </a:extLst>
-          </p:cNvPr>
-          <p:cNvSpPr>
-            <a:spLocks noGrp="1"/>
-          </p:cNvSpPr>
-          <p:nvPr>
-            <p:ph type="title"/>
-          </p:nvPr>
-        </p:nvSpPr>
-        <p:spPr/>
-        <p:txBody>
-          <a:bodyPr/>
-          <a:lstStyle/>
-          <a:p>
-            <a:r>
-              <a:rPr lang="ko-KR" altLang="en-US">
-                <a:latin typeface="+mj-lt"/>
-                <a:ea typeface="나눔스퀘어라운드 ExtraBold" panose="020B0600000101010101"/>
-              </a:rPr>
-              <a:t>각 스크립트가 하는 일</a:t>
-            </a:r>
-            <a:endParaRPr lang="ko-KR" altLang="en-US" dirty="0">
-              <a:latin typeface="+mj-lt"/>
-              <a:ea typeface="나눔스퀘어라운드 ExtraBold" panose="020B0600000101010101"/>
-            </a:endParaRPr>
-          </a:p>
-        </p:txBody>
-      </p:sp>
-      <p:sp>
-        <p:nvSpPr>
-          <p:cNvPr id="3" name="TextBox 2">
-            <a:extLst>
-              <a:ext uri="{FF2B5EF4-FFF2-40B4-BE49-F238E27FC236}">
-                <a16:creationId xmlns:a16="http://schemas.microsoft.com/office/drawing/2014/main" id="{0F82E973-412B-49D5-A86E-682C1A6EFB13}"/>
-              </a:ext>
-            </a:extLst>
-          </p:cNvPr>
-          <p:cNvSpPr txBox="1"/>
-          <p:nvPr/>
-        </p:nvSpPr>
-        <p:spPr>
-          <a:xfrm>
-            <a:off x="1" y="5708577"/>
-            <a:ext cx="1321724" cy="323165"/>
-          </a:xfrm>
-          <a:prstGeom prst="rect">
-            <a:avLst/>
-          </a:prstGeom>
-          <a:noFill/>
-        </p:spPr>
-        <p:txBody>
-          <a:bodyPr wrap="square" rtlCol="0">
-            <a:spAutoFit/>
-          </a:bodyPr>
-          <a:lstStyle/>
-          <a:p>
-            <a:pPr algn="ctr"/>
-            <a:r>
-              <a:rPr lang="en-US" altLang="ko-KR" sz="1500">
-                <a:solidFill>
-                  <a:schemeClr val="tx1">
-                    <a:lumMod val="50000"/>
-                    <a:lumOff val="50000"/>
-                  </a:schemeClr>
-                </a:solidFill>
-                <a:latin typeface="나눔스퀘어_ac Bold" panose="020B0600000101010101" pitchFamily="50" charset="-127"/>
-                <a:ea typeface="나눔스퀘어_ac Bold" panose="020B0600000101010101" pitchFamily="50" charset="-127"/>
-              </a:rPr>
-              <a:t>Background</a:t>
-            </a:r>
-            <a:endParaRPr lang="ko-KR" altLang="en-US" sz="1500">
-              <a:solidFill>
-                <a:schemeClr val="tx1">
-                  <a:lumMod val="50000"/>
-                  <a:lumOff val="50000"/>
-                </a:schemeClr>
-              </a:solidFill>
-              <a:latin typeface="나눔스퀘어_ac Bold" panose="020B0600000101010101" pitchFamily="50" charset="-127"/>
-              <a:ea typeface="나눔스퀘어_ac Bold" panose="020B0600000101010101" pitchFamily="50" charset="-127"/>
-            </a:endParaRPr>
-          </a:p>
-        </p:txBody>
-      </p:sp>
-      <p:sp>
-        <p:nvSpPr>
-          <p:cNvPr id="19" name="TextBox 18">
-            <a:extLst>
-              <a:ext uri="{FF2B5EF4-FFF2-40B4-BE49-F238E27FC236}">
-                <a16:creationId xmlns:a16="http://schemas.microsoft.com/office/drawing/2014/main" id="{A5BA5CEE-2595-4CFF-8CDA-D8944ADF7E3F}"/>
-              </a:ext>
-            </a:extLst>
-          </p:cNvPr>
-          <p:cNvSpPr txBox="1"/>
-          <p:nvPr/>
-        </p:nvSpPr>
-        <p:spPr>
-          <a:xfrm>
-            <a:off x="1321725" y="5708577"/>
-            <a:ext cx="1321724" cy="323165"/>
-          </a:xfrm>
-          <a:prstGeom prst="rect">
-            <a:avLst/>
-          </a:prstGeom>
-          <a:noFill/>
-        </p:spPr>
-        <p:txBody>
-          <a:bodyPr wrap="square" rtlCol="0">
-            <a:spAutoFit/>
-          </a:bodyPr>
-          <a:lstStyle/>
-          <a:p>
-            <a:pPr algn="ctr"/>
-            <a:r>
-              <a:rPr lang="en-US" altLang="ko-KR" sz="1500">
-                <a:solidFill>
-                  <a:schemeClr val="tx1">
-                    <a:lumMod val="50000"/>
-                    <a:lumOff val="50000"/>
-                  </a:schemeClr>
-                </a:solidFill>
-                <a:latin typeface="나눔스퀘어_ac Bold" panose="020B0600000101010101" pitchFamily="50" charset="-127"/>
-                <a:ea typeface="나눔스퀘어_ac Bold" panose="020B0600000101010101" pitchFamily="50" charset="-127"/>
-              </a:rPr>
-              <a:t>Destroyer</a:t>
-            </a:r>
-            <a:endParaRPr lang="ko-KR" altLang="en-US" sz="1500">
-              <a:solidFill>
-                <a:schemeClr val="tx1">
-                  <a:lumMod val="50000"/>
-                  <a:lumOff val="50000"/>
-                </a:schemeClr>
-              </a:solidFill>
-              <a:latin typeface="나눔스퀘어_ac Bold" panose="020B0600000101010101" pitchFamily="50" charset="-127"/>
-              <a:ea typeface="나눔스퀘어_ac Bold" panose="020B0600000101010101" pitchFamily="50" charset="-127"/>
-            </a:endParaRPr>
-          </a:p>
-        </p:txBody>
-      </p:sp>
-      <p:sp>
-        <p:nvSpPr>
-          <p:cNvPr id="20" name="TextBox 19">
-            <a:extLst>
-              <a:ext uri="{FF2B5EF4-FFF2-40B4-BE49-F238E27FC236}">
-                <a16:creationId xmlns:a16="http://schemas.microsoft.com/office/drawing/2014/main" id="{C8006016-2AB8-4C7E-9B6A-80BA3727E16D}"/>
-              </a:ext>
-            </a:extLst>
-          </p:cNvPr>
-          <p:cNvSpPr txBox="1"/>
-          <p:nvPr/>
-        </p:nvSpPr>
-        <p:spPr>
-          <a:xfrm>
-            <a:off x="2643449" y="5708577"/>
-            <a:ext cx="1321724" cy="323165"/>
-          </a:xfrm>
-          <a:prstGeom prst="rect">
-            <a:avLst/>
-          </a:prstGeom>
-          <a:noFill/>
-        </p:spPr>
-        <p:txBody>
-          <a:bodyPr wrap="square" rtlCol="0">
-            <a:spAutoFit/>
-          </a:bodyPr>
-          <a:lstStyle/>
-          <a:p>
-            <a:pPr algn="ctr"/>
-            <a:r>
-              <a:rPr lang="en-US" altLang="ko-KR" sz="1500">
-                <a:solidFill>
-                  <a:schemeClr val="tx1">
-                    <a:lumMod val="50000"/>
-                    <a:lumOff val="50000"/>
-                  </a:schemeClr>
-                </a:solidFill>
-                <a:latin typeface="나눔스퀘어_ac Bold" panose="020B0600000101010101" pitchFamily="50" charset="-127"/>
-                <a:ea typeface="나눔스퀘어_ac Bold" panose="020B0600000101010101" pitchFamily="50" charset="-127"/>
-              </a:rPr>
-              <a:t>Obstacle</a:t>
-            </a:r>
-            <a:endParaRPr lang="ko-KR" altLang="en-US" sz="1500">
-              <a:solidFill>
-                <a:schemeClr val="tx1">
-                  <a:lumMod val="50000"/>
-                  <a:lumOff val="50000"/>
-                </a:schemeClr>
-              </a:solidFill>
-              <a:latin typeface="나눔스퀘어_ac Bold" panose="020B0600000101010101" pitchFamily="50" charset="-127"/>
-              <a:ea typeface="나눔스퀘어_ac Bold" panose="020B0600000101010101" pitchFamily="50" charset="-127"/>
-            </a:endParaRPr>
-          </a:p>
-        </p:txBody>
-      </p:sp>
-      <p:sp>
-        <p:nvSpPr>
-          <p:cNvPr id="22" name="TextBox 21">
-            <a:extLst>
-              <a:ext uri="{FF2B5EF4-FFF2-40B4-BE49-F238E27FC236}">
-                <a16:creationId xmlns:a16="http://schemas.microsoft.com/office/drawing/2014/main" id="{1E2CE1AE-5593-4874-A51C-DB62DF8D8D26}"/>
-              </a:ext>
-            </a:extLst>
-          </p:cNvPr>
-          <p:cNvSpPr txBox="1"/>
-          <p:nvPr/>
-        </p:nvSpPr>
-        <p:spPr>
-          <a:xfrm>
-            <a:off x="3965173" y="5592198"/>
-            <a:ext cx="1321724" cy="553998"/>
-          </a:xfrm>
-          <a:prstGeom prst="rect">
-            <a:avLst/>
-          </a:prstGeom>
-          <a:noFill/>
-        </p:spPr>
-        <p:txBody>
-          <a:bodyPr wrap="square" rtlCol="0">
-            <a:spAutoFit/>
-          </a:bodyPr>
-          <a:lstStyle/>
-          <a:p>
-            <a:pPr algn="ctr"/>
-            <a:r>
-              <a:rPr lang="en-US" altLang="ko-KR" sz="1500">
-                <a:solidFill>
-                  <a:schemeClr val="bg1"/>
-                </a:solidFill>
-                <a:latin typeface="나눔스퀘어_ac Bold" panose="020B0600000101010101" pitchFamily="50" charset="-127"/>
-                <a:ea typeface="나눔스퀘어_ac Bold" panose="020B0600000101010101" pitchFamily="50" charset="-127"/>
-              </a:rPr>
-              <a:t>Obstacle</a:t>
-            </a:r>
-          </a:p>
-          <a:p>
-            <a:pPr algn="ctr"/>
-            <a:r>
-              <a:rPr lang="en-US" altLang="ko-KR" sz="1500">
-                <a:solidFill>
-                  <a:schemeClr val="bg1"/>
-                </a:solidFill>
-                <a:latin typeface="나눔스퀘어_ac Bold" panose="020B0600000101010101" pitchFamily="50" charset="-127"/>
-                <a:ea typeface="나눔스퀘어_ac Bold" panose="020B0600000101010101" pitchFamily="50" charset="-127"/>
-              </a:rPr>
-              <a:t>Spawn</a:t>
-            </a:r>
-          </a:p>
-        </p:txBody>
-      </p:sp>
-      <p:sp>
-        <p:nvSpPr>
-          <p:cNvPr id="23" name="TextBox 22">
-            <a:extLst>
-              <a:ext uri="{FF2B5EF4-FFF2-40B4-BE49-F238E27FC236}">
-                <a16:creationId xmlns:a16="http://schemas.microsoft.com/office/drawing/2014/main" id="{19F289F8-1916-4B70-A69B-601A38A93B9A}"/>
-              </a:ext>
-            </a:extLst>
-          </p:cNvPr>
-          <p:cNvSpPr txBox="1"/>
-          <p:nvPr/>
-        </p:nvSpPr>
-        <p:spPr>
-          <a:xfrm>
-            <a:off x="5286897" y="5708577"/>
-            <a:ext cx="1321724" cy="323165"/>
-          </a:xfrm>
-          <a:prstGeom prst="rect">
-            <a:avLst/>
-          </a:prstGeom>
-          <a:noFill/>
-        </p:spPr>
-        <p:txBody>
-          <a:bodyPr wrap="square" rtlCol="0">
-            <a:spAutoFit/>
-          </a:bodyPr>
-          <a:lstStyle/>
-          <a:p>
-            <a:pPr algn="ctr"/>
-            <a:r>
-              <a:rPr lang="en-US" altLang="ko-KR" sz="1500">
-                <a:solidFill>
-                  <a:schemeClr val="bg1"/>
-                </a:solidFill>
-                <a:latin typeface="나눔스퀘어_ac Bold" panose="020B0600000101010101" pitchFamily="50" charset="-127"/>
-                <a:ea typeface="나눔스퀘어_ac Bold" panose="020B0600000101010101" pitchFamily="50" charset="-127"/>
-              </a:rPr>
-              <a:t>Player</a:t>
-            </a:r>
-            <a:endParaRPr lang="ko-KR" altLang="en-US" sz="1500">
-              <a:solidFill>
-                <a:schemeClr val="bg1"/>
-              </a:solidFill>
-              <a:latin typeface="나눔스퀘어_ac Bold" panose="020B0600000101010101" pitchFamily="50" charset="-127"/>
-              <a:ea typeface="나눔스퀘어_ac Bold" panose="020B0600000101010101" pitchFamily="50" charset="-127"/>
-            </a:endParaRPr>
-          </a:p>
-        </p:txBody>
-      </p:sp>
-      <p:sp>
-        <p:nvSpPr>
-          <p:cNvPr id="24" name="TextBox 23">
-            <a:extLst>
-              <a:ext uri="{FF2B5EF4-FFF2-40B4-BE49-F238E27FC236}">
-                <a16:creationId xmlns:a16="http://schemas.microsoft.com/office/drawing/2014/main" id="{A6CFE8D9-F79A-430B-9CC1-63604C355BD6}"/>
-              </a:ext>
-            </a:extLst>
-          </p:cNvPr>
-          <p:cNvSpPr txBox="1"/>
-          <p:nvPr/>
-        </p:nvSpPr>
-        <p:spPr>
-          <a:xfrm>
-            <a:off x="6608621" y="5708577"/>
-            <a:ext cx="1321724" cy="323165"/>
-          </a:xfrm>
-          <a:prstGeom prst="rect">
-            <a:avLst/>
-          </a:prstGeom>
-          <a:noFill/>
-        </p:spPr>
-        <p:txBody>
-          <a:bodyPr wrap="square" rtlCol="0">
-            <a:spAutoFit/>
-          </a:bodyPr>
-          <a:lstStyle/>
-          <a:p>
-            <a:pPr algn="ctr"/>
-            <a:r>
-              <a:rPr lang="en-US" altLang="ko-KR" sz="1500">
-                <a:solidFill>
-                  <a:schemeClr val="bg1"/>
-                </a:solidFill>
-                <a:latin typeface="나눔스퀘어_ac Bold" panose="020B0600000101010101" pitchFamily="50" charset="-127"/>
-                <a:ea typeface="나눔스퀘어_ac Bold" panose="020B0600000101010101" pitchFamily="50" charset="-127"/>
-              </a:rPr>
-              <a:t>Restart</a:t>
-            </a:r>
-          </a:p>
-        </p:txBody>
-      </p:sp>
-      <p:sp>
-        <p:nvSpPr>
-          <p:cNvPr id="25" name="TextBox 24">
-            <a:extLst>
-              <a:ext uri="{FF2B5EF4-FFF2-40B4-BE49-F238E27FC236}">
-                <a16:creationId xmlns:a16="http://schemas.microsoft.com/office/drawing/2014/main" id="{26DE6411-C1E7-49CA-A36D-AC408134BAE2}"/>
-              </a:ext>
-            </a:extLst>
-          </p:cNvPr>
-          <p:cNvSpPr txBox="1"/>
-          <p:nvPr/>
-        </p:nvSpPr>
-        <p:spPr>
-          <a:xfrm>
-            <a:off x="7930345" y="5708577"/>
-            <a:ext cx="1321724" cy="323165"/>
-          </a:xfrm>
-          <a:prstGeom prst="rect">
-            <a:avLst/>
-          </a:prstGeom>
-          <a:noFill/>
-        </p:spPr>
-        <p:txBody>
-          <a:bodyPr wrap="square" rtlCol="0">
-            <a:spAutoFit/>
-          </a:bodyPr>
-          <a:lstStyle/>
-          <a:p>
-            <a:pPr algn="ctr"/>
-            <a:r>
-              <a:rPr lang="en-US" altLang="ko-KR" sz="1500">
-                <a:solidFill>
-                  <a:schemeClr val="tx1">
-                    <a:lumMod val="50000"/>
-                    <a:lumOff val="50000"/>
-                  </a:schemeClr>
-                </a:solidFill>
-                <a:latin typeface="나눔스퀘어_ac Bold" panose="020B0600000101010101" pitchFamily="50" charset="-127"/>
-                <a:ea typeface="나눔스퀘어_ac Bold" panose="020B0600000101010101" pitchFamily="50" charset="-127"/>
-              </a:rPr>
-              <a:t>Score</a:t>
-            </a:r>
-            <a:endParaRPr lang="ko-KR" altLang="en-US" sz="1500">
-              <a:solidFill>
-                <a:schemeClr val="tx1">
-                  <a:lumMod val="50000"/>
-                  <a:lumOff val="50000"/>
-                </a:schemeClr>
-              </a:solidFill>
-              <a:latin typeface="나눔스퀘어_ac Bold" panose="020B0600000101010101" pitchFamily="50" charset="-127"/>
-              <a:ea typeface="나눔스퀘어_ac Bold" panose="020B0600000101010101" pitchFamily="50" charset="-127"/>
-            </a:endParaRPr>
-          </a:p>
-        </p:txBody>
-      </p:sp>
-      <p:sp>
-        <p:nvSpPr>
-          <p:cNvPr id="26" name="TextBox 25">
-            <a:extLst>
-              <a:ext uri="{FF2B5EF4-FFF2-40B4-BE49-F238E27FC236}">
-                <a16:creationId xmlns:a16="http://schemas.microsoft.com/office/drawing/2014/main" id="{8C2FAF1F-394E-41F5-ACF2-67855C794C73}"/>
-              </a:ext>
-            </a:extLst>
-          </p:cNvPr>
-          <p:cNvSpPr txBox="1"/>
-          <p:nvPr/>
-        </p:nvSpPr>
-        <p:spPr>
-          <a:xfrm>
-            <a:off x="9252069" y="5708577"/>
-            <a:ext cx="1321724" cy="323165"/>
-          </a:xfrm>
-          <a:prstGeom prst="rect">
-            <a:avLst/>
-          </a:prstGeom>
-          <a:noFill/>
-        </p:spPr>
-        <p:txBody>
-          <a:bodyPr wrap="square" rtlCol="0">
-            <a:spAutoFit/>
-          </a:bodyPr>
-          <a:lstStyle/>
-          <a:p>
-            <a:pPr algn="ctr"/>
-            <a:r>
-              <a:rPr lang="en-US" altLang="ko-KR" sz="1500">
-                <a:solidFill>
-                  <a:schemeClr val="tx1">
-                    <a:lumMod val="50000"/>
-                    <a:lumOff val="50000"/>
-                  </a:schemeClr>
-                </a:solidFill>
-                <a:latin typeface="나눔스퀘어_ac Bold" panose="020B0600000101010101" pitchFamily="50" charset="-127"/>
-                <a:ea typeface="나눔스퀘어_ac Bold" panose="020B0600000101010101" pitchFamily="50" charset="-127"/>
-              </a:rPr>
-              <a:t>Spawner</a:t>
-            </a:r>
-            <a:endParaRPr lang="ko-KR" altLang="en-US" sz="1500">
-              <a:solidFill>
-                <a:schemeClr val="tx1">
-                  <a:lumMod val="50000"/>
-                  <a:lumOff val="50000"/>
-                </a:schemeClr>
-              </a:solidFill>
-              <a:latin typeface="나눔스퀘어_ac Bold" panose="020B0600000101010101" pitchFamily="50" charset="-127"/>
-              <a:ea typeface="나눔스퀘어_ac Bold" panose="020B0600000101010101" pitchFamily="50" charset="-127"/>
-            </a:endParaRPr>
-          </a:p>
-        </p:txBody>
-      </p:sp>
-      <p:sp>
-        <p:nvSpPr>
-          <p:cNvPr id="27" name="TextBox 26">
-            <a:extLst>
-              <a:ext uri="{FF2B5EF4-FFF2-40B4-BE49-F238E27FC236}">
-                <a16:creationId xmlns:a16="http://schemas.microsoft.com/office/drawing/2014/main" id="{373D7618-DB57-4D67-A909-1FC973B5815A}"/>
-              </a:ext>
-            </a:extLst>
-          </p:cNvPr>
-          <p:cNvSpPr txBox="1"/>
-          <p:nvPr/>
-        </p:nvSpPr>
-        <p:spPr>
-          <a:xfrm>
-            <a:off x="10573793" y="5708577"/>
-            <a:ext cx="1321724" cy="323165"/>
-          </a:xfrm>
-          <a:prstGeom prst="rect">
-            <a:avLst/>
-          </a:prstGeom>
-          <a:noFill/>
-        </p:spPr>
-        <p:txBody>
-          <a:bodyPr wrap="square" rtlCol="0">
-            <a:spAutoFit/>
-          </a:bodyPr>
-          <a:lstStyle/>
-          <a:p>
-            <a:pPr algn="ctr"/>
-            <a:r>
-              <a:rPr lang="en-US" altLang="ko-KR" sz="1500">
-                <a:solidFill>
-                  <a:schemeClr val="tx1">
-                    <a:lumMod val="50000"/>
-                    <a:lumOff val="50000"/>
-                  </a:schemeClr>
-                </a:solidFill>
-                <a:latin typeface="나눔스퀘어_ac Bold" panose="020B0600000101010101" pitchFamily="50" charset="-127"/>
-                <a:ea typeface="나눔스퀘어_ac Bold" panose="020B0600000101010101" pitchFamily="50" charset="-127"/>
-              </a:rPr>
-              <a:t>TitleScene</a:t>
-            </a:r>
-            <a:endParaRPr lang="ko-KR" altLang="en-US" sz="1500">
-              <a:solidFill>
-                <a:schemeClr val="tx1">
-                  <a:lumMod val="50000"/>
-                  <a:lumOff val="50000"/>
-                </a:schemeClr>
-              </a:solidFill>
-              <a:latin typeface="나눔스퀘어_ac Bold" panose="020B0600000101010101" pitchFamily="50" charset="-127"/>
-              <a:ea typeface="나눔스퀘어_ac Bold" panose="020B0600000101010101" pitchFamily="50" charset="-127"/>
-            </a:endParaRPr>
-          </a:p>
-        </p:txBody>
-      </p:sp>
-      <p:sp>
-        <p:nvSpPr>
-          <p:cNvPr id="4" name="사각형: 잘린 한쪽 모서리 3">
-            <a:extLst>
-              <a:ext uri="{FF2B5EF4-FFF2-40B4-BE49-F238E27FC236}">
-                <a16:creationId xmlns:a16="http://schemas.microsoft.com/office/drawing/2014/main" id="{D6DDBFDC-8A41-4205-8C16-2FB00D9642C2}"/>
-              </a:ext>
-            </a:extLst>
-          </p:cNvPr>
-          <p:cNvSpPr/>
-          <p:nvPr/>
-        </p:nvSpPr>
-        <p:spPr>
-          <a:xfrm>
-            <a:off x="1002736" y="972588"/>
-            <a:ext cx="637978" cy="889463"/>
-          </a:xfrm>
-          <a:prstGeom prst="snip1Rect">
-            <a:avLst>
-              <a:gd name="adj" fmla="val 24405"/>
-            </a:avLst>
-          </a:prstGeom>
-          <a:solidFill>
-            <a:schemeClr val="bg1"/>
-          </a:solidFill>
-          <a:ln>
-            <a:noFill/>
-          </a:ln>
-        </p:spPr>
-        <p:style>
-          <a:lnRef idx="2">
-            <a:schemeClr val="accent1">
-              <a:shade val="50000"/>
-            </a:schemeClr>
-          </a:lnRef>
-          <a:fillRef idx="1">
-            <a:schemeClr val="accent1"/>
-          </a:fillRef>
-          <a:effectRef idx="0">
-            <a:schemeClr val="accent1"/>
-          </a:effectRef>
-          <a:fontRef idx="minor">
-            <a:schemeClr val="lt1"/>
-          </a:fontRef>
-        </p:style>
-        <p:txBody>
-          <a:bodyPr rtlCol="0" anchor="ctr"/>
-          <a:lstStyle/>
-          <a:p>
-            <a:pPr algn="r"/>
-            <a:r>
-              <a:rPr lang="en-US" altLang="ko-KR" sz="5400">
-                <a:solidFill>
-                  <a:srgbClr val="00B050"/>
-                </a:solidFill>
-                <a:latin typeface="나눔스퀘어_ac Bold" panose="020B0600000101010101" pitchFamily="50" charset="-127"/>
-                <a:ea typeface="나눔스퀘어_ac Bold" panose="020B0600000101010101" pitchFamily="50" charset="-127"/>
-              </a:rPr>
-              <a:t>#</a:t>
-            </a:r>
-            <a:endParaRPr lang="ko-KR" altLang="en-US" sz="5400">
-              <a:solidFill>
-                <a:srgbClr val="00B050"/>
-              </a:solidFill>
-              <a:latin typeface="나눔스퀘어_ac Bold" panose="020B0600000101010101" pitchFamily="50" charset="-127"/>
-              <a:ea typeface="나눔스퀘어_ac Bold" panose="020B0600000101010101" pitchFamily="50" charset="-127"/>
-            </a:endParaRPr>
-          </a:p>
-        </p:txBody>
-      </p:sp>
-      <p:sp>
-        <p:nvSpPr>
-          <p:cNvPr id="32" name="TextBox 31">
-            <a:extLst>
-              <a:ext uri="{FF2B5EF4-FFF2-40B4-BE49-F238E27FC236}">
-                <a16:creationId xmlns:a16="http://schemas.microsoft.com/office/drawing/2014/main" id="{3ED7B2B1-0DAD-4126-A60D-960701C69F5D}"/>
-              </a:ext>
-            </a:extLst>
-          </p:cNvPr>
-          <p:cNvSpPr txBox="1"/>
-          <p:nvPr/>
-        </p:nvSpPr>
-        <p:spPr>
-          <a:xfrm>
-            <a:off x="509156" y="1877097"/>
-            <a:ext cx="1625137" cy="307777"/>
-          </a:xfrm>
-          <a:prstGeom prst="rect">
-            <a:avLst/>
-          </a:prstGeom>
-          <a:noFill/>
-        </p:spPr>
-        <p:txBody>
-          <a:bodyPr wrap="square" rtlCol="0">
-            <a:spAutoFit/>
-          </a:bodyPr>
-          <a:lstStyle/>
-          <a:p>
-            <a:pPr algn="ctr"/>
-            <a:r>
-              <a:rPr lang="en-US" altLang="ko-KR" sz="1400">
-                <a:solidFill>
-                  <a:schemeClr val="bg1"/>
-                </a:solidFill>
-                <a:latin typeface="나눔스퀘어라운드 ExtraBold" panose="020B0600000101010101" pitchFamily="50" charset="-127"/>
-                <a:ea typeface="나눔스퀘어라운드 ExtraBold" panose="020B0600000101010101" pitchFamily="50" charset="-127"/>
-              </a:rPr>
-              <a:t>Obstacle Spawn</a:t>
-            </a:r>
-            <a:endParaRPr lang="ko-KR" altLang="en-US" sz="1400">
-              <a:solidFill>
-                <a:schemeClr val="bg1"/>
-              </a:solidFill>
-              <a:latin typeface="나눔스퀘어라운드 ExtraBold" panose="020B0600000101010101" pitchFamily="50" charset="-127"/>
-              <a:ea typeface="나눔스퀘어라운드 ExtraBold" panose="020B0600000101010101" pitchFamily="50" charset="-127"/>
-            </a:endParaRPr>
-          </a:p>
-        </p:txBody>
-      </p:sp>
-      <p:sp>
-        <p:nvSpPr>
-          <p:cNvPr id="37" name="사각형: 잘린 한쪽 모서리 36">
-            <a:extLst>
-              <a:ext uri="{FF2B5EF4-FFF2-40B4-BE49-F238E27FC236}">
-                <a16:creationId xmlns:a16="http://schemas.microsoft.com/office/drawing/2014/main" id="{DC99BD21-04F8-4B56-A178-36588D1E9170}"/>
-              </a:ext>
-            </a:extLst>
-          </p:cNvPr>
-          <p:cNvSpPr/>
-          <p:nvPr/>
-        </p:nvSpPr>
-        <p:spPr>
-          <a:xfrm>
-            <a:off x="1002736" y="2517176"/>
-            <a:ext cx="637978" cy="889463"/>
-          </a:xfrm>
-          <a:prstGeom prst="snip1Rect">
-            <a:avLst>
-              <a:gd name="adj" fmla="val 24405"/>
-            </a:avLst>
-          </a:prstGeom>
-          <a:solidFill>
-            <a:schemeClr val="bg1"/>
-          </a:solidFill>
-          <a:ln>
-            <a:noFill/>
-          </a:ln>
-        </p:spPr>
-        <p:style>
-          <a:lnRef idx="2">
-            <a:schemeClr val="accent1">
-              <a:shade val="50000"/>
-            </a:schemeClr>
-          </a:lnRef>
-          <a:fillRef idx="1">
-            <a:schemeClr val="accent1"/>
-          </a:fillRef>
-          <a:effectRef idx="0">
-            <a:schemeClr val="accent1"/>
-          </a:effectRef>
-          <a:fontRef idx="minor">
-            <a:schemeClr val="lt1"/>
-          </a:fontRef>
-        </p:style>
-        <p:txBody>
-          <a:bodyPr rtlCol="0" anchor="ctr"/>
-          <a:lstStyle/>
-          <a:p>
-            <a:pPr algn="r"/>
-            <a:r>
-              <a:rPr lang="en-US" altLang="ko-KR" sz="5400">
-                <a:solidFill>
-                  <a:srgbClr val="00B050"/>
-                </a:solidFill>
-                <a:latin typeface="나눔스퀘어_ac Bold" panose="020B0600000101010101" pitchFamily="50" charset="-127"/>
-                <a:ea typeface="나눔스퀘어_ac Bold" panose="020B0600000101010101" pitchFamily="50" charset="-127"/>
-              </a:rPr>
-              <a:t>#</a:t>
-            </a:r>
-            <a:endParaRPr lang="ko-KR" altLang="en-US" sz="5400">
-              <a:solidFill>
-                <a:srgbClr val="00B050"/>
-              </a:solidFill>
-              <a:latin typeface="나눔스퀘어_ac Bold" panose="020B0600000101010101" pitchFamily="50" charset="-127"/>
-              <a:ea typeface="나눔스퀘어_ac Bold" panose="020B0600000101010101" pitchFamily="50" charset="-127"/>
-            </a:endParaRPr>
-          </a:p>
-        </p:txBody>
-      </p:sp>
-      <p:sp>
-        <p:nvSpPr>
-          <p:cNvPr id="38" name="TextBox 37">
-            <a:extLst>
-              <a:ext uri="{FF2B5EF4-FFF2-40B4-BE49-F238E27FC236}">
-                <a16:creationId xmlns:a16="http://schemas.microsoft.com/office/drawing/2014/main" id="{244C360D-BEFE-4B8F-98DE-D5A0A86ED2A6}"/>
-              </a:ext>
-            </a:extLst>
-          </p:cNvPr>
-          <p:cNvSpPr txBox="1"/>
-          <p:nvPr/>
-        </p:nvSpPr>
-        <p:spPr>
-          <a:xfrm>
-            <a:off x="660863" y="3421685"/>
-            <a:ext cx="1321724" cy="307777"/>
-          </a:xfrm>
-          <a:prstGeom prst="rect">
-            <a:avLst/>
-          </a:prstGeom>
-          <a:noFill/>
-        </p:spPr>
-        <p:txBody>
-          <a:bodyPr wrap="square" rtlCol="0">
-            <a:spAutoFit/>
-          </a:bodyPr>
-          <a:lstStyle/>
-          <a:p>
-            <a:pPr algn="ctr"/>
-            <a:r>
-              <a:rPr lang="en-US" altLang="ko-KR" sz="1400">
-                <a:solidFill>
-                  <a:schemeClr val="bg1"/>
-                </a:solidFill>
-                <a:latin typeface="나눔스퀘어라운드 ExtraBold" panose="020B0600000101010101" pitchFamily="50" charset="-127"/>
-                <a:ea typeface="나눔스퀘어라운드 ExtraBold" panose="020B0600000101010101" pitchFamily="50" charset="-127"/>
-              </a:rPr>
-              <a:t>Player</a:t>
-            </a:r>
-            <a:endParaRPr lang="ko-KR" altLang="en-US" sz="1400">
-              <a:solidFill>
-                <a:schemeClr val="bg1"/>
-              </a:solidFill>
-              <a:latin typeface="나눔스퀘어라운드 ExtraBold" panose="020B0600000101010101" pitchFamily="50" charset="-127"/>
-              <a:ea typeface="나눔스퀘어라운드 ExtraBold" panose="020B0600000101010101" pitchFamily="50" charset="-127"/>
-            </a:endParaRPr>
-          </a:p>
-        </p:txBody>
-      </p:sp>
-      <p:sp>
-        <p:nvSpPr>
-          <p:cNvPr id="39" name="사각형: 잘린 한쪽 모서리 38">
-            <a:extLst>
-              <a:ext uri="{FF2B5EF4-FFF2-40B4-BE49-F238E27FC236}">
-                <a16:creationId xmlns:a16="http://schemas.microsoft.com/office/drawing/2014/main" id="{497F2E94-5CAA-49DF-B86F-2A5FF1D26295}"/>
-              </a:ext>
-            </a:extLst>
-          </p:cNvPr>
-          <p:cNvSpPr/>
-          <p:nvPr/>
-        </p:nvSpPr>
-        <p:spPr>
-          <a:xfrm>
-            <a:off x="1002736" y="4112876"/>
-            <a:ext cx="637978" cy="889463"/>
-          </a:xfrm>
-          <a:prstGeom prst="snip1Rect">
-            <a:avLst>
-              <a:gd name="adj" fmla="val 24405"/>
-            </a:avLst>
-          </a:prstGeom>
-          <a:solidFill>
-            <a:schemeClr val="bg1"/>
-          </a:solidFill>
-          <a:ln>
-            <a:noFill/>
-          </a:ln>
-        </p:spPr>
-        <p:style>
-          <a:lnRef idx="2">
-            <a:schemeClr val="accent1">
-              <a:shade val="50000"/>
-            </a:schemeClr>
-          </a:lnRef>
-          <a:fillRef idx="1">
-            <a:schemeClr val="accent1"/>
-          </a:fillRef>
-          <a:effectRef idx="0">
-            <a:schemeClr val="accent1"/>
-          </a:effectRef>
-          <a:fontRef idx="minor">
-            <a:schemeClr val="lt1"/>
-          </a:fontRef>
-        </p:style>
-        <p:txBody>
-          <a:bodyPr rtlCol="0" anchor="ctr"/>
-          <a:lstStyle/>
-          <a:p>
-            <a:pPr algn="r"/>
-            <a:r>
-              <a:rPr lang="en-US" altLang="ko-KR" sz="5400">
-                <a:solidFill>
-                  <a:srgbClr val="00B050"/>
-                </a:solidFill>
-                <a:latin typeface="나눔스퀘어_ac Bold" panose="020B0600000101010101" pitchFamily="50" charset="-127"/>
-                <a:ea typeface="나눔스퀘어_ac Bold" panose="020B0600000101010101" pitchFamily="50" charset="-127"/>
-              </a:rPr>
-              <a:t>#</a:t>
-            </a:r>
-            <a:endParaRPr lang="ko-KR" altLang="en-US" sz="5400">
-              <a:solidFill>
-                <a:srgbClr val="00B050"/>
-              </a:solidFill>
-              <a:latin typeface="나눔스퀘어_ac Bold" panose="020B0600000101010101" pitchFamily="50" charset="-127"/>
-              <a:ea typeface="나눔스퀘어_ac Bold" panose="020B0600000101010101" pitchFamily="50" charset="-127"/>
-            </a:endParaRPr>
-          </a:p>
-        </p:txBody>
-      </p:sp>
-      <p:sp>
-        <p:nvSpPr>
-          <p:cNvPr id="40" name="TextBox 39">
-            <a:extLst>
-              <a:ext uri="{FF2B5EF4-FFF2-40B4-BE49-F238E27FC236}">
-                <a16:creationId xmlns:a16="http://schemas.microsoft.com/office/drawing/2014/main" id="{10A84BBC-469F-4387-983B-816DEA514E4C}"/>
-              </a:ext>
-            </a:extLst>
-          </p:cNvPr>
-          <p:cNvSpPr txBox="1"/>
-          <p:nvPr/>
-        </p:nvSpPr>
-        <p:spPr>
-          <a:xfrm>
-            <a:off x="660863" y="5017385"/>
-            <a:ext cx="1321724" cy="307777"/>
-          </a:xfrm>
-          <a:prstGeom prst="rect">
-            <a:avLst/>
-          </a:prstGeom>
-          <a:noFill/>
-        </p:spPr>
-        <p:txBody>
-          <a:bodyPr wrap="square" rtlCol="0">
-            <a:spAutoFit/>
-          </a:bodyPr>
-          <a:lstStyle/>
-          <a:p>
-            <a:pPr algn="ctr"/>
-            <a:r>
-              <a:rPr lang="en-US" altLang="ko-KR" sz="1400">
-                <a:solidFill>
-                  <a:schemeClr val="bg1"/>
-                </a:solidFill>
-                <a:latin typeface="나눔스퀘어라운드 ExtraBold" panose="020B0600000101010101" pitchFamily="50" charset="-127"/>
-                <a:ea typeface="나눔스퀘어라운드 ExtraBold" panose="020B0600000101010101" pitchFamily="50" charset="-127"/>
-              </a:rPr>
-              <a:t>Restart</a:t>
-            </a:r>
-            <a:endParaRPr lang="ko-KR" altLang="en-US" sz="1400">
-              <a:solidFill>
-                <a:schemeClr val="bg1"/>
-              </a:solidFill>
-              <a:latin typeface="나눔스퀘어라운드 ExtraBold" panose="020B0600000101010101" pitchFamily="50" charset="-127"/>
-              <a:ea typeface="나눔스퀘어라운드 ExtraBold" panose="020B0600000101010101" pitchFamily="50" charset="-127"/>
-            </a:endParaRPr>
-          </a:p>
-        </p:txBody>
-      </p:sp>
-      <p:sp>
-        <p:nvSpPr>
-          <p:cNvPr id="5" name="TextBox 4">
-            <a:extLst>
-              <a:ext uri="{FF2B5EF4-FFF2-40B4-BE49-F238E27FC236}">
-                <a16:creationId xmlns:a16="http://schemas.microsoft.com/office/drawing/2014/main" id="{FCCE6010-5666-41BC-90D9-8F0537C3D629}"/>
-              </a:ext>
-            </a:extLst>
-          </p:cNvPr>
-          <p:cNvSpPr txBox="1"/>
-          <p:nvPr/>
-        </p:nvSpPr>
-        <p:spPr>
-          <a:xfrm>
-            <a:off x="2176985" y="1327903"/>
-            <a:ext cx="4647764" cy="369332"/>
-          </a:xfrm>
-          <a:prstGeom prst="rect">
-            <a:avLst/>
-          </a:prstGeom>
-          <a:noFill/>
-        </p:spPr>
-        <p:txBody>
-          <a:bodyPr wrap="square" rtlCol="0">
-            <a:spAutoFit/>
-          </a:bodyPr>
-          <a:lstStyle/>
-          <a:p>
-            <a:r>
-              <a:rPr lang="ko-KR" altLang="en-US">
-                <a:solidFill>
-                  <a:schemeClr val="bg1"/>
-                </a:solidFill>
-                <a:latin typeface="나눔스퀘어_ac Bold" panose="020B0600000101010101" pitchFamily="50" charset="-127"/>
-                <a:ea typeface="나눔스퀘어_ac Bold" panose="020B0600000101010101" pitchFamily="50" charset="-127"/>
-              </a:rPr>
-              <a:t>장애물을 인스턴스화 해서 스폰시키는 스크립트</a:t>
-            </a:r>
-          </a:p>
-        </p:txBody>
-      </p:sp>
-      <p:sp>
-        <p:nvSpPr>
-          <p:cNvPr id="42" name="TextBox 41">
-            <a:extLst>
-              <a:ext uri="{FF2B5EF4-FFF2-40B4-BE49-F238E27FC236}">
-                <a16:creationId xmlns:a16="http://schemas.microsoft.com/office/drawing/2014/main" id="{62EEF49B-580F-4DC5-B334-9D006AB213A9}"/>
-              </a:ext>
-            </a:extLst>
-          </p:cNvPr>
-          <p:cNvSpPr txBox="1"/>
-          <p:nvPr/>
-        </p:nvSpPr>
-        <p:spPr>
-          <a:xfrm>
-            <a:off x="2176985" y="2777241"/>
-            <a:ext cx="4338116" cy="369332"/>
-          </a:xfrm>
-          <a:prstGeom prst="rect">
-            <a:avLst/>
-          </a:prstGeom>
-          <a:noFill/>
-        </p:spPr>
-        <p:txBody>
-          <a:bodyPr wrap="square" rtlCol="0">
-            <a:spAutoFit/>
-          </a:bodyPr>
-          <a:lstStyle/>
-          <a:p>
-            <a:r>
-              <a:rPr lang="ko-KR" altLang="en-US">
-                <a:solidFill>
-                  <a:schemeClr val="bg1"/>
-                </a:solidFill>
-                <a:latin typeface="나눔스퀘어_ac Bold" panose="020B0600000101010101" pitchFamily="50" charset="-127"/>
-                <a:ea typeface="나눔스퀘어_ac Bold" panose="020B0600000101010101" pitchFamily="50" charset="-127"/>
-              </a:rPr>
-              <a:t>캐릭터의 정보가 담겨있는 스크립트</a:t>
-            </a:r>
-          </a:p>
-        </p:txBody>
-      </p:sp>
-      <p:sp>
-        <p:nvSpPr>
-          <p:cNvPr id="43" name="TextBox 42">
-            <a:extLst>
-              <a:ext uri="{FF2B5EF4-FFF2-40B4-BE49-F238E27FC236}">
-                <a16:creationId xmlns:a16="http://schemas.microsoft.com/office/drawing/2014/main" id="{96388861-64AA-4127-9CFE-A81F77B18835}"/>
-              </a:ext>
-            </a:extLst>
-          </p:cNvPr>
-          <p:cNvSpPr txBox="1"/>
-          <p:nvPr/>
-        </p:nvSpPr>
-        <p:spPr>
-          <a:xfrm>
-            <a:off x="2176984" y="4372941"/>
-            <a:ext cx="7252765" cy="369332"/>
-          </a:xfrm>
-          <a:prstGeom prst="rect">
-            <a:avLst/>
-          </a:prstGeom>
-          <a:noFill/>
-        </p:spPr>
-        <p:txBody>
-          <a:bodyPr wrap="square" rtlCol="0">
-            <a:spAutoFit/>
-          </a:bodyPr>
-          <a:lstStyle/>
-          <a:p>
-            <a:r>
-              <a:rPr lang="ko-KR" altLang="en-US">
-                <a:solidFill>
-                  <a:schemeClr val="bg1"/>
-                </a:solidFill>
-                <a:latin typeface="나눔스퀘어_ac Bold" panose="020B0600000101010101" pitchFamily="50" charset="-127"/>
-                <a:ea typeface="나눔스퀘어_ac Bold" panose="020B0600000101010101" pitchFamily="50" charset="-127"/>
-              </a:rPr>
-              <a:t>체력이 </a:t>
-            </a:r>
-            <a:r>
-              <a:rPr lang="en-US" altLang="ko-KR">
-                <a:solidFill>
-                  <a:schemeClr val="bg1"/>
-                </a:solidFill>
-                <a:latin typeface="나눔스퀘어_ac Bold" panose="020B0600000101010101" pitchFamily="50" charset="-127"/>
-                <a:ea typeface="나눔스퀘어_ac Bold" panose="020B0600000101010101" pitchFamily="50" charset="-127"/>
-              </a:rPr>
-              <a:t>0</a:t>
-            </a:r>
-            <a:r>
-              <a:rPr lang="ko-KR" altLang="en-US">
-                <a:solidFill>
-                  <a:schemeClr val="bg1"/>
-                </a:solidFill>
-                <a:latin typeface="나눔스퀘어_ac Bold" panose="020B0600000101010101" pitchFamily="50" charset="-127"/>
-                <a:ea typeface="나눔스퀘어_ac Bold" panose="020B0600000101010101" pitchFamily="50" charset="-127"/>
-              </a:rPr>
-              <a:t>이 되었을 때 재시작 여부를 묻는 스크립트</a:t>
-            </a:r>
-          </a:p>
-        </p:txBody>
-      </p:sp>
-    </p:spTree>
-    <p:extLst>
-      <p:ext uri="{BB962C8B-B14F-4D97-AF65-F5344CB8AC3E}">
-        <p14:creationId xmlns:p14="http://schemas.microsoft.com/office/powerpoint/2010/main" val="588874538"/>
-      </p:ext>
-    </p:extLst>
-  </p:cSld>
-  <p:clrMapOvr>
-    <a:masterClrMapping/>
-  </p:clrMapOvr>
+  <p:timing>
+    <p:tnLst>
+      <p:par>
+        <p:cTn id="1" dur="indefinite" restart="never" nodeType="tmRoot">
+          <p:childTnLst>
+            <p:seq concurrent="1" nextAc="seek">
+              <p:cTn id="2" dur="indefinite" nodeType="mainSeq">
+                <p:childTnLst>
+                  <p:par>
+                    <p:cTn id="3" fill="hold">
+                      <p:stCondLst>
+                        <p:cond delay="indefinite"/>
+                      </p:stCondLst>
+                      <p:childTnLst>
+                        <p:par>
+                          <p:cTn id="4" fill="hold">
+                            <p:stCondLst>
+                              <p:cond delay="0"/>
+                            </p:stCondLst>
+                            <p:childTnLst>
+                              <p:par>
+                                <p:cTn id="5" presetID="10" presetClass="entr" presetSubtype="0" fill="hold" grpId="0" nodeType="clickEffect">
+                                  <p:stCondLst>
+                                    <p:cond delay="0"/>
+                                  </p:stCondLst>
+                                  <p:childTnLst>
+                                    <p:set>
+                                      <p:cBhvr>
+                                        <p:cTn id="6" dur="1" fill="hold">
+                                          <p:stCondLst>
+                                            <p:cond delay="0"/>
+                                          </p:stCondLst>
+                                        </p:cTn>
+                                        <p:tgtEl>
+                                          <p:spTgt spid="9"/>
+                                        </p:tgtEl>
+                                        <p:attrNameLst>
+                                          <p:attrName>style.visibility</p:attrName>
+                                        </p:attrNameLst>
+                                      </p:cBhvr>
+                                      <p:to>
+                                        <p:strVal val="visible"/>
+                                      </p:to>
+                                    </p:set>
+                                    <p:animEffect transition="in" filter="fade">
+                                      <p:cBhvr>
+                                        <p:cTn id="7" dur="250"/>
+                                        <p:tgtEl>
+                                          <p:spTgt spid="9"/>
+                                        </p:tgtEl>
+                                      </p:cBhvr>
+                                    </p:animEffect>
+                                  </p:childTnLst>
+                                </p:cTn>
+                              </p:par>
+                            </p:childTnLst>
+                          </p:cTn>
+                        </p:par>
+                      </p:childTnLst>
+                    </p:cTn>
+                  </p:par>
+                  <p:par>
+                    <p:cTn id="8" fill="hold">
+                      <p:stCondLst>
+                        <p:cond delay="indefinite"/>
+                      </p:stCondLst>
+                      <p:childTnLst>
+                        <p:par>
+                          <p:cTn id="9" fill="hold">
+                            <p:stCondLst>
+                              <p:cond delay="0"/>
+                            </p:stCondLst>
+                            <p:childTnLst>
+                              <p:par>
+                                <p:cTn id="10" presetID="10" presetClass="entr" presetSubtype="0" fill="hold" grpId="0" nodeType="clickEffect">
+                                  <p:stCondLst>
+                                    <p:cond delay="250"/>
+                                  </p:stCondLst>
+                                  <p:childTnLst>
+                                    <p:set>
+                                      <p:cBhvr>
+                                        <p:cTn id="11" dur="1" fill="hold">
+                                          <p:stCondLst>
+                                            <p:cond delay="0"/>
+                                          </p:stCondLst>
+                                        </p:cTn>
+                                        <p:tgtEl>
+                                          <p:spTgt spid="12"/>
+                                        </p:tgtEl>
+                                        <p:attrNameLst>
+                                          <p:attrName>style.visibility</p:attrName>
+                                        </p:attrNameLst>
+                                      </p:cBhvr>
+                                      <p:to>
+                                        <p:strVal val="visible"/>
+                                      </p:to>
+                                    </p:set>
+                                    <p:animEffect transition="in" filter="fade">
+                                      <p:cBhvr>
+                                        <p:cTn id="12" dur="250"/>
+                                        <p:tgtEl>
+                                          <p:spTgt spid="12"/>
+                                        </p:tgtEl>
+                                      </p:cBhvr>
+                                    </p:animEffect>
+                                  </p:childTnLst>
+                                </p:cTn>
+                              </p:par>
+                            </p:childTnLst>
+                          </p:cTn>
+                        </p:par>
+                      </p:childTnLst>
+                    </p:cTn>
+                  </p:par>
+                </p:childTnLst>
+              </p:cTn>
+              <p:prevCondLst>
+                <p:cond evt="onPrev" delay="0">
+                  <p:tgtEl>
+                    <p:sldTgt/>
+                  </p:tgtEl>
+                </p:cond>
+              </p:prevCondLst>
+              <p:nextCondLst>
+                <p:cond evt="onNext" delay="0">
+                  <p:tgtEl>
+                    <p:sldTgt/>
+                  </p:tgtEl>
+                </p:cond>
+              </p:nextCondLst>
+            </p:seq>
+          </p:childTnLst>
+        </p:cTn>
+      </p:par>
+    </p:tnLst>
+    <p:bldLst>
+      <p:bldP spid="9" grpId="0" animBg="1"/>
+      <p:bldP spid="12" grpId="0"/>
+    </p:bldLst>
+  </p:timing>
 </p:sld>
 </file>
 
@@ -7252,7 +6194,7 @@
           <p:cNvPr id="2" name="제목 1">
             <a:extLst>
               <a:ext uri="{FF2B5EF4-FFF2-40B4-BE49-F238E27FC236}">
-                <a16:creationId xmlns:a16="http://schemas.microsoft.com/office/drawing/2014/main" id="{CF6BE579-EB83-4693-A492-B88DB1B2E53D}"/>
+                <a16:creationId xmlns:a16="http://schemas.microsoft.com/office/drawing/2014/main" id="{A49AFCED-7438-466A-8901-5564C8D31D60}"/>
               </a:ext>
             </a:extLst>
           </p:cNvPr>
@@ -7269,25 +6211,18 @@
           <a:lstStyle/>
           <a:p>
             <a:r>
-              <a:rPr lang="ko-KR" altLang="en-US">
-                <a:latin typeface="+mj-lt"/>
-                <a:ea typeface="나눔스퀘어라운드 ExtraBold" panose="020B0600000101010101"/>
-              </a:rPr>
-              <a:t>각 스크립트가 하는 일</a:t>
-            </a:r>
-            <a:endParaRPr lang="ko-KR" altLang="en-US" dirty="0">
-              <a:latin typeface="+mj-lt"/>
-              <a:ea typeface="나눔스퀘어라운드 ExtraBold" panose="020B0600000101010101"/>
-            </a:endParaRPr>
-          </a:p>
-        </p:txBody>
-      </p:sp>
-      <p:sp>
-        <p:nvSpPr>
-          <p:cNvPr id="3" name="TextBox 2">
-            <a:extLst>
-              <a:ext uri="{FF2B5EF4-FFF2-40B4-BE49-F238E27FC236}">
-                <a16:creationId xmlns:a16="http://schemas.microsoft.com/office/drawing/2014/main" id="{0F82E973-412B-49D5-A86E-682C1A6EFB13}"/>
+              <a:rPr lang="ko-KR" altLang="en-US" dirty="0"/>
+              <a:t>게임을 만들어 봅시다</a:t>
+            </a:r>
+          </a:p>
+        </p:txBody>
+      </p:sp>
+      <p:sp>
+        <p:nvSpPr>
+          <p:cNvPr id="4" name="TextBox 3">
+            <a:extLst>
+              <a:ext uri="{FF2B5EF4-FFF2-40B4-BE49-F238E27FC236}">
+                <a16:creationId xmlns:a16="http://schemas.microsoft.com/office/drawing/2014/main" id="{246001D7-2647-470B-9A67-F2D7C0C1C862}"/>
               </a:ext>
             </a:extLst>
           </p:cNvPr>
@@ -7296,8 +6231,8 @@
         </p:nvSpPr>
         <p:spPr>
           <a:xfrm>
-            <a:off x="1" y="5708577"/>
-            <a:ext cx="1321724" cy="323165"/>
+            <a:off x="-587332" y="1813017"/>
+            <a:ext cx="13366663" cy="1678665"/>
           </a:xfrm>
           <a:prstGeom prst="rect">
             <a:avLst/>
@@ -7310,39 +6245,126 @@
           </a:bodyPr>
           <a:lstStyle/>
           <a:p>
-            <a:pPr algn="ctr"/>
-            <a:r>
-              <a:rPr lang="en-US" altLang="ko-KR" sz="1500">
+            <a:pPr algn="ctr">
+              <a:lnSpc>
+                <a:spcPct val="150000"/>
+              </a:lnSpc>
+            </a:pPr>
+            <a:r>
+              <a:rPr lang="ko-KR" altLang="en-US" sz="4000">
                 <a:solidFill>
-                  <a:schemeClr val="tx1">
-                    <a:lumMod val="50000"/>
-                    <a:lumOff val="50000"/>
-                  </a:schemeClr>
+                  <a:srgbClr val="FFC000"/>
                 </a:solidFill>
-                <a:latin typeface="나눔스퀘어_ac Bold" panose="020B0600000101010101" pitchFamily="50" charset="-127"/>
-                <a:ea typeface="나눔스퀘어_ac Bold" panose="020B0600000101010101" pitchFamily="50" charset="-127"/>
+                <a:latin typeface="나눔스퀘어라운드 ExtraBold" panose="020B0600000101010101" pitchFamily="50" charset="-127"/>
+                <a:ea typeface="나눔스퀘어라운드 ExtraBold" panose="020B0600000101010101" pitchFamily="50" charset="-127"/>
               </a:rPr>
-              <a:t>Background</a:t>
-            </a:r>
-            <a:endParaRPr lang="ko-KR" altLang="en-US" sz="1500">
+              <a:t>직접 게임을 만들어보는 실습시간입니다</a:t>
+            </a:r>
+            <a:endParaRPr lang="en-US" altLang="ko-KR" sz="4000">
               <a:solidFill>
-                <a:schemeClr val="tx1">
-                  <a:lumMod val="50000"/>
-                  <a:lumOff val="50000"/>
-                </a:schemeClr>
+                <a:srgbClr val="FFC000"/>
               </a:solidFill>
-              <a:latin typeface="나눔스퀘어_ac Bold" panose="020B0600000101010101" pitchFamily="50" charset="-127"/>
-              <a:ea typeface="나눔스퀘어_ac Bold" panose="020B0600000101010101" pitchFamily="50" charset="-127"/>
+              <a:latin typeface="나눔스퀘어라운드 ExtraBold" panose="020B0600000101010101" pitchFamily="50" charset="-127"/>
+              <a:ea typeface="나눔스퀘어라운드 ExtraBold" panose="020B0600000101010101" pitchFamily="50" charset="-127"/>
             </a:endParaRPr>
           </a:p>
-        </p:txBody>
-      </p:sp>
-      <p:sp>
-        <p:nvSpPr>
-          <p:cNvPr id="19" name="TextBox 18">
-            <a:extLst>
-              <a:ext uri="{FF2B5EF4-FFF2-40B4-BE49-F238E27FC236}">
-                <a16:creationId xmlns:a16="http://schemas.microsoft.com/office/drawing/2014/main" id="{A5BA5CEE-2595-4CFF-8CDA-D8944ADF7E3F}"/>
+          <a:p>
+            <a:pPr algn="ctr">
+              <a:lnSpc>
+                <a:spcPct val="150000"/>
+              </a:lnSpc>
+            </a:pPr>
+            <a:r>
+              <a:rPr lang="ko-KR" altLang="en-US" sz="3200">
+                <a:solidFill>
+                  <a:srgbClr val="FFC000"/>
+                </a:solidFill>
+                <a:latin typeface="나눔스퀘어라운드 ExtraBold" panose="020B0600000101010101" pitchFamily="50" charset="-127"/>
+                <a:ea typeface="나눔스퀘어라운드 ExtraBold" panose="020B0600000101010101" pitchFamily="50" charset="-127"/>
+              </a:rPr>
+              <a:t>어렵거나 질문이 있다면 강의자나 도우미들에게 말해주세요 😉</a:t>
+            </a:r>
+          </a:p>
+        </p:txBody>
+      </p:sp>
+      <p:pic>
+        <p:nvPicPr>
+          <p:cNvPr id="5" name="그림 4">
+            <a:extLst>
+              <a:ext uri="{FF2B5EF4-FFF2-40B4-BE49-F238E27FC236}">
+                <a16:creationId xmlns:a16="http://schemas.microsoft.com/office/drawing/2014/main" id="{F9A88BC2-DBEE-44BE-B8D8-9F1F7AE49438}"/>
+              </a:ext>
+            </a:extLst>
+          </p:cNvPr>
+          <p:cNvPicPr>
+            <a:picLocks noChangeAspect="1"/>
+          </p:cNvPicPr>
+          <p:nvPr/>
+        </p:nvPicPr>
+        <p:blipFill>
+          <a:blip r:embed="rId2">
+            <a:extLst>
+              <a:ext uri="{28A0092B-C50C-407E-A947-70E740481C1C}">
+                <a14:useLocalDpi xmlns:a14="http://schemas.microsoft.com/office/drawing/2010/main" val="0"/>
+              </a:ext>
+            </a:extLst>
+          </a:blip>
+          <a:stretch>
+            <a:fillRect/>
+          </a:stretch>
+        </p:blipFill>
+        <p:spPr>
+          <a:xfrm>
+            <a:off x="2989312" y="4888885"/>
+            <a:ext cx="1182727" cy="1194920"/>
+          </a:xfrm>
+          <a:prstGeom prst="rect">
+            <a:avLst/>
+          </a:prstGeom>
+        </p:spPr>
+      </p:pic>
+      <p:pic>
+        <p:nvPicPr>
+          <p:cNvPr id="6" name="그림 5">
+            <a:extLst>
+              <a:ext uri="{FF2B5EF4-FFF2-40B4-BE49-F238E27FC236}">
+                <a16:creationId xmlns:a16="http://schemas.microsoft.com/office/drawing/2014/main" id="{01CC85DB-6054-4448-AD87-609A63A6C936}"/>
+              </a:ext>
+            </a:extLst>
+          </p:cNvPr>
+          <p:cNvPicPr>
+            <a:picLocks noChangeAspect="1"/>
+          </p:cNvPicPr>
+          <p:nvPr/>
+        </p:nvPicPr>
+        <p:blipFill>
+          <a:blip r:embed="rId3">
+            <a:extLst>
+              <a:ext uri="{28A0092B-C50C-407E-A947-70E740481C1C}">
+                <a14:useLocalDpi xmlns:a14="http://schemas.microsoft.com/office/drawing/2010/main" val="0"/>
+              </a:ext>
+            </a:extLst>
+          </a:blip>
+          <a:stretch>
+            <a:fillRect/>
+          </a:stretch>
+        </p:blipFill>
+        <p:spPr>
+          <a:xfrm flipH="1">
+            <a:off x="7181718" y="4892503"/>
+            <a:ext cx="1176630" cy="1194920"/>
+          </a:xfrm>
+          <a:prstGeom prst="rect">
+            <a:avLst/>
+          </a:prstGeom>
+        </p:spPr>
+      </p:pic>
+      <p:sp>
+        <p:nvSpPr>
+          <p:cNvPr id="3" name="TextBox 2">
+            <a:extLst>
+              <a:ext uri="{FF2B5EF4-FFF2-40B4-BE49-F238E27FC236}">
+                <a16:creationId xmlns:a16="http://schemas.microsoft.com/office/drawing/2014/main" id="{7E988033-28DD-4376-978F-890F92F7FC21}"/>
               </a:ext>
             </a:extLst>
           </p:cNvPr>
@@ -7351,8 +6373,8 @@
         </p:nvSpPr>
         <p:spPr>
           <a:xfrm>
-            <a:off x="1321725" y="5708577"/>
-            <a:ext cx="1321724" cy="323165"/>
+            <a:off x="2584428" y="4427220"/>
+            <a:ext cx="1992493" cy="400110"/>
           </a:xfrm>
           <a:prstGeom prst="rect">
             <a:avLst/>
@@ -7365,289 +6387,37 @@
           </a:bodyPr>
           <a:lstStyle/>
           <a:p>
-            <a:pPr algn="ctr"/>
-            <a:r>
-              <a:rPr lang="en-US" altLang="ko-KR" sz="1500">
-                <a:solidFill>
-                  <a:schemeClr val="tx1">
-                    <a:lumMod val="50000"/>
-                    <a:lumOff val="50000"/>
-                  </a:schemeClr>
-                </a:solidFill>
-                <a:latin typeface="나눔스퀘어_ac Bold" panose="020B0600000101010101" pitchFamily="50" charset="-127"/>
-                <a:ea typeface="나눔스퀘어_ac Bold" panose="020B0600000101010101" pitchFamily="50" charset="-127"/>
-              </a:rPr>
-              <a:t>Destroyer</a:t>
-            </a:r>
-            <a:endParaRPr lang="ko-KR" altLang="en-US" sz="1500">
-              <a:solidFill>
-                <a:schemeClr val="tx1">
-                  <a:lumMod val="50000"/>
-                  <a:lumOff val="50000"/>
-                </a:schemeClr>
-              </a:solidFill>
-              <a:latin typeface="나눔스퀘어_ac Bold" panose="020B0600000101010101" pitchFamily="50" charset="-127"/>
-              <a:ea typeface="나눔스퀘어_ac Bold" panose="020B0600000101010101" pitchFamily="50" charset="-127"/>
-            </a:endParaRPr>
-          </a:p>
-        </p:txBody>
-      </p:sp>
-      <p:sp>
-        <p:nvSpPr>
-          <p:cNvPr id="20" name="TextBox 19">
-            <a:extLst>
-              <a:ext uri="{FF2B5EF4-FFF2-40B4-BE49-F238E27FC236}">
-                <a16:creationId xmlns:a16="http://schemas.microsoft.com/office/drawing/2014/main" id="{C8006016-2AB8-4C7E-9B6A-80BA3727E16D}"/>
-              </a:ext>
-            </a:extLst>
-          </p:cNvPr>
-          <p:cNvSpPr txBox="1"/>
-          <p:nvPr/>
-        </p:nvSpPr>
-        <p:spPr>
-          <a:xfrm>
-            <a:off x="2643449" y="5708577"/>
-            <a:ext cx="1321724" cy="323165"/>
-          </a:xfrm>
-          <a:prstGeom prst="rect">
-            <a:avLst/>
-          </a:prstGeom>
-          <a:noFill/>
-        </p:spPr>
-        <p:txBody>
-          <a:bodyPr wrap="square" rtlCol="0">
-            <a:spAutoFit/>
-          </a:bodyPr>
-          <a:lstStyle/>
-          <a:p>
-            <a:pPr algn="ctr"/>
-            <a:r>
-              <a:rPr lang="en-US" altLang="ko-KR" sz="1500">
-                <a:solidFill>
-                  <a:schemeClr val="tx1">
-                    <a:lumMod val="50000"/>
-                    <a:lumOff val="50000"/>
-                  </a:schemeClr>
-                </a:solidFill>
-                <a:latin typeface="나눔스퀘어_ac Bold" panose="020B0600000101010101" pitchFamily="50" charset="-127"/>
-                <a:ea typeface="나눔스퀘어_ac Bold" panose="020B0600000101010101" pitchFamily="50" charset="-127"/>
-              </a:rPr>
-              <a:t>Obstacle</a:t>
-            </a:r>
-            <a:endParaRPr lang="ko-KR" altLang="en-US" sz="1500">
-              <a:solidFill>
-                <a:schemeClr val="tx1">
-                  <a:lumMod val="50000"/>
-                  <a:lumOff val="50000"/>
-                </a:schemeClr>
-              </a:solidFill>
-              <a:latin typeface="나눔스퀘어_ac Bold" panose="020B0600000101010101" pitchFamily="50" charset="-127"/>
-              <a:ea typeface="나눔스퀘어_ac Bold" panose="020B0600000101010101" pitchFamily="50" charset="-127"/>
-            </a:endParaRPr>
-          </a:p>
-        </p:txBody>
-      </p:sp>
-      <p:sp>
-        <p:nvSpPr>
-          <p:cNvPr id="22" name="TextBox 21">
-            <a:extLst>
-              <a:ext uri="{FF2B5EF4-FFF2-40B4-BE49-F238E27FC236}">
-                <a16:creationId xmlns:a16="http://schemas.microsoft.com/office/drawing/2014/main" id="{1E2CE1AE-5593-4874-A51C-DB62DF8D8D26}"/>
-              </a:ext>
-            </a:extLst>
-          </p:cNvPr>
-          <p:cNvSpPr txBox="1"/>
-          <p:nvPr/>
-        </p:nvSpPr>
-        <p:spPr>
-          <a:xfrm>
-            <a:off x="3965173" y="5592198"/>
-            <a:ext cx="1321724" cy="553998"/>
-          </a:xfrm>
-          <a:prstGeom prst="rect">
-            <a:avLst/>
-          </a:prstGeom>
-          <a:noFill/>
-        </p:spPr>
-        <p:txBody>
-          <a:bodyPr wrap="square" rtlCol="0">
-            <a:spAutoFit/>
-          </a:bodyPr>
-          <a:lstStyle/>
-          <a:p>
-            <a:pPr algn="ctr"/>
-            <a:r>
-              <a:rPr lang="en-US" altLang="ko-KR" sz="1500">
-                <a:solidFill>
-                  <a:schemeClr val="tx1">
-                    <a:lumMod val="50000"/>
-                    <a:lumOff val="50000"/>
-                  </a:schemeClr>
-                </a:solidFill>
-                <a:latin typeface="나눔스퀘어_ac Bold" panose="020B0600000101010101" pitchFamily="50" charset="-127"/>
-                <a:ea typeface="나눔스퀘어_ac Bold" panose="020B0600000101010101" pitchFamily="50" charset="-127"/>
-              </a:rPr>
-              <a:t>Obstacle</a:t>
-            </a:r>
-          </a:p>
-          <a:p>
-            <a:pPr algn="ctr"/>
-            <a:r>
-              <a:rPr lang="en-US" altLang="ko-KR" sz="1500">
-                <a:solidFill>
-                  <a:schemeClr val="tx1">
-                    <a:lumMod val="50000"/>
-                    <a:lumOff val="50000"/>
-                  </a:schemeClr>
-                </a:solidFill>
-                <a:latin typeface="나눔스퀘어_ac Bold" panose="020B0600000101010101" pitchFamily="50" charset="-127"/>
-                <a:ea typeface="나눔스퀘어_ac Bold" panose="020B0600000101010101" pitchFamily="50" charset="-127"/>
-              </a:rPr>
-              <a:t>Spawn</a:t>
-            </a:r>
-          </a:p>
-        </p:txBody>
-      </p:sp>
-      <p:sp>
-        <p:nvSpPr>
-          <p:cNvPr id="23" name="TextBox 22">
-            <a:extLst>
-              <a:ext uri="{FF2B5EF4-FFF2-40B4-BE49-F238E27FC236}">
-                <a16:creationId xmlns:a16="http://schemas.microsoft.com/office/drawing/2014/main" id="{19F289F8-1916-4B70-A69B-601A38A93B9A}"/>
-              </a:ext>
-            </a:extLst>
-          </p:cNvPr>
-          <p:cNvSpPr txBox="1"/>
-          <p:nvPr/>
-        </p:nvSpPr>
-        <p:spPr>
-          <a:xfrm>
-            <a:off x="5286897" y="5708577"/>
-            <a:ext cx="1321724" cy="323165"/>
-          </a:xfrm>
-          <a:prstGeom prst="rect">
-            <a:avLst/>
-          </a:prstGeom>
-          <a:noFill/>
-        </p:spPr>
-        <p:txBody>
-          <a:bodyPr wrap="square" rtlCol="0">
-            <a:spAutoFit/>
-          </a:bodyPr>
-          <a:lstStyle/>
-          <a:p>
-            <a:pPr algn="ctr"/>
-            <a:r>
-              <a:rPr lang="en-US" altLang="ko-KR" sz="1500">
-                <a:solidFill>
-                  <a:schemeClr val="tx1">
-                    <a:lumMod val="50000"/>
-                    <a:lumOff val="50000"/>
-                  </a:schemeClr>
-                </a:solidFill>
-                <a:latin typeface="나눔스퀘어_ac Bold" panose="020B0600000101010101" pitchFamily="50" charset="-127"/>
-                <a:ea typeface="나눔스퀘어_ac Bold" panose="020B0600000101010101" pitchFamily="50" charset="-127"/>
-              </a:rPr>
-              <a:t>Player</a:t>
-            </a:r>
-            <a:endParaRPr lang="ko-KR" altLang="en-US" sz="1500">
-              <a:solidFill>
-                <a:schemeClr val="tx1">
-                  <a:lumMod val="50000"/>
-                  <a:lumOff val="50000"/>
-                </a:schemeClr>
-              </a:solidFill>
-              <a:latin typeface="나눔스퀘어_ac Bold" panose="020B0600000101010101" pitchFamily="50" charset="-127"/>
-              <a:ea typeface="나눔스퀘어_ac Bold" panose="020B0600000101010101" pitchFamily="50" charset="-127"/>
-            </a:endParaRPr>
-          </a:p>
-        </p:txBody>
-      </p:sp>
-      <p:sp>
-        <p:nvSpPr>
-          <p:cNvPr id="24" name="TextBox 23">
-            <a:extLst>
-              <a:ext uri="{FF2B5EF4-FFF2-40B4-BE49-F238E27FC236}">
-                <a16:creationId xmlns:a16="http://schemas.microsoft.com/office/drawing/2014/main" id="{A6CFE8D9-F79A-430B-9CC1-63604C355BD6}"/>
-              </a:ext>
-            </a:extLst>
-          </p:cNvPr>
-          <p:cNvSpPr txBox="1"/>
-          <p:nvPr/>
-        </p:nvSpPr>
-        <p:spPr>
-          <a:xfrm>
-            <a:off x="6608621" y="5708577"/>
-            <a:ext cx="1321724" cy="323165"/>
-          </a:xfrm>
-          <a:prstGeom prst="rect">
-            <a:avLst/>
-          </a:prstGeom>
-          <a:noFill/>
-        </p:spPr>
-        <p:txBody>
-          <a:bodyPr wrap="square" rtlCol="0">
-            <a:spAutoFit/>
-          </a:bodyPr>
-          <a:lstStyle/>
-          <a:p>
-            <a:pPr algn="ctr"/>
-            <a:r>
-              <a:rPr lang="en-US" altLang="ko-KR" sz="1500">
-                <a:solidFill>
-                  <a:schemeClr val="tx1">
-                    <a:lumMod val="50000"/>
-                    <a:lumOff val="50000"/>
-                  </a:schemeClr>
-                </a:solidFill>
-                <a:latin typeface="나눔스퀘어_ac Bold" panose="020B0600000101010101" pitchFamily="50" charset="-127"/>
-                <a:ea typeface="나눔스퀘어_ac Bold" panose="020B0600000101010101" pitchFamily="50" charset="-127"/>
-              </a:rPr>
-              <a:t>Restart</a:t>
-            </a:r>
-          </a:p>
-        </p:txBody>
-      </p:sp>
-      <p:sp>
-        <p:nvSpPr>
-          <p:cNvPr id="25" name="TextBox 24">
-            <a:extLst>
-              <a:ext uri="{FF2B5EF4-FFF2-40B4-BE49-F238E27FC236}">
-                <a16:creationId xmlns:a16="http://schemas.microsoft.com/office/drawing/2014/main" id="{26DE6411-C1E7-49CA-A36D-AC408134BAE2}"/>
-              </a:ext>
-            </a:extLst>
-          </p:cNvPr>
-          <p:cNvSpPr txBox="1"/>
-          <p:nvPr/>
-        </p:nvSpPr>
-        <p:spPr>
-          <a:xfrm>
-            <a:off x="7930345" y="5708577"/>
-            <a:ext cx="1321724" cy="323165"/>
-          </a:xfrm>
-          <a:prstGeom prst="rect">
-            <a:avLst/>
-          </a:prstGeom>
-          <a:noFill/>
-        </p:spPr>
-        <p:txBody>
-          <a:bodyPr wrap="square" rtlCol="0">
-            <a:spAutoFit/>
-          </a:bodyPr>
-          <a:lstStyle/>
-          <a:p>
-            <a:pPr algn="ctr"/>
-            <a:r>
-              <a:rPr lang="en-US" altLang="ko-KR" sz="1500">
+            <a:r>
+              <a:rPr lang="ko-KR" altLang="en-US" sz="2000" dirty="0" err="1">
                 <a:solidFill>
                   <a:schemeClr val="bg1"/>
                 </a:solidFill>
                 <a:latin typeface="나눔스퀘어_ac Bold" panose="020B0600000101010101" pitchFamily="50" charset="-127"/>
                 <a:ea typeface="나눔스퀘어_ac Bold" panose="020B0600000101010101" pitchFamily="50" charset="-127"/>
               </a:rPr>
-              <a:t>Score</a:t>
-            </a:r>
-            <a:endParaRPr lang="ko-KR" altLang="en-US" sz="1500">
+              <a:t>모르는게</a:t>
+            </a:r>
+            <a:r>
+              <a:rPr lang="ko-KR" altLang="en-US" sz="2000" dirty="0">
+                <a:solidFill>
+                  <a:schemeClr val="bg1"/>
+                </a:solidFill>
+                <a:latin typeface="나눔스퀘어_ac Bold" panose="020B0600000101010101" pitchFamily="50" charset="-127"/>
+                <a:ea typeface="나눔스퀘어_ac Bold" panose="020B0600000101010101" pitchFamily="50" charset="-127"/>
+              </a:rPr>
+              <a:t> 당연해</a:t>
+            </a:r>
+            <a:r>
+              <a:rPr lang="en-US" altLang="ko-KR" sz="2000" dirty="0">
+                <a:solidFill>
+                  <a:schemeClr val="bg1"/>
+                </a:solidFill>
+                <a:latin typeface="나눔스퀘어_ac Bold" panose="020B0600000101010101" pitchFamily="50" charset="-127"/>
+                <a:ea typeface="나눔스퀘어_ac Bold" panose="020B0600000101010101" pitchFamily="50" charset="-127"/>
+              </a:rPr>
+              <a:t>~</a:t>
+            </a:r>
+            <a:endParaRPr lang="ko-KR" altLang="en-US" sz="2000" dirty="0">
               <a:solidFill>
                 <a:schemeClr val="bg1"/>
               </a:solidFill>
@@ -7659,10 +6429,10 @@
       </p:sp>
       <p:sp>
         <p:nvSpPr>
-          <p:cNvPr id="26" name="TextBox 25">
-            <a:extLst>
-              <a:ext uri="{FF2B5EF4-FFF2-40B4-BE49-F238E27FC236}">
-                <a16:creationId xmlns:a16="http://schemas.microsoft.com/office/drawing/2014/main" id="{8C2FAF1F-394E-41F5-ACF2-67855C794C73}"/>
+          <p:cNvPr id="7" name="TextBox 6">
+            <a:extLst>
+              <a:ext uri="{FF2B5EF4-FFF2-40B4-BE49-F238E27FC236}">
+                <a16:creationId xmlns:a16="http://schemas.microsoft.com/office/drawing/2014/main" id="{8ADFF770-8FBB-4234-A49C-2B1FFE5A1E93}"/>
               </a:ext>
             </a:extLst>
           </p:cNvPr>
@@ -7671,8 +6441,8 @@
         </p:nvSpPr>
         <p:spPr>
           <a:xfrm>
-            <a:off x="9252069" y="5708577"/>
-            <a:ext cx="1321724" cy="323165"/>
+            <a:off x="6729691" y="4427220"/>
+            <a:ext cx="2575175" cy="400110"/>
           </a:xfrm>
           <a:prstGeom prst="rect">
             <a:avLst/>
@@ -7685,18 +6455,27 @@
           </a:bodyPr>
           <a:lstStyle/>
           <a:p>
-            <a:pPr algn="ctr"/>
-            <a:r>
-              <a:rPr lang="en-US" altLang="ko-KR" sz="1500">
+            <a:r>
+              <a:rPr lang="ko-KR" altLang="en-US" sz="2000">
                 <a:solidFill>
                   <a:schemeClr val="bg1"/>
                 </a:solidFill>
                 <a:latin typeface="나눔스퀘어_ac Bold" panose="020B0600000101010101" pitchFamily="50" charset="-127"/>
                 <a:ea typeface="나눔스퀘어_ac Bold" panose="020B0600000101010101" pitchFamily="50" charset="-127"/>
               </a:rPr>
-              <a:t>Spawner</a:t>
-            </a:r>
-            <a:endParaRPr lang="ko-KR" altLang="en-US" sz="1500">
+              <a:t>겁내지 말고 질문하기</a:t>
+            </a:r>
+            <a:r>
+              <a:rPr lang="en-US" altLang="ko-KR" sz="2000">
+                <a:solidFill>
+                  <a:schemeClr val="bg1"/>
+                </a:solidFill>
+                <a:latin typeface="나눔스퀘어_ac Bold" panose="020B0600000101010101" pitchFamily="50" charset="-127"/>
+                <a:ea typeface="나눔스퀘어_ac Bold" panose="020B0600000101010101" pitchFamily="50" charset="-127"/>
+              </a:rPr>
+              <a:t>!</a:t>
+            </a:r>
+            <a:endParaRPr lang="ko-KR" altLang="en-US" sz="2000">
               <a:solidFill>
                 <a:schemeClr val="bg1"/>
               </a:solidFill>
@@ -7706,589 +6485,10 @@
           </a:p>
         </p:txBody>
       </p:sp>
-      <p:sp>
-        <p:nvSpPr>
-          <p:cNvPr id="27" name="TextBox 26">
-            <a:extLst>
-              <a:ext uri="{FF2B5EF4-FFF2-40B4-BE49-F238E27FC236}">
-                <a16:creationId xmlns:a16="http://schemas.microsoft.com/office/drawing/2014/main" id="{373D7618-DB57-4D67-A909-1FC973B5815A}"/>
-              </a:ext>
-            </a:extLst>
-          </p:cNvPr>
-          <p:cNvSpPr txBox="1"/>
-          <p:nvPr/>
-        </p:nvSpPr>
-        <p:spPr>
-          <a:xfrm>
-            <a:off x="10573793" y="5708577"/>
-            <a:ext cx="1321724" cy="323165"/>
-          </a:xfrm>
-          <a:prstGeom prst="rect">
-            <a:avLst/>
-          </a:prstGeom>
-          <a:noFill/>
-        </p:spPr>
-        <p:txBody>
-          <a:bodyPr wrap="square" rtlCol="0">
-            <a:spAutoFit/>
-          </a:bodyPr>
-          <a:lstStyle/>
-          <a:p>
-            <a:pPr algn="ctr"/>
-            <a:r>
-              <a:rPr lang="en-US" altLang="ko-KR" sz="1500">
-                <a:solidFill>
-                  <a:schemeClr val="bg1"/>
-                </a:solidFill>
-                <a:latin typeface="나눔스퀘어_ac Bold" panose="020B0600000101010101" pitchFamily="50" charset="-127"/>
-                <a:ea typeface="나눔스퀘어_ac Bold" panose="020B0600000101010101" pitchFamily="50" charset="-127"/>
-              </a:rPr>
-              <a:t>TitleScene</a:t>
-            </a:r>
-            <a:endParaRPr lang="ko-KR" altLang="en-US" sz="1500">
-              <a:solidFill>
-                <a:schemeClr val="bg1"/>
-              </a:solidFill>
-              <a:latin typeface="나눔스퀘어_ac Bold" panose="020B0600000101010101" pitchFamily="50" charset="-127"/>
-              <a:ea typeface="나눔스퀘어_ac Bold" panose="020B0600000101010101" pitchFamily="50" charset="-127"/>
-            </a:endParaRPr>
-          </a:p>
-        </p:txBody>
-      </p:sp>
-      <p:sp>
-        <p:nvSpPr>
-          <p:cNvPr id="4" name="사각형: 잘린 한쪽 모서리 3">
-            <a:extLst>
-              <a:ext uri="{FF2B5EF4-FFF2-40B4-BE49-F238E27FC236}">
-                <a16:creationId xmlns:a16="http://schemas.microsoft.com/office/drawing/2014/main" id="{D6DDBFDC-8A41-4205-8C16-2FB00D9642C2}"/>
-              </a:ext>
-            </a:extLst>
-          </p:cNvPr>
-          <p:cNvSpPr/>
-          <p:nvPr/>
-        </p:nvSpPr>
-        <p:spPr>
-          <a:xfrm>
-            <a:off x="1002736" y="972588"/>
-            <a:ext cx="637978" cy="889463"/>
-          </a:xfrm>
-          <a:prstGeom prst="snip1Rect">
-            <a:avLst>
-              <a:gd name="adj" fmla="val 24405"/>
-            </a:avLst>
-          </a:prstGeom>
-          <a:solidFill>
-            <a:schemeClr val="bg1"/>
-          </a:solidFill>
-          <a:ln>
-            <a:noFill/>
-          </a:ln>
-        </p:spPr>
-        <p:style>
-          <a:lnRef idx="2">
-            <a:schemeClr val="accent1">
-              <a:shade val="50000"/>
-            </a:schemeClr>
-          </a:lnRef>
-          <a:fillRef idx="1">
-            <a:schemeClr val="accent1"/>
-          </a:fillRef>
-          <a:effectRef idx="0">
-            <a:schemeClr val="accent1"/>
-          </a:effectRef>
-          <a:fontRef idx="minor">
-            <a:schemeClr val="lt1"/>
-          </a:fontRef>
-        </p:style>
-        <p:txBody>
-          <a:bodyPr rtlCol="0" anchor="ctr"/>
-          <a:lstStyle/>
-          <a:p>
-            <a:pPr algn="r"/>
-            <a:r>
-              <a:rPr lang="en-US" altLang="ko-KR" sz="5400">
-                <a:solidFill>
-                  <a:srgbClr val="00B050"/>
-                </a:solidFill>
-                <a:latin typeface="나눔스퀘어_ac Bold" panose="020B0600000101010101" pitchFamily="50" charset="-127"/>
-                <a:ea typeface="나눔스퀘어_ac Bold" panose="020B0600000101010101" pitchFamily="50" charset="-127"/>
-              </a:rPr>
-              <a:t>#</a:t>
-            </a:r>
-            <a:endParaRPr lang="ko-KR" altLang="en-US" sz="5400">
-              <a:solidFill>
-                <a:srgbClr val="00B050"/>
-              </a:solidFill>
-              <a:latin typeface="나눔스퀘어_ac Bold" panose="020B0600000101010101" pitchFamily="50" charset="-127"/>
-              <a:ea typeface="나눔스퀘어_ac Bold" panose="020B0600000101010101" pitchFamily="50" charset="-127"/>
-            </a:endParaRPr>
-          </a:p>
-        </p:txBody>
-      </p:sp>
-      <p:sp>
-        <p:nvSpPr>
-          <p:cNvPr id="32" name="TextBox 31">
-            <a:extLst>
-              <a:ext uri="{FF2B5EF4-FFF2-40B4-BE49-F238E27FC236}">
-                <a16:creationId xmlns:a16="http://schemas.microsoft.com/office/drawing/2014/main" id="{3ED7B2B1-0DAD-4126-A60D-960701C69F5D}"/>
-              </a:ext>
-            </a:extLst>
-          </p:cNvPr>
-          <p:cNvSpPr txBox="1"/>
-          <p:nvPr/>
-        </p:nvSpPr>
-        <p:spPr>
-          <a:xfrm>
-            <a:off x="509156" y="1877097"/>
-            <a:ext cx="1625137" cy="307777"/>
-          </a:xfrm>
-          <a:prstGeom prst="rect">
-            <a:avLst/>
-          </a:prstGeom>
-          <a:noFill/>
-        </p:spPr>
-        <p:txBody>
-          <a:bodyPr wrap="square" rtlCol="0">
-            <a:spAutoFit/>
-          </a:bodyPr>
-          <a:lstStyle/>
-          <a:p>
-            <a:pPr algn="ctr"/>
-            <a:r>
-              <a:rPr lang="en-US" altLang="ko-KR" sz="1400">
-                <a:solidFill>
-                  <a:schemeClr val="bg1"/>
-                </a:solidFill>
-                <a:latin typeface="나눔스퀘어라운드 ExtraBold" panose="020B0600000101010101" pitchFamily="50" charset="-127"/>
-                <a:ea typeface="나눔스퀘어라운드 ExtraBold" panose="020B0600000101010101" pitchFamily="50" charset="-127"/>
-              </a:rPr>
-              <a:t>Score</a:t>
-            </a:r>
-            <a:endParaRPr lang="ko-KR" altLang="en-US" sz="1400">
-              <a:solidFill>
-                <a:schemeClr val="bg1"/>
-              </a:solidFill>
-              <a:latin typeface="나눔스퀘어라운드 ExtraBold" panose="020B0600000101010101" pitchFamily="50" charset="-127"/>
-              <a:ea typeface="나눔스퀘어라운드 ExtraBold" panose="020B0600000101010101" pitchFamily="50" charset="-127"/>
-            </a:endParaRPr>
-          </a:p>
-        </p:txBody>
-      </p:sp>
-      <p:sp>
-        <p:nvSpPr>
-          <p:cNvPr id="37" name="사각형: 잘린 한쪽 모서리 36">
-            <a:extLst>
-              <a:ext uri="{FF2B5EF4-FFF2-40B4-BE49-F238E27FC236}">
-                <a16:creationId xmlns:a16="http://schemas.microsoft.com/office/drawing/2014/main" id="{DC99BD21-04F8-4B56-A178-36588D1E9170}"/>
-              </a:ext>
-            </a:extLst>
-          </p:cNvPr>
-          <p:cNvSpPr/>
-          <p:nvPr/>
-        </p:nvSpPr>
-        <p:spPr>
-          <a:xfrm>
-            <a:off x="1002736" y="2517176"/>
-            <a:ext cx="637978" cy="889463"/>
-          </a:xfrm>
-          <a:prstGeom prst="snip1Rect">
-            <a:avLst>
-              <a:gd name="adj" fmla="val 24405"/>
-            </a:avLst>
-          </a:prstGeom>
-          <a:solidFill>
-            <a:schemeClr val="bg1"/>
-          </a:solidFill>
-          <a:ln>
-            <a:noFill/>
-          </a:ln>
-        </p:spPr>
-        <p:style>
-          <a:lnRef idx="2">
-            <a:schemeClr val="accent1">
-              <a:shade val="50000"/>
-            </a:schemeClr>
-          </a:lnRef>
-          <a:fillRef idx="1">
-            <a:schemeClr val="accent1"/>
-          </a:fillRef>
-          <a:effectRef idx="0">
-            <a:schemeClr val="accent1"/>
-          </a:effectRef>
-          <a:fontRef idx="minor">
-            <a:schemeClr val="lt1"/>
-          </a:fontRef>
-        </p:style>
-        <p:txBody>
-          <a:bodyPr rtlCol="0" anchor="ctr"/>
-          <a:lstStyle/>
-          <a:p>
-            <a:pPr algn="r"/>
-            <a:r>
-              <a:rPr lang="en-US" altLang="ko-KR" sz="5400">
-                <a:solidFill>
-                  <a:srgbClr val="00B050"/>
-                </a:solidFill>
-                <a:latin typeface="나눔스퀘어_ac Bold" panose="020B0600000101010101" pitchFamily="50" charset="-127"/>
-                <a:ea typeface="나눔스퀘어_ac Bold" panose="020B0600000101010101" pitchFamily="50" charset="-127"/>
-              </a:rPr>
-              <a:t>#</a:t>
-            </a:r>
-            <a:endParaRPr lang="ko-KR" altLang="en-US" sz="5400">
-              <a:solidFill>
-                <a:srgbClr val="00B050"/>
-              </a:solidFill>
-              <a:latin typeface="나눔스퀘어_ac Bold" panose="020B0600000101010101" pitchFamily="50" charset="-127"/>
-              <a:ea typeface="나눔스퀘어_ac Bold" panose="020B0600000101010101" pitchFamily="50" charset="-127"/>
-            </a:endParaRPr>
-          </a:p>
-        </p:txBody>
-      </p:sp>
-      <p:sp>
-        <p:nvSpPr>
-          <p:cNvPr id="38" name="TextBox 37">
-            <a:extLst>
-              <a:ext uri="{FF2B5EF4-FFF2-40B4-BE49-F238E27FC236}">
-                <a16:creationId xmlns:a16="http://schemas.microsoft.com/office/drawing/2014/main" id="{244C360D-BEFE-4B8F-98DE-D5A0A86ED2A6}"/>
-              </a:ext>
-            </a:extLst>
-          </p:cNvPr>
-          <p:cNvSpPr txBox="1"/>
-          <p:nvPr/>
-        </p:nvSpPr>
-        <p:spPr>
-          <a:xfrm>
-            <a:off x="660863" y="3421685"/>
-            <a:ext cx="1321724" cy="307777"/>
-          </a:xfrm>
-          <a:prstGeom prst="rect">
-            <a:avLst/>
-          </a:prstGeom>
-          <a:noFill/>
-        </p:spPr>
-        <p:txBody>
-          <a:bodyPr wrap="square" rtlCol="0">
-            <a:spAutoFit/>
-          </a:bodyPr>
-          <a:lstStyle/>
-          <a:p>
-            <a:pPr algn="ctr"/>
-            <a:r>
-              <a:rPr lang="en-US" altLang="ko-KR" sz="1400">
-                <a:solidFill>
-                  <a:schemeClr val="bg1"/>
-                </a:solidFill>
-                <a:latin typeface="나눔스퀘어라운드 ExtraBold" panose="020B0600000101010101" pitchFamily="50" charset="-127"/>
-                <a:ea typeface="나눔스퀘어라운드 ExtraBold" panose="020B0600000101010101" pitchFamily="50" charset="-127"/>
-              </a:rPr>
-              <a:t>Spawner</a:t>
-            </a:r>
-            <a:endParaRPr lang="ko-KR" altLang="en-US" sz="1400">
-              <a:solidFill>
-                <a:schemeClr val="bg1"/>
-              </a:solidFill>
-              <a:latin typeface="나눔스퀘어라운드 ExtraBold" panose="020B0600000101010101" pitchFamily="50" charset="-127"/>
-              <a:ea typeface="나눔스퀘어라운드 ExtraBold" panose="020B0600000101010101" pitchFamily="50" charset="-127"/>
-            </a:endParaRPr>
-          </a:p>
-        </p:txBody>
-      </p:sp>
-      <p:sp>
-        <p:nvSpPr>
-          <p:cNvPr id="39" name="사각형: 잘린 한쪽 모서리 38">
-            <a:extLst>
-              <a:ext uri="{FF2B5EF4-FFF2-40B4-BE49-F238E27FC236}">
-                <a16:creationId xmlns:a16="http://schemas.microsoft.com/office/drawing/2014/main" id="{497F2E94-5CAA-49DF-B86F-2A5FF1D26295}"/>
-              </a:ext>
-            </a:extLst>
-          </p:cNvPr>
-          <p:cNvSpPr/>
-          <p:nvPr/>
-        </p:nvSpPr>
-        <p:spPr>
-          <a:xfrm>
-            <a:off x="1002736" y="4112876"/>
-            <a:ext cx="637978" cy="889463"/>
-          </a:xfrm>
-          <a:prstGeom prst="snip1Rect">
-            <a:avLst>
-              <a:gd name="adj" fmla="val 24405"/>
-            </a:avLst>
-          </a:prstGeom>
-          <a:solidFill>
-            <a:schemeClr val="bg1"/>
-          </a:solidFill>
-          <a:ln>
-            <a:noFill/>
-          </a:ln>
-        </p:spPr>
-        <p:style>
-          <a:lnRef idx="2">
-            <a:schemeClr val="accent1">
-              <a:shade val="50000"/>
-            </a:schemeClr>
-          </a:lnRef>
-          <a:fillRef idx="1">
-            <a:schemeClr val="accent1"/>
-          </a:fillRef>
-          <a:effectRef idx="0">
-            <a:schemeClr val="accent1"/>
-          </a:effectRef>
-          <a:fontRef idx="minor">
-            <a:schemeClr val="lt1"/>
-          </a:fontRef>
-        </p:style>
-        <p:txBody>
-          <a:bodyPr rtlCol="0" anchor="ctr"/>
-          <a:lstStyle/>
-          <a:p>
-            <a:pPr algn="r"/>
-            <a:r>
-              <a:rPr lang="en-US" altLang="ko-KR" sz="5400">
-                <a:solidFill>
-                  <a:srgbClr val="00B050"/>
-                </a:solidFill>
-                <a:latin typeface="나눔스퀘어_ac Bold" panose="020B0600000101010101" pitchFamily="50" charset="-127"/>
-                <a:ea typeface="나눔스퀘어_ac Bold" panose="020B0600000101010101" pitchFamily="50" charset="-127"/>
-              </a:rPr>
-              <a:t>#</a:t>
-            </a:r>
-            <a:endParaRPr lang="ko-KR" altLang="en-US" sz="5400">
-              <a:solidFill>
-                <a:srgbClr val="00B050"/>
-              </a:solidFill>
-              <a:latin typeface="나눔스퀘어_ac Bold" panose="020B0600000101010101" pitchFamily="50" charset="-127"/>
-              <a:ea typeface="나눔스퀘어_ac Bold" panose="020B0600000101010101" pitchFamily="50" charset="-127"/>
-            </a:endParaRPr>
-          </a:p>
-        </p:txBody>
-      </p:sp>
-      <p:sp>
-        <p:nvSpPr>
-          <p:cNvPr id="40" name="TextBox 39">
-            <a:extLst>
-              <a:ext uri="{FF2B5EF4-FFF2-40B4-BE49-F238E27FC236}">
-                <a16:creationId xmlns:a16="http://schemas.microsoft.com/office/drawing/2014/main" id="{10A84BBC-469F-4387-983B-816DEA514E4C}"/>
-              </a:ext>
-            </a:extLst>
-          </p:cNvPr>
-          <p:cNvSpPr txBox="1"/>
-          <p:nvPr/>
-        </p:nvSpPr>
-        <p:spPr>
-          <a:xfrm>
-            <a:off x="660863" y="5017385"/>
-            <a:ext cx="1321724" cy="307777"/>
-          </a:xfrm>
-          <a:prstGeom prst="rect">
-            <a:avLst/>
-          </a:prstGeom>
-          <a:noFill/>
-        </p:spPr>
-        <p:txBody>
-          <a:bodyPr wrap="square" rtlCol="0">
-            <a:spAutoFit/>
-          </a:bodyPr>
-          <a:lstStyle/>
-          <a:p>
-            <a:pPr algn="ctr"/>
-            <a:r>
-              <a:rPr lang="en-US" altLang="ko-KR" sz="1400">
-                <a:solidFill>
-                  <a:schemeClr val="bg1"/>
-                </a:solidFill>
-                <a:latin typeface="나눔스퀘어라운드 ExtraBold" panose="020B0600000101010101" pitchFamily="50" charset="-127"/>
-                <a:ea typeface="나눔스퀘어라운드 ExtraBold" panose="020B0600000101010101" pitchFamily="50" charset="-127"/>
-              </a:rPr>
-              <a:t>TitleScene</a:t>
-            </a:r>
-            <a:endParaRPr lang="ko-KR" altLang="en-US" sz="1400">
-              <a:solidFill>
-                <a:schemeClr val="bg1"/>
-              </a:solidFill>
-              <a:latin typeface="나눔스퀘어라운드 ExtraBold" panose="020B0600000101010101" pitchFamily="50" charset="-127"/>
-              <a:ea typeface="나눔스퀘어라운드 ExtraBold" panose="020B0600000101010101" pitchFamily="50" charset="-127"/>
-            </a:endParaRPr>
-          </a:p>
-        </p:txBody>
-      </p:sp>
-      <p:sp>
-        <p:nvSpPr>
-          <p:cNvPr id="5" name="TextBox 4">
-            <a:extLst>
-              <a:ext uri="{FF2B5EF4-FFF2-40B4-BE49-F238E27FC236}">
-                <a16:creationId xmlns:a16="http://schemas.microsoft.com/office/drawing/2014/main" id="{FCCE6010-5666-41BC-90D9-8F0537C3D629}"/>
-              </a:ext>
-            </a:extLst>
-          </p:cNvPr>
-          <p:cNvSpPr txBox="1"/>
-          <p:nvPr/>
-        </p:nvSpPr>
-        <p:spPr>
-          <a:xfrm>
-            <a:off x="2176985" y="1327903"/>
-            <a:ext cx="4647764" cy="369332"/>
-          </a:xfrm>
-          <a:prstGeom prst="rect">
-            <a:avLst/>
-          </a:prstGeom>
-          <a:noFill/>
-        </p:spPr>
-        <p:txBody>
-          <a:bodyPr wrap="square" rtlCol="0">
-            <a:spAutoFit/>
-          </a:bodyPr>
-          <a:lstStyle/>
-          <a:p>
-            <a:r>
-              <a:rPr lang="ko-KR" altLang="en-US">
-                <a:solidFill>
-                  <a:schemeClr val="bg1"/>
-                </a:solidFill>
-                <a:latin typeface="나눔스퀘어_ac Bold" panose="020B0600000101010101" pitchFamily="50" charset="-127"/>
-                <a:ea typeface="나눔스퀘어_ac Bold" panose="020B0600000101010101" pitchFamily="50" charset="-127"/>
-              </a:rPr>
-              <a:t>점수가 오르는 기능을 가진 스크립트</a:t>
-            </a:r>
-          </a:p>
-        </p:txBody>
-      </p:sp>
-      <p:sp>
-        <p:nvSpPr>
-          <p:cNvPr id="42" name="TextBox 41">
-            <a:extLst>
-              <a:ext uri="{FF2B5EF4-FFF2-40B4-BE49-F238E27FC236}">
-                <a16:creationId xmlns:a16="http://schemas.microsoft.com/office/drawing/2014/main" id="{62EEF49B-580F-4DC5-B334-9D006AB213A9}"/>
-              </a:ext>
-            </a:extLst>
-          </p:cNvPr>
-          <p:cNvSpPr txBox="1"/>
-          <p:nvPr/>
-        </p:nvSpPr>
-        <p:spPr>
-          <a:xfrm>
-            <a:off x="2176985" y="2777241"/>
-            <a:ext cx="7075084" cy="369332"/>
-          </a:xfrm>
-          <a:prstGeom prst="rect">
-            <a:avLst/>
-          </a:prstGeom>
-          <a:noFill/>
-        </p:spPr>
-        <p:txBody>
-          <a:bodyPr wrap="square" rtlCol="0">
-            <a:spAutoFit/>
-          </a:bodyPr>
-          <a:lstStyle/>
-          <a:p>
-            <a:r>
-              <a:rPr lang="en-US" altLang="ko-KR">
-                <a:solidFill>
-                  <a:schemeClr val="bg1"/>
-                </a:solidFill>
-                <a:latin typeface="나눔스퀘어_ac Bold" panose="020B0600000101010101" pitchFamily="50" charset="-127"/>
-                <a:ea typeface="나눔스퀘어_ac Bold" panose="020B0600000101010101" pitchFamily="50" charset="-127"/>
-              </a:rPr>
-              <a:t>3</a:t>
-            </a:r>
-            <a:r>
-              <a:rPr lang="ko-KR" altLang="en-US">
-                <a:solidFill>
-                  <a:schemeClr val="bg1"/>
-                </a:solidFill>
-                <a:latin typeface="나눔스퀘어_ac Bold" panose="020B0600000101010101" pitchFamily="50" charset="-127"/>
-                <a:ea typeface="나눔스퀘어_ac Bold" panose="020B0600000101010101" pitchFamily="50" charset="-127"/>
-              </a:rPr>
-              <a:t>개의 라인 중 랜덤한 </a:t>
-            </a:r>
-            <a:r>
-              <a:rPr lang="en-US" altLang="ko-KR">
-                <a:solidFill>
-                  <a:schemeClr val="bg1"/>
-                </a:solidFill>
-                <a:latin typeface="나눔스퀘어_ac Bold" panose="020B0600000101010101" pitchFamily="50" charset="-127"/>
-                <a:ea typeface="나눔스퀘어_ac Bold" panose="020B0600000101010101" pitchFamily="50" charset="-127"/>
-              </a:rPr>
-              <a:t>2</a:t>
-            </a:r>
-            <a:r>
-              <a:rPr lang="ko-KR" altLang="en-US">
-                <a:solidFill>
-                  <a:schemeClr val="bg1"/>
-                </a:solidFill>
-                <a:latin typeface="나눔스퀘어_ac Bold" panose="020B0600000101010101" pitchFamily="50" charset="-127"/>
-                <a:ea typeface="나눔스퀘어_ac Bold" panose="020B0600000101010101" pitchFamily="50" charset="-127"/>
-              </a:rPr>
-              <a:t>개의 라인에서 장애물이 생성되게 하는 스크립트</a:t>
-            </a:r>
-          </a:p>
-        </p:txBody>
-      </p:sp>
-      <p:sp>
-        <p:nvSpPr>
-          <p:cNvPr id="43" name="TextBox 42">
-            <a:extLst>
-              <a:ext uri="{FF2B5EF4-FFF2-40B4-BE49-F238E27FC236}">
-                <a16:creationId xmlns:a16="http://schemas.microsoft.com/office/drawing/2014/main" id="{96388861-64AA-4127-9CFE-A81F77B18835}"/>
-              </a:ext>
-            </a:extLst>
-          </p:cNvPr>
-          <p:cNvSpPr txBox="1"/>
-          <p:nvPr/>
-        </p:nvSpPr>
-        <p:spPr>
-          <a:xfrm>
-            <a:off x="2176984" y="4372941"/>
-            <a:ext cx="7252765" cy="369332"/>
-          </a:xfrm>
-          <a:prstGeom prst="rect">
-            <a:avLst/>
-          </a:prstGeom>
-          <a:noFill/>
-        </p:spPr>
-        <p:txBody>
-          <a:bodyPr wrap="square" rtlCol="0">
-            <a:spAutoFit/>
-          </a:bodyPr>
-          <a:lstStyle/>
-          <a:p>
-            <a:r>
-              <a:rPr lang="ko-KR" altLang="en-US">
-                <a:solidFill>
-                  <a:schemeClr val="bg1"/>
-                </a:solidFill>
-                <a:latin typeface="나눔스퀘어_ac Bold" panose="020B0600000101010101" pitchFamily="50" charset="-127"/>
-                <a:ea typeface="나눔스퀘어_ac Bold" panose="020B0600000101010101" pitchFamily="50" charset="-127"/>
-              </a:rPr>
-              <a:t>타이틀 화면 </a:t>
-            </a:r>
-            <a:r>
-              <a:rPr lang="en-US" altLang="ko-KR">
-                <a:solidFill>
-                  <a:schemeClr val="bg1"/>
-                </a:solidFill>
-                <a:latin typeface="나눔스퀘어_ac Bold" panose="020B0600000101010101" pitchFamily="50" charset="-127"/>
-                <a:ea typeface="나눔스퀘어_ac Bold" panose="020B0600000101010101" pitchFamily="50" charset="-127"/>
-              </a:rPr>
-              <a:t>-&gt; </a:t>
-            </a:r>
-            <a:r>
-              <a:rPr lang="ko-KR" altLang="en-US">
-                <a:solidFill>
-                  <a:schemeClr val="bg1"/>
-                </a:solidFill>
-                <a:latin typeface="나눔스퀘어_ac Bold" panose="020B0600000101010101" pitchFamily="50" charset="-127"/>
-                <a:ea typeface="나눔스퀘어_ac Bold" panose="020B0600000101010101" pitchFamily="50" charset="-127"/>
-              </a:rPr>
-              <a:t>게임 화면 전환기능을 가진 스크립트</a:t>
-            </a:r>
-          </a:p>
-        </p:txBody>
-      </p:sp>
     </p:spTree>
     <p:extLst>
       <p:ext uri="{BB962C8B-B14F-4D97-AF65-F5344CB8AC3E}">
-        <p14:creationId xmlns:p14="http://schemas.microsoft.com/office/powerpoint/2010/main" val="3042977089"/>
+        <p14:creationId xmlns:p14="http://schemas.microsoft.com/office/powerpoint/2010/main" val="3090126108"/>
       </p:ext>
     </p:extLst>
   </p:cSld>
@@ -8315,357 +6515,6 @@
           <a:chExt cx="0" cy="0"/>
         </a:xfrm>
       </p:grpSpPr>
-      <p:sp>
-        <p:nvSpPr>
-          <p:cNvPr id="2" name="제목 1">
-            <a:extLst>
-              <a:ext uri="{FF2B5EF4-FFF2-40B4-BE49-F238E27FC236}">
-                <a16:creationId xmlns:a16="http://schemas.microsoft.com/office/drawing/2014/main" id="{A49AFCED-7438-466A-8901-5564C8D31D60}"/>
-              </a:ext>
-            </a:extLst>
-          </p:cNvPr>
-          <p:cNvSpPr>
-            <a:spLocks noGrp="1"/>
-          </p:cNvSpPr>
-          <p:nvPr>
-            <p:ph type="title"/>
-          </p:nvPr>
-        </p:nvSpPr>
-        <p:spPr/>
-        <p:txBody>
-          <a:bodyPr/>
-          <a:lstStyle/>
-          <a:p>
-            <a:r>
-              <a:rPr lang="ko-KR" altLang="en-US" dirty="0"/>
-              <a:t>게임을 만들어 봅시다</a:t>
-            </a:r>
-          </a:p>
-        </p:txBody>
-      </p:sp>
-      <p:sp>
-        <p:nvSpPr>
-          <p:cNvPr id="4" name="TextBox 3">
-            <a:extLst>
-              <a:ext uri="{FF2B5EF4-FFF2-40B4-BE49-F238E27FC236}">
-                <a16:creationId xmlns:a16="http://schemas.microsoft.com/office/drawing/2014/main" id="{246001D7-2647-470B-9A67-F2D7C0C1C862}"/>
-              </a:ext>
-            </a:extLst>
-          </p:cNvPr>
-          <p:cNvSpPr txBox="1"/>
-          <p:nvPr/>
-        </p:nvSpPr>
-        <p:spPr>
-          <a:xfrm>
-            <a:off x="-587332" y="1813017"/>
-            <a:ext cx="13366663" cy="1678665"/>
-          </a:xfrm>
-          <a:prstGeom prst="rect">
-            <a:avLst/>
-          </a:prstGeom>
-          <a:noFill/>
-        </p:spPr>
-        <p:txBody>
-          <a:bodyPr wrap="square" rtlCol="0">
-            <a:spAutoFit/>
-          </a:bodyPr>
-          <a:lstStyle/>
-          <a:p>
-            <a:pPr algn="ctr">
-              <a:lnSpc>
-                <a:spcPct val="150000"/>
-              </a:lnSpc>
-            </a:pPr>
-            <a:r>
-              <a:rPr lang="ko-KR" altLang="en-US" sz="4000">
-                <a:solidFill>
-                  <a:srgbClr val="FFC000"/>
-                </a:solidFill>
-                <a:latin typeface="나눔스퀘어라운드 ExtraBold" panose="020B0600000101010101" pitchFamily="50" charset="-127"/>
-                <a:ea typeface="나눔스퀘어라운드 ExtraBold" panose="020B0600000101010101" pitchFamily="50" charset="-127"/>
-              </a:rPr>
-              <a:t>직접 게임을 만들어보는 실습시간입니다</a:t>
-            </a:r>
-            <a:endParaRPr lang="en-US" altLang="ko-KR" sz="4000">
-              <a:solidFill>
-                <a:srgbClr val="FFC000"/>
-              </a:solidFill>
-              <a:latin typeface="나눔스퀘어라운드 ExtraBold" panose="020B0600000101010101" pitchFamily="50" charset="-127"/>
-              <a:ea typeface="나눔스퀘어라운드 ExtraBold" panose="020B0600000101010101" pitchFamily="50" charset="-127"/>
-            </a:endParaRPr>
-          </a:p>
-          <a:p>
-            <a:pPr algn="ctr">
-              <a:lnSpc>
-                <a:spcPct val="150000"/>
-              </a:lnSpc>
-            </a:pPr>
-            <a:r>
-              <a:rPr lang="ko-KR" altLang="en-US" sz="3200">
-                <a:solidFill>
-                  <a:srgbClr val="FFC000"/>
-                </a:solidFill>
-                <a:latin typeface="나눔스퀘어라운드 ExtraBold" panose="020B0600000101010101" pitchFamily="50" charset="-127"/>
-                <a:ea typeface="나눔스퀘어라운드 ExtraBold" panose="020B0600000101010101" pitchFamily="50" charset="-127"/>
-              </a:rPr>
-              <a:t>어렵거나 질문이 있다면 강의자나 도우미들에게 말해주세요 😉</a:t>
-            </a:r>
-          </a:p>
-        </p:txBody>
-      </p:sp>
-      <p:pic>
-        <p:nvPicPr>
-          <p:cNvPr id="5" name="그림 4">
-            <a:extLst>
-              <a:ext uri="{FF2B5EF4-FFF2-40B4-BE49-F238E27FC236}">
-                <a16:creationId xmlns:a16="http://schemas.microsoft.com/office/drawing/2014/main" id="{F9A88BC2-DBEE-44BE-B8D8-9F1F7AE49438}"/>
-              </a:ext>
-            </a:extLst>
-          </p:cNvPr>
-          <p:cNvPicPr>
-            <a:picLocks noChangeAspect="1"/>
-          </p:cNvPicPr>
-          <p:nvPr/>
-        </p:nvPicPr>
-        <p:blipFill>
-          <a:blip r:embed="rId2">
-            <a:extLst>
-              <a:ext uri="{28A0092B-C50C-407E-A947-70E740481C1C}">
-                <a14:useLocalDpi xmlns:a14="http://schemas.microsoft.com/office/drawing/2010/main" val="0"/>
-              </a:ext>
-            </a:extLst>
-          </a:blip>
-          <a:stretch>
-            <a:fillRect/>
-          </a:stretch>
-        </p:blipFill>
-        <p:spPr>
-          <a:xfrm>
-            <a:off x="2989312" y="4888885"/>
-            <a:ext cx="1182727" cy="1194920"/>
-          </a:xfrm>
-          <a:prstGeom prst="rect">
-            <a:avLst/>
-          </a:prstGeom>
-        </p:spPr>
-      </p:pic>
-      <p:pic>
-        <p:nvPicPr>
-          <p:cNvPr id="6" name="그림 5">
-            <a:extLst>
-              <a:ext uri="{FF2B5EF4-FFF2-40B4-BE49-F238E27FC236}">
-                <a16:creationId xmlns:a16="http://schemas.microsoft.com/office/drawing/2014/main" id="{01CC85DB-6054-4448-AD87-609A63A6C936}"/>
-              </a:ext>
-            </a:extLst>
-          </p:cNvPr>
-          <p:cNvPicPr>
-            <a:picLocks noChangeAspect="1"/>
-          </p:cNvPicPr>
-          <p:nvPr/>
-        </p:nvPicPr>
-        <p:blipFill>
-          <a:blip r:embed="rId3">
-            <a:extLst>
-              <a:ext uri="{28A0092B-C50C-407E-A947-70E740481C1C}">
-                <a14:useLocalDpi xmlns:a14="http://schemas.microsoft.com/office/drawing/2010/main" val="0"/>
-              </a:ext>
-            </a:extLst>
-          </a:blip>
-          <a:stretch>
-            <a:fillRect/>
-          </a:stretch>
-        </p:blipFill>
-        <p:spPr>
-          <a:xfrm flipH="1">
-            <a:off x="7181718" y="4892503"/>
-            <a:ext cx="1176630" cy="1194920"/>
-          </a:xfrm>
-          <a:prstGeom prst="rect">
-            <a:avLst/>
-          </a:prstGeom>
-        </p:spPr>
-      </p:pic>
-      <p:sp>
-        <p:nvSpPr>
-          <p:cNvPr id="3" name="TextBox 2">
-            <a:extLst>
-              <a:ext uri="{FF2B5EF4-FFF2-40B4-BE49-F238E27FC236}">
-                <a16:creationId xmlns:a16="http://schemas.microsoft.com/office/drawing/2014/main" id="{7E988033-28DD-4376-978F-890F92F7FC21}"/>
-              </a:ext>
-            </a:extLst>
-          </p:cNvPr>
-          <p:cNvSpPr txBox="1"/>
-          <p:nvPr/>
-        </p:nvSpPr>
-        <p:spPr>
-          <a:xfrm>
-            <a:off x="2584428" y="4427220"/>
-            <a:ext cx="1992493" cy="400110"/>
-          </a:xfrm>
-          <a:prstGeom prst="rect">
-            <a:avLst/>
-          </a:prstGeom>
-          <a:noFill/>
-        </p:spPr>
-        <p:txBody>
-          <a:bodyPr wrap="square" rtlCol="0">
-            <a:spAutoFit/>
-          </a:bodyPr>
-          <a:lstStyle/>
-          <a:p>
-            <a:r>
-              <a:rPr lang="ko-KR" altLang="en-US" sz="2000" dirty="0" err="1">
-                <a:solidFill>
-                  <a:schemeClr val="bg1"/>
-                </a:solidFill>
-                <a:latin typeface="나눔스퀘어_ac Bold" panose="020B0600000101010101" pitchFamily="50" charset="-127"/>
-                <a:ea typeface="나눔스퀘어_ac Bold" panose="020B0600000101010101" pitchFamily="50" charset="-127"/>
-              </a:rPr>
-              <a:t>모르는게</a:t>
-            </a:r>
-            <a:r>
-              <a:rPr lang="ko-KR" altLang="en-US" sz="2000" dirty="0">
-                <a:solidFill>
-                  <a:schemeClr val="bg1"/>
-                </a:solidFill>
-                <a:latin typeface="나눔스퀘어_ac Bold" panose="020B0600000101010101" pitchFamily="50" charset="-127"/>
-                <a:ea typeface="나눔스퀘어_ac Bold" panose="020B0600000101010101" pitchFamily="50" charset="-127"/>
-              </a:rPr>
-              <a:t> 당연해</a:t>
-            </a:r>
-            <a:r>
-              <a:rPr lang="en-US" altLang="ko-KR" sz="2000" dirty="0">
-                <a:solidFill>
-                  <a:schemeClr val="bg1"/>
-                </a:solidFill>
-                <a:latin typeface="나눔스퀘어_ac Bold" panose="020B0600000101010101" pitchFamily="50" charset="-127"/>
-                <a:ea typeface="나눔스퀘어_ac Bold" panose="020B0600000101010101" pitchFamily="50" charset="-127"/>
-              </a:rPr>
-              <a:t>~</a:t>
-            </a:r>
-            <a:endParaRPr lang="ko-KR" altLang="en-US" sz="2000" dirty="0">
-              <a:solidFill>
-                <a:schemeClr val="bg1"/>
-              </a:solidFill>
-              <a:latin typeface="나눔스퀘어_ac Bold" panose="020B0600000101010101" pitchFamily="50" charset="-127"/>
-              <a:ea typeface="나눔스퀘어_ac Bold" panose="020B0600000101010101" pitchFamily="50" charset="-127"/>
-            </a:endParaRPr>
-          </a:p>
-        </p:txBody>
-      </p:sp>
-      <p:sp>
-        <p:nvSpPr>
-          <p:cNvPr id="7" name="TextBox 6">
-            <a:extLst>
-              <a:ext uri="{FF2B5EF4-FFF2-40B4-BE49-F238E27FC236}">
-                <a16:creationId xmlns:a16="http://schemas.microsoft.com/office/drawing/2014/main" id="{8ADFF770-8FBB-4234-A49C-2B1FFE5A1E93}"/>
-              </a:ext>
-            </a:extLst>
-          </p:cNvPr>
-          <p:cNvSpPr txBox="1"/>
-          <p:nvPr/>
-        </p:nvSpPr>
-        <p:spPr>
-          <a:xfrm>
-            <a:off x="6729691" y="4427220"/>
-            <a:ext cx="2575175" cy="400110"/>
-          </a:xfrm>
-          <a:prstGeom prst="rect">
-            <a:avLst/>
-          </a:prstGeom>
-          <a:noFill/>
-        </p:spPr>
-        <p:txBody>
-          <a:bodyPr wrap="square" rtlCol="0">
-            <a:spAutoFit/>
-          </a:bodyPr>
-          <a:lstStyle/>
-          <a:p>
-            <a:r>
-              <a:rPr lang="ko-KR" altLang="en-US" sz="2000">
-                <a:solidFill>
-                  <a:schemeClr val="bg1"/>
-                </a:solidFill>
-                <a:latin typeface="나눔스퀘어_ac Bold" panose="020B0600000101010101" pitchFamily="50" charset="-127"/>
-                <a:ea typeface="나눔스퀘어_ac Bold" panose="020B0600000101010101" pitchFamily="50" charset="-127"/>
-              </a:rPr>
-              <a:t>겁내지 말고 질문하기</a:t>
-            </a:r>
-            <a:r>
-              <a:rPr lang="en-US" altLang="ko-KR" sz="2000">
-                <a:solidFill>
-                  <a:schemeClr val="bg1"/>
-                </a:solidFill>
-                <a:latin typeface="나눔스퀘어_ac Bold" panose="020B0600000101010101" pitchFamily="50" charset="-127"/>
-                <a:ea typeface="나눔스퀘어_ac Bold" panose="020B0600000101010101" pitchFamily="50" charset="-127"/>
-              </a:rPr>
-              <a:t>!</a:t>
-            </a:r>
-            <a:endParaRPr lang="ko-KR" altLang="en-US" sz="2000">
-              <a:solidFill>
-                <a:schemeClr val="bg1"/>
-              </a:solidFill>
-              <a:latin typeface="나눔스퀘어_ac Bold" panose="020B0600000101010101" pitchFamily="50" charset="-127"/>
-              <a:ea typeface="나눔스퀘어_ac Bold" panose="020B0600000101010101" pitchFamily="50" charset="-127"/>
-            </a:endParaRPr>
-          </a:p>
-        </p:txBody>
-      </p:sp>
-    </p:spTree>
-    <p:extLst>
-      <p:ext uri="{BB962C8B-B14F-4D97-AF65-F5344CB8AC3E}">
-        <p14:creationId xmlns:p14="http://schemas.microsoft.com/office/powerpoint/2010/main" val="3090126108"/>
-      </p:ext>
-    </p:extLst>
-  </p:cSld>
-  <p:clrMapOvr>
-    <a:masterClrMapping/>
-  </p:clrMapOvr>
-</p:sld>
-</file>
-
-<file path=ppt/slides/slide15.xml><?xml version="1.0" encoding="utf-8"?>
-<p:sld xmlns:a="http://schemas.openxmlformats.org/drawingml/2006/main" xmlns:r="http://schemas.openxmlformats.org/officeDocument/2006/relationships" xmlns:p="http://schemas.openxmlformats.org/presentationml/2006/main">
-  <p:cSld>
-    <p:spTree>
-      <p:nvGrpSpPr>
-        <p:cNvPr id="1" name=""/>
-        <p:cNvGrpSpPr/>
-        <p:nvPr/>
-      </p:nvGrpSpPr>
-      <p:grpSpPr>
-        <a:xfrm>
-          <a:off x="0" y="0"/>
-          <a:ext cx="0" cy="0"/>
-          <a:chOff x="0" y="0"/>
-          <a:chExt cx="0" cy="0"/>
-        </a:xfrm>
-      </p:grpSpPr>
-      <p:sp>
-        <p:nvSpPr>
-          <p:cNvPr id="5" name="제목 4">
-            <a:extLst>
-              <a:ext uri="{FF2B5EF4-FFF2-40B4-BE49-F238E27FC236}">
-                <a16:creationId xmlns:a16="http://schemas.microsoft.com/office/drawing/2014/main" id="{ED3250D5-30B6-4DD8-B983-2CE962A5D363}"/>
-              </a:ext>
-            </a:extLst>
-          </p:cNvPr>
-          <p:cNvSpPr>
-            <a:spLocks noGrp="1"/>
-          </p:cNvSpPr>
-          <p:nvPr>
-            <p:ph type="title"/>
-          </p:nvPr>
-        </p:nvSpPr>
-        <p:spPr/>
-        <p:txBody>
-          <a:bodyPr/>
-          <a:lstStyle/>
-          <a:p>
-            <a:endParaRPr lang="ko-KR" altLang="en-US" dirty="0"/>
-          </a:p>
-        </p:txBody>
-      </p:sp>
       <p:sp>
         <p:nvSpPr>
           <p:cNvPr id="2" name="직사각형 1">
@@ -9053,844 +6902,6 @@
       <p:bldP spid="6" grpId="0"/>
     </p:bldLst>
   </p:timing>
-</p:sld>
-</file>
-
-<file path=ppt/slides/slide16.xml><?xml version="1.0" encoding="utf-8"?>
-<p:sld xmlns:a="http://schemas.openxmlformats.org/drawingml/2006/main" xmlns:r="http://schemas.openxmlformats.org/officeDocument/2006/relationships" xmlns:p="http://schemas.openxmlformats.org/presentationml/2006/main">
-  <p:cSld>
-    <p:spTree>
-      <p:nvGrpSpPr>
-        <p:cNvPr id="1" name=""/>
-        <p:cNvGrpSpPr/>
-        <p:nvPr/>
-      </p:nvGrpSpPr>
-      <p:grpSpPr>
-        <a:xfrm>
-          <a:off x="0" y="0"/>
-          <a:ext cx="0" cy="0"/>
-          <a:chOff x="0" y="0"/>
-          <a:chExt cx="0" cy="0"/>
-        </a:xfrm>
-      </p:grpSpPr>
-      <p:sp>
-        <p:nvSpPr>
-          <p:cNvPr id="4" name="TextBox 3">
-            <a:extLst>
-              <a:ext uri="{FF2B5EF4-FFF2-40B4-BE49-F238E27FC236}">
-                <a16:creationId xmlns:a16="http://schemas.microsoft.com/office/drawing/2014/main" id="{F5D3F153-6DA1-4776-A373-15829825098E}"/>
-              </a:ext>
-            </a:extLst>
-          </p:cNvPr>
-          <p:cNvSpPr txBox="1"/>
-          <p:nvPr/>
-        </p:nvSpPr>
-        <p:spPr>
-          <a:xfrm>
-            <a:off x="1550052" y="812800"/>
-            <a:ext cx="7081520" cy="2862322"/>
-          </a:xfrm>
-          <a:prstGeom prst="rect">
-            <a:avLst/>
-          </a:prstGeom>
-          <a:noFill/>
-        </p:spPr>
-        <p:txBody>
-          <a:bodyPr wrap="square" rtlCol="0">
-            <a:spAutoFit/>
-          </a:bodyPr>
-          <a:lstStyle/>
-          <a:p>
-            <a:r>
-              <a:rPr lang="en-US" altLang="ko-KR" dirty="0">
-                <a:solidFill>
-                  <a:schemeClr val="bg1"/>
-                </a:solidFill>
-              </a:rPr>
-              <a:t>&lt;</a:t>
-            </a:r>
-            <a:r>
-              <a:rPr lang="ko-KR" altLang="en-US" dirty="0">
-                <a:solidFill>
-                  <a:schemeClr val="bg1"/>
-                </a:solidFill>
-              </a:rPr>
-              <a:t>들어가야 하는 내용</a:t>
-            </a:r>
-            <a:r>
-              <a:rPr lang="en-US" altLang="ko-KR" dirty="0">
-                <a:solidFill>
-                  <a:schemeClr val="bg1"/>
-                </a:solidFill>
-              </a:rPr>
-              <a:t>&gt;</a:t>
-            </a:r>
-          </a:p>
-          <a:p>
-            <a:r>
-              <a:rPr lang="en-US" altLang="ko-KR" dirty="0">
-                <a:solidFill>
-                  <a:schemeClr val="bg1"/>
-                </a:solidFill>
-              </a:rPr>
-              <a:t>0. </a:t>
-            </a:r>
-            <a:r>
-              <a:rPr lang="ko-KR" altLang="en-US" dirty="0">
-                <a:solidFill>
-                  <a:schemeClr val="bg1"/>
-                </a:solidFill>
-              </a:rPr>
-              <a:t>인사</a:t>
-            </a:r>
-            <a:r>
-              <a:rPr lang="en-US" altLang="ko-KR" dirty="0">
-                <a:solidFill>
-                  <a:schemeClr val="bg1"/>
-                </a:solidFill>
-              </a:rPr>
-              <a:t>,</a:t>
-            </a:r>
-            <a:r>
-              <a:rPr lang="ko-KR" altLang="en-US" dirty="0">
-                <a:solidFill>
-                  <a:schemeClr val="bg1"/>
-                </a:solidFill>
-              </a:rPr>
-              <a:t> 세미콜론 소개 </a:t>
-            </a:r>
-            <a:r>
-              <a:rPr lang="en-US" altLang="ko-KR" dirty="0">
-                <a:solidFill>
-                  <a:schemeClr val="bg1"/>
-                </a:solidFill>
-              </a:rPr>
-              <a:t>(2</a:t>
-            </a:r>
-            <a:r>
-              <a:rPr lang="ko-KR" altLang="en-US" dirty="0">
-                <a:solidFill>
-                  <a:schemeClr val="bg1"/>
-                </a:solidFill>
-              </a:rPr>
-              <a:t>분</a:t>
-            </a:r>
-            <a:r>
-              <a:rPr lang="en-US" altLang="ko-KR" dirty="0">
-                <a:solidFill>
-                  <a:schemeClr val="bg1"/>
-                </a:solidFill>
-              </a:rPr>
-              <a:t>)</a:t>
-            </a:r>
-          </a:p>
-          <a:p>
-            <a:r>
-              <a:rPr lang="en-US" altLang="ko-KR" dirty="0">
-                <a:solidFill>
-                  <a:schemeClr val="bg1"/>
-                </a:solidFill>
-              </a:rPr>
-              <a:t>1. </a:t>
-            </a:r>
-            <a:r>
-              <a:rPr lang="ko-KR" altLang="en-US" dirty="0">
-                <a:solidFill>
-                  <a:schemeClr val="bg1"/>
-                </a:solidFill>
-              </a:rPr>
-              <a:t>만들 게임 설명</a:t>
-            </a:r>
-            <a:r>
-              <a:rPr lang="en-US" altLang="ko-KR" dirty="0">
-                <a:solidFill>
-                  <a:schemeClr val="bg1"/>
-                </a:solidFill>
-              </a:rPr>
-              <a:t>(1</a:t>
-            </a:r>
-            <a:r>
-              <a:rPr lang="ko-KR" altLang="en-US" dirty="0">
-                <a:solidFill>
-                  <a:schemeClr val="bg1"/>
-                </a:solidFill>
-              </a:rPr>
-              <a:t>분</a:t>
-            </a:r>
-            <a:r>
-              <a:rPr lang="en-US" altLang="ko-KR" dirty="0">
-                <a:solidFill>
-                  <a:schemeClr val="bg1"/>
-                </a:solidFill>
-              </a:rPr>
-              <a:t>)3</a:t>
-            </a:r>
-          </a:p>
-          <a:p>
-            <a:r>
-              <a:rPr lang="en-US" altLang="ko-KR" dirty="0">
-                <a:solidFill>
-                  <a:schemeClr val="bg1"/>
-                </a:solidFill>
-              </a:rPr>
-              <a:t>2. </a:t>
-            </a:r>
-            <a:r>
-              <a:rPr lang="ko-KR" altLang="en-US" dirty="0">
-                <a:solidFill>
-                  <a:schemeClr val="bg1"/>
-                </a:solidFill>
-              </a:rPr>
-              <a:t>유니티 키기</a:t>
-            </a:r>
-            <a:r>
-              <a:rPr lang="en-US" altLang="ko-KR" dirty="0">
-                <a:solidFill>
-                  <a:schemeClr val="bg1"/>
-                </a:solidFill>
-              </a:rPr>
-              <a:t>(2</a:t>
-            </a:r>
-            <a:r>
-              <a:rPr lang="ko-KR" altLang="en-US" dirty="0">
-                <a:solidFill>
-                  <a:schemeClr val="bg1"/>
-                </a:solidFill>
-              </a:rPr>
-              <a:t>분</a:t>
-            </a:r>
-            <a:r>
-              <a:rPr lang="en-US" altLang="ko-KR" dirty="0">
-                <a:solidFill>
-                  <a:schemeClr val="bg1"/>
-                </a:solidFill>
-              </a:rPr>
-              <a:t>)5</a:t>
-            </a:r>
-          </a:p>
-          <a:p>
-            <a:r>
-              <a:rPr lang="en-US" altLang="ko-KR" dirty="0">
-                <a:solidFill>
-                  <a:schemeClr val="bg1"/>
-                </a:solidFill>
-              </a:rPr>
-              <a:t>3. </a:t>
-            </a:r>
-            <a:r>
-              <a:rPr lang="ko-KR" altLang="en-US" dirty="0">
-                <a:solidFill>
-                  <a:schemeClr val="bg1"/>
-                </a:solidFill>
-              </a:rPr>
-              <a:t>레이아웃 설명</a:t>
-            </a:r>
-            <a:r>
-              <a:rPr lang="en-US" altLang="ko-KR" dirty="0">
-                <a:solidFill>
-                  <a:schemeClr val="bg1"/>
-                </a:solidFill>
-              </a:rPr>
-              <a:t>(4</a:t>
-            </a:r>
-            <a:r>
-              <a:rPr lang="ko-KR" altLang="en-US" dirty="0">
-                <a:solidFill>
-                  <a:schemeClr val="bg1"/>
-                </a:solidFill>
-              </a:rPr>
-              <a:t>분</a:t>
-            </a:r>
-            <a:r>
-              <a:rPr lang="en-US" altLang="ko-KR" dirty="0">
-                <a:solidFill>
-                  <a:schemeClr val="bg1"/>
-                </a:solidFill>
-              </a:rPr>
-              <a:t>)9</a:t>
-            </a:r>
-          </a:p>
-          <a:p>
-            <a:r>
-              <a:rPr lang="en-US" altLang="ko-KR" dirty="0">
-                <a:solidFill>
-                  <a:schemeClr val="bg1"/>
-                </a:solidFill>
-              </a:rPr>
-              <a:t>4. </a:t>
-            </a:r>
-            <a:r>
-              <a:rPr lang="ko-KR" altLang="en-US" dirty="0">
-                <a:solidFill>
-                  <a:schemeClr val="bg1"/>
-                </a:solidFill>
-              </a:rPr>
-              <a:t>스크립트가 무엇인지</a:t>
-            </a:r>
-            <a:r>
-              <a:rPr lang="en-US" altLang="ko-KR" dirty="0">
-                <a:solidFill>
-                  <a:schemeClr val="bg1"/>
-                </a:solidFill>
-              </a:rPr>
-              <a:t> + </a:t>
-            </a:r>
-            <a:r>
-              <a:rPr lang="ko-KR" altLang="en-US" dirty="0">
-                <a:solidFill>
-                  <a:schemeClr val="bg1"/>
-                </a:solidFill>
-              </a:rPr>
-              <a:t>해당 스크립트의 역할 </a:t>
-            </a:r>
-            <a:r>
-              <a:rPr lang="en-US" altLang="ko-KR" dirty="0">
-                <a:solidFill>
-                  <a:schemeClr val="bg1"/>
-                </a:solidFill>
-              </a:rPr>
-              <a:t>(5</a:t>
-            </a:r>
-            <a:r>
-              <a:rPr lang="ko-KR" altLang="en-US" dirty="0">
-                <a:solidFill>
-                  <a:schemeClr val="bg1"/>
-                </a:solidFill>
-              </a:rPr>
-              <a:t>분</a:t>
-            </a:r>
-            <a:r>
-              <a:rPr lang="en-US" altLang="ko-KR" dirty="0">
-                <a:solidFill>
-                  <a:schemeClr val="bg1"/>
-                </a:solidFill>
-              </a:rPr>
-              <a:t>)14</a:t>
-            </a:r>
-          </a:p>
-          <a:p>
-            <a:r>
-              <a:rPr lang="en-US" altLang="ko-KR" dirty="0">
-                <a:solidFill>
-                  <a:schemeClr val="bg1"/>
-                </a:solidFill>
-              </a:rPr>
-              <a:t>5. </a:t>
-            </a:r>
-            <a:r>
-              <a:rPr lang="ko-KR" altLang="en-US" dirty="0">
-                <a:solidFill>
-                  <a:schemeClr val="bg1"/>
-                </a:solidFill>
-              </a:rPr>
-              <a:t>끼워 넣기 </a:t>
-            </a:r>
-            <a:r>
-              <a:rPr lang="en-US" altLang="ko-KR" dirty="0">
-                <a:solidFill>
-                  <a:schemeClr val="bg1"/>
-                </a:solidFill>
-              </a:rPr>
-              <a:t>(10</a:t>
-            </a:r>
-            <a:r>
-              <a:rPr lang="ko-KR" altLang="en-US" dirty="0">
-                <a:solidFill>
-                  <a:schemeClr val="bg1"/>
-                </a:solidFill>
-              </a:rPr>
-              <a:t>분</a:t>
-            </a:r>
-            <a:r>
-              <a:rPr lang="en-US" altLang="ko-KR" dirty="0">
-                <a:solidFill>
-                  <a:schemeClr val="bg1"/>
-                </a:solidFill>
-              </a:rPr>
-              <a:t>)24  </a:t>
-            </a:r>
-            <a:r>
-              <a:rPr lang="en-US" altLang="ko-KR" b="1" dirty="0">
-                <a:solidFill>
-                  <a:srgbClr val="FF0000"/>
-                </a:solidFill>
-              </a:rPr>
-              <a:t>&lt;- </a:t>
-            </a:r>
-            <a:r>
-              <a:rPr lang="ko-KR" altLang="en-US" b="1" dirty="0">
-                <a:solidFill>
-                  <a:srgbClr val="FF0000"/>
-                </a:solidFill>
-              </a:rPr>
-              <a:t>시간 할당 </a:t>
-            </a:r>
-            <a:r>
-              <a:rPr lang="ko-KR" altLang="en-US" b="1" dirty="0" err="1">
-                <a:solidFill>
-                  <a:srgbClr val="FF0000"/>
-                </a:solidFill>
-              </a:rPr>
-              <a:t>클듯</a:t>
-            </a:r>
-            <a:endParaRPr lang="en-US" altLang="ko-KR" b="1" dirty="0">
-              <a:solidFill>
-                <a:srgbClr val="FF0000"/>
-              </a:solidFill>
-            </a:endParaRPr>
-          </a:p>
-          <a:p>
-            <a:r>
-              <a:rPr lang="en-US" altLang="ko-KR" dirty="0">
-                <a:solidFill>
-                  <a:schemeClr val="bg1"/>
-                </a:solidFill>
-              </a:rPr>
-              <a:t>6. </a:t>
-            </a:r>
-            <a:r>
-              <a:rPr lang="ko-KR" altLang="en-US" dirty="0">
-                <a:solidFill>
-                  <a:schemeClr val="bg1"/>
-                </a:solidFill>
-              </a:rPr>
-              <a:t>질문  받기</a:t>
-            </a:r>
-            <a:r>
-              <a:rPr lang="en-US" altLang="ko-KR" dirty="0">
-                <a:solidFill>
-                  <a:schemeClr val="bg1"/>
-                </a:solidFill>
-              </a:rPr>
-              <a:t> (5</a:t>
-            </a:r>
-            <a:r>
-              <a:rPr lang="ko-KR" altLang="en-US" dirty="0">
-                <a:solidFill>
-                  <a:schemeClr val="bg1"/>
-                </a:solidFill>
-              </a:rPr>
-              <a:t>분</a:t>
-            </a:r>
-            <a:r>
-              <a:rPr lang="en-US" altLang="ko-KR" dirty="0">
-                <a:solidFill>
-                  <a:schemeClr val="bg1"/>
-                </a:solidFill>
-              </a:rPr>
-              <a:t>) 29</a:t>
-            </a:r>
-          </a:p>
-          <a:p>
-            <a:r>
-              <a:rPr lang="en-US" altLang="ko-KR" dirty="0">
-                <a:solidFill>
-                  <a:schemeClr val="bg1"/>
-                </a:solidFill>
-              </a:rPr>
-              <a:t>7.</a:t>
-            </a:r>
-            <a:r>
-              <a:rPr lang="ko-KR" altLang="en-US" dirty="0">
-                <a:solidFill>
-                  <a:schemeClr val="bg1"/>
-                </a:solidFill>
-              </a:rPr>
-              <a:t>마무리 </a:t>
-            </a:r>
-            <a:r>
-              <a:rPr lang="en-US" altLang="ko-KR" dirty="0">
-                <a:solidFill>
-                  <a:schemeClr val="bg1"/>
-                </a:solidFill>
-              </a:rPr>
-              <a:t>( 1</a:t>
-            </a:r>
-            <a:r>
-              <a:rPr lang="ko-KR" altLang="en-US" dirty="0">
-                <a:solidFill>
-                  <a:schemeClr val="bg1"/>
-                </a:solidFill>
-              </a:rPr>
-              <a:t>분</a:t>
-            </a:r>
-            <a:r>
-              <a:rPr lang="en-US" altLang="ko-KR" dirty="0">
-                <a:solidFill>
-                  <a:schemeClr val="bg1"/>
-                </a:solidFill>
-              </a:rPr>
-              <a:t>) 30</a:t>
-            </a:r>
-          </a:p>
-          <a:p>
-            <a:endParaRPr lang="en-US" altLang="ko-KR" dirty="0">
-              <a:solidFill>
-                <a:schemeClr val="bg1"/>
-              </a:solidFill>
-            </a:endParaRPr>
-          </a:p>
-        </p:txBody>
-      </p:sp>
-      <p:sp>
-        <p:nvSpPr>
-          <p:cNvPr id="5" name="TextBox 4">
-            <a:extLst>
-              <a:ext uri="{FF2B5EF4-FFF2-40B4-BE49-F238E27FC236}">
-                <a16:creationId xmlns:a16="http://schemas.microsoft.com/office/drawing/2014/main" id="{EDA89C8C-E543-4649-A490-CBBA36743356}"/>
-              </a:ext>
-            </a:extLst>
-          </p:cNvPr>
-          <p:cNvSpPr txBox="1"/>
-          <p:nvPr/>
-        </p:nvSpPr>
-        <p:spPr>
-          <a:xfrm>
-            <a:off x="0" y="3580854"/>
-            <a:ext cx="12547076" cy="2031325"/>
-          </a:xfrm>
-          <a:prstGeom prst="rect">
-            <a:avLst/>
-          </a:prstGeom>
-          <a:noFill/>
-        </p:spPr>
-        <p:txBody>
-          <a:bodyPr wrap="square" rtlCol="0">
-            <a:spAutoFit/>
-          </a:bodyPr>
-          <a:lstStyle/>
-          <a:p>
-            <a:r>
-              <a:rPr lang="en-US" altLang="ko-KR" dirty="0">
-                <a:solidFill>
-                  <a:schemeClr val="bg1"/>
-                </a:solidFill>
-              </a:rPr>
-              <a:t>&lt;</a:t>
-            </a:r>
-            <a:r>
-              <a:rPr lang="ko-KR" altLang="en-US" dirty="0">
-                <a:solidFill>
-                  <a:schemeClr val="bg1"/>
-                </a:solidFill>
-              </a:rPr>
-              <a:t>구현할거</a:t>
-            </a:r>
-            <a:r>
-              <a:rPr lang="en-US" altLang="ko-KR" dirty="0">
-                <a:solidFill>
-                  <a:schemeClr val="bg1"/>
-                </a:solidFill>
-              </a:rPr>
-              <a:t>&gt;</a:t>
-            </a:r>
-          </a:p>
-          <a:p>
-            <a:r>
-              <a:rPr lang="ko-KR" altLang="en-US" dirty="0">
-                <a:solidFill>
-                  <a:schemeClr val="bg1"/>
-                </a:solidFill>
-              </a:rPr>
-              <a:t>플레이어 이동 </a:t>
-            </a:r>
-            <a:r>
-              <a:rPr lang="en-US" altLang="ko-KR" dirty="0">
-                <a:solidFill>
-                  <a:schemeClr val="bg1"/>
-                </a:solidFill>
-              </a:rPr>
-              <a:t>( 3</a:t>
-            </a:r>
-            <a:r>
-              <a:rPr lang="ko-KR" altLang="en-US" dirty="0">
-                <a:solidFill>
-                  <a:schemeClr val="bg1"/>
-                </a:solidFill>
-              </a:rPr>
-              <a:t>개의 라인에서 위 아래 키로 움직이기</a:t>
-            </a:r>
-            <a:r>
-              <a:rPr lang="en-US" altLang="ko-KR" dirty="0">
-                <a:solidFill>
-                  <a:schemeClr val="bg1"/>
-                </a:solidFill>
-              </a:rPr>
-              <a:t>)</a:t>
-            </a:r>
-          </a:p>
-          <a:p>
-            <a:r>
-              <a:rPr lang="ko-KR" altLang="en-US" dirty="0">
-                <a:solidFill>
-                  <a:schemeClr val="bg1"/>
-                </a:solidFill>
-              </a:rPr>
-              <a:t>배경 이동</a:t>
-            </a:r>
-            <a:r>
-              <a:rPr lang="en-US" altLang="ko-KR" dirty="0">
-                <a:solidFill>
-                  <a:schemeClr val="bg1"/>
-                </a:solidFill>
-              </a:rPr>
-              <a:t>( </a:t>
-            </a:r>
-            <a:r>
-              <a:rPr lang="ko-KR" altLang="en-US" dirty="0">
-                <a:solidFill>
-                  <a:schemeClr val="bg1"/>
-                </a:solidFill>
-              </a:rPr>
-              <a:t>스크립트만 넣으면 됨</a:t>
-            </a:r>
-            <a:r>
-              <a:rPr lang="en-US" altLang="ko-KR" dirty="0">
-                <a:solidFill>
-                  <a:schemeClr val="bg1"/>
-                </a:solidFill>
-              </a:rPr>
-              <a:t>, </a:t>
-            </a:r>
-            <a:r>
-              <a:rPr lang="ko-KR" altLang="en-US" dirty="0">
-                <a:solidFill>
-                  <a:schemeClr val="bg1"/>
-                </a:solidFill>
-              </a:rPr>
-              <a:t>이동속도 </a:t>
-            </a:r>
-            <a:r>
-              <a:rPr lang="en-US" altLang="ko-KR" dirty="0">
-                <a:solidFill>
-                  <a:schemeClr val="bg1"/>
-                </a:solidFill>
-              </a:rPr>
-              <a:t>public </a:t>
-            </a:r>
-            <a:r>
-              <a:rPr lang="ko-KR" altLang="en-US" dirty="0">
-                <a:solidFill>
-                  <a:schemeClr val="bg1"/>
-                </a:solidFill>
-              </a:rPr>
-              <a:t>으로 해서 조절하게 하자</a:t>
-            </a:r>
-            <a:r>
-              <a:rPr lang="en-US" altLang="ko-KR" dirty="0">
-                <a:solidFill>
-                  <a:schemeClr val="bg1"/>
-                </a:solidFill>
-              </a:rPr>
-              <a:t>) – </a:t>
-            </a:r>
-            <a:r>
-              <a:rPr lang="ko-KR" altLang="en-US" dirty="0">
-                <a:solidFill>
-                  <a:schemeClr val="bg1"/>
-                </a:solidFill>
-              </a:rPr>
-              <a:t>배경은 미리 </a:t>
-            </a:r>
-            <a:r>
-              <a:rPr lang="ko-KR" altLang="en-US" dirty="0" err="1">
-                <a:solidFill>
-                  <a:schemeClr val="bg1"/>
-                </a:solidFill>
-              </a:rPr>
-              <a:t>해놓는게</a:t>
-            </a:r>
-            <a:r>
-              <a:rPr lang="ko-KR" altLang="en-US" dirty="0">
-                <a:solidFill>
-                  <a:schemeClr val="bg1"/>
-                </a:solidFill>
-              </a:rPr>
-              <a:t> 좋을 듯</a:t>
-            </a:r>
-            <a:endParaRPr lang="en-US" altLang="ko-KR" dirty="0">
-              <a:solidFill>
-                <a:schemeClr val="bg1"/>
-              </a:solidFill>
-            </a:endParaRPr>
-          </a:p>
-          <a:p>
-            <a:r>
-              <a:rPr lang="ko-KR" altLang="en-US" dirty="0">
-                <a:solidFill>
-                  <a:schemeClr val="bg1"/>
-                </a:solidFill>
-              </a:rPr>
-              <a:t>충돌처리</a:t>
-            </a:r>
-            <a:r>
-              <a:rPr lang="en-US" altLang="ko-KR" dirty="0">
-                <a:solidFill>
-                  <a:schemeClr val="bg1"/>
-                </a:solidFill>
-              </a:rPr>
-              <a:t>(tag</a:t>
-            </a:r>
-            <a:r>
-              <a:rPr lang="ko-KR" altLang="en-US" dirty="0">
-                <a:solidFill>
-                  <a:schemeClr val="bg1"/>
-                </a:solidFill>
-              </a:rPr>
-              <a:t>를 이용한 처리</a:t>
-            </a:r>
-            <a:r>
-              <a:rPr lang="en-US" altLang="ko-KR" dirty="0">
-                <a:solidFill>
-                  <a:schemeClr val="bg1"/>
-                </a:solidFill>
-              </a:rPr>
-              <a:t>, collision </a:t>
-            </a:r>
-            <a:r>
-              <a:rPr lang="ko-KR" altLang="en-US" dirty="0">
-                <a:solidFill>
-                  <a:schemeClr val="bg1"/>
-                </a:solidFill>
-              </a:rPr>
-              <a:t>설명은 간단하게</a:t>
-            </a:r>
-            <a:r>
-              <a:rPr lang="en-US" altLang="ko-KR" dirty="0">
-                <a:solidFill>
-                  <a:schemeClr val="bg1"/>
-                </a:solidFill>
-              </a:rPr>
-              <a:t>)</a:t>
-            </a:r>
-          </a:p>
-          <a:p>
-            <a:r>
-              <a:rPr lang="ko-KR" altLang="en-US" dirty="0">
-                <a:solidFill>
-                  <a:schemeClr val="bg1"/>
-                </a:solidFill>
-              </a:rPr>
-              <a:t>이펙트</a:t>
-            </a:r>
-            <a:r>
-              <a:rPr lang="en-US" altLang="ko-KR" dirty="0">
-                <a:solidFill>
-                  <a:schemeClr val="bg1"/>
-                </a:solidFill>
-              </a:rPr>
-              <a:t>(</a:t>
-            </a:r>
-            <a:r>
-              <a:rPr lang="ko-KR" altLang="en-US" dirty="0">
-                <a:solidFill>
-                  <a:schemeClr val="bg1"/>
-                </a:solidFill>
-              </a:rPr>
-              <a:t>이동</a:t>
-            </a:r>
-            <a:r>
-              <a:rPr lang="en-US" altLang="ko-KR" dirty="0">
-                <a:solidFill>
-                  <a:schemeClr val="bg1"/>
-                </a:solidFill>
-              </a:rPr>
-              <a:t>, </a:t>
-            </a:r>
-            <a:r>
-              <a:rPr lang="ko-KR" altLang="en-US" dirty="0" err="1">
-                <a:solidFill>
-                  <a:schemeClr val="bg1"/>
-                </a:solidFill>
-              </a:rPr>
-              <a:t>충돌시</a:t>
-            </a:r>
-            <a:r>
-              <a:rPr lang="ko-KR" altLang="en-US" dirty="0">
-                <a:solidFill>
-                  <a:schemeClr val="bg1"/>
-                </a:solidFill>
-              </a:rPr>
-              <a:t> </a:t>
-            </a:r>
-            <a:r>
-              <a:rPr lang="en-US" altLang="ko-KR" dirty="0">
-                <a:solidFill>
-                  <a:schemeClr val="bg1"/>
-                </a:solidFill>
-              </a:rPr>
-              <a:t>particle</a:t>
-            </a:r>
-            <a:r>
-              <a:rPr lang="ko-KR" altLang="en-US" dirty="0">
-                <a:solidFill>
-                  <a:schemeClr val="bg1"/>
-                </a:solidFill>
-              </a:rPr>
-              <a:t> 실행</a:t>
-            </a:r>
-            <a:r>
-              <a:rPr lang="en-US" altLang="ko-KR" dirty="0">
-                <a:solidFill>
-                  <a:schemeClr val="bg1"/>
-                </a:solidFill>
-              </a:rPr>
-              <a:t>)</a:t>
-            </a:r>
-          </a:p>
-          <a:p>
-            <a:r>
-              <a:rPr lang="ko-KR" altLang="en-US" dirty="0" err="1">
-                <a:solidFill>
-                  <a:schemeClr val="bg1"/>
-                </a:solidFill>
-              </a:rPr>
-              <a:t>오브젝트풀링</a:t>
-            </a:r>
-            <a:r>
-              <a:rPr lang="en-US" altLang="ko-KR" dirty="0">
-                <a:solidFill>
-                  <a:schemeClr val="bg1"/>
-                </a:solidFill>
-              </a:rPr>
-              <a:t>(</a:t>
-            </a:r>
-            <a:r>
-              <a:rPr lang="ko-KR" altLang="en-US" dirty="0">
-                <a:solidFill>
-                  <a:schemeClr val="bg1"/>
-                </a:solidFill>
-              </a:rPr>
-              <a:t>이해 못할거임 그냥 자연스럽게 넘기기</a:t>
-            </a:r>
-            <a:r>
-              <a:rPr lang="en-US" altLang="ko-KR" dirty="0">
-                <a:solidFill>
-                  <a:schemeClr val="bg1"/>
-                </a:solidFill>
-              </a:rPr>
-              <a:t>)</a:t>
-            </a:r>
-          </a:p>
-          <a:p>
-            <a:endParaRPr lang="en-US" altLang="ko-KR" dirty="0">
-              <a:solidFill>
-                <a:schemeClr val="bg1"/>
-              </a:solidFill>
-            </a:endParaRPr>
-          </a:p>
-        </p:txBody>
-      </p:sp>
-    </p:spTree>
-    <p:extLst>
-      <p:ext uri="{BB962C8B-B14F-4D97-AF65-F5344CB8AC3E}">
-        <p14:creationId xmlns:p14="http://schemas.microsoft.com/office/powerpoint/2010/main" val="1023087105"/>
-      </p:ext>
-    </p:extLst>
-  </p:cSld>
-  <p:clrMapOvr>
-    <a:masterClrMapping/>
-  </p:clrMapOvr>
 </p:sld>
 </file>
 
